--- a/docs/code_architecture.pptx
+++ b/docs/code_architecture.pptx
@@ -259,7 +259,7 @@
           <a:p>
             <a:fld id="{7E403C90-7864-4C40-A504-B46ABA4FB44B}" type="datetimeFigureOut">
               <a:rPr lang="en-US" smtClean="0"/>
-              <a:t>10/22/21</a:t>
+              <a:t>10/26/21</a:t>
             </a:fld>
             <a:endParaRPr lang="en-US"/>
           </a:p>
@@ -457,7 +457,7 @@
           <a:p>
             <a:fld id="{7E403C90-7864-4C40-A504-B46ABA4FB44B}" type="datetimeFigureOut">
               <a:rPr lang="en-US" smtClean="0"/>
-              <a:t>10/22/21</a:t>
+              <a:t>10/26/21</a:t>
             </a:fld>
             <a:endParaRPr lang="en-US"/>
           </a:p>
@@ -665,7 +665,7 @@
           <a:p>
             <a:fld id="{7E403C90-7864-4C40-A504-B46ABA4FB44B}" type="datetimeFigureOut">
               <a:rPr lang="en-US" smtClean="0"/>
-              <a:t>10/22/21</a:t>
+              <a:t>10/26/21</a:t>
             </a:fld>
             <a:endParaRPr lang="en-US"/>
           </a:p>
@@ -863,7 +863,7 @@
           <a:p>
             <a:fld id="{7E403C90-7864-4C40-A504-B46ABA4FB44B}" type="datetimeFigureOut">
               <a:rPr lang="en-US" smtClean="0"/>
-              <a:t>10/22/21</a:t>
+              <a:t>10/26/21</a:t>
             </a:fld>
             <a:endParaRPr lang="en-US"/>
           </a:p>
@@ -1138,7 +1138,7 @@
           <a:p>
             <a:fld id="{7E403C90-7864-4C40-A504-B46ABA4FB44B}" type="datetimeFigureOut">
               <a:rPr lang="en-US" smtClean="0"/>
-              <a:t>10/22/21</a:t>
+              <a:t>10/26/21</a:t>
             </a:fld>
             <a:endParaRPr lang="en-US"/>
           </a:p>
@@ -1403,7 +1403,7 @@
           <a:p>
             <a:fld id="{7E403C90-7864-4C40-A504-B46ABA4FB44B}" type="datetimeFigureOut">
               <a:rPr lang="en-US" smtClean="0"/>
-              <a:t>10/22/21</a:t>
+              <a:t>10/26/21</a:t>
             </a:fld>
             <a:endParaRPr lang="en-US"/>
           </a:p>
@@ -1815,7 +1815,7 @@
           <a:p>
             <a:fld id="{7E403C90-7864-4C40-A504-B46ABA4FB44B}" type="datetimeFigureOut">
               <a:rPr lang="en-US" smtClean="0"/>
-              <a:t>10/22/21</a:t>
+              <a:t>10/26/21</a:t>
             </a:fld>
             <a:endParaRPr lang="en-US"/>
           </a:p>
@@ -1956,7 +1956,7 @@
           <a:p>
             <a:fld id="{7E403C90-7864-4C40-A504-B46ABA4FB44B}" type="datetimeFigureOut">
               <a:rPr lang="en-US" smtClean="0"/>
-              <a:t>10/22/21</a:t>
+              <a:t>10/26/21</a:t>
             </a:fld>
             <a:endParaRPr lang="en-US"/>
           </a:p>
@@ -2069,7 +2069,7 @@
           <a:p>
             <a:fld id="{7E403C90-7864-4C40-A504-B46ABA4FB44B}" type="datetimeFigureOut">
               <a:rPr lang="en-US" smtClean="0"/>
-              <a:t>10/22/21</a:t>
+              <a:t>10/26/21</a:t>
             </a:fld>
             <a:endParaRPr lang="en-US"/>
           </a:p>
@@ -2380,7 +2380,7 @@
           <a:p>
             <a:fld id="{7E403C90-7864-4C40-A504-B46ABA4FB44B}" type="datetimeFigureOut">
               <a:rPr lang="en-US" smtClean="0"/>
-              <a:t>10/22/21</a:t>
+              <a:t>10/26/21</a:t>
             </a:fld>
             <a:endParaRPr lang="en-US"/>
           </a:p>
@@ -2668,7 +2668,7 @@
           <a:p>
             <a:fld id="{7E403C90-7864-4C40-A504-B46ABA4FB44B}" type="datetimeFigureOut">
               <a:rPr lang="en-US" smtClean="0"/>
-              <a:t>10/22/21</a:t>
+              <a:t>10/26/21</a:t>
             </a:fld>
             <a:endParaRPr lang="en-US"/>
           </a:p>
@@ -2909,7 +2909,7 @@
           <a:p>
             <a:fld id="{7E403C90-7864-4C40-A504-B46ABA4FB44B}" type="datetimeFigureOut">
               <a:rPr lang="en-US" smtClean="0"/>
-              <a:t>10/22/21</a:t>
+              <a:t>10/26/21</a:t>
             </a:fld>
             <a:endParaRPr lang="en-US"/>
           </a:p>
@@ -3749,7 +3749,7 @@
         </p:blipFill>
         <p:spPr bwMode="auto">
           <a:xfrm>
-            <a:off x="7550491" y="3859924"/>
+            <a:off x="7578157" y="3816054"/>
             <a:ext cx="1270000" cy="782551"/>
           </a:xfrm>
           <a:prstGeom prst="rect">
@@ -6479,7 +6479,7 @@
         </p:nvCxnSpPr>
         <p:spPr>
           <a:xfrm flipH="1">
-            <a:off x="6169572" y="4251200"/>
+            <a:off x="6197238" y="4207330"/>
             <a:ext cx="1380919" cy="0"/>
           </a:xfrm>
           <a:prstGeom prst="straightConnector1">
@@ -6811,8 +6811,8 @@
         </p:nvSpPr>
         <p:spPr>
           <a:xfrm>
-            <a:off x="9302652" y="4043363"/>
-            <a:ext cx="1424312" cy="461665"/>
+            <a:off x="8162722" y="4611264"/>
+            <a:ext cx="1642025" cy="461665"/>
           </a:xfrm>
           <a:prstGeom prst="rect">
             <a:avLst/>
@@ -6975,6 +6975,99 @@
                 <a:latin typeface=""/>
               </a:rPr>
               <a:t>Write back to NAS</a:t>
+            </a:r>
+          </a:p>
+        </p:txBody>
+      </p:sp>
+      <p:pic>
+        <p:nvPicPr>
+          <p:cNvPr id="2" name="Picture 2" descr="cellpose">
+            <a:extLst>
+              <a:ext uri="{FF2B5EF4-FFF2-40B4-BE49-F238E27FC236}">
+                <a16:creationId xmlns:a16="http://schemas.microsoft.com/office/drawing/2014/main" id="{A03EDA7E-F98B-9148-B5B3-65473F05471A}"/>
+              </a:ext>
+            </a:extLst>
+          </p:cNvPr>
+          <p:cNvPicPr>
+            <a:picLocks noChangeAspect="1" noChangeArrowheads="1"/>
+          </p:cNvPicPr>
+          <p:nvPr/>
+        </p:nvPicPr>
+        <p:blipFill>
+          <a:blip r:embed="rId24">
+            <a:extLst>
+              <a:ext uri="{28A0092B-C50C-407E-A947-70E740481C1C}">
+                <a14:useLocalDpi xmlns:a14="http://schemas.microsoft.com/office/drawing/2010/main" val="0"/>
+              </a:ext>
+            </a:extLst>
+          </a:blip>
+          <a:srcRect/>
+          <a:stretch>
+            <a:fillRect/>
+          </a:stretch>
+        </p:blipFill>
+        <p:spPr bwMode="auto">
+          <a:xfrm>
+            <a:off x="9441307" y="3627902"/>
+            <a:ext cx="584084" cy="584084"/>
+          </a:xfrm>
+          <a:prstGeom prst="rect">
+            <a:avLst/>
+          </a:prstGeom>
+          <a:noFill/>
+          <a:extLst>
+            <a:ext uri="{909E8E84-426E-40DD-AFC4-6F175D3DCCD1}">
+              <a14:hiddenFill xmlns:a14="http://schemas.microsoft.com/office/drawing/2010/main">
+                <a:solidFill>
+                  <a:srgbClr val="FFFFFF"/>
+                </a:solidFill>
+              </a14:hiddenFill>
+            </a:ext>
+          </a:extLst>
+        </p:spPr>
+      </p:pic>
+      <p:sp>
+        <p:nvSpPr>
+          <p:cNvPr id="92" name="TextBox 91">
+            <a:extLst>
+              <a:ext uri="{FF2B5EF4-FFF2-40B4-BE49-F238E27FC236}">
+                <a16:creationId xmlns:a16="http://schemas.microsoft.com/office/drawing/2014/main" id="{4A1983C6-CB47-5645-9734-52509C25019D}"/>
+              </a:ext>
+            </a:extLst>
+          </p:cNvPr>
+          <p:cNvSpPr txBox="1"/>
+          <p:nvPr/>
+        </p:nvSpPr>
+        <p:spPr>
+          <a:xfrm>
+            <a:off x="9138850" y="4202654"/>
+            <a:ext cx="1188997" cy="307777"/>
+          </a:xfrm>
+          <a:prstGeom prst="rect">
+            <a:avLst/>
+          </a:prstGeom>
+          <a:noFill/>
+        </p:spPr>
+        <p:txBody>
+          <a:bodyPr wrap="square">
+            <a:spAutoFit/>
+          </a:bodyPr>
+          <a:lstStyle/>
+          <a:p>
+            <a:pPr algn="ctr"/>
+            <a:r>
+              <a:rPr lang="en-US" sz="1400" b="1" dirty="0">
+                <a:solidFill>
+                  <a:schemeClr val="tx1">
+                    <a:lumMod val="75000"/>
+                    <a:lumOff val="25000"/>
+                  </a:schemeClr>
+                </a:solidFill>
+                <a:latin typeface="Menlo" panose="020B0609030804020204" pitchFamily="49" charset="0"/>
+                <a:ea typeface="Menlo" panose="020B0609030804020204" pitchFamily="49" charset="0"/>
+                <a:cs typeface="Menlo" panose="020B0609030804020204" pitchFamily="49" charset="0"/>
+              </a:rPr>
+              <a:t>Cellpose</a:t>
             </a:r>
           </a:p>
         </p:txBody>

--- a/docs/code_architecture.pptx
+++ b/docs/code_architecture.pptx
@@ -259,7 +259,7 @@
           <a:p>
             <a:fld id="{7E403C90-7864-4C40-A504-B46ABA4FB44B}" type="datetimeFigureOut">
               <a:rPr lang="en-US" smtClean="0"/>
-              <a:t>10/26/21</a:t>
+              <a:t>10/27/21</a:t>
             </a:fld>
             <a:endParaRPr lang="en-US"/>
           </a:p>
@@ -457,7 +457,7 @@
           <a:p>
             <a:fld id="{7E403C90-7864-4C40-A504-B46ABA4FB44B}" type="datetimeFigureOut">
               <a:rPr lang="en-US" smtClean="0"/>
-              <a:t>10/26/21</a:t>
+              <a:t>10/27/21</a:t>
             </a:fld>
             <a:endParaRPr lang="en-US"/>
           </a:p>
@@ -665,7 +665,7 @@
           <a:p>
             <a:fld id="{7E403C90-7864-4C40-A504-B46ABA4FB44B}" type="datetimeFigureOut">
               <a:rPr lang="en-US" smtClean="0"/>
-              <a:t>10/26/21</a:t>
+              <a:t>10/27/21</a:t>
             </a:fld>
             <a:endParaRPr lang="en-US"/>
           </a:p>
@@ -863,7 +863,7 @@
           <a:p>
             <a:fld id="{7E403C90-7864-4C40-A504-B46ABA4FB44B}" type="datetimeFigureOut">
               <a:rPr lang="en-US" smtClean="0"/>
-              <a:t>10/26/21</a:t>
+              <a:t>10/27/21</a:t>
             </a:fld>
             <a:endParaRPr lang="en-US"/>
           </a:p>
@@ -1138,7 +1138,7 @@
           <a:p>
             <a:fld id="{7E403C90-7864-4C40-A504-B46ABA4FB44B}" type="datetimeFigureOut">
               <a:rPr lang="en-US" smtClean="0"/>
-              <a:t>10/26/21</a:t>
+              <a:t>10/27/21</a:t>
             </a:fld>
             <a:endParaRPr lang="en-US"/>
           </a:p>
@@ -1403,7 +1403,7 @@
           <a:p>
             <a:fld id="{7E403C90-7864-4C40-A504-B46ABA4FB44B}" type="datetimeFigureOut">
               <a:rPr lang="en-US" smtClean="0"/>
-              <a:t>10/26/21</a:t>
+              <a:t>10/27/21</a:t>
             </a:fld>
             <a:endParaRPr lang="en-US"/>
           </a:p>
@@ -1815,7 +1815,7 @@
           <a:p>
             <a:fld id="{7E403C90-7864-4C40-A504-B46ABA4FB44B}" type="datetimeFigureOut">
               <a:rPr lang="en-US" smtClean="0"/>
-              <a:t>10/26/21</a:t>
+              <a:t>10/27/21</a:t>
             </a:fld>
             <a:endParaRPr lang="en-US"/>
           </a:p>
@@ -1956,7 +1956,7 @@
           <a:p>
             <a:fld id="{7E403C90-7864-4C40-A504-B46ABA4FB44B}" type="datetimeFigureOut">
               <a:rPr lang="en-US" smtClean="0"/>
-              <a:t>10/26/21</a:t>
+              <a:t>10/27/21</a:t>
             </a:fld>
             <a:endParaRPr lang="en-US"/>
           </a:p>
@@ -2069,7 +2069,7 @@
           <a:p>
             <a:fld id="{7E403C90-7864-4C40-A504-B46ABA4FB44B}" type="datetimeFigureOut">
               <a:rPr lang="en-US" smtClean="0"/>
-              <a:t>10/26/21</a:t>
+              <a:t>10/27/21</a:t>
             </a:fld>
             <a:endParaRPr lang="en-US"/>
           </a:p>
@@ -2380,7 +2380,7 @@
           <a:p>
             <a:fld id="{7E403C90-7864-4C40-A504-B46ABA4FB44B}" type="datetimeFigureOut">
               <a:rPr lang="en-US" smtClean="0"/>
-              <a:t>10/26/21</a:t>
+              <a:t>10/27/21</a:t>
             </a:fld>
             <a:endParaRPr lang="en-US"/>
           </a:p>
@@ -2668,7 +2668,7 @@
           <a:p>
             <a:fld id="{7E403C90-7864-4C40-A504-B46ABA4FB44B}" type="datetimeFigureOut">
               <a:rPr lang="en-US" smtClean="0"/>
-              <a:t>10/26/21</a:t>
+              <a:t>10/27/21</a:t>
             </a:fld>
             <a:endParaRPr lang="en-US"/>
           </a:p>
@@ -2909,7 +2909,7 @@
           <a:p>
             <a:fld id="{7E403C90-7864-4C40-A504-B46ABA4FB44B}" type="datetimeFigureOut">
               <a:rPr lang="en-US" smtClean="0"/>
-              <a:t>10/26/21</a:t>
+              <a:t>10/27/21</a:t>
             </a:fld>
             <a:endParaRPr lang="en-US"/>
           </a:p>

--- a/docs/code_architecture.pptx
+++ b/docs/code_architecture.pptx
@@ -259,7 +259,7 @@
           <a:p>
             <a:fld id="{7E403C90-7864-4C40-A504-B46ABA4FB44B}" type="datetimeFigureOut">
               <a:rPr lang="en-US" smtClean="0"/>
-              <a:t>10/27/21</a:t>
+              <a:t>11/9/21</a:t>
             </a:fld>
             <a:endParaRPr lang="en-US"/>
           </a:p>
@@ -457,7 +457,7 @@
           <a:p>
             <a:fld id="{7E403C90-7864-4C40-A504-B46ABA4FB44B}" type="datetimeFigureOut">
               <a:rPr lang="en-US" smtClean="0"/>
-              <a:t>10/27/21</a:t>
+              <a:t>11/9/21</a:t>
             </a:fld>
             <a:endParaRPr lang="en-US"/>
           </a:p>
@@ -665,7 +665,7 @@
           <a:p>
             <a:fld id="{7E403C90-7864-4C40-A504-B46ABA4FB44B}" type="datetimeFigureOut">
               <a:rPr lang="en-US" smtClean="0"/>
-              <a:t>10/27/21</a:t>
+              <a:t>11/9/21</a:t>
             </a:fld>
             <a:endParaRPr lang="en-US"/>
           </a:p>
@@ -863,7 +863,7 @@
           <a:p>
             <a:fld id="{7E403C90-7864-4C40-A504-B46ABA4FB44B}" type="datetimeFigureOut">
               <a:rPr lang="en-US" smtClean="0"/>
-              <a:t>10/27/21</a:t>
+              <a:t>11/9/21</a:t>
             </a:fld>
             <a:endParaRPr lang="en-US"/>
           </a:p>
@@ -1138,7 +1138,7 @@
           <a:p>
             <a:fld id="{7E403C90-7864-4C40-A504-B46ABA4FB44B}" type="datetimeFigureOut">
               <a:rPr lang="en-US" smtClean="0"/>
-              <a:t>10/27/21</a:t>
+              <a:t>11/9/21</a:t>
             </a:fld>
             <a:endParaRPr lang="en-US"/>
           </a:p>
@@ -1403,7 +1403,7 @@
           <a:p>
             <a:fld id="{7E403C90-7864-4C40-A504-B46ABA4FB44B}" type="datetimeFigureOut">
               <a:rPr lang="en-US" smtClean="0"/>
-              <a:t>10/27/21</a:t>
+              <a:t>11/9/21</a:t>
             </a:fld>
             <a:endParaRPr lang="en-US"/>
           </a:p>
@@ -1815,7 +1815,7 @@
           <a:p>
             <a:fld id="{7E403C90-7864-4C40-A504-B46ABA4FB44B}" type="datetimeFigureOut">
               <a:rPr lang="en-US" smtClean="0"/>
-              <a:t>10/27/21</a:t>
+              <a:t>11/9/21</a:t>
             </a:fld>
             <a:endParaRPr lang="en-US"/>
           </a:p>
@@ -1956,7 +1956,7 @@
           <a:p>
             <a:fld id="{7E403C90-7864-4C40-A504-B46ABA4FB44B}" type="datetimeFigureOut">
               <a:rPr lang="en-US" smtClean="0"/>
-              <a:t>10/27/21</a:t>
+              <a:t>11/9/21</a:t>
             </a:fld>
             <a:endParaRPr lang="en-US"/>
           </a:p>
@@ -2069,7 +2069,7 @@
           <a:p>
             <a:fld id="{7E403C90-7864-4C40-A504-B46ABA4FB44B}" type="datetimeFigureOut">
               <a:rPr lang="en-US" smtClean="0"/>
-              <a:t>10/27/21</a:t>
+              <a:t>11/9/21</a:t>
             </a:fld>
             <a:endParaRPr lang="en-US"/>
           </a:p>
@@ -2380,7 +2380,7 @@
           <a:p>
             <a:fld id="{7E403C90-7864-4C40-A504-B46ABA4FB44B}" type="datetimeFigureOut">
               <a:rPr lang="en-US" smtClean="0"/>
-              <a:t>10/27/21</a:t>
+              <a:t>11/9/21</a:t>
             </a:fld>
             <a:endParaRPr lang="en-US"/>
           </a:p>
@@ -2668,7 +2668,7 @@
           <a:p>
             <a:fld id="{7E403C90-7864-4C40-A504-B46ABA4FB44B}" type="datetimeFigureOut">
               <a:rPr lang="en-US" smtClean="0"/>
-              <a:t>10/27/21</a:t>
+              <a:t>11/9/21</a:t>
             </a:fld>
             <a:endParaRPr lang="en-US"/>
           </a:p>
@@ -2909,7 +2909,7 @@
           <a:p>
             <a:fld id="{7E403C90-7864-4C40-A504-B46ABA4FB44B}" type="datetimeFigureOut">
               <a:rPr lang="en-US" smtClean="0"/>
-              <a:t>10/27/21</a:t>
+              <a:t>11/9/21</a:t>
             </a:fld>
             <a:endParaRPr lang="en-US"/>
           </a:p>

--- a/docs/code_architecture.pptx
+++ b/docs/code_architecture.pptx
@@ -5,7 +5,7 @@
     <p:sldMasterId id="2147483648" r:id="rId1"/>
   </p:sldMasterIdLst>
   <p:sldIdLst>
-    <p:sldId id="257" r:id="rId2"/>
+    <p:sldId id="258" r:id="rId2"/>
   </p:sldIdLst>
   <p:sldSz cx="12192000" cy="6858000"/>
   <p:notesSz cx="6858000" cy="9144000"/>
@@ -259,7 +259,7 @@
           <a:p>
             <a:fld id="{7E403C90-7864-4C40-A504-B46ABA4FB44B}" type="datetimeFigureOut">
               <a:rPr lang="en-US" smtClean="0"/>
-              <a:t>11/9/21</a:t>
+              <a:t>12/16/21</a:t>
             </a:fld>
             <a:endParaRPr lang="en-US"/>
           </a:p>
@@ -457,7 +457,7 @@
           <a:p>
             <a:fld id="{7E403C90-7864-4C40-A504-B46ABA4FB44B}" type="datetimeFigureOut">
               <a:rPr lang="en-US" smtClean="0"/>
-              <a:t>11/9/21</a:t>
+              <a:t>12/16/21</a:t>
             </a:fld>
             <a:endParaRPr lang="en-US"/>
           </a:p>
@@ -665,7 +665,7 @@
           <a:p>
             <a:fld id="{7E403C90-7864-4C40-A504-B46ABA4FB44B}" type="datetimeFigureOut">
               <a:rPr lang="en-US" smtClean="0"/>
-              <a:t>11/9/21</a:t>
+              <a:t>12/16/21</a:t>
             </a:fld>
             <a:endParaRPr lang="en-US"/>
           </a:p>
@@ -863,7 +863,7 @@
           <a:p>
             <a:fld id="{7E403C90-7864-4C40-A504-B46ABA4FB44B}" type="datetimeFigureOut">
               <a:rPr lang="en-US" smtClean="0"/>
-              <a:t>11/9/21</a:t>
+              <a:t>12/16/21</a:t>
             </a:fld>
             <a:endParaRPr lang="en-US"/>
           </a:p>
@@ -1138,7 +1138,7 @@
           <a:p>
             <a:fld id="{7E403C90-7864-4C40-A504-B46ABA4FB44B}" type="datetimeFigureOut">
               <a:rPr lang="en-US" smtClean="0"/>
-              <a:t>11/9/21</a:t>
+              <a:t>12/16/21</a:t>
             </a:fld>
             <a:endParaRPr lang="en-US"/>
           </a:p>
@@ -1403,7 +1403,7 @@
           <a:p>
             <a:fld id="{7E403C90-7864-4C40-A504-B46ABA4FB44B}" type="datetimeFigureOut">
               <a:rPr lang="en-US" smtClean="0"/>
-              <a:t>11/9/21</a:t>
+              <a:t>12/16/21</a:t>
             </a:fld>
             <a:endParaRPr lang="en-US"/>
           </a:p>
@@ -1815,7 +1815,7 @@
           <a:p>
             <a:fld id="{7E403C90-7864-4C40-A504-B46ABA4FB44B}" type="datetimeFigureOut">
               <a:rPr lang="en-US" smtClean="0"/>
-              <a:t>11/9/21</a:t>
+              <a:t>12/16/21</a:t>
             </a:fld>
             <a:endParaRPr lang="en-US"/>
           </a:p>
@@ -1956,7 +1956,7 @@
           <a:p>
             <a:fld id="{7E403C90-7864-4C40-A504-B46ABA4FB44B}" type="datetimeFigureOut">
               <a:rPr lang="en-US" smtClean="0"/>
-              <a:t>11/9/21</a:t>
+              <a:t>12/16/21</a:t>
             </a:fld>
             <a:endParaRPr lang="en-US"/>
           </a:p>
@@ -2069,7 +2069,7 @@
           <a:p>
             <a:fld id="{7E403C90-7864-4C40-A504-B46ABA4FB44B}" type="datetimeFigureOut">
               <a:rPr lang="en-US" smtClean="0"/>
-              <a:t>11/9/21</a:t>
+              <a:t>12/16/21</a:t>
             </a:fld>
             <a:endParaRPr lang="en-US"/>
           </a:p>
@@ -2380,7 +2380,7 @@
           <a:p>
             <a:fld id="{7E403C90-7864-4C40-A504-B46ABA4FB44B}" type="datetimeFigureOut">
               <a:rPr lang="en-US" smtClean="0"/>
-              <a:t>11/9/21</a:t>
+              <a:t>12/16/21</a:t>
             </a:fld>
             <a:endParaRPr lang="en-US"/>
           </a:p>
@@ -2668,7 +2668,7 @@
           <a:p>
             <a:fld id="{7E403C90-7864-4C40-A504-B46ABA4FB44B}" type="datetimeFigureOut">
               <a:rPr lang="en-US" smtClean="0"/>
-              <a:t>11/9/21</a:t>
+              <a:t>12/16/21</a:t>
             </a:fld>
             <a:endParaRPr lang="en-US"/>
           </a:p>
@@ -2909,7 +2909,7 @@
           <a:p>
             <a:fld id="{7E403C90-7864-4C40-A504-B46ABA4FB44B}" type="datetimeFigureOut">
               <a:rPr lang="en-US" smtClean="0"/>
-              <a:t>11/9/21</a:t>
+              <a:t>12/16/21</a:t>
             </a:fld>
             <a:endParaRPr lang="en-US"/>
           </a:p>
@@ -3328,16 +3328,16 @@
       </p:grpSpPr>
       <p:cxnSp>
         <p:nvCxnSpPr>
-          <p:cNvPr id="36" name="Straight Arrow Connector 35">
-            <a:extLst>
-              <a:ext uri="{FF2B5EF4-FFF2-40B4-BE49-F238E27FC236}">
-                <a16:creationId xmlns:a16="http://schemas.microsoft.com/office/drawing/2014/main" id="{02B34326-1E36-704A-941B-8B359C2C789D}"/>
+          <p:cNvPr id="2" name="Straight Arrow Connector 1">
+            <a:extLst>
+              <a:ext uri="{FF2B5EF4-FFF2-40B4-BE49-F238E27FC236}">
+                <a16:creationId xmlns:a16="http://schemas.microsoft.com/office/drawing/2014/main" id="{6E965BC4-4C43-2B46-B58C-5B7E050304E1}"/>
               </a:ext>
             </a:extLst>
           </p:cNvPr>
           <p:cNvCxnSpPr>
             <a:cxnSpLocks/>
-            <a:stCxn id="3" idx="3"/>
+            <a:stCxn id="9" idx="3"/>
           </p:cNvCxnSpPr>
           <p:nvPr/>
         </p:nvCxnSpPr>
@@ -3377,10 +3377,10 @@
       </p:cxnSp>
       <p:sp>
         <p:nvSpPr>
-          <p:cNvPr id="44" name="TextBox 43">
-            <a:extLst>
-              <a:ext uri="{FF2B5EF4-FFF2-40B4-BE49-F238E27FC236}">
-                <a16:creationId xmlns:a16="http://schemas.microsoft.com/office/drawing/2014/main" id="{0DE5C5DA-581D-4F4A-9E71-0905220C0E11}"/>
+          <p:cNvPr id="3" name="TextBox 2">
+            <a:extLst>
+              <a:ext uri="{FF2B5EF4-FFF2-40B4-BE49-F238E27FC236}">
+                <a16:creationId xmlns:a16="http://schemas.microsoft.com/office/drawing/2014/main" id="{67535C11-978A-EF49-BFA9-865AB2102AAF}"/>
               </a:ext>
             </a:extLst>
           </p:cNvPr>
@@ -3430,10 +3430,10 @@
       </p:sp>
       <p:sp>
         <p:nvSpPr>
-          <p:cNvPr id="45" name="TextBox 44">
-            <a:extLst>
-              <a:ext uri="{FF2B5EF4-FFF2-40B4-BE49-F238E27FC236}">
-                <a16:creationId xmlns:a16="http://schemas.microsoft.com/office/drawing/2014/main" id="{A3A09251-8680-6742-8EFA-6072EDB46B80}"/>
+          <p:cNvPr id="4" name="TextBox 3">
+            <a:extLst>
+              <a:ext uri="{FF2B5EF4-FFF2-40B4-BE49-F238E27FC236}">
+                <a16:creationId xmlns:a16="http://schemas.microsoft.com/office/drawing/2014/main" id="{C3CC080A-5475-694A-9AB9-64247F985BAB}"/>
               </a:ext>
             </a:extLst>
           </p:cNvPr>
@@ -3471,10 +3471,10 @@
       </p:sp>
       <p:cxnSp>
         <p:nvCxnSpPr>
-          <p:cNvPr id="47" name="Straight Arrow Connector 46">
-            <a:extLst>
-              <a:ext uri="{FF2B5EF4-FFF2-40B4-BE49-F238E27FC236}">
-                <a16:creationId xmlns:a16="http://schemas.microsoft.com/office/drawing/2014/main" id="{CD4978A2-D3D5-D044-97D6-4E632CA01C12}"/>
+          <p:cNvPr id="5" name="Straight Arrow Connector 4">
+            <a:extLst>
+              <a:ext uri="{FF2B5EF4-FFF2-40B4-BE49-F238E27FC236}">
+                <a16:creationId xmlns:a16="http://schemas.microsoft.com/office/drawing/2014/main" id="{EC255618-E4AC-BB49-9FAE-FBCCA16D1F98}"/>
               </a:ext>
             </a:extLst>
           </p:cNvPr>
@@ -3485,7 +3485,7 @@
         </p:nvCxnSpPr>
         <p:spPr>
           <a:xfrm flipH="1">
-            <a:off x="6281237" y="1952286"/>
+            <a:off x="6589847" y="1952286"/>
             <a:ext cx="2200611" cy="0"/>
           </a:xfrm>
           <a:prstGeom prst="straightConnector1">
@@ -3519,10 +3519,10 @@
       </p:cxnSp>
       <p:sp>
         <p:nvSpPr>
-          <p:cNvPr id="77" name="TextBox 76">
-            <a:extLst>
-              <a:ext uri="{FF2B5EF4-FFF2-40B4-BE49-F238E27FC236}">
-                <a16:creationId xmlns:a16="http://schemas.microsoft.com/office/drawing/2014/main" id="{52FAAC8D-CEA8-9F49-974D-F58D96A67262}"/>
+          <p:cNvPr id="6" name="TextBox 5">
+            <a:extLst>
+              <a:ext uri="{FF2B5EF4-FFF2-40B4-BE49-F238E27FC236}">
+                <a16:creationId xmlns:a16="http://schemas.microsoft.com/office/drawing/2014/main" id="{8B50D989-4C19-4F46-B3C6-3321B50CB008}"/>
               </a:ext>
             </a:extLst>
           </p:cNvPr>
@@ -3531,7 +3531,7 @@
         </p:nvSpPr>
         <p:spPr>
           <a:xfrm>
-            <a:off x="8358291" y="2570646"/>
+            <a:off x="8920089" y="2547947"/>
             <a:ext cx="1407758" cy="307777"/>
           </a:xfrm>
           <a:prstGeom prst="rect">
@@ -3560,10 +3560,10 @@
       </p:sp>
       <p:sp>
         <p:nvSpPr>
-          <p:cNvPr id="85" name="TextBox 84">
-            <a:extLst>
-              <a:ext uri="{FF2B5EF4-FFF2-40B4-BE49-F238E27FC236}">
-                <a16:creationId xmlns:a16="http://schemas.microsoft.com/office/drawing/2014/main" id="{74106C1B-3ED8-B149-9CC8-BDD6BFD7549F}"/>
+          <p:cNvPr id="7" name="TextBox 6">
+            <a:extLst>
+              <a:ext uri="{FF2B5EF4-FFF2-40B4-BE49-F238E27FC236}">
+                <a16:creationId xmlns:a16="http://schemas.microsoft.com/office/drawing/2014/main" id="{343BDA1D-E751-0847-9154-D9844E3E321C}"/>
               </a:ext>
             </a:extLst>
           </p:cNvPr>
@@ -3573,7 +3573,7 @@
         <p:spPr>
           <a:xfrm>
             <a:off x="285135" y="393290"/>
-            <a:ext cx="1858907" cy="369332"/>
+            <a:ext cx="3863558" cy="523220"/>
           </a:xfrm>
           <a:prstGeom prst="rect">
             <a:avLst/>
@@ -3587,7 +3587,11 @@
           <a:lstStyle/>
           <a:p>
             <a:r>
-              <a:rPr lang="en-US" dirty="0"/>
+              <a:rPr lang="en-US" sz="2800" dirty="0">
+                <a:latin typeface="Menlo" panose="020B0609030804020204" pitchFamily="49" charset="0"/>
+                <a:ea typeface="Menlo" panose="020B0609030804020204" pitchFamily="49" charset="0"/>
+                <a:cs typeface="Menlo" panose="020B0609030804020204" pitchFamily="49" charset="0"/>
+              </a:rPr>
               <a:t>Code architecture</a:t>
             </a:r>
           </a:p>
@@ -3595,10 +3599,10 @@
       </p:sp>
       <p:grpSp>
         <p:nvGrpSpPr>
-          <p:cNvPr id="1027" name="Group 1026">
-            <a:extLst>
-              <a:ext uri="{FF2B5EF4-FFF2-40B4-BE49-F238E27FC236}">
-                <a16:creationId xmlns:a16="http://schemas.microsoft.com/office/drawing/2014/main" id="{528BC522-7DA2-5345-A385-9848FE41DB59}"/>
+          <p:cNvPr id="8" name="Group 7">
+            <a:extLst>
+              <a:ext uri="{FF2B5EF4-FFF2-40B4-BE49-F238E27FC236}">
+                <a16:creationId xmlns:a16="http://schemas.microsoft.com/office/drawing/2014/main" id="{F6788599-EC96-C649-A3B1-709DA960B8F4}"/>
               </a:ext>
             </a:extLst>
           </p:cNvPr>
@@ -3615,10 +3619,10 @@
         </p:grpSpPr>
         <p:pic>
           <p:nvPicPr>
-            <p:cNvPr id="3" name="Graphic 2" descr="Microscope with solid fill">
+            <p:cNvPr id="9" name="Graphic 8" descr="Microscope with solid fill">
               <a:extLst>
                 <a:ext uri="{FF2B5EF4-FFF2-40B4-BE49-F238E27FC236}">
-                  <a16:creationId xmlns:a16="http://schemas.microsoft.com/office/drawing/2014/main" id="{42D68E07-3BD2-EA4C-A00C-581106CF1A93}"/>
+                  <a16:creationId xmlns:a16="http://schemas.microsoft.com/office/drawing/2014/main" id="{46D6D1FF-CE84-384B-99C7-AA140A1AFE9D}"/>
                 </a:ext>
               </a:extLst>
             </p:cNvPr>
@@ -3651,10 +3655,10 @@
         </p:pic>
         <p:pic>
           <p:nvPicPr>
-            <p:cNvPr id="87" name="Graphic 86" descr="Scientist female with solid fill">
+            <p:cNvPr id="10" name="Graphic 9" descr="Scientist female with solid fill">
               <a:extLst>
                 <a:ext uri="{FF2B5EF4-FFF2-40B4-BE49-F238E27FC236}">
-                  <a16:creationId xmlns:a16="http://schemas.microsoft.com/office/drawing/2014/main" id="{F0E5AF04-3CB4-9540-BB98-B1BC50CB9929}"/>
+                  <a16:creationId xmlns:a16="http://schemas.microsoft.com/office/drawing/2014/main" id="{D086CE5E-AAFF-984D-9C34-4158446B013D}"/>
                 </a:ext>
               </a:extLst>
             </p:cNvPr>
@@ -3687,10 +3691,10 @@
         </p:pic>
         <p:pic>
           <p:nvPicPr>
-            <p:cNvPr id="89" name="Graphic 88" descr="Scientist male with solid fill">
+            <p:cNvPr id="11" name="Graphic 10" descr="Scientist male with solid fill">
               <a:extLst>
                 <a:ext uri="{FF2B5EF4-FFF2-40B4-BE49-F238E27FC236}">
-                  <a16:creationId xmlns:a16="http://schemas.microsoft.com/office/drawing/2014/main" id="{EF880D97-0282-2543-9F28-66D8BDB689A2}"/>
+                  <a16:creationId xmlns:a16="http://schemas.microsoft.com/office/drawing/2014/main" id="{620F6580-4DCE-2A45-B015-3AABA2631C09}"/>
                 </a:ext>
               </a:extLst>
             </p:cNvPr>
@@ -3724,10 +3728,10 @@
       </p:grpSp>
       <p:pic>
         <p:nvPicPr>
-          <p:cNvPr id="1026" name="Picture 2" descr="@fish-quant">
-            <a:extLst>
-              <a:ext uri="{FF2B5EF4-FFF2-40B4-BE49-F238E27FC236}">
-                <a16:creationId xmlns:a16="http://schemas.microsoft.com/office/drawing/2014/main" id="{D98B1BF3-2306-7241-94F6-078BD5929BDA}"/>
+          <p:cNvPr id="12" name="Picture 2" descr="@fish-quant">
+            <a:extLst>
+              <a:ext uri="{FF2B5EF4-FFF2-40B4-BE49-F238E27FC236}">
+                <a16:creationId xmlns:a16="http://schemas.microsoft.com/office/drawing/2014/main" id="{33323416-E7F3-8B45-862E-18742793418A}"/>
               </a:ext>
             </a:extLst>
           </p:cNvPr>
@@ -3749,7 +3753,7 @@
         </p:blipFill>
         <p:spPr bwMode="auto">
           <a:xfrm>
-            <a:off x="7578157" y="3816054"/>
+            <a:off x="7576343" y="3591382"/>
             <a:ext cx="1270000" cy="782551"/>
           </a:xfrm>
           <a:prstGeom prst="rect">
@@ -3769,10 +3773,10 @@
       </p:pic>
       <p:sp>
         <p:nvSpPr>
-          <p:cNvPr id="94" name="TextBox 93">
-            <a:extLst>
-              <a:ext uri="{FF2B5EF4-FFF2-40B4-BE49-F238E27FC236}">
-                <a16:creationId xmlns:a16="http://schemas.microsoft.com/office/drawing/2014/main" id="{66B6D0A3-1587-D148-BB36-DC7B0832BA13}"/>
+          <p:cNvPr id="13" name="TextBox 12">
+            <a:extLst>
+              <a:ext uri="{FF2B5EF4-FFF2-40B4-BE49-F238E27FC236}">
+                <a16:creationId xmlns:a16="http://schemas.microsoft.com/office/drawing/2014/main" id="{50D7C286-EE68-3646-94E8-52BF8E62E995}"/>
               </a:ext>
             </a:extLst>
           </p:cNvPr>
@@ -3781,8 +3785,8 @@
         </p:nvSpPr>
         <p:spPr>
           <a:xfrm>
-            <a:off x="7463127" y="5115572"/>
-            <a:ext cx="3041217" cy="523220"/>
+            <a:off x="7919515" y="4796974"/>
+            <a:ext cx="3329759" cy="523220"/>
           </a:xfrm>
           <a:prstGeom prst="rect">
             <a:avLst/>
@@ -3815,17 +3819,17 @@
                 </a:solidFill>
                 <a:latin typeface=""/>
               </a:rPr>
-              <a:t>spot quantification and classification</a:t>
+              <a:t>3D-spot quantification and classification</a:t>
             </a:r>
           </a:p>
         </p:txBody>
       </p:sp>
       <p:grpSp>
         <p:nvGrpSpPr>
-          <p:cNvPr id="1051" name="Group 1050">
-            <a:extLst>
-              <a:ext uri="{FF2B5EF4-FFF2-40B4-BE49-F238E27FC236}">
-                <a16:creationId xmlns:a16="http://schemas.microsoft.com/office/drawing/2014/main" id="{B0CA1B80-C140-B846-A2B2-741A98A27EC3}"/>
+          <p:cNvPr id="14" name="Group 13">
+            <a:extLst>
+              <a:ext uri="{FF2B5EF4-FFF2-40B4-BE49-F238E27FC236}">
+                <a16:creationId xmlns:a16="http://schemas.microsoft.com/office/drawing/2014/main" id="{08A8199F-91E8-6E40-A663-81EEBC41F3F4}"/>
               </a:ext>
             </a:extLst>
           </p:cNvPr>
@@ -3834,7 +3838,7 @@
         </p:nvGrpSpPr>
         <p:grpSpPr>
           <a:xfrm>
-            <a:off x="8669995" y="1560089"/>
+            <a:off x="9271144" y="1600184"/>
             <a:ext cx="914400" cy="914400"/>
             <a:chOff x="9573885" y="1129165"/>
             <a:chExt cx="914400" cy="914400"/>
@@ -3842,10 +3846,10 @@
         </p:grpSpPr>
         <p:pic>
           <p:nvPicPr>
-            <p:cNvPr id="9" name="Graphic 8" descr="Laptop with solid fill">
+            <p:cNvPr id="15" name="Graphic 14" descr="Laptop with solid fill">
               <a:extLst>
                 <a:ext uri="{FF2B5EF4-FFF2-40B4-BE49-F238E27FC236}">
-                  <a16:creationId xmlns:a16="http://schemas.microsoft.com/office/drawing/2014/main" id="{43EF1B2B-C47B-CB4C-B900-A72DB584423C}"/>
+                  <a16:creationId xmlns:a16="http://schemas.microsoft.com/office/drawing/2014/main" id="{BE3697E6-889B-564F-939F-0632145FAD45}"/>
                 </a:ext>
               </a:extLst>
             </p:cNvPr>
@@ -3878,10 +3882,10 @@
         </p:pic>
         <p:pic>
           <p:nvPicPr>
-            <p:cNvPr id="1028" name="Picture 4">
+            <p:cNvPr id="16" name="Picture 4">
               <a:extLst>
                 <a:ext uri="{FF2B5EF4-FFF2-40B4-BE49-F238E27FC236}">
-                  <a16:creationId xmlns:a16="http://schemas.microsoft.com/office/drawing/2014/main" id="{49EF99F3-1840-C543-811A-6DC1CE593EE7}"/>
+                  <a16:creationId xmlns:a16="http://schemas.microsoft.com/office/drawing/2014/main" id="{1AF89B1F-2592-B84A-9E86-48B3274A8D7D}"/>
                 </a:ext>
               </a:extLst>
             </p:cNvPr>
@@ -3926,10 +3930,10 @@
       </p:grpSp>
       <p:grpSp>
         <p:nvGrpSpPr>
-          <p:cNvPr id="1029" name="Group 1028">
-            <a:extLst>
-              <a:ext uri="{FF2B5EF4-FFF2-40B4-BE49-F238E27FC236}">
-                <a16:creationId xmlns:a16="http://schemas.microsoft.com/office/drawing/2014/main" id="{694E9440-EC89-8642-9FCD-8DA846FAC79E}"/>
+          <p:cNvPr id="17" name="Group 16">
+            <a:extLst>
+              <a:ext uri="{FF2B5EF4-FFF2-40B4-BE49-F238E27FC236}">
+                <a16:creationId xmlns:a16="http://schemas.microsoft.com/office/drawing/2014/main" id="{53B2F883-F6F3-DA4D-8980-0539110B640F}"/>
               </a:ext>
             </a:extLst>
           </p:cNvPr>
@@ -3946,10 +3950,10 @@
         </p:grpSpPr>
         <p:pic>
           <p:nvPicPr>
-            <p:cNvPr id="5" name="Graphic 4" descr="Database with solid fill">
+            <p:cNvPr id="18" name="Graphic 17" descr="Database with solid fill">
               <a:extLst>
                 <a:ext uri="{FF2B5EF4-FFF2-40B4-BE49-F238E27FC236}">
-                  <a16:creationId xmlns:a16="http://schemas.microsoft.com/office/drawing/2014/main" id="{D35E5C98-F788-FE42-9E74-79807DBD4937}"/>
+                  <a16:creationId xmlns:a16="http://schemas.microsoft.com/office/drawing/2014/main" id="{7E49E9E2-4118-7040-8665-3D57234320FA}"/>
                 </a:ext>
               </a:extLst>
             </p:cNvPr>
@@ -3982,10 +3986,10 @@
         </p:pic>
         <p:grpSp>
           <p:nvGrpSpPr>
-            <p:cNvPr id="34" name="Group 33">
+            <p:cNvPr id="19" name="Group 18">
               <a:extLst>
                 <a:ext uri="{FF2B5EF4-FFF2-40B4-BE49-F238E27FC236}">
-                  <a16:creationId xmlns:a16="http://schemas.microsoft.com/office/drawing/2014/main" id="{AD08FD9B-6830-0C40-B0D8-74071D288D1B}"/>
+                  <a16:creationId xmlns:a16="http://schemas.microsoft.com/office/drawing/2014/main" id="{F3EA2418-507B-4648-9F3B-2C4160C4A438}"/>
                 </a:ext>
               </a:extLst>
             </p:cNvPr>
@@ -4004,10 +4008,10 @@
           </p:grpSpPr>
           <p:grpSp>
             <p:nvGrpSpPr>
-              <p:cNvPr id="10" name="Group 9">
+              <p:cNvPr id="50" name="Group 49">
                 <a:extLst>
                   <a:ext uri="{FF2B5EF4-FFF2-40B4-BE49-F238E27FC236}">
-                    <a16:creationId xmlns:a16="http://schemas.microsoft.com/office/drawing/2014/main" id="{63D9443A-1911-5D4C-B89A-F354F42D204F}"/>
+                    <a16:creationId xmlns:a16="http://schemas.microsoft.com/office/drawing/2014/main" id="{0D6AFEAD-92EB-CF4B-AA4B-1885472DA447}"/>
                   </a:ext>
                 </a:extLst>
               </p:cNvPr>
@@ -4031,10 +4035,10 @@
             </p:grpSpPr>
             <p:sp>
               <p:nvSpPr>
-                <p:cNvPr id="11" name="Rectangle 10">
+                <p:cNvPr id="67" name="Rectangle 66">
                   <a:extLst>
                     <a:ext uri="{FF2B5EF4-FFF2-40B4-BE49-F238E27FC236}">
-                      <a16:creationId xmlns:a16="http://schemas.microsoft.com/office/drawing/2014/main" id="{80B38FD1-1422-384F-B654-B2BCBD0CC26E}"/>
+                      <a16:creationId xmlns:a16="http://schemas.microsoft.com/office/drawing/2014/main" id="{84A4C332-709E-1843-A1FD-AB4C5756C2EE}"/>
                     </a:ext>
                   </a:extLst>
                 </p:cNvPr>
@@ -4085,10 +4089,10 @@
             </p:sp>
             <p:grpSp>
               <p:nvGrpSpPr>
-                <p:cNvPr id="12" name="Group 11">
+                <p:cNvPr id="68" name="Group 67">
                   <a:extLst>
                     <a:ext uri="{FF2B5EF4-FFF2-40B4-BE49-F238E27FC236}">
-                      <a16:creationId xmlns:a16="http://schemas.microsoft.com/office/drawing/2014/main" id="{66A1DBD4-C305-F843-8C7E-9E9E18C8D63B}"/>
+                      <a16:creationId xmlns:a16="http://schemas.microsoft.com/office/drawing/2014/main" id="{55E7907B-C7AA-9D44-AB41-32BF5314BAC7}"/>
                     </a:ext>
                   </a:extLst>
                 </p:cNvPr>
@@ -4107,10 +4111,10 @@
               </p:grpSpPr>
               <p:sp>
                 <p:nvSpPr>
-                  <p:cNvPr id="13" name="Oval 12">
+                  <p:cNvPr id="69" name="Oval 68">
                     <a:extLst>
                       <a:ext uri="{FF2B5EF4-FFF2-40B4-BE49-F238E27FC236}">
-                        <a16:creationId xmlns:a16="http://schemas.microsoft.com/office/drawing/2014/main" id="{3FE9D41D-5433-FF42-A1A7-51DDAD29E564}"/>
+                        <a16:creationId xmlns:a16="http://schemas.microsoft.com/office/drawing/2014/main" id="{7FAF14C4-8C88-B54E-82E0-B584B3B56957}"/>
                       </a:ext>
                     </a:extLst>
                   </p:cNvPr>
@@ -4164,10 +4168,10 @@
               </p:sp>
               <p:pic>
                 <p:nvPicPr>
-                  <p:cNvPr id="14" name="Graphic 13" descr="Mitochondria with solid fill">
+                  <p:cNvPr id="70" name="Graphic 69" descr="Mitochondria with solid fill">
                     <a:extLst>
                       <a:ext uri="{FF2B5EF4-FFF2-40B4-BE49-F238E27FC236}">
-                        <a16:creationId xmlns:a16="http://schemas.microsoft.com/office/drawing/2014/main" id="{2972D5E0-7B31-9D42-90EE-DDF443C3B27C}"/>
+                        <a16:creationId xmlns:a16="http://schemas.microsoft.com/office/drawing/2014/main" id="{E1AECCB5-9DDC-D641-BE7C-9B3CB1D22492}"/>
                       </a:ext>
                     </a:extLst>
                   </p:cNvPr>
@@ -4200,10 +4204,10 @@
               </p:pic>
               <p:grpSp>
                 <p:nvGrpSpPr>
-                  <p:cNvPr id="15" name="Group 14">
+                  <p:cNvPr id="71" name="Group 70">
                     <a:extLst>
                       <a:ext uri="{FF2B5EF4-FFF2-40B4-BE49-F238E27FC236}">
-                        <a16:creationId xmlns:a16="http://schemas.microsoft.com/office/drawing/2014/main" id="{52EADF9B-EB26-AF45-B5DB-664EC7B25C13}"/>
+                        <a16:creationId xmlns:a16="http://schemas.microsoft.com/office/drawing/2014/main" id="{84F1FE9B-BFB9-BF4B-9A4E-866BBBB4B040}"/>
                       </a:ext>
                     </a:extLst>
                   </p:cNvPr>
@@ -4220,10 +4224,10 @@
                 </p:grpSpPr>
                 <p:sp>
                   <p:nvSpPr>
-                    <p:cNvPr id="16" name="Rounded Rectangle 15">
+                    <p:cNvPr id="72" name="Rounded Rectangle 71">
                       <a:extLst>
                         <a:ext uri="{FF2B5EF4-FFF2-40B4-BE49-F238E27FC236}">
-                          <a16:creationId xmlns:a16="http://schemas.microsoft.com/office/drawing/2014/main" id="{E09B9446-7CE7-0449-ADD2-62AB8E68CE5D}"/>
+                          <a16:creationId xmlns:a16="http://schemas.microsoft.com/office/drawing/2014/main" id="{55893997-7E06-444F-9D9A-70710B540F33}"/>
                         </a:ext>
                       </a:extLst>
                     </p:cNvPr>
@@ -4277,10 +4281,10 @@
                 </p:sp>
                 <p:sp>
                   <p:nvSpPr>
-                    <p:cNvPr id="17" name="Oval 16">
+                    <p:cNvPr id="73" name="Oval 72">
                       <a:extLst>
                         <a:ext uri="{FF2B5EF4-FFF2-40B4-BE49-F238E27FC236}">
-                          <a16:creationId xmlns:a16="http://schemas.microsoft.com/office/drawing/2014/main" id="{A4644590-8DB2-054A-8D6A-6B4273108C5A}"/>
+                          <a16:creationId xmlns:a16="http://schemas.microsoft.com/office/drawing/2014/main" id="{A62AF2C2-D8CA-1749-80A1-61E3925E42FB}"/>
                         </a:ext>
                       </a:extLst>
                     </p:cNvPr>
@@ -4332,10 +4336,10 @@
           </p:grpSp>
           <p:grpSp>
             <p:nvGrpSpPr>
-              <p:cNvPr id="18" name="Group 17">
+              <p:cNvPr id="51" name="Group 50">
                 <a:extLst>
                   <a:ext uri="{FF2B5EF4-FFF2-40B4-BE49-F238E27FC236}">
-                    <a16:creationId xmlns:a16="http://schemas.microsoft.com/office/drawing/2014/main" id="{0A4D0D15-C81E-DD4A-B881-D33E704A8E74}"/>
+                    <a16:creationId xmlns:a16="http://schemas.microsoft.com/office/drawing/2014/main" id="{92AC6C5B-76B5-CB46-80CC-91CE3BA3F951}"/>
                   </a:ext>
                 </a:extLst>
               </p:cNvPr>
@@ -4359,10 +4363,10 @@
             </p:grpSpPr>
             <p:sp>
               <p:nvSpPr>
-                <p:cNvPr id="19" name="Rectangle 18">
+                <p:cNvPr id="60" name="Rectangle 59">
                   <a:extLst>
                     <a:ext uri="{FF2B5EF4-FFF2-40B4-BE49-F238E27FC236}">
-                      <a16:creationId xmlns:a16="http://schemas.microsoft.com/office/drawing/2014/main" id="{92EB5CB5-92EF-174D-8273-EC18F6B8631D}"/>
+                      <a16:creationId xmlns:a16="http://schemas.microsoft.com/office/drawing/2014/main" id="{D7677591-E15E-5540-87AD-1B37CF7F88D5}"/>
                     </a:ext>
                   </a:extLst>
                 </p:cNvPr>
@@ -4413,10 +4417,10 @@
             </p:sp>
             <p:grpSp>
               <p:nvGrpSpPr>
-                <p:cNvPr id="20" name="Group 19">
+                <p:cNvPr id="61" name="Group 60">
                   <a:extLst>
                     <a:ext uri="{FF2B5EF4-FFF2-40B4-BE49-F238E27FC236}">
-                      <a16:creationId xmlns:a16="http://schemas.microsoft.com/office/drawing/2014/main" id="{3FD7FDF6-0900-8848-AEF4-A56DE82B6BB3}"/>
+                      <a16:creationId xmlns:a16="http://schemas.microsoft.com/office/drawing/2014/main" id="{28833A83-7B5A-B545-9E5A-0512807D9FE7}"/>
                     </a:ext>
                   </a:extLst>
                 </p:cNvPr>
@@ -4435,10 +4439,10 @@
               </p:grpSpPr>
               <p:sp>
                 <p:nvSpPr>
-                  <p:cNvPr id="21" name="Oval 20">
+                  <p:cNvPr id="62" name="Oval 61">
                     <a:extLst>
                       <a:ext uri="{FF2B5EF4-FFF2-40B4-BE49-F238E27FC236}">
-                        <a16:creationId xmlns:a16="http://schemas.microsoft.com/office/drawing/2014/main" id="{1594B7AB-E499-6F43-8106-F96449330C5E}"/>
+                        <a16:creationId xmlns:a16="http://schemas.microsoft.com/office/drawing/2014/main" id="{6D86AE3B-8E39-A147-B31E-2D6BF37AAC8A}"/>
                       </a:ext>
                     </a:extLst>
                   </p:cNvPr>
@@ -4492,10 +4496,10 @@
               </p:sp>
               <p:pic>
                 <p:nvPicPr>
-                  <p:cNvPr id="22" name="Graphic 21" descr="Mitochondria with solid fill">
+                  <p:cNvPr id="63" name="Graphic 62" descr="Mitochondria with solid fill">
                     <a:extLst>
                       <a:ext uri="{FF2B5EF4-FFF2-40B4-BE49-F238E27FC236}">
-                        <a16:creationId xmlns:a16="http://schemas.microsoft.com/office/drawing/2014/main" id="{5045762F-00AB-5F4C-BA7F-E166DC6FC5BE}"/>
+                        <a16:creationId xmlns:a16="http://schemas.microsoft.com/office/drawing/2014/main" id="{5CEE1E7E-78D5-834C-BF57-A26DC74DFC69}"/>
                       </a:ext>
                     </a:extLst>
                   </p:cNvPr>
@@ -4528,10 +4532,10 @@
               </p:pic>
               <p:grpSp>
                 <p:nvGrpSpPr>
-                  <p:cNvPr id="23" name="Group 22">
+                  <p:cNvPr id="64" name="Group 63">
                     <a:extLst>
                       <a:ext uri="{FF2B5EF4-FFF2-40B4-BE49-F238E27FC236}">
-                        <a16:creationId xmlns:a16="http://schemas.microsoft.com/office/drawing/2014/main" id="{04D198EE-CFFE-464F-B9D8-886E6D3E70FF}"/>
+                        <a16:creationId xmlns:a16="http://schemas.microsoft.com/office/drawing/2014/main" id="{1A7BEADC-A238-6D45-831C-329419214DDA}"/>
                       </a:ext>
                     </a:extLst>
                   </p:cNvPr>
@@ -4548,10 +4552,10 @@
                 </p:grpSpPr>
                 <p:sp>
                   <p:nvSpPr>
-                    <p:cNvPr id="24" name="Rounded Rectangle 23">
+                    <p:cNvPr id="65" name="Rounded Rectangle 64">
                       <a:extLst>
                         <a:ext uri="{FF2B5EF4-FFF2-40B4-BE49-F238E27FC236}">
-                          <a16:creationId xmlns:a16="http://schemas.microsoft.com/office/drawing/2014/main" id="{A15CD588-C05B-724F-87A4-BBE2EA18AB1C}"/>
+                          <a16:creationId xmlns:a16="http://schemas.microsoft.com/office/drawing/2014/main" id="{3B63CAD1-F59F-1342-A0E3-4045220D3481}"/>
                         </a:ext>
                       </a:extLst>
                     </p:cNvPr>
@@ -4605,10 +4609,10 @@
                 </p:sp>
                 <p:sp>
                   <p:nvSpPr>
-                    <p:cNvPr id="25" name="Oval 24">
+                    <p:cNvPr id="66" name="Oval 65">
                       <a:extLst>
                         <a:ext uri="{FF2B5EF4-FFF2-40B4-BE49-F238E27FC236}">
-                          <a16:creationId xmlns:a16="http://schemas.microsoft.com/office/drawing/2014/main" id="{FBA1D091-3479-C14B-9033-9004F9259C77}"/>
+                          <a16:creationId xmlns:a16="http://schemas.microsoft.com/office/drawing/2014/main" id="{D25AFFA5-F6B2-0F4C-8D69-54F6B10F810F}"/>
                         </a:ext>
                       </a:extLst>
                     </p:cNvPr>
@@ -4660,10 +4664,10 @@
           </p:grpSp>
           <p:grpSp>
             <p:nvGrpSpPr>
-              <p:cNvPr id="26" name="Group 25">
+              <p:cNvPr id="52" name="Group 51">
                 <a:extLst>
                   <a:ext uri="{FF2B5EF4-FFF2-40B4-BE49-F238E27FC236}">
-                    <a16:creationId xmlns:a16="http://schemas.microsoft.com/office/drawing/2014/main" id="{9817A1CB-DC04-8146-A6F7-066BD3BF8E31}"/>
+                    <a16:creationId xmlns:a16="http://schemas.microsoft.com/office/drawing/2014/main" id="{46327705-3017-B54E-991D-3906B6554CF4}"/>
                   </a:ext>
                 </a:extLst>
               </p:cNvPr>
@@ -4687,10 +4691,10 @@
             </p:grpSpPr>
             <p:sp>
               <p:nvSpPr>
-                <p:cNvPr id="27" name="Rectangle 26">
+                <p:cNvPr id="53" name="Rectangle 52">
                   <a:extLst>
                     <a:ext uri="{FF2B5EF4-FFF2-40B4-BE49-F238E27FC236}">
-                      <a16:creationId xmlns:a16="http://schemas.microsoft.com/office/drawing/2014/main" id="{090730EF-BB8F-7D48-BC4D-03D0C3338C64}"/>
+                      <a16:creationId xmlns:a16="http://schemas.microsoft.com/office/drawing/2014/main" id="{8D76F3A2-E4BF-3C42-9816-BE6F384CC65B}"/>
                     </a:ext>
                   </a:extLst>
                 </p:cNvPr>
@@ -4741,10 +4745,10 @@
             </p:sp>
             <p:grpSp>
               <p:nvGrpSpPr>
-                <p:cNvPr id="28" name="Group 27">
+                <p:cNvPr id="54" name="Group 53">
                   <a:extLst>
                     <a:ext uri="{FF2B5EF4-FFF2-40B4-BE49-F238E27FC236}">
-                      <a16:creationId xmlns:a16="http://schemas.microsoft.com/office/drawing/2014/main" id="{CEC173D8-FD6E-DB45-A273-80EF85EF11EF}"/>
+                      <a16:creationId xmlns:a16="http://schemas.microsoft.com/office/drawing/2014/main" id="{2E8F3059-4042-CD4C-A29F-CE38C88408C9}"/>
                     </a:ext>
                   </a:extLst>
                 </p:cNvPr>
@@ -4763,10 +4767,10 @@
               </p:grpSpPr>
               <p:sp>
                 <p:nvSpPr>
-                  <p:cNvPr id="29" name="Oval 28">
+                  <p:cNvPr id="55" name="Oval 54">
                     <a:extLst>
                       <a:ext uri="{FF2B5EF4-FFF2-40B4-BE49-F238E27FC236}">
-                        <a16:creationId xmlns:a16="http://schemas.microsoft.com/office/drawing/2014/main" id="{DA7A1538-7BC6-CA4A-A09B-25D0DE5F8C51}"/>
+                        <a16:creationId xmlns:a16="http://schemas.microsoft.com/office/drawing/2014/main" id="{9F45E294-B78D-4A4A-AC72-5A394F665787}"/>
                       </a:ext>
                     </a:extLst>
                   </p:cNvPr>
@@ -4820,10 +4824,10 @@
               </p:sp>
               <p:pic>
                 <p:nvPicPr>
-                  <p:cNvPr id="30" name="Graphic 29" descr="Mitochondria with solid fill">
+                  <p:cNvPr id="56" name="Graphic 55" descr="Mitochondria with solid fill">
                     <a:extLst>
                       <a:ext uri="{FF2B5EF4-FFF2-40B4-BE49-F238E27FC236}">
-                        <a16:creationId xmlns:a16="http://schemas.microsoft.com/office/drawing/2014/main" id="{82907139-C6FE-DA4D-85A0-959B0A68E5D0}"/>
+                        <a16:creationId xmlns:a16="http://schemas.microsoft.com/office/drawing/2014/main" id="{EB8C1748-CDC7-E149-AF41-3152417CA649}"/>
                       </a:ext>
                     </a:extLst>
                   </p:cNvPr>
@@ -4856,10 +4860,10 @@
               </p:pic>
               <p:grpSp>
                 <p:nvGrpSpPr>
-                  <p:cNvPr id="31" name="Group 30">
+                  <p:cNvPr id="57" name="Group 56">
                     <a:extLst>
                       <a:ext uri="{FF2B5EF4-FFF2-40B4-BE49-F238E27FC236}">
-                        <a16:creationId xmlns:a16="http://schemas.microsoft.com/office/drawing/2014/main" id="{61A53A59-7F36-B04C-8C49-E6645BC1EBD4}"/>
+                        <a16:creationId xmlns:a16="http://schemas.microsoft.com/office/drawing/2014/main" id="{51409FC2-1246-1144-838F-C0D8F1C842C3}"/>
                       </a:ext>
                     </a:extLst>
                   </p:cNvPr>
@@ -4876,10 +4880,10 @@
                 </p:grpSpPr>
                 <p:sp>
                   <p:nvSpPr>
-                    <p:cNvPr id="32" name="Rounded Rectangle 31">
+                    <p:cNvPr id="58" name="Rounded Rectangle 57">
                       <a:extLst>
                         <a:ext uri="{FF2B5EF4-FFF2-40B4-BE49-F238E27FC236}">
-                          <a16:creationId xmlns:a16="http://schemas.microsoft.com/office/drawing/2014/main" id="{7F8F7434-F57D-D244-A489-E343C81F49F7}"/>
+                          <a16:creationId xmlns:a16="http://schemas.microsoft.com/office/drawing/2014/main" id="{221C23FF-C8B2-9045-884C-667CD606615F}"/>
                         </a:ext>
                       </a:extLst>
                     </p:cNvPr>
@@ -4933,10 +4937,10 @@
                 </p:sp>
                 <p:sp>
                   <p:nvSpPr>
-                    <p:cNvPr id="33" name="Oval 32">
+                    <p:cNvPr id="59" name="Oval 58">
                       <a:extLst>
                         <a:ext uri="{FF2B5EF4-FFF2-40B4-BE49-F238E27FC236}">
-                          <a16:creationId xmlns:a16="http://schemas.microsoft.com/office/drawing/2014/main" id="{32DF83D8-0A36-6F4C-98DB-C68D67669A6F}"/>
+                          <a16:creationId xmlns:a16="http://schemas.microsoft.com/office/drawing/2014/main" id="{C001DDAC-BF6F-2B4F-99B6-3FD01462B220}"/>
                         </a:ext>
                       </a:extLst>
                     </p:cNvPr>
@@ -4989,10 +4993,10 @@
         </p:grpSp>
         <p:pic>
           <p:nvPicPr>
-            <p:cNvPr id="41" name="Graphic 40" descr="Open folder with solid fill">
+            <p:cNvPr id="20" name="Graphic 19" descr="Open folder with solid fill">
               <a:extLst>
                 <a:ext uri="{FF2B5EF4-FFF2-40B4-BE49-F238E27FC236}">
-                  <a16:creationId xmlns:a16="http://schemas.microsoft.com/office/drawing/2014/main" id="{8B6A114D-14B8-1C41-B891-49403D53AC0D}"/>
+                  <a16:creationId xmlns:a16="http://schemas.microsoft.com/office/drawing/2014/main" id="{BFADDEE2-10C7-A547-B3D1-9E5B5B8E6501}"/>
                 </a:ext>
               </a:extLst>
             </p:cNvPr>
@@ -5025,10 +5029,10 @@
         </p:pic>
         <p:pic>
           <p:nvPicPr>
-            <p:cNvPr id="43" name="Graphic 42" descr="Open folder with solid fill">
+            <p:cNvPr id="21" name="Graphic 20" descr="Open folder with solid fill">
               <a:extLst>
                 <a:ext uri="{FF2B5EF4-FFF2-40B4-BE49-F238E27FC236}">
-                  <a16:creationId xmlns:a16="http://schemas.microsoft.com/office/drawing/2014/main" id="{D2DCF8D1-1D25-F547-9FED-756FFF95073B}"/>
+                  <a16:creationId xmlns:a16="http://schemas.microsoft.com/office/drawing/2014/main" id="{5D24D5CB-9E31-1E40-9115-B0D122D622FE}"/>
                 </a:ext>
               </a:extLst>
             </p:cNvPr>
@@ -5061,10 +5065,10 @@
         </p:pic>
         <p:grpSp>
           <p:nvGrpSpPr>
-            <p:cNvPr id="106" name="Group 105">
+            <p:cNvPr id="22" name="Group 21">
               <a:extLst>
                 <a:ext uri="{FF2B5EF4-FFF2-40B4-BE49-F238E27FC236}">
-                  <a16:creationId xmlns:a16="http://schemas.microsoft.com/office/drawing/2014/main" id="{4082B5A5-5412-F049-96C1-FF6C542694FA}"/>
+                  <a16:creationId xmlns:a16="http://schemas.microsoft.com/office/drawing/2014/main" id="{6701A191-1480-5B43-AD28-5E5879611148}"/>
                 </a:ext>
               </a:extLst>
             </p:cNvPr>
@@ -5083,10 +5087,10 @@
           </p:grpSpPr>
           <p:grpSp>
             <p:nvGrpSpPr>
-              <p:cNvPr id="107" name="Group 106">
+              <p:cNvPr id="26" name="Group 25">
                 <a:extLst>
                   <a:ext uri="{FF2B5EF4-FFF2-40B4-BE49-F238E27FC236}">
-                    <a16:creationId xmlns:a16="http://schemas.microsoft.com/office/drawing/2014/main" id="{2D4804AE-90E4-BA42-9EF4-FA06323C387E}"/>
+                    <a16:creationId xmlns:a16="http://schemas.microsoft.com/office/drawing/2014/main" id="{70E12F85-F632-A74B-93AE-CD82C780FC95}"/>
                   </a:ext>
                 </a:extLst>
               </p:cNvPr>
@@ -5110,10 +5114,10 @@
             </p:grpSpPr>
             <p:sp>
               <p:nvSpPr>
-                <p:cNvPr id="124" name="Rectangle 123">
+                <p:cNvPr id="43" name="Rectangle 42">
                   <a:extLst>
                     <a:ext uri="{FF2B5EF4-FFF2-40B4-BE49-F238E27FC236}">
-                      <a16:creationId xmlns:a16="http://schemas.microsoft.com/office/drawing/2014/main" id="{E234B36C-6C33-174F-AF97-D5F4FF1AC2FB}"/>
+                      <a16:creationId xmlns:a16="http://schemas.microsoft.com/office/drawing/2014/main" id="{4AC81ED0-02F0-924F-A5AF-57071ECAF947}"/>
                     </a:ext>
                   </a:extLst>
                 </p:cNvPr>
@@ -5164,10 +5168,10 @@
             </p:sp>
             <p:grpSp>
               <p:nvGrpSpPr>
-                <p:cNvPr id="125" name="Group 124">
+                <p:cNvPr id="44" name="Group 43">
                   <a:extLst>
                     <a:ext uri="{FF2B5EF4-FFF2-40B4-BE49-F238E27FC236}">
-                      <a16:creationId xmlns:a16="http://schemas.microsoft.com/office/drawing/2014/main" id="{5F6262EF-1460-0C46-BBC8-C17FF9F87163}"/>
+                      <a16:creationId xmlns:a16="http://schemas.microsoft.com/office/drawing/2014/main" id="{EACF2F56-D8CE-E44A-BD15-A65DF398B895}"/>
                     </a:ext>
                   </a:extLst>
                 </p:cNvPr>
@@ -5186,10 +5190,10 @@
               </p:grpSpPr>
               <p:sp>
                 <p:nvSpPr>
-                  <p:cNvPr id="126" name="Oval 125">
+                  <p:cNvPr id="45" name="Oval 44">
                     <a:extLst>
                       <a:ext uri="{FF2B5EF4-FFF2-40B4-BE49-F238E27FC236}">
-                        <a16:creationId xmlns:a16="http://schemas.microsoft.com/office/drawing/2014/main" id="{B7F983C4-D68A-514B-B0A0-ABB0D8DB8284}"/>
+                        <a16:creationId xmlns:a16="http://schemas.microsoft.com/office/drawing/2014/main" id="{701606F1-D991-8548-8786-DE370A553219}"/>
                       </a:ext>
                     </a:extLst>
                   </p:cNvPr>
@@ -5243,10 +5247,10 @@
               </p:sp>
               <p:pic>
                 <p:nvPicPr>
-                  <p:cNvPr id="127" name="Graphic 126" descr="Mitochondria with solid fill">
+                  <p:cNvPr id="46" name="Graphic 45" descr="Mitochondria with solid fill">
                     <a:extLst>
                       <a:ext uri="{FF2B5EF4-FFF2-40B4-BE49-F238E27FC236}">
-                        <a16:creationId xmlns:a16="http://schemas.microsoft.com/office/drawing/2014/main" id="{6C09F7B1-4EB5-D341-80C3-5E27C9846A48}"/>
+                        <a16:creationId xmlns:a16="http://schemas.microsoft.com/office/drawing/2014/main" id="{B00972A5-E7C7-DE4C-A64A-A328732A7781}"/>
                       </a:ext>
                     </a:extLst>
                   </p:cNvPr>
@@ -5279,10 +5283,10 @@
               </p:pic>
               <p:grpSp>
                 <p:nvGrpSpPr>
-                  <p:cNvPr id="128" name="Group 127">
+                  <p:cNvPr id="47" name="Group 46">
                     <a:extLst>
                       <a:ext uri="{FF2B5EF4-FFF2-40B4-BE49-F238E27FC236}">
-                        <a16:creationId xmlns:a16="http://schemas.microsoft.com/office/drawing/2014/main" id="{0D55CDDE-2DE2-B54C-BFFA-AA9E92A4DB25}"/>
+                        <a16:creationId xmlns:a16="http://schemas.microsoft.com/office/drawing/2014/main" id="{0453EF76-B101-7543-BC8D-0B51864A5DD4}"/>
                       </a:ext>
                     </a:extLst>
                   </p:cNvPr>
@@ -5299,10 +5303,10 @@
                 </p:grpSpPr>
                 <p:sp>
                   <p:nvSpPr>
-                    <p:cNvPr id="129" name="Rounded Rectangle 128">
+                    <p:cNvPr id="48" name="Rounded Rectangle 47">
                       <a:extLst>
                         <a:ext uri="{FF2B5EF4-FFF2-40B4-BE49-F238E27FC236}">
-                          <a16:creationId xmlns:a16="http://schemas.microsoft.com/office/drawing/2014/main" id="{07562605-4141-C944-8DC5-5FF28AB3770D}"/>
+                          <a16:creationId xmlns:a16="http://schemas.microsoft.com/office/drawing/2014/main" id="{DC106D65-24BD-1E46-9E2E-ED217348188C}"/>
                         </a:ext>
                       </a:extLst>
                     </p:cNvPr>
@@ -5356,10 +5360,10 @@
                 </p:sp>
                 <p:sp>
                   <p:nvSpPr>
-                    <p:cNvPr id="130" name="Oval 129">
+                    <p:cNvPr id="49" name="Oval 48">
                       <a:extLst>
                         <a:ext uri="{FF2B5EF4-FFF2-40B4-BE49-F238E27FC236}">
-                          <a16:creationId xmlns:a16="http://schemas.microsoft.com/office/drawing/2014/main" id="{A8A20B95-1929-244D-A115-8AF6528E83FD}"/>
+                          <a16:creationId xmlns:a16="http://schemas.microsoft.com/office/drawing/2014/main" id="{11955121-BDD2-5B41-8277-57103DE93223}"/>
                         </a:ext>
                       </a:extLst>
                     </p:cNvPr>
@@ -5411,10 +5415,10 @@
           </p:grpSp>
           <p:grpSp>
             <p:nvGrpSpPr>
-              <p:cNvPr id="108" name="Group 107">
+              <p:cNvPr id="27" name="Group 26">
                 <a:extLst>
                   <a:ext uri="{FF2B5EF4-FFF2-40B4-BE49-F238E27FC236}">
-                    <a16:creationId xmlns:a16="http://schemas.microsoft.com/office/drawing/2014/main" id="{8BA25EE0-6B1F-3E40-B023-06316A46BD39}"/>
+                    <a16:creationId xmlns:a16="http://schemas.microsoft.com/office/drawing/2014/main" id="{FD7CB1E6-E471-AF4B-A261-AA72734F9BF8}"/>
                   </a:ext>
                 </a:extLst>
               </p:cNvPr>
@@ -5438,10 +5442,10 @@
             </p:grpSpPr>
             <p:sp>
               <p:nvSpPr>
-                <p:cNvPr id="117" name="Rectangle 116">
+                <p:cNvPr id="36" name="Rectangle 35">
                   <a:extLst>
                     <a:ext uri="{FF2B5EF4-FFF2-40B4-BE49-F238E27FC236}">
-                      <a16:creationId xmlns:a16="http://schemas.microsoft.com/office/drawing/2014/main" id="{2CF72338-BC61-824D-94A9-13ECE7FFA94A}"/>
+                      <a16:creationId xmlns:a16="http://schemas.microsoft.com/office/drawing/2014/main" id="{2B75A8E2-AE21-ED48-93B3-8C367A371C7E}"/>
                     </a:ext>
                   </a:extLst>
                 </p:cNvPr>
@@ -5492,10 +5496,10 @@
             </p:sp>
             <p:grpSp>
               <p:nvGrpSpPr>
-                <p:cNvPr id="118" name="Group 117">
+                <p:cNvPr id="37" name="Group 36">
                   <a:extLst>
                     <a:ext uri="{FF2B5EF4-FFF2-40B4-BE49-F238E27FC236}">
-                      <a16:creationId xmlns:a16="http://schemas.microsoft.com/office/drawing/2014/main" id="{59336709-E2F6-0746-B6FB-009DDF76B6BA}"/>
+                      <a16:creationId xmlns:a16="http://schemas.microsoft.com/office/drawing/2014/main" id="{302E679D-40DD-0C47-897A-FC237FBAE543}"/>
                     </a:ext>
                   </a:extLst>
                 </p:cNvPr>
@@ -5514,10 +5518,10 @@
               </p:grpSpPr>
               <p:sp>
                 <p:nvSpPr>
-                  <p:cNvPr id="119" name="Oval 118">
+                  <p:cNvPr id="38" name="Oval 37">
                     <a:extLst>
                       <a:ext uri="{FF2B5EF4-FFF2-40B4-BE49-F238E27FC236}">
-                        <a16:creationId xmlns:a16="http://schemas.microsoft.com/office/drawing/2014/main" id="{6DFA3F07-54E7-8545-ABFE-3CB8A961FD20}"/>
+                        <a16:creationId xmlns:a16="http://schemas.microsoft.com/office/drawing/2014/main" id="{0A00CE8F-6D40-0F49-9570-510938AF95B8}"/>
                       </a:ext>
                     </a:extLst>
                   </p:cNvPr>
@@ -5571,10 +5575,10 @@
               </p:sp>
               <p:pic>
                 <p:nvPicPr>
-                  <p:cNvPr id="120" name="Graphic 119" descr="Mitochondria with solid fill">
+                  <p:cNvPr id="39" name="Graphic 38" descr="Mitochondria with solid fill">
                     <a:extLst>
                       <a:ext uri="{FF2B5EF4-FFF2-40B4-BE49-F238E27FC236}">
-                        <a16:creationId xmlns:a16="http://schemas.microsoft.com/office/drawing/2014/main" id="{CB36A649-199D-6444-B312-CE6A7C4152BE}"/>
+                        <a16:creationId xmlns:a16="http://schemas.microsoft.com/office/drawing/2014/main" id="{0A68DD85-D6B8-5E4C-9E92-16813B3A1BED}"/>
                       </a:ext>
                     </a:extLst>
                   </p:cNvPr>
@@ -5607,10 +5611,10 @@
               </p:pic>
               <p:grpSp>
                 <p:nvGrpSpPr>
-                  <p:cNvPr id="121" name="Group 120">
+                  <p:cNvPr id="40" name="Group 39">
                     <a:extLst>
                       <a:ext uri="{FF2B5EF4-FFF2-40B4-BE49-F238E27FC236}">
-                        <a16:creationId xmlns:a16="http://schemas.microsoft.com/office/drawing/2014/main" id="{39EBD285-13FF-774E-8B47-C2ACEB285BD7}"/>
+                        <a16:creationId xmlns:a16="http://schemas.microsoft.com/office/drawing/2014/main" id="{F6FDBDC6-99FB-0643-9684-2A7F14258D04}"/>
                       </a:ext>
                     </a:extLst>
                   </p:cNvPr>
@@ -5627,10 +5631,10 @@
                 </p:grpSpPr>
                 <p:sp>
                   <p:nvSpPr>
-                    <p:cNvPr id="122" name="Rounded Rectangle 121">
+                    <p:cNvPr id="41" name="Rounded Rectangle 40">
                       <a:extLst>
                         <a:ext uri="{FF2B5EF4-FFF2-40B4-BE49-F238E27FC236}">
-                          <a16:creationId xmlns:a16="http://schemas.microsoft.com/office/drawing/2014/main" id="{CAD6C9F3-57D0-514C-83DD-F61A220F3AFD}"/>
+                          <a16:creationId xmlns:a16="http://schemas.microsoft.com/office/drawing/2014/main" id="{91FFD3AF-7888-C041-A2D5-606D568A794F}"/>
                         </a:ext>
                       </a:extLst>
                     </p:cNvPr>
@@ -5684,10 +5688,10 @@
                 </p:sp>
                 <p:sp>
                   <p:nvSpPr>
-                    <p:cNvPr id="123" name="Oval 122">
+                    <p:cNvPr id="42" name="Oval 41">
                       <a:extLst>
                         <a:ext uri="{FF2B5EF4-FFF2-40B4-BE49-F238E27FC236}">
-                          <a16:creationId xmlns:a16="http://schemas.microsoft.com/office/drawing/2014/main" id="{1A147FF2-474A-DD4F-8B49-7E6E0CA73EC8}"/>
+                          <a16:creationId xmlns:a16="http://schemas.microsoft.com/office/drawing/2014/main" id="{150C91A3-7B0F-394E-AFB8-A1F24AEB17C1}"/>
                         </a:ext>
                       </a:extLst>
                     </p:cNvPr>
@@ -5739,10 +5743,10 @@
           </p:grpSp>
           <p:grpSp>
             <p:nvGrpSpPr>
-              <p:cNvPr id="109" name="Group 108">
+              <p:cNvPr id="28" name="Group 27">
                 <a:extLst>
                   <a:ext uri="{FF2B5EF4-FFF2-40B4-BE49-F238E27FC236}">
-                    <a16:creationId xmlns:a16="http://schemas.microsoft.com/office/drawing/2014/main" id="{6846D524-A69D-0047-AAB1-E9BA4EFE3863}"/>
+                    <a16:creationId xmlns:a16="http://schemas.microsoft.com/office/drawing/2014/main" id="{627E24DD-1B0B-AF40-A04F-D2781E049053}"/>
                   </a:ext>
                 </a:extLst>
               </p:cNvPr>
@@ -5766,10 +5770,10 @@
             </p:grpSpPr>
             <p:sp>
               <p:nvSpPr>
-                <p:cNvPr id="110" name="Rectangle 109">
+                <p:cNvPr id="29" name="Rectangle 28">
                   <a:extLst>
                     <a:ext uri="{FF2B5EF4-FFF2-40B4-BE49-F238E27FC236}">
-                      <a16:creationId xmlns:a16="http://schemas.microsoft.com/office/drawing/2014/main" id="{AC0374DE-9BE9-B543-8FCB-63BC5D528FA9}"/>
+                      <a16:creationId xmlns:a16="http://schemas.microsoft.com/office/drawing/2014/main" id="{1C131193-5C27-FC41-901E-AB2DAD6D21C3}"/>
                     </a:ext>
                   </a:extLst>
                 </p:cNvPr>
@@ -5820,10 +5824,10 @@
             </p:sp>
             <p:grpSp>
               <p:nvGrpSpPr>
-                <p:cNvPr id="111" name="Group 110">
+                <p:cNvPr id="30" name="Group 29">
                   <a:extLst>
                     <a:ext uri="{FF2B5EF4-FFF2-40B4-BE49-F238E27FC236}">
-                      <a16:creationId xmlns:a16="http://schemas.microsoft.com/office/drawing/2014/main" id="{80F9ECAE-7CA1-4C40-8FB3-7D25F80094B2}"/>
+                      <a16:creationId xmlns:a16="http://schemas.microsoft.com/office/drawing/2014/main" id="{90803E5A-2723-5F4E-9947-79B34F157E13}"/>
                     </a:ext>
                   </a:extLst>
                 </p:cNvPr>
@@ -5842,10 +5846,10 @@
               </p:grpSpPr>
               <p:sp>
                 <p:nvSpPr>
-                  <p:cNvPr id="112" name="Oval 111">
+                  <p:cNvPr id="31" name="Oval 30">
                     <a:extLst>
                       <a:ext uri="{FF2B5EF4-FFF2-40B4-BE49-F238E27FC236}">
-                        <a16:creationId xmlns:a16="http://schemas.microsoft.com/office/drawing/2014/main" id="{81BE87FD-2F39-ED43-8EC8-4AD90AEB9308}"/>
+                        <a16:creationId xmlns:a16="http://schemas.microsoft.com/office/drawing/2014/main" id="{5F67612C-1FE4-6440-BCB5-0FCC61070A99}"/>
                       </a:ext>
                     </a:extLst>
                   </p:cNvPr>
@@ -5899,10 +5903,10 @@
               </p:sp>
               <p:pic>
                 <p:nvPicPr>
-                  <p:cNvPr id="113" name="Graphic 112" descr="Mitochondria with solid fill">
+                  <p:cNvPr id="32" name="Graphic 31" descr="Mitochondria with solid fill">
                     <a:extLst>
                       <a:ext uri="{FF2B5EF4-FFF2-40B4-BE49-F238E27FC236}">
-                        <a16:creationId xmlns:a16="http://schemas.microsoft.com/office/drawing/2014/main" id="{6DB8581B-A8C7-5F46-9ED6-BC033CA27D09}"/>
+                        <a16:creationId xmlns:a16="http://schemas.microsoft.com/office/drawing/2014/main" id="{0C53DE3B-3733-004A-AA9E-0F96B3C99AC0}"/>
                       </a:ext>
                     </a:extLst>
                   </p:cNvPr>
@@ -5935,10 +5939,10 @@
               </p:pic>
               <p:grpSp>
                 <p:nvGrpSpPr>
-                  <p:cNvPr id="114" name="Group 113">
+                  <p:cNvPr id="33" name="Group 32">
                     <a:extLst>
                       <a:ext uri="{FF2B5EF4-FFF2-40B4-BE49-F238E27FC236}">
-                        <a16:creationId xmlns:a16="http://schemas.microsoft.com/office/drawing/2014/main" id="{4B232C57-1C57-CB47-9859-0453983AA499}"/>
+                        <a16:creationId xmlns:a16="http://schemas.microsoft.com/office/drawing/2014/main" id="{8B5478CF-890B-D54C-A620-ED3963CBB337}"/>
                       </a:ext>
                     </a:extLst>
                   </p:cNvPr>
@@ -5955,10 +5959,10 @@
                 </p:grpSpPr>
                 <p:sp>
                   <p:nvSpPr>
-                    <p:cNvPr id="115" name="Rounded Rectangle 114">
+                    <p:cNvPr id="34" name="Rounded Rectangle 33">
                       <a:extLst>
                         <a:ext uri="{FF2B5EF4-FFF2-40B4-BE49-F238E27FC236}">
-                          <a16:creationId xmlns:a16="http://schemas.microsoft.com/office/drawing/2014/main" id="{74701305-D02E-3344-9605-8E4C28897FBB}"/>
+                          <a16:creationId xmlns:a16="http://schemas.microsoft.com/office/drawing/2014/main" id="{1FDFD469-DD6A-0049-99C7-560811A60C41}"/>
                         </a:ext>
                       </a:extLst>
                     </p:cNvPr>
@@ -6012,10 +6016,10 @@
                 </p:sp>
                 <p:sp>
                   <p:nvSpPr>
-                    <p:cNvPr id="116" name="Oval 115">
+                    <p:cNvPr id="35" name="Oval 34">
                       <a:extLst>
                         <a:ext uri="{FF2B5EF4-FFF2-40B4-BE49-F238E27FC236}">
-                          <a16:creationId xmlns:a16="http://schemas.microsoft.com/office/drawing/2014/main" id="{4218912B-8372-794A-A7C4-744DDAC41A93}"/>
+                          <a16:creationId xmlns:a16="http://schemas.microsoft.com/office/drawing/2014/main" id="{BC531D7D-13D8-584D-AAC6-54ACE7C1A57F}"/>
                         </a:ext>
                       </a:extLst>
                     </p:cNvPr>
@@ -6068,10 +6072,10 @@
         </p:grpSp>
         <p:cxnSp>
           <p:nvCxnSpPr>
-            <p:cNvPr id="131" name="Straight Arrow Connector 130">
+            <p:cNvPr id="23" name="Straight Arrow Connector 22">
               <a:extLst>
                 <a:ext uri="{FF2B5EF4-FFF2-40B4-BE49-F238E27FC236}">
-                  <a16:creationId xmlns:a16="http://schemas.microsoft.com/office/drawing/2014/main" id="{7EC7437E-6F0A-C949-B5B1-FA40CFBCD3C4}"/>
+                  <a16:creationId xmlns:a16="http://schemas.microsoft.com/office/drawing/2014/main" id="{46A8D1B4-7E54-344A-BA43-E70E84769E47}"/>
                 </a:ext>
               </a:extLst>
             </p:cNvPr>
@@ -6116,10 +6120,10 @@
         </p:cxnSp>
         <p:cxnSp>
           <p:nvCxnSpPr>
-            <p:cNvPr id="133" name="Straight Arrow Connector 132">
+            <p:cNvPr id="24" name="Straight Arrow Connector 23">
               <a:extLst>
                 <a:ext uri="{FF2B5EF4-FFF2-40B4-BE49-F238E27FC236}">
-                  <a16:creationId xmlns:a16="http://schemas.microsoft.com/office/drawing/2014/main" id="{78EF84B3-A603-E940-A57C-60CDA233B8B5}"/>
+                  <a16:creationId xmlns:a16="http://schemas.microsoft.com/office/drawing/2014/main" id="{089D50DE-47AD-6540-AA81-96EDE9AF4F3A}"/>
                 </a:ext>
               </a:extLst>
             </p:cNvPr>
@@ -6164,10 +6168,10 @@
         </p:cxnSp>
         <p:cxnSp>
           <p:nvCxnSpPr>
-            <p:cNvPr id="134" name="Straight Arrow Connector 133">
+            <p:cNvPr id="25" name="Straight Arrow Connector 24">
               <a:extLst>
                 <a:ext uri="{FF2B5EF4-FFF2-40B4-BE49-F238E27FC236}">
-                  <a16:creationId xmlns:a16="http://schemas.microsoft.com/office/drawing/2014/main" id="{18828F3D-5779-E34C-A914-18B5C283836B}"/>
+                  <a16:creationId xmlns:a16="http://schemas.microsoft.com/office/drawing/2014/main" id="{3E756D69-78A5-5844-A938-01820A99E4E9}"/>
                 </a:ext>
               </a:extLst>
             </p:cNvPr>
@@ -6213,10 +6217,10 @@
       </p:grpSp>
       <p:sp>
         <p:nvSpPr>
-          <p:cNvPr id="138" name="TextBox 137">
-            <a:extLst>
-              <a:ext uri="{FF2B5EF4-FFF2-40B4-BE49-F238E27FC236}">
-                <a16:creationId xmlns:a16="http://schemas.microsoft.com/office/drawing/2014/main" id="{4B1FED80-9F05-B84B-A50F-9D12F6E6BE40}"/>
+          <p:cNvPr id="74" name="TextBox 73">
+            <a:extLst>
+              <a:ext uri="{FF2B5EF4-FFF2-40B4-BE49-F238E27FC236}">
+                <a16:creationId xmlns:a16="http://schemas.microsoft.com/office/drawing/2014/main" id="{0F65FDF7-95FB-B645-AE7A-091EA929BE14}"/>
               </a:ext>
             </a:extLst>
           </p:cNvPr>
@@ -6225,7 +6229,7 @@
         </p:nvSpPr>
         <p:spPr>
           <a:xfrm>
-            <a:off x="6369105" y="1631100"/>
+            <a:off x="6677715" y="1631100"/>
             <a:ext cx="2020716" cy="276999"/>
           </a:xfrm>
           <a:prstGeom prst="rect">
@@ -6281,10 +6285,10 @@
       </p:sp>
       <p:cxnSp>
         <p:nvCxnSpPr>
-          <p:cNvPr id="141" name="Straight Arrow Connector 140">
-            <a:extLst>
-              <a:ext uri="{FF2B5EF4-FFF2-40B4-BE49-F238E27FC236}">
-                <a16:creationId xmlns:a16="http://schemas.microsoft.com/office/drawing/2014/main" id="{6231D62C-CC43-6F45-9813-B6B432980B7B}"/>
+          <p:cNvPr id="75" name="Straight Arrow Connector 74">
+            <a:extLst>
+              <a:ext uri="{FF2B5EF4-FFF2-40B4-BE49-F238E27FC236}">
+                <a16:creationId xmlns:a16="http://schemas.microsoft.com/office/drawing/2014/main" id="{DB0ADAA1-2724-1C42-87D9-434C303BEB57}"/>
               </a:ext>
             </a:extLst>
           </p:cNvPr>
@@ -6295,7 +6299,7 @@
         </p:nvCxnSpPr>
         <p:spPr>
           <a:xfrm flipV="1">
-            <a:off x="6303865" y="2167319"/>
+            <a:off x="6612475" y="2167319"/>
             <a:ext cx="2177983" cy="12745"/>
           </a:xfrm>
           <a:prstGeom prst="straightConnector1">
@@ -6329,10 +6333,10 @@
       </p:cxnSp>
       <p:sp>
         <p:nvSpPr>
-          <p:cNvPr id="146" name="TextBox 145">
-            <a:extLst>
-              <a:ext uri="{FF2B5EF4-FFF2-40B4-BE49-F238E27FC236}">
-                <a16:creationId xmlns:a16="http://schemas.microsoft.com/office/drawing/2014/main" id="{68E203F1-3EA2-DC44-9081-389CC70DFDF6}"/>
+          <p:cNvPr id="76" name="TextBox 75">
+            <a:extLst>
+              <a:ext uri="{FF2B5EF4-FFF2-40B4-BE49-F238E27FC236}">
+                <a16:creationId xmlns:a16="http://schemas.microsoft.com/office/drawing/2014/main" id="{2251E288-DEB2-274A-96C1-737F5D079A28}"/>
               </a:ext>
             </a:extLst>
           </p:cNvPr>
@@ -6341,7 +6345,7 @@
         </p:nvSpPr>
         <p:spPr>
           <a:xfrm>
-            <a:off x="6337575" y="2180894"/>
+            <a:off x="6646185" y="2180894"/>
             <a:ext cx="2094324" cy="276999"/>
           </a:xfrm>
           <a:prstGeom prst="rect">
@@ -6373,10 +6377,10 @@
       </p:sp>
       <p:cxnSp>
         <p:nvCxnSpPr>
-          <p:cNvPr id="151" name="Straight Arrow Connector 150">
-            <a:extLst>
-              <a:ext uri="{FF2B5EF4-FFF2-40B4-BE49-F238E27FC236}">
-                <a16:creationId xmlns:a16="http://schemas.microsoft.com/office/drawing/2014/main" id="{D64B5191-5A3F-DC4A-BB2B-EA574BCB283D}"/>
+          <p:cNvPr id="77" name="Straight Arrow Connector 76">
+            <a:extLst>
+              <a:ext uri="{FF2B5EF4-FFF2-40B4-BE49-F238E27FC236}">
+                <a16:creationId xmlns:a16="http://schemas.microsoft.com/office/drawing/2014/main" id="{08E0275B-869E-2C4B-B37A-76F27CA41B90}"/>
               </a:ext>
             </a:extLst>
           </p:cNvPr>
@@ -6387,7 +6391,7 @@
         </p:nvCxnSpPr>
         <p:spPr>
           <a:xfrm>
-            <a:off x="9073777" y="3022452"/>
+            <a:off x="9728344" y="2921066"/>
             <a:ext cx="1" cy="641033"/>
           </a:xfrm>
           <a:prstGeom prst="straightConnector1">
@@ -6421,10 +6425,10 @@
       </p:cxnSp>
       <p:sp>
         <p:nvSpPr>
-          <p:cNvPr id="154" name="TextBox 153">
-            <a:extLst>
-              <a:ext uri="{FF2B5EF4-FFF2-40B4-BE49-F238E27FC236}">
-                <a16:creationId xmlns:a16="http://schemas.microsoft.com/office/drawing/2014/main" id="{63F4D837-6B3B-3F49-9F3A-94E4EBE16662}"/>
+          <p:cNvPr id="78" name="TextBox 77">
+            <a:extLst>
+              <a:ext uri="{FF2B5EF4-FFF2-40B4-BE49-F238E27FC236}">
+                <a16:creationId xmlns:a16="http://schemas.microsoft.com/office/drawing/2014/main" id="{1084E3B2-6094-0C46-AAAD-AAB988340136}"/>
               </a:ext>
             </a:extLst>
           </p:cNvPr>
@@ -6464,22 +6468,22 @@
       </p:sp>
       <p:cxnSp>
         <p:nvCxnSpPr>
-          <p:cNvPr id="155" name="Straight Arrow Connector 154">
-            <a:extLst>
-              <a:ext uri="{FF2B5EF4-FFF2-40B4-BE49-F238E27FC236}">
-                <a16:creationId xmlns:a16="http://schemas.microsoft.com/office/drawing/2014/main" id="{A04191A9-505B-4140-B10E-2D8DDDA12342}"/>
+          <p:cNvPr id="79" name="Straight Arrow Connector 78">
+            <a:extLst>
+              <a:ext uri="{FF2B5EF4-FFF2-40B4-BE49-F238E27FC236}">
+                <a16:creationId xmlns:a16="http://schemas.microsoft.com/office/drawing/2014/main" id="{8AA25228-07C6-E641-BF55-D09FE6F09470}"/>
               </a:ext>
             </a:extLst>
           </p:cNvPr>
           <p:cNvCxnSpPr>
             <a:cxnSpLocks/>
-            <a:stCxn id="1026" idx="1"/>
+            <a:stCxn id="12" idx="1"/>
           </p:cNvCxnSpPr>
           <p:nvPr/>
         </p:nvCxnSpPr>
         <p:spPr>
           <a:xfrm flipH="1">
-            <a:off x="6197238" y="4207330"/>
+            <a:off x="6195424" y="3982658"/>
             <a:ext cx="1380919" cy="0"/>
           </a:xfrm>
           <a:prstGeom prst="straightConnector1">
@@ -6513,10 +6517,10 @@
       </p:cxnSp>
       <p:pic>
         <p:nvPicPr>
-          <p:cNvPr id="156" name="Graphic 155" descr="Open folder with solid fill">
-            <a:extLst>
-              <a:ext uri="{FF2B5EF4-FFF2-40B4-BE49-F238E27FC236}">
-                <a16:creationId xmlns:a16="http://schemas.microsoft.com/office/drawing/2014/main" id="{A383187C-C36D-AD49-8A4D-7C9D3B3AF93F}"/>
+          <p:cNvPr id="80" name="Graphic 79" descr="Open folder with solid fill">
+            <a:extLst>
+              <a:ext uri="{FF2B5EF4-FFF2-40B4-BE49-F238E27FC236}">
+                <a16:creationId xmlns:a16="http://schemas.microsoft.com/office/drawing/2014/main" id="{91EBE995-7823-6840-9393-C69500F0DDF3}"/>
               </a:ext>
             </a:extLst>
           </p:cNvPr>
@@ -6549,10 +6553,10 @@
       </p:pic>
       <p:pic>
         <p:nvPicPr>
-          <p:cNvPr id="1041" name="Graphic 1040" descr="Document with solid fill">
-            <a:extLst>
-              <a:ext uri="{FF2B5EF4-FFF2-40B4-BE49-F238E27FC236}">
-                <a16:creationId xmlns:a16="http://schemas.microsoft.com/office/drawing/2014/main" id="{93DAD1C4-ACD5-4A4E-ABD5-3F686C1CF293}"/>
+          <p:cNvPr id="81" name="Graphic 80" descr="Document with solid fill">
+            <a:extLst>
+              <a:ext uri="{FF2B5EF4-FFF2-40B4-BE49-F238E27FC236}">
+                <a16:creationId xmlns:a16="http://schemas.microsoft.com/office/drawing/2014/main" id="{2868A919-FDEF-774A-A317-25CBCE195604}"/>
               </a:ext>
             </a:extLst>
           </p:cNvPr>
@@ -6585,10 +6589,10 @@
       </p:pic>
       <p:pic>
         <p:nvPicPr>
-          <p:cNvPr id="1045" name="Graphic 1044" descr="Table with solid fill">
-            <a:extLst>
-              <a:ext uri="{FF2B5EF4-FFF2-40B4-BE49-F238E27FC236}">
-                <a16:creationId xmlns:a16="http://schemas.microsoft.com/office/drawing/2014/main" id="{C665045B-0B15-0841-8E8F-8A3D3CCAEE40}"/>
+          <p:cNvPr id="82" name="Graphic 81" descr="Table with solid fill">
+            <a:extLst>
+              <a:ext uri="{FF2B5EF4-FFF2-40B4-BE49-F238E27FC236}">
+                <a16:creationId xmlns:a16="http://schemas.microsoft.com/office/drawing/2014/main" id="{B6F9ED36-55F8-1A4A-B48D-D070D8D118B1}"/>
               </a:ext>
             </a:extLst>
           </p:cNvPr>
@@ -6621,10 +6625,10 @@
       </p:pic>
       <p:sp>
         <p:nvSpPr>
-          <p:cNvPr id="165" name="TextBox 164">
-            <a:extLst>
-              <a:ext uri="{FF2B5EF4-FFF2-40B4-BE49-F238E27FC236}">
-                <a16:creationId xmlns:a16="http://schemas.microsoft.com/office/drawing/2014/main" id="{38FE0CB5-33C0-CB42-BDEB-3066525DD8CF}"/>
+          <p:cNvPr id="83" name="TextBox 82">
+            <a:extLst>
+              <a:ext uri="{FF2B5EF4-FFF2-40B4-BE49-F238E27FC236}">
+                <a16:creationId xmlns:a16="http://schemas.microsoft.com/office/drawing/2014/main" id="{3E915D7A-72EC-8A4A-872D-6FF951099838}"/>
               </a:ext>
             </a:extLst>
           </p:cNvPr>
@@ -6665,10 +6669,10 @@
       </p:sp>
       <p:sp>
         <p:nvSpPr>
-          <p:cNvPr id="166" name="TextBox 165">
-            <a:extLst>
-              <a:ext uri="{FF2B5EF4-FFF2-40B4-BE49-F238E27FC236}">
-                <a16:creationId xmlns:a16="http://schemas.microsoft.com/office/drawing/2014/main" id="{80D7041D-4545-3947-9C2D-FF088EAE777D}"/>
+          <p:cNvPr id="84" name="TextBox 83">
+            <a:extLst>
+              <a:ext uri="{FF2B5EF4-FFF2-40B4-BE49-F238E27FC236}">
+                <a16:creationId xmlns:a16="http://schemas.microsoft.com/office/drawing/2014/main" id="{6E603CE6-59FA-7344-9969-1C48DF503835}"/>
               </a:ext>
             </a:extLst>
           </p:cNvPr>
@@ -6709,10 +6713,10 @@
       </p:sp>
       <p:sp>
         <p:nvSpPr>
-          <p:cNvPr id="167" name="TextBox 166">
-            <a:extLst>
-              <a:ext uri="{FF2B5EF4-FFF2-40B4-BE49-F238E27FC236}">
-                <a16:creationId xmlns:a16="http://schemas.microsoft.com/office/drawing/2014/main" id="{154F74E6-0F27-5C4F-B917-84076CE55A00}"/>
+          <p:cNvPr id="85" name="TextBox 84">
+            <a:extLst>
+              <a:ext uri="{FF2B5EF4-FFF2-40B4-BE49-F238E27FC236}">
+                <a16:creationId xmlns:a16="http://schemas.microsoft.com/office/drawing/2014/main" id="{2BA1EA95-F44A-3646-9A23-46264957D7C8}"/>
               </a:ext>
             </a:extLst>
           </p:cNvPr>
@@ -6750,16 +6754,16 @@
       </p:sp>
       <p:cxnSp>
         <p:nvCxnSpPr>
-          <p:cNvPr id="168" name="Straight Arrow Connector 167">
-            <a:extLst>
-              <a:ext uri="{FF2B5EF4-FFF2-40B4-BE49-F238E27FC236}">
-                <a16:creationId xmlns:a16="http://schemas.microsoft.com/office/drawing/2014/main" id="{5DF78A96-26A7-8A44-8ABD-2B109C9203FB}"/>
+          <p:cNvPr id="86" name="Straight Arrow Connector 85">
+            <a:extLst>
+              <a:ext uri="{FF2B5EF4-FFF2-40B4-BE49-F238E27FC236}">
+                <a16:creationId xmlns:a16="http://schemas.microsoft.com/office/drawing/2014/main" id="{7C029C74-4042-6144-834E-D8CA2B581A35}"/>
               </a:ext>
             </a:extLst>
           </p:cNvPr>
           <p:cNvCxnSpPr>
             <a:cxnSpLocks/>
-            <a:endCxn id="44" idx="2"/>
+            <a:endCxn id="3" idx="2"/>
           </p:cNvCxnSpPr>
           <p:nvPr/>
         </p:nvCxnSpPr>
@@ -6797,70 +6801,12 @@
           </a:fontRef>
         </p:style>
       </p:cxnSp>
-      <p:sp>
-        <p:nvSpPr>
-          <p:cNvPr id="172" name="TextBox 171">
-            <a:extLst>
-              <a:ext uri="{FF2B5EF4-FFF2-40B4-BE49-F238E27FC236}">
-                <a16:creationId xmlns:a16="http://schemas.microsoft.com/office/drawing/2014/main" id="{F3299D7A-EBA4-7E4C-AE51-8138EF765F5B}"/>
-              </a:ext>
-            </a:extLst>
-          </p:cNvPr>
-          <p:cNvSpPr txBox="1"/>
-          <p:nvPr/>
-        </p:nvSpPr>
-        <p:spPr>
-          <a:xfrm>
-            <a:off x="8162722" y="4611264"/>
-            <a:ext cx="1642025" cy="461665"/>
-          </a:xfrm>
-          <a:prstGeom prst="rect">
-            <a:avLst/>
-          </a:prstGeom>
-          <a:solidFill>
-            <a:schemeClr val="bg2"/>
-          </a:solidFill>
-          <a:ln>
-            <a:solidFill>
-              <a:schemeClr val="tx1">
-                <a:lumMod val="95000"/>
-                <a:lumOff val="5000"/>
-              </a:schemeClr>
-            </a:solidFill>
-          </a:ln>
-          <a:effectLst>
-            <a:outerShdw blurRad="63500" sx="102000" sy="102000" algn="ctr" rotWithShape="0">
-              <a:prstClr val="black">
-                <a:alpha val="40000"/>
-              </a:prstClr>
-            </a:outerShdw>
-          </a:effectLst>
-        </p:spPr>
-        <p:txBody>
-          <a:bodyPr wrap="square">
-            <a:spAutoFit/>
-          </a:bodyPr>
-          <a:lstStyle/>
-          <a:p>
-            <a:pPr algn="ctr"/>
-            <a:r>
-              <a:rPr lang="en-US" sz="1200" dirty="0">
-                <a:solidFill>
-                  <a:srgbClr val="0070C0"/>
-                </a:solidFill>
-                <a:latin typeface=""/>
-              </a:rPr>
-              <a:t> additional automation codes</a:t>
-            </a:r>
-          </a:p>
-        </p:txBody>
-      </p:sp>
       <p:pic>
         <p:nvPicPr>
-          <p:cNvPr id="1050" name="Graphic 1049" descr="Add with solid fill">
-            <a:extLst>
-              <a:ext uri="{FF2B5EF4-FFF2-40B4-BE49-F238E27FC236}">
-                <a16:creationId xmlns:a16="http://schemas.microsoft.com/office/drawing/2014/main" id="{089BEC5C-FE20-614A-90A7-0CDE0869B557}"/>
+          <p:cNvPr id="88" name="Graphic 87" descr="Add with solid fill">
+            <a:extLst>
+              <a:ext uri="{FF2B5EF4-FFF2-40B4-BE49-F238E27FC236}">
+                <a16:creationId xmlns:a16="http://schemas.microsoft.com/office/drawing/2014/main" id="{A7A019A9-4A10-7D46-80B2-B671E1A6EE37}"/>
               </a:ext>
             </a:extLst>
           </p:cNvPr>
@@ -6883,7 +6829,7 @@
         </p:blipFill>
         <p:spPr>
           <a:xfrm>
-            <a:off x="8836180" y="4113442"/>
+            <a:off x="8881691" y="3851196"/>
             <a:ext cx="308815" cy="308815"/>
           </a:xfrm>
           <a:prstGeom prst="rect">
@@ -6893,10 +6839,10 @@
       </p:pic>
       <p:sp>
         <p:nvSpPr>
-          <p:cNvPr id="178" name="TextBox 177">
-            <a:extLst>
-              <a:ext uri="{FF2B5EF4-FFF2-40B4-BE49-F238E27FC236}">
-                <a16:creationId xmlns:a16="http://schemas.microsoft.com/office/drawing/2014/main" id="{F2C71DC0-5055-5A4E-A7EA-E6D008EB5F91}"/>
+          <p:cNvPr id="89" name="TextBox 88">
+            <a:extLst>
+              <a:ext uri="{FF2B5EF4-FFF2-40B4-BE49-F238E27FC236}">
+                <a16:creationId xmlns:a16="http://schemas.microsoft.com/office/drawing/2014/main" id="{5310A6FD-B6EC-7348-88AF-91D7FDBA08FB}"/>
               </a:ext>
             </a:extLst>
           </p:cNvPr>
@@ -6905,7 +6851,7 @@
         </p:nvSpPr>
         <p:spPr>
           <a:xfrm>
-            <a:off x="8706248" y="3163067"/>
+            <a:off x="9426296" y="3014731"/>
             <a:ext cx="2020716" cy="276999"/>
           </a:xfrm>
           <a:prstGeom prst="rect">
@@ -6937,10 +6883,10 @@
       </p:sp>
       <p:sp>
         <p:nvSpPr>
-          <p:cNvPr id="179" name="TextBox 178">
-            <a:extLst>
-              <a:ext uri="{FF2B5EF4-FFF2-40B4-BE49-F238E27FC236}">
-                <a16:creationId xmlns:a16="http://schemas.microsoft.com/office/drawing/2014/main" id="{B0918351-4A10-FA4A-A95F-C0B2621715B4}"/>
+          <p:cNvPr id="90" name="TextBox 89">
+            <a:extLst>
+              <a:ext uri="{FF2B5EF4-FFF2-40B4-BE49-F238E27FC236}">
+                <a16:creationId xmlns:a16="http://schemas.microsoft.com/office/drawing/2014/main" id="{17885FD7-FB5B-2047-A404-B5283B5E7346}"/>
               </a:ext>
             </a:extLst>
           </p:cNvPr>
@@ -6981,10 +6927,10 @@
       </p:sp>
       <p:pic>
         <p:nvPicPr>
-          <p:cNvPr id="2" name="Picture 2" descr="cellpose">
-            <a:extLst>
-              <a:ext uri="{FF2B5EF4-FFF2-40B4-BE49-F238E27FC236}">
-                <a16:creationId xmlns:a16="http://schemas.microsoft.com/office/drawing/2014/main" id="{A03EDA7E-F98B-9148-B5B3-65473F05471A}"/>
+          <p:cNvPr id="91" name="Picture 2" descr="cellpose">
+            <a:extLst>
+              <a:ext uri="{FF2B5EF4-FFF2-40B4-BE49-F238E27FC236}">
+                <a16:creationId xmlns:a16="http://schemas.microsoft.com/office/drawing/2014/main" id="{DA81D731-1B83-C541-91A3-89127A4AF9D5}"/>
               </a:ext>
             </a:extLst>
           </p:cNvPr>
@@ -7031,7 +6977,7 @@
           <p:cNvPr id="92" name="TextBox 91">
             <a:extLst>
               <a:ext uri="{FF2B5EF4-FFF2-40B4-BE49-F238E27FC236}">
-                <a16:creationId xmlns:a16="http://schemas.microsoft.com/office/drawing/2014/main" id="{4A1983C6-CB47-5645-9734-52509C25019D}"/>
+                <a16:creationId xmlns:a16="http://schemas.microsoft.com/office/drawing/2014/main" id="{F8964FEA-897F-F944-95DF-06F7353E499B}"/>
               </a:ext>
             </a:extLst>
           </p:cNvPr>
@@ -7072,10 +7018,76 @@
           </a:p>
         </p:txBody>
       </p:sp>
+      <p:pic>
+        <p:nvPicPr>
+          <p:cNvPr id="93" name="Picture 92">
+            <a:extLst>
+              <a:ext uri="{FF2B5EF4-FFF2-40B4-BE49-F238E27FC236}">
+                <a16:creationId xmlns:a16="http://schemas.microsoft.com/office/drawing/2014/main" id="{69A09C85-7E11-4241-B0AE-FBA0CC6A12C8}"/>
+              </a:ext>
+            </a:extLst>
+          </p:cNvPr>
+          <p:cNvPicPr>
+            <a:picLocks noChangeAspect="1"/>
+          </p:cNvPicPr>
+          <p:nvPr/>
+        </p:nvPicPr>
+        <p:blipFill>
+          <a:blip r:embed="rId25"/>
+          <a:stretch>
+            <a:fillRect/>
+          </a:stretch>
+        </p:blipFill>
+        <p:spPr>
+          <a:xfrm>
+            <a:off x="10610405" y="3373238"/>
+            <a:ext cx="1264729" cy="1264729"/>
+          </a:xfrm>
+          <a:prstGeom prst="rect">
+            <a:avLst/>
+          </a:prstGeom>
+        </p:spPr>
+      </p:pic>
+      <p:pic>
+        <p:nvPicPr>
+          <p:cNvPr id="94" name="Graphic 93" descr="Add with solid fill">
+            <a:extLst>
+              <a:ext uri="{FF2B5EF4-FFF2-40B4-BE49-F238E27FC236}">
+                <a16:creationId xmlns:a16="http://schemas.microsoft.com/office/drawing/2014/main" id="{D4CE3F79-FBB6-344A-BA25-289CD2C41515}"/>
+              </a:ext>
+            </a:extLst>
+          </p:cNvPr>
+          <p:cNvPicPr>
+            <a:picLocks noChangeAspect="1"/>
+          </p:cNvPicPr>
+          <p:nvPr/>
+        </p:nvPicPr>
+        <p:blipFill>
+          <a:blip r:embed="rId22">
+            <a:extLst>
+              <a:ext uri="{96DAC541-7B7A-43D3-8B79-37D633B846F1}">
+                <asvg:svgBlip xmlns:asvg="http://schemas.microsoft.com/office/drawing/2016/SVG/main" r:embed="rId23"/>
+              </a:ext>
+            </a:extLst>
+          </a:blip>
+          <a:stretch>
+            <a:fillRect/>
+          </a:stretch>
+        </p:blipFill>
+        <p:spPr>
+          <a:xfrm>
+            <a:off x="10282247" y="3828771"/>
+            <a:ext cx="308815" cy="308815"/>
+          </a:xfrm>
+          <a:prstGeom prst="rect">
+            <a:avLst/>
+          </a:prstGeom>
+        </p:spPr>
+      </p:pic>
     </p:spTree>
     <p:extLst>
       <p:ext uri="{BB962C8B-B14F-4D97-AF65-F5344CB8AC3E}">
-        <p14:creationId xmlns:p14="http://schemas.microsoft.com/office/powerpoint/2010/main" val="1799098406"/>
+        <p14:creationId xmlns:p14="http://schemas.microsoft.com/office/powerpoint/2010/main" val="1310559909"/>
       </p:ext>
     </p:extLst>
   </p:cSld>

--- a/docs/code_architecture.pptx
+++ b/docs/code_architecture.pptx
@@ -259,7 +259,7 @@
           <a:p>
             <a:fld id="{7E403C90-7864-4C40-A504-B46ABA4FB44B}" type="datetimeFigureOut">
               <a:rPr lang="en-US" smtClean="0"/>
-              <a:t>12/16/21</a:t>
+              <a:t>1/25/22</a:t>
             </a:fld>
             <a:endParaRPr lang="en-US"/>
           </a:p>
@@ -457,7 +457,7 @@
           <a:p>
             <a:fld id="{7E403C90-7864-4C40-A504-B46ABA4FB44B}" type="datetimeFigureOut">
               <a:rPr lang="en-US" smtClean="0"/>
-              <a:t>12/16/21</a:t>
+              <a:t>1/25/22</a:t>
             </a:fld>
             <a:endParaRPr lang="en-US"/>
           </a:p>
@@ -665,7 +665,7 @@
           <a:p>
             <a:fld id="{7E403C90-7864-4C40-A504-B46ABA4FB44B}" type="datetimeFigureOut">
               <a:rPr lang="en-US" smtClean="0"/>
-              <a:t>12/16/21</a:t>
+              <a:t>1/25/22</a:t>
             </a:fld>
             <a:endParaRPr lang="en-US"/>
           </a:p>
@@ -863,7 +863,7 @@
           <a:p>
             <a:fld id="{7E403C90-7864-4C40-A504-B46ABA4FB44B}" type="datetimeFigureOut">
               <a:rPr lang="en-US" smtClean="0"/>
-              <a:t>12/16/21</a:t>
+              <a:t>1/25/22</a:t>
             </a:fld>
             <a:endParaRPr lang="en-US"/>
           </a:p>
@@ -1138,7 +1138,7 @@
           <a:p>
             <a:fld id="{7E403C90-7864-4C40-A504-B46ABA4FB44B}" type="datetimeFigureOut">
               <a:rPr lang="en-US" smtClean="0"/>
-              <a:t>12/16/21</a:t>
+              <a:t>1/25/22</a:t>
             </a:fld>
             <a:endParaRPr lang="en-US"/>
           </a:p>
@@ -1403,7 +1403,7 @@
           <a:p>
             <a:fld id="{7E403C90-7864-4C40-A504-B46ABA4FB44B}" type="datetimeFigureOut">
               <a:rPr lang="en-US" smtClean="0"/>
-              <a:t>12/16/21</a:t>
+              <a:t>1/25/22</a:t>
             </a:fld>
             <a:endParaRPr lang="en-US"/>
           </a:p>
@@ -1815,7 +1815,7 @@
           <a:p>
             <a:fld id="{7E403C90-7864-4C40-A504-B46ABA4FB44B}" type="datetimeFigureOut">
               <a:rPr lang="en-US" smtClean="0"/>
-              <a:t>12/16/21</a:t>
+              <a:t>1/25/22</a:t>
             </a:fld>
             <a:endParaRPr lang="en-US"/>
           </a:p>
@@ -1956,7 +1956,7 @@
           <a:p>
             <a:fld id="{7E403C90-7864-4C40-A504-B46ABA4FB44B}" type="datetimeFigureOut">
               <a:rPr lang="en-US" smtClean="0"/>
-              <a:t>12/16/21</a:t>
+              <a:t>1/25/22</a:t>
             </a:fld>
             <a:endParaRPr lang="en-US"/>
           </a:p>
@@ -2069,7 +2069,7 @@
           <a:p>
             <a:fld id="{7E403C90-7864-4C40-A504-B46ABA4FB44B}" type="datetimeFigureOut">
               <a:rPr lang="en-US" smtClean="0"/>
-              <a:t>12/16/21</a:t>
+              <a:t>1/25/22</a:t>
             </a:fld>
             <a:endParaRPr lang="en-US"/>
           </a:p>
@@ -2380,7 +2380,7 @@
           <a:p>
             <a:fld id="{7E403C90-7864-4C40-A504-B46ABA4FB44B}" type="datetimeFigureOut">
               <a:rPr lang="en-US" smtClean="0"/>
-              <a:t>12/16/21</a:t>
+              <a:t>1/25/22</a:t>
             </a:fld>
             <a:endParaRPr lang="en-US"/>
           </a:p>
@@ -2668,7 +2668,7 @@
           <a:p>
             <a:fld id="{7E403C90-7864-4C40-A504-B46ABA4FB44B}" type="datetimeFigureOut">
               <a:rPr lang="en-US" smtClean="0"/>
-              <a:t>12/16/21</a:t>
+              <a:t>1/25/22</a:t>
             </a:fld>
             <a:endParaRPr lang="en-US"/>
           </a:p>
@@ -2909,7 +2909,7 @@
           <a:p>
             <a:fld id="{7E403C90-7864-4C40-A504-B46ABA4FB44B}" type="datetimeFigureOut">
               <a:rPr lang="en-US" smtClean="0"/>
-              <a:t>12/16/21</a:t>
+              <a:t>1/25/22</a:t>
             </a:fld>
             <a:endParaRPr lang="en-US"/>
           </a:p>
@@ -3326,238 +3326,6 @@
           <a:chExt cx="0" cy="0"/>
         </a:xfrm>
       </p:grpSpPr>
-      <p:cxnSp>
-        <p:nvCxnSpPr>
-          <p:cNvPr id="2" name="Straight Arrow Connector 1">
-            <a:extLst>
-              <a:ext uri="{FF2B5EF4-FFF2-40B4-BE49-F238E27FC236}">
-                <a16:creationId xmlns:a16="http://schemas.microsoft.com/office/drawing/2014/main" id="{6E965BC4-4C43-2B46-B58C-5B7E050304E1}"/>
-              </a:ext>
-            </a:extLst>
-          </p:cNvPr>
-          <p:cNvCxnSpPr>
-            <a:cxnSpLocks/>
-            <a:stCxn id="9" idx="3"/>
-          </p:cNvCxnSpPr>
-          <p:nvPr/>
-        </p:nvCxnSpPr>
-        <p:spPr>
-          <a:xfrm>
-            <a:off x="2584057" y="2067916"/>
-            <a:ext cx="1396550" cy="0"/>
-          </a:xfrm>
-          <a:prstGeom prst="straightConnector1">
-            <a:avLst/>
-          </a:prstGeom>
-          <a:ln w="19050" cap="sq">
-            <a:solidFill>
-              <a:schemeClr val="tx1">
-                <a:lumMod val="50000"/>
-                <a:lumOff val="50000"/>
-              </a:schemeClr>
-            </a:solidFill>
-            <a:prstDash val="sysDot"/>
-            <a:tailEnd type="stealth" w="lg" len="med"/>
-          </a:ln>
-        </p:spPr>
-        <p:style>
-          <a:lnRef idx="1">
-            <a:schemeClr val="accent1"/>
-          </a:lnRef>
-          <a:fillRef idx="0">
-            <a:schemeClr val="accent1"/>
-          </a:fillRef>
-          <a:effectRef idx="0">
-            <a:schemeClr val="accent1"/>
-          </a:effectRef>
-          <a:fontRef idx="minor">
-            <a:schemeClr val="tx1"/>
-          </a:fontRef>
-        </p:style>
-      </p:cxnSp>
-      <p:sp>
-        <p:nvSpPr>
-          <p:cNvPr id="3" name="TextBox 2">
-            <a:extLst>
-              <a:ext uri="{FF2B5EF4-FFF2-40B4-BE49-F238E27FC236}">
-                <a16:creationId xmlns:a16="http://schemas.microsoft.com/office/drawing/2014/main" id="{67535C11-978A-EF49-BFA9-865AB2102AAF}"/>
-              </a:ext>
-            </a:extLst>
-          </p:cNvPr>
-          <p:cNvSpPr txBox="1"/>
-          <p:nvPr/>
-        </p:nvSpPr>
-        <p:spPr>
-          <a:xfrm>
-            <a:off x="3989424" y="2570646"/>
-            <a:ext cx="2282997" cy="523220"/>
-          </a:xfrm>
-          <a:prstGeom prst="rect">
-            <a:avLst/>
-          </a:prstGeom>
-          <a:noFill/>
-        </p:spPr>
-        <p:txBody>
-          <a:bodyPr wrap="none" rtlCol="0">
-            <a:spAutoFit/>
-          </a:bodyPr>
-          <a:lstStyle/>
-          <a:p>
-            <a:pPr algn="ctr"/>
-            <a:r>
-              <a:rPr lang="en-US" sz="1400" dirty="0">
-                <a:solidFill>
-                  <a:srgbClr val="0070C0"/>
-                </a:solidFill>
-                <a:latin typeface=""/>
-              </a:rPr>
-              <a:t>Network-attached storage </a:t>
-            </a:r>
-          </a:p>
-          <a:p>
-            <a:pPr algn="ctr"/>
-            <a:r>
-              <a:rPr lang="en-US" sz="1400" dirty="0">
-                <a:solidFill>
-                  <a:srgbClr val="0070C0"/>
-                </a:solidFill>
-                <a:latin typeface=""/>
-              </a:rPr>
-              <a:t>NAS (NFS, SMB)</a:t>
-            </a:r>
-          </a:p>
-        </p:txBody>
-      </p:sp>
-      <p:sp>
-        <p:nvSpPr>
-          <p:cNvPr id="4" name="TextBox 3">
-            <a:extLst>
-              <a:ext uri="{FF2B5EF4-FFF2-40B4-BE49-F238E27FC236}">
-                <a16:creationId xmlns:a16="http://schemas.microsoft.com/office/drawing/2014/main" id="{C3CC080A-5475-694A-9AB9-64247F985BAB}"/>
-              </a:ext>
-            </a:extLst>
-          </p:cNvPr>
-          <p:cNvSpPr txBox="1"/>
-          <p:nvPr/>
-        </p:nvSpPr>
-        <p:spPr>
-          <a:xfrm>
-            <a:off x="1020143" y="2570646"/>
-            <a:ext cx="1405808" cy="307777"/>
-          </a:xfrm>
-          <a:prstGeom prst="rect">
-            <a:avLst/>
-          </a:prstGeom>
-          <a:noFill/>
-        </p:spPr>
-        <p:txBody>
-          <a:bodyPr wrap="square" rtlCol="0">
-            <a:spAutoFit/>
-          </a:bodyPr>
-          <a:lstStyle/>
-          <a:p>
-            <a:pPr algn="ctr"/>
-            <a:r>
-              <a:rPr lang="en-US" sz="1400" dirty="0">
-                <a:solidFill>
-                  <a:srgbClr val="0070C0"/>
-                </a:solidFill>
-                <a:latin typeface=""/>
-              </a:rPr>
-              <a:t>FISH images</a:t>
-            </a:r>
-          </a:p>
-        </p:txBody>
-      </p:sp>
-      <p:cxnSp>
-        <p:nvCxnSpPr>
-          <p:cNvPr id="5" name="Straight Arrow Connector 4">
-            <a:extLst>
-              <a:ext uri="{FF2B5EF4-FFF2-40B4-BE49-F238E27FC236}">
-                <a16:creationId xmlns:a16="http://schemas.microsoft.com/office/drawing/2014/main" id="{EC255618-E4AC-BB49-9FAE-FBCCA16D1F98}"/>
-              </a:ext>
-            </a:extLst>
-          </p:cNvPr>
-          <p:cNvCxnSpPr>
-            <a:cxnSpLocks/>
-          </p:cNvCxnSpPr>
-          <p:nvPr/>
-        </p:nvCxnSpPr>
-        <p:spPr>
-          <a:xfrm flipH="1">
-            <a:off x="6589847" y="1952286"/>
-            <a:ext cx="2200611" cy="0"/>
-          </a:xfrm>
-          <a:prstGeom prst="straightConnector1">
-            <a:avLst/>
-          </a:prstGeom>
-          <a:ln w="19050" cap="sq">
-            <a:solidFill>
-              <a:schemeClr val="tx1">
-                <a:lumMod val="50000"/>
-                <a:lumOff val="50000"/>
-              </a:schemeClr>
-            </a:solidFill>
-            <a:prstDash val="sysDot"/>
-            <a:tailEnd type="stealth" w="lg" len="med"/>
-          </a:ln>
-        </p:spPr>
-        <p:style>
-          <a:lnRef idx="1">
-            <a:schemeClr val="accent1"/>
-          </a:lnRef>
-          <a:fillRef idx="0">
-            <a:schemeClr val="accent1"/>
-          </a:fillRef>
-          <a:effectRef idx="0">
-            <a:schemeClr val="accent1"/>
-          </a:effectRef>
-          <a:fontRef idx="minor">
-            <a:schemeClr val="tx1"/>
-          </a:fontRef>
-        </p:style>
-      </p:cxnSp>
-      <p:sp>
-        <p:nvSpPr>
-          <p:cNvPr id="6" name="TextBox 5">
-            <a:extLst>
-              <a:ext uri="{FF2B5EF4-FFF2-40B4-BE49-F238E27FC236}">
-                <a16:creationId xmlns:a16="http://schemas.microsoft.com/office/drawing/2014/main" id="{8B50D989-4C19-4F46-B3C6-3321B50CB008}"/>
-              </a:ext>
-            </a:extLst>
-          </p:cNvPr>
-          <p:cNvSpPr txBox="1"/>
-          <p:nvPr/>
-        </p:nvSpPr>
-        <p:spPr>
-          <a:xfrm>
-            <a:off x="8920089" y="2547947"/>
-            <a:ext cx="1407758" cy="307777"/>
-          </a:xfrm>
-          <a:prstGeom prst="rect">
-            <a:avLst/>
-          </a:prstGeom>
-          <a:noFill/>
-        </p:spPr>
-        <p:txBody>
-          <a:bodyPr wrap="none" rtlCol="0">
-            <a:spAutoFit/>
-          </a:bodyPr>
-          <a:lstStyle/>
-          <a:p>
-            <a:pPr algn="ctr"/>
-            <a:r>
-              <a:rPr lang="en-US" sz="1400" dirty="0">
-                <a:solidFill>
-                  <a:srgbClr val="0070C0"/>
-                </a:solidFill>
-                <a:latin typeface=""/>
-              </a:rPr>
-              <a:t>Local computer</a:t>
-            </a:r>
-          </a:p>
-        </p:txBody>
-      </p:sp>
       <p:sp>
         <p:nvSpPr>
           <p:cNvPr id="7" name="TextBox 6">
@@ -3599,10 +3367,10 @@
       </p:sp>
       <p:grpSp>
         <p:nvGrpSpPr>
-          <p:cNvPr id="8" name="Group 7">
+          <p:cNvPr id="95" name="Group 94">
             <a:extLst>
               <a:ext uri="{FF2B5EF4-FFF2-40B4-BE49-F238E27FC236}">
-                <a16:creationId xmlns:a16="http://schemas.microsoft.com/office/drawing/2014/main" id="{F6788599-EC96-C649-A3B1-709DA960B8F4}"/>
+                <a16:creationId xmlns:a16="http://schemas.microsoft.com/office/drawing/2014/main" id="{7D3190AC-F885-874C-BBC4-0EA8646CEDC0}"/>
               </a:ext>
             </a:extLst>
           </p:cNvPr>
@@ -3611,225 +3379,206 @@
         </p:nvGrpSpPr>
         <p:grpSpPr>
           <a:xfrm>
-            <a:off x="1368630" y="1560089"/>
-            <a:ext cx="1215427" cy="965027"/>
-            <a:chOff x="2934671" y="1129165"/>
-            <a:chExt cx="1215427" cy="965027"/>
+            <a:off x="6064923" y="2397155"/>
+            <a:ext cx="2853145" cy="898182"/>
+            <a:chOff x="6064923" y="2397155"/>
+            <a:chExt cx="2853145" cy="898182"/>
           </a:xfrm>
         </p:grpSpPr>
-        <p:pic>
-          <p:nvPicPr>
-            <p:cNvPr id="9" name="Graphic 8" descr="Microscope with solid fill">
+        <p:cxnSp>
+          <p:nvCxnSpPr>
+            <p:cNvPr id="96" name="Straight Arrow Connector 95">
               <a:extLst>
                 <a:ext uri="{FF2B5EF4-FFF2-40B4-BE49-F238E27FC236}">
-                  <a16:creationId xmlns:a16="http://schemas.microsoft.com/office/drawing/2014/main" id="{46D6D1FF-CE84-384B-99C7-AA140A1AFE9D}"/>
+                  <a16:creationId xmlns:a16="http://schemas.microsoft.com/office/drawing/2014/main" id="{2751787F-A358-5F40-9CF8-274398AC8A36}"/>
                 </a:ext>
               </a:extLst>
             </p:cNvPr>
-            <p:cNvPicPr>
-              <a:picLocks noChangeAspect="1"/>
-            </p:cNvPicPr>
+            <p:cNvCxnSpPr>
+              <a:cxnSpLocks/>
+            </p:cNvCxnSpPr>
             <p:nvPr/>
-          </p:nvPicPr>
-          <p:blipFill>
-            <a:blip r:embed="rId2">
+          </p:nvCxnSpPr>
+          <p:spPr>
+            <a:xfrm flipH="1">
+              <a:off x="6363710" y="2789730"/>
+              <a:ext cx="2200611" cy="0"/>
+            </a:xfrm>
+            <a:prstGeom prst="straightConnector1">
+              <a:avLst/>
+            </a:prstGeom>
+            <a:ln w="19050" cap="sq">
+              <a:solidFill>
+                <a:srgbClr val="4730FC"/>
+              </a:solidFill>
+              <a:prstDash val="sysDot"/>
+              <a:tailEnd type="stealth" w="lg" len="med"/>
+            </a:ln>
+          </p:spPr>
+          <p:style>
+            <a:lnRef idx="1">
+              <a:schemeClr val="accent1"/>
+            </a:lnRef>
+            <a:fillRef idx="0">
+              <a:schemeClr val="accent1"/>
+            </a:fillRef>
+            <a:effectRef idx="0">
+              <a:schemeClr val="accent1"/>
+            </a:effectRef>
+            <a:fontRef idx="minor">
+              <a:schemeClr val="tx1"/>
+            </a:fontRef>
+          </p:style>
+        </p:cxnSp>
+        <p:sp>
+          <p:nvSpPr>
+            <p:cNvPr id="97" name="TextBox 96">
               <a:extLst>
-                <a:ext uri="{96DAC541-7B7A-43D3-8B79-37D633B846F1}">
-                  <asvg:svgBlip xmlns:asvg="http://schemas.microsoft.com/office/drawing/2016/SVG/main" r:embed="rId3"/>
+                <a:ext uri="{FF2B5EF4-FFF2-40B4-BE49-F238E27FC236}">
+                  <a16:creationId xmlns:a16="http://schemas.microsoft.com/office/drawing/2014/main" id="{79811DAB-D9E6-194E-8154-EE119E34E71D}"/>
                 </a:ext>
               </a:extLst>
-            </a:blip>
-            <a:stretch>
-              <a:fillRect/>
-            </a:stretch>
-          </p:blipFill>
+            </p:cNvPr>
+            <p:cNvSpPr txBox="1"/>
+            <p:nvPr/>
+          </p:nvSpPr>
           <p:spPr>
             <a:xfrm>
-              <a:off x="3235698" y="1179792"/>
-              <a:ext cx="914400" cy="914400"/>
+              <a:off x="6064923" y="2397155"/>
+              <a:ext cx="2853145" cy="276999"/>
             </a:xfrm>
             <a:prstGeom prst="rect">
               <a:avLst/>
             </a:prstGeom>
+            <a:noFill/>
           </p:spPr>
-        </p:pic>
-        <p:pic>
-          <p:nvPicPr>
-            <p:cNvPr id="10" name="Graphic 9" descr="Scientist female with solid fill">
+          <p:txBody>
+            <a:bodyPr wrap="square">
+              <a:spAutoFit/>
+            </a:bodyPr>
+            <a:lstStyle/>
+            <a:p>
+              <a:pPr algn="ctr"/>
+              <a:r>
+                <a:rPr lang="en-US" sz="1200" dirty="0">
+                  <a:solidFill>
+                    <a:schemeClr val="bg1">
+                      <a:lumMod val="75000"/>
+                      <a:lumOff val="25000"/>
+                    </a:schemeClr>
+                  </a:solidFill>
+                  <a:latin typeface=""/>
+                </a:rPr>
+                <a:t>Server Message Block </a:t>
+              </a:r>
+              <a:r>
+                <a:rPr lang="en-US" sz="1200" b="1" dirty="0">
+                  <a:solidFill>
+                    <a:srgbClr val="4730FC"/>
+                  </a:solidFill>
+                  <a:latin typeface=""/>
+                </a:rPr>
+                <a:t>(SMB) protocol</a:t>
+              </a:r>
+            </a:p>
+          </p:txBody>
+        </p:sp>
+        <p:cxnSp>
+          <p:nvCxnSpPr>
+            <p:cNvPr id="98" name="Straight Arrow Connector 97">
               <a:extLst>
                 <a:ext uri="{FF2B5EF4-FFF2-40B4-BE49-F238E27FC236}">
-                  <a16:creationId xmlns:a16="http://schemas.microsoft.com/office/drawing/2014/main" id="{D086CE5E-AAFF-984D-9C34-4158446B013D}"/>
+                  <a16:creationId xmlns:a16="http://schemas.microsoft.com/office/drawing/2014/main" id="{835C5D58-2C1A-8648-9011-028DA59C60B0}"/>
                 </a:ext>
               </a:extLst>
             </p:cNvPr>
-            <p:cNvPicPr>
-              <a:picLocks noChangeAspect="1"/>
-            </p:cNvPicPr>
+            <p:cNvCxnSpPr>
+              <a:cxnSpLocks/>
+            </p:cNvCxnSpPr>
             <p:nvPr/>
-          </p:nvPicPr>
-          <p:blipFill>
-            <a:blip r:embed="rId4">
+          </p:nvCxnSpPr>
+          <p:spPr>
+            <a:xfrm flipV="1">
+              <a:off x="6386338" y="3004763"/>
+              <a:ext cx="2177983" cy="12745"/>
+            </a:xfrm>
+            <a:prstGeom prst="straightConnector1">
+              <a:avLst/>
+            </a:prstGeom>
+            <a:ln w="19050" cap="sq">
+              <a:solidFill>
+                <a:srgbClr val="4730FC"/>
+              </a:solidFill>
+              <a:prstDash val="sysDot"/>
+              <a:tailEnd type="stealth" w="lg" len="med"/>
+            </a:ln>
+          </p:spPr>
+          <p:style>
+            <a:lnRef idx="1">
+              <a:schemeClr val="accent1"/>
+            </a:lnRef>
+            <a:fillRef idx="0">
+              <a:schemeClr val="accent1"/>
+            </a:fillRef>
+            <a:effectRef idx="0">
+              <a:schemeClr val="accent1"/>
+            </a:effectRef>
+            <a:fontRef idx="minor">
+              <a:schemeClr val="tx1"/>
+            </a:fontRef>
+          </p:style>
+        </p:cxnSp>
+        <p:sp>
+          <p:nvSpPr>
+            <p:cNvPr id="99" name="TextBox 98">
               <a:extLst>
-                <a:ext uri="{96DAC541-7B7A-43D3-8B79-37D633B846F1}">
-                  <asvg:svgBlip xmlns:asvg="http://schemas.microsoft.com/office/drawing/2016/SVG/main" r:embed="rId5"/>
+                <a:ext uri="{FF2B5EF4-FFF2-40B4-BE49-F238E27FC236}">
+                  <a16:creationId xmlns:a16="http://schemas.microsoft.com/office/drawing/2014/main" id="{31B5CFB6-2F16-E74D-990F-3E83C55181CB}"/>
                 </a:ext>
               </a:extLst>
-            </a:blip>
-            <a:stretch>
-              <a:fillRect/>
-            </a:stretch>
-          </p:blipFill>
+            </p:cNvPr>
+            <p:cNvSpPr txBox="1"/>
+            <p:nvPr/>
+          </p:nvSpPr>
           <p:spPr>
             <a:xfrm>
-              <a:off x="2934671" y="1129165"/>
-              <a:ext cx="499218" cy="499218"/>
+              <a:off x="6420048" y="3018338"/>
+              <a:ext cx="2094324" cy="276999"/>
             </a:xfrm>
             <a:prstGeom prst="rect">
               <a:avLst/>
             </a:prstGeom>
+            <a:noFill/>
           </p:spPr>
-        </p:pic>
-        <p:pic>
-          <p:nvPicPr>
-            <p:cNvPr id="11" name="Graphic 10" descr="Scientist male with solid fill">
-              <a:extLst>
-                <a:ext uri="{FF2B5EF4-FFF2-40B4-BE49-F238E27FC236}">
-                  <a16:creationId xmlns:a16="http://schemas.microsoft.com/office/drawing/2014/main" id="{620F6580-4DCE-2A45-B015-3AABA2631C09}"/>
-                </a:ext>
-              </a:extLst>
-            </p:cNvPr>
-            <p:cNvPicPr>
-              <a:picLocks noChangeAspect="1"/>
-            </p:cNvPicPr>
-            <p:nvPr/>
-          </p:nvPicPr>
-          <p:blipFill>
-            <a:blip r:embed="rId6">
-              <a:extLst>
-                <a:ext uri="{96DAC541-7B7A-43D3-8B79-37D633B846F1}">
-                  <asvg:svgBlip xmlns:asvg="http://schemas.microsoft.com/office/drawing/2016/SVG/main" r:embed="rId7"/>
-                </a:ext>
-              </a:extLst>
-            </a:blip>
-            <a:stretch>
-              <a:fillRect/>
-            </a:stretch>
-          </p:blipFill>
-          <p:spPr>
-            <a:xfrm>
-              <a:off x="2934671" y="1584442"/>
-              <a:ext cx="499218" cy="499218"/>
-            </a:xfrm>
-            <a:prstGeom prst="rect">
-              <a:avLst/>
-            </a:prstGeom>
-          </p:spPr>
-        </p:pic>
+          <p:txBody>
+            <a:bodyPr wrap="square">
+              <a:spAutoFit/>
+            </a:bodyPr>
+            <a:lstStyle/>
+            <a:p>
+              <a:pPr algn="ctr"/>
+              <a:r>
+                <a:rPr lang="en-US" sz="1200" dirty="0">
+                  <a:solidFill>
+                    <a:schemeClr val="bg1">
+                      <a:lumMod val="75000"/>
+                      <a:lumOff val="25000"/>
+                    </a:schemeClr>
+                  </a:solidFill>
+                  <a:latin typeface=""/>
+                </a:rPr>
+                <a:t> read/copy to local</a:t>
+              </a:r>
+            </a:p>
+          </p:txBody>
+        </p:sp>
       </p:grpSp>
-      <p:pic>
-        <p:nvPicPr>
-          <p:cNvPr id="12" name="Picture 2" descr="@fish-quant">
+      <p:grpSp>
+        <p:nvGrpSpPr>
+          <p:cNvPr id="100" name="Group 99">
             <a:extLst>
               <a:ext uri="{FF2B5EF4-FFF2-40B4-BE49-F238E27FC236}">
-                <a16:creationId xmlns:a16="http://schemas.microsoft.com/office/drawing/2014/main" id="{33323416-E7F3-8B45-862E-18742793418A}"/>
-              </a:ext>
-            </a:extLst>
-          </p:cNvPr>
-          <p:cNvPicPr>
-            <a:picLocks noChangeAspect="1" noChangeArrowheads="1"/>
-          </p:cNvPicPr>
-          <p:nvPr/>
-        </p:nvPicPr>
-        <p:blipFill rotWithShape="1">
-          <a:blip r:embed="rId8">
-            <a:extLst>
-              <a:ext uri="{28A0092B-C50C-407E-A947-70E740481C1C}">
-                <a14:useLocalDpi xmlns:a14="http://schemas.microsoft.com/office/drawing/2010/main" val="0"/>
-              </a:ext>
-            </a:extLst>
-          </a:blip>
-          <a:srcRect t="19017" b="19364"/>
-          <a:stretch/>
-        </p:blipFill>
-        <p:spPr bwMode="auto">
-          <a:xfrm>
-            <a:off x="7576343" y="3591382"/>
-            <a:ext cx="1270000" cy="782551"/>
-          </a:xfrm>
-          <a:prstGeom prst="rect">
-            <a:avLst/>
-          </a:prstGeom>
-          <a:noFill/>
-          <a:extLst>
-            <a:ext uri="{909E8E84-426E-40DD-AFC4-6F175D3DCCD1}">
-              <a14:hiddenFill xmlns:a14="http://schemas.microsoft.com/office/drawing/2010/main">
-                <a:solidFill>
-                  <a:srgbClr val="FFFFFF"/>
-                </a:solidFill>
-              </a14:hiddenFill>
-            </a:ext>
-          </a:extLst>
-        </p:spPr>
-      </p:pic>
-      <p:sp>
-        <p:nvSpPr>
-          <p:cNvPr id="13" name="TextBox 12">
-            <a:extLst>
-              <a:ext uri="{FF2B5EF4-FFF2-40B4-BE49-F238E27FC236}">
-                <a16:creationId xmlns:a16="http://schemas.microsoft.com/office/drawing/2014/main" id="{50D7C286-EE68-3646-94E8-52BF8E62E995}"/>
-              </a:ext>
-            </a:extLst>
-          </p:cNvPr>
-          <p:cNvSpPr txBox="1"/>
-          <p:nvPr/>
-        </p:nvSpPr>
-        <p:spPr>
-          <a:xfrm>
-            <a:off x="7919515" y="4796974"/>
-            <a:ext cx="3329759" cy="523220"/>
-          </a:xfrm>
-          <a:prstGeom prst="rect">
-            <a:avLst/>
-          </a:prstGeom>
-          <a:noFill/>
-        </p:spPr>
-        <p:txBody>
-          <a:bodyPr wrap="none" rtlCol="0">
-            <a:spAutoFit/>
-          </a:bodyPr>
-          <a:lstStyle/>
-          <a:p>
-            <a:pPr algn="ctr"/>
-            <a:r>
-              <a:rPr lang="en-US" sz="1400" dirty="0">
-                <a:solidFill>
-                  <a:srgbClr val="0070C0"/>
-                </a:solidFill>
-                <a:latin typeface=""/>
-              </a:rPr>
-              <a:t>Cell segmentation, </a:t>
-            </a:r>
-          </a:p>
-          <a:p>
-            <a:pPr algn="ctr"/>
-            <a:r>
-              <a:rPr lang="en-US" sz="1400" dirty="0">
-                <a:solidFill>
-                  <a:srgbClr val="0070C0"/>
-                </a:solidFill>
-                <a:latin typeface=""/>
-              </a:rPr>
-              <a:t>3D-spot quantification and classification</a:t>
-            </a:r>
-          </a:p>
-        </p:txBody>
-      </p:sp>
-      <p:grpSp>
-        <p:nvGrpSpPr>
-          <p:cNvPr id="14" name="Group 13">
-            <a:extLst>
-              <a:ext uri="{FF2B5EF4-FFF2-40B4-BE49-F238E27FC236}">
-                <a16:creationId xmlns:a16="http://schemas.microsoft.com/office/drawing/2014/main" id="{08A8199F-91E8-6E40-A663-81EEBC41F3F4}"/>
+                <a16:creationId xmlns:a16="http://schemas.microsoft.com/office/drawing/2014/main" id="{0B7C7AE2-3F5A-0349-A274-5C00CD68B932}"/>
               </a:ext>
             </a:extLst>
           </p:cNvPr>
@@ -3838,283 +3587,404 @@
         </p:nvGrpSpPr>
         <p:grpSpPr>
           <a:xfrm>
-            <a:off x="9271144" y="1600184"/>
-            <a:ext cx="914400" cy="914400"/>
-            <a:chOff x="9573885" y="1129165"/>
-            <a:chExt cx="914400" cy="914400"/>
+            <a:off x="926526" y="2397533"/>
+            <a:ext cx="5119758" cy="1533777"/>
+            <a:chOff x="926526" y="2397533"/>
+            <a:chExt cx="5119758" cy="1533777"/>
           </a:xfrm>
         </p:grpSpPr>
-        <p:pic>
-          <p:nvPicPr>
-            <p:cNvPr id="15" name="Graphic 14" descr="Laptop with solid fill">
+        <p:cxnSp>
+          <p:nvCxnSpPr>
+            <p:cNvPr id="101" name="Straight Arrow Connector 100">
               <a:extLst>
                 <a:ext uri="{FF2B5EF4-FFF2-40B4-BE49-F238E27FC236}">
-                  <a16:creationId xmlns:a16="http://schemas.microsoft.com/office/drawing/2014/main" id="{BE3697E6-889B-564F-939F-0632145FAD45}"/>
+                  <a16:creationId xmlns:a16="http://schemas.microsoft.com/office/drawing/2014/main" id="{FA667841-DAAD-394E-A711-B473AC8DE881}"/>
                 </a:ext>
               </a:extLst>
             </p:cNvPr>
-            <p:cNvPicPr>
-              <a:picLocks noChangeAspect="1"/>
-            </p:cNvPicPr>
+            <p:cNvCxnSpPr>
+              <a:cxnSpLocks/>
+              <a:stCxn id="163" idx="3"/>
+            </p:cNvCxnSpPr>
             <p:nvPr/>
-          </p:nvPicPr>
-          <p:blipFill>
-            <a:blip r:embed="rId9">
-              <a:extLst>
-                <a:ext uri="{96DAC541-7B7A-43D3-8B79-37D633B846F1}">
-                  <asvg:svgBlip xmlns:asvg="http://schemas.microsoft.com/office/drawing/2016/SVG/main" r:embed="rId10"/>
-                </a:ext>
-              </a:extLst>
-            </a:blip>
-            <a:stretch>
-              <a:fillRect/>
-            </a:stretch>
-          </p:blipFill>
+          </p:nvCxnSpPr>
           <p:spPr>
             <a:xfrm>
-              <a:off x="9573885" y="1129165"/>
-              <a:ext cx="914400" cy="914400"/>
+              <a:off x="2357920" y="2905360"/>
+              <a:ext cx="1396550" cy="0"/>
             </a:xfrm>
-            <a:prstGeom prst="rect">
+            <a:prstGeom prst="straightConnector1">
               <a:avLst/>
             </a:prstGeom>
+            <a:ln w="19050" cap="sq">
+              <a:solidFill>
+                <a:srgbClr val="4730FC"/>
+              </a:solidFill>
+              <a:prstDash val="sysDot"/>
+              <a:tailEnd type="stealth" w="lg" len="med"/>
+            </a:ln>
           </p:spPr>
-        </p:pic>
-        <p:pic>
-          <p:nvPicPr>
-            <p:cNvPr id="16" name="Picture 4">
+          <p:style>
+            <a:lnRef idx="1">
+              <a:schemeClr val="accent1"/>
+            </a:lnRef>
+            <a:fillRef idx="0">
+              <a:schemeClr val="accent1"/>
+            </a:fillRef>
+            <a:effectRef idx="0">
+              <a:schemeClr val="accent1"/>
+            </a:effectRef>
+            <a:fontRef idx="minor">
+              <a:schemeClr val="tx1"/>
+            </a:fontRef>
+          </p:style>
+        </p:cxnSp>
+        <p:sp>
+          <p:nvSpPr>
+            <p:cNvPr id="102" name="TextBox 101">
               <a:extLst>
                 <a:ext uri="{FF2B5EF4-FFF2-40B4-BE49-F238E27FC236}">
-                  <a16:creationId xmlns:a16="http://schemas.microsoft.com/office/drawing/2014/main" id="{1AF89B1F-2592-B84A-9E86-48B3274A8D7D}"/>
+                  <a16:creationId xmlns:a16="http://schemas.microsoft.com/office/drawing/2014/main" id="{5BA639D4-422A-A543-8184-AF805C9AF9A4}"/>
                 </a:ext>
               </a:extLst>
             </p:cNvPr>
-            <p:cNvPicPr>
-              <a:picLocks noChangeAspect="1" noChangeArrowheads="1"/>
-            </p:cNvPicPr>
+            <p:cNvSpPr txBox="1"/>
             <p:nvPr/>
-          </p:nvPicPr>
-          <p:blipFill>
-            <a:blip r:embed="rId11">
-              <a:extLst>
-                <a:ext uri="{28A0092B-C50C-407E-A947-70E740481C1C}">
-                  <a14:useLocalDpi xmlns:a14="http://schemas.microsoft.com/office/drawing/2010/main" val="0"/>
-                </a:ext>
-              </a:extLst>
-            </a:blip>
-            <a:srcRect/>
-            <a:stretch>
-              <a:fillRect/>
-            </a:stretch>
-          </p:blipFill>
-          <p:spPr bwMode="auto">
+          </p:nvSpPr>
+          <p:spPr>
             <a:xfrm>
-              <a:off x="9919780" y="1446839"/>
-              <a:ext cx="188785" cy="188785"/>
+              <a:off x="3763287" y="3408090"/>
+              <a:ext cx="2282997" cy="523220"/>
             </a:xfrm>
             <a:prstGeom prst="rect">
               <a:avLst/>
             </a:prstGeom>
             <a:noFill/>
-            <a:extLst>
-              <a:ext uri="{909E8E84-426E-40DD-AFC4-6F175D3DCCD1}">
-                <a14:hiddenFill xmlns:a14="http://schemas.microsoft.com/office/drawing/2010/main">
+          </p:spPr>
+          <p:txBody>
+            <a:bodyPr wrap="none" rtlCol="0">
+              <a:spAutoFit/>
+            </a:bodyPr>
+            <a:lstStyle/>
+            <a:p>
+              <a:pPr algn="ctr"/>
+              <a:r>
+                <a:rPr lang="en-US" sz="1400" dirty="0">
                   <a:solidFill>
-                    <a:srgbClr val="FFFFFF"/>
+                    <a:srgbClr val="0070C0"/>
                   </a:solidFill>
-                </a14:hiddenFill>
-              </a:ext>
-            </a:extLst>
-          </p:spPr>
-        </p:pic>
-      </p:grpSp>
-      <p:grpSp>
-        <p:nvGrpSpPr>
-          <p:cNvPr id="17" name="Group 16">
-            <a:extLst>
-              <a:ext uri="{FF2B5EF4-FFF2-40B4-BE49-F238E27FC236}">
-                <a16:creationId xmlns:a16="http://schemas.microsoft.com/office/drawing/2014/main" id="{53B2F883-F6F3-DA4D-8980-0539110B640F}"/>
-              </a:ext>
-            </a:extLst>
-          </p:cNvPr>
-          <p:cNvGrpSpPr/>
-          <p:nvPr/>
-        </p:nvGrpSpPr>
-        <p:grpSpPr>
-          <a:xfrm>
-            <a:off x="4163192" y="1629783"/>
-            <a:ext cx="1631954" cy="941221"/>
-            <a:chOff x="5064121" y="1072715"/>
-            <a:chExt cx="1631954" cy="941221"/>
-          </a:xfrm>
-        </p:grpSpPr>
-        <p:pic>
-          <p:nvPicPr>
-            <p:cNvPr id="18" name="Graphic 17" descr="Database with solid fill">
+                  <a:latin typeface=""/>
+                </a:rPr>
+                <a:t>Network-attached storage </a:t>
+              </a:r>
+            </a:p>
+            <a:p>
+              <a:pPr algn="ctr"/>
+              <a:r>
+                <a:rPr lang="en-US" sz="1400" dirty="0">
+                  <a:solidFill>
+                    <a:srgbClr val="0070C0"/>
+                  </a:solidFill>
+                  <a:latin typeface=""/>
+                </a:rPr>
+                <a:t>NAS (NFS, SMB)</a:t>
+              </a:r>
+            </a:p>
+          </p:txBody>
+        </p:sp>
+        <p:sp>
+          <p:nvSpPr>
+            <p:cNvPr id="103" name="TextBox 102">
               <a:extLst>
                 <a:ext uri="{FF2B5EF4-FFF2-40B4-BE49-F238E27FC236}">
-                  <a16:creationId xmlns:a16="http://schemas.microsoft.com/office/drawing/2014/main" id="{7E49E9E2-4118-7040-8665-3D57234320FA}"/>
+                  <a16:creationId xmlns:a16="http://schemas.microsoft.com/office/drawing/2014/main" id="{9B2C2932-77ED-1346-B126-C733E85BB651}"/>
                 </a:ext>
               </a:extLst>
             </p:cNvPr>
-            <p:cNvPicPr>
-              <a:picLocks noChangeAspect="1"/>
-            </p:cNvPicPr>
+            <p:cNvSpPr txBox="1"/>
             <p:nvPr/>
-          </p:nvPicPr>
-          <p:blipFill>
-            <a:blip r:embed="rId12">
-              <a:extLst>
-                <a:ext uri="{96DAC541-7B7A-43D3-8B79-37D633B846F1}">
-                  <asvg:svgBlip xmlns:asvg="http://schemas.microsoft.com/office/drawing/2016/SVG/main" r:embed="rId13"/>
-                </a:ext>
-              </a:extLst>
-            </a:blip>
-            <a:stretch>
-              <a:fillRect/>
-            </a:stretch>
-          </p:blipFill>
+          </p:nvSpPr>
           <p:spPr>
             <a:xfrm>
-              <a:off x="5064121" y="1099536"/>
-              <a:ext cx="914400" cy="914400"/>
+              <a:off x="926526" y="3408090"/>
+              <a:ext cx="1405808" cy="523220"/>
             </a:xfrm>
             <a:prstGeom prst="rect">
               <a:avLst/>
             </a:prstGeom>
+            <a:noFill/>
           </p:spPr>
-        </p:pic>
+          <p:txBody>
+            <a:bodyPr wrap="square" rtlCol="0">
+              <a:spAutoFit/>
+            </a:bodyPr>
+            <a:lstStyle/>
+            <a:p>
+              <a:pPr algn="ctr"/>
+              <a:r>
+                <a:rPr lang="en-US" sz="1400" dirty="0">
+                  <a:solidFill>
+                    <a:srgbClr val="0070C0"/>
+                  </a:solidFill>
+                  <a:latin typeface=""/>
+                </a:rPr>
+                <a:t>Experiments</a:t>
+              </a:r>
+            </a:p>
+            <a:p>
+              <a:pPr algn="ctr"/>
+              <a:r>
+                <a:rPr lang="en-US" sz="1400" dirty="0">
+                  <a:solidFill>
+                    <a:srgbClr val="0070C0"/>
+                  </a:solidFill>
+                  <a:latin typeface=""/>
+                </a:rPr>
+                <a:t>FISH images</a:t>
+              </a:r>
+            </a:p>
+          </p:txBody>
+        </p:sp>
         <p:grpSp>
           <p:nvGrpSpPr>
-            <p:cNvPr id="19" name="Group 18">
+            <p:cNvPr id="104" name="Group 103">
               <a:extLst>
                 <a:ext uri="{FF2B5EF4-FFF2-40B4-BE49-F238E27FC236}">
-                  <a16:creationId xmlns:a16="http://schemas.microsoft.com/office/drawing/2014/main" id="{F3EA2418-507B-4648-9F3B-2C4160C4A438}"/>
+                  <a16:creationId xmlns:a16="http://schemas.microsoft.com/office/drawing/2014/main" id="{DF6531C2-3F6D-E541-9E8D-FAEECC833A33}"/>
                 </a:ext>
               </a:extLst>
             </p:cNvPr>
-            <p:cNvGrpSpPr>
-              <a:grpSpLocks noChangeAspect="1"/>
-            </p:cNvGrpSpPr>
+            <p:cNvGrpSpPr/>
             <p:nvPr/>
           </p:nvGrpSpPr>
           <p:grpSpPr>
             <a:xfrm>
-              <a:off x="6449482" y="1145065"/>
-              <a:ext cx="246593" cy="274989"/>
-              <a:chOff x="3091409" y="3516700"/>
-              <a:chExt cx="645672" cy="720026"/>
+              <a:off x="1142493" y="2397533"/>
+              <a:ext cx="1215427" cy="965027"/>
+              <a:chOff x="2934671" y="1129165"/>
+              <a:chExt cx="1215427" cy="965027"/>
             </a:xfrm>
           </p:grpSpPr>
-          <p:grpSp>
-            <p:nvGrpSpPr>
-              <p:cNvPr id="50" name="Group 49">
+          <p:pic>
+            <p:nvPicPr>
+              <p:cNvPr id="163" name="Graphic 162" descr="Microscope with solid fill">
                 <a:extLst>
                   <a:ext uri="{FF2B5EF4-FFF2-40B4-BE49-F238E27FC236}">
-                    <a16:creationId xmlns:a16="http://schemas.microsoft.com/office/drawing/2014/main" id="{0D6AFEAD-92EB-CF4B-AA4B-1885472DA447}"/>
+                    <a16:creationId xmlns:a16="http://schemas.microsoft.com/office/drawing/2014/main" id="{A976CD55-FA9D-F448-B8B4-492941659AA8}"/>
                   </a:ext>
                 </a:extLst>
               </p:cNvPr>
-              <p:cNvGrpSpPr/>
+              <p:cNvPicPr>
+                <a:picLocks noChangeAspect="1"/>
+              </p:cNvPicPr>
+              <p:nvPr/>
+            </p:nvPicPr>
+            <p:blipFill>
+              <a:blip r:embed="rId2">
+                <a:extLst>
+                  <a:ext uri="{96DAC541-7B7A-43D3-8B79-37D633B846F1}">
+                    <asvg:svgBlip xmlns:asvg="http://schemas.microsoft.com/office/drawing/2016/SVG/main" r:embed="rId3"/>
+                  </a:ext>
+                </a:extLst>
+              </a:blip>
+              <a:stretch>
+                <a:fillRect/>
+              </a:stretch>
+            </p:blipFill>
+            <p:spPr>
+              <a:xfrm>
+                <a:off x="3235698" y="1179792"/>
+                <a:ext cx="914400" cy="914400"/>
+              </a:xfrm>
+              <a:prstGeom prst="rect">
+                <a:avLst/>
+              </a:prstGeom>
+            </p:spPr>
+          </p:pic>
+          <p:pic>
+            <p:nvPicPr>
+              <p:cNvPr id="164" name="Graphic 163" descr="Scientist female with solid fill">
+                <a:extLst>
+                  <a:ext uri="{FF2B5EF4-FFF2-40B4-BE49-F238E27FC236}">
+                    <a16:creationId xmlns:a16="http://schemas.microsoft.com/office/drawing/2014/main" id="{A5D4BBFF-F2E4-D141-9F44-81C54DD4D172}"/>
+                  </a:ext>
+                </a:extLst>
+              </p:cNvPr>
+              <p:cNvPicPr>
+                <a:picLocks noChangeAspect="1"/>
+              </p:cNvPicPr>
+              <p:nvPr/>
+            </p:nvPicPr>
+            <p:blipFill>
+              <a:blip r:embed="rId4">
+                <a:extLst>
+                  <a:ext uri="{96DAC541-7B7A-43D3-8B79-37D633B846F1}">
+                    <asvg:svgBlip xmlns:asvg="http://schemas.microsoft.com/office/drawing/2016/SVG/main" r:embed="rId5"/>
+                  </a:ext>
+                </a:extLst>
+              </a:blip>
+              <a:stretch>
+                <a:fillRect/>
+              </a:stretch>
+            </p:blipFill>
+            <p:spPr>
+              <a:xfrm>
+                <a:off x="2934671" y="1129165"/>
+                <a:ext cx="499218" cy="499218"/>
+              </a:xfrm>
+              <a:prstGeom prst="rect">
+                <a:avLst/>
+              </a:prstGeom>
+            </p:spPr>
+          </p:pic>
+          <p:pic>
+            <p:nvPicPr>
+              <p:cNvPr id="165" name="Graphic 164" descr="Scientist male with solid fill">
+                <a:extLst>
+                  <a:ext uri="{FF2B5EF4-FFF2-40B4-BE49-F238E27FC236}">
+                    <a16:creationId xmlns:a16="http://schemas.microsoft.com/office/drawing/2014/main" id="{C3857E6A-3E9E-984C-B49C-51C7569018D3}"/>
+                  </a:ext>
+                </a:extLst>
+              </p:cNvPr>
+              <p:cNvPicPr>
+                <a:picLocks noChangeAspect="1"/>
+              </p:cNvPicPr>
+              <p:nvPr/>
+            </p:nvPicPr>
+            <p:blipFill>
+              <a:blip r:embed="rId6">
+                <a:extLst>
+                  <a:ext uri="{96DAC541-7B7A-43D3-8B79-37D633B846F1}">
+                    <asvg:svgBlip xmlns:asvg="http://schemas.microsoft.com/office/drawing/2016/SVG/main" r:embed="rId7"/>
+                  </a:ext>
+                </a:extLst>
+              </a:blip>
+              <a:stretch>
+                <a:fillRect/>
+              </a:stretch>
+            </p:blipFill>
+            <p:spPr>
+              <a:xfrm>
+                <a:off x="2934671" y="1584442"/>
+                <a:ext cx="499218" cy="499218"/>
+              </a:xfrm>
+              <a:prstGeom prst="rect">
+                <a:avLst/>
+              </a:prstGeom>
+            </p:spPr>
+          </p:pic>
+        </p:grpSp>
+        <p:grpSp>
+          <p:nvGrpSpPr>
+            <p:cNvPr id="105" name="Group 104">
+              <a:extLst>
+                <a:ext uri="{FF2B5EF4-FFF2-40B4-BE49-F238E27FC236}">
+                  <a16:creationId xmlns:a16="http://schemas.microsoft.com/office/drawing/2014/main" id="{313615FA-1366-4A4D-B274-A6A0FA629EDA}"/>
+                </a:ext>
+              </a:extLst>
+            </p:cNvPr>
+            <p:cNvGrpSpPr/>
+            <p:nvPr/>
+          </p:nvGrpSpPr>
+          <p:grpSpPr>
+            <a:xfrm>
+              <a:off x="3937055" y="2467227"/>
+              <a:ext cx="1631954" cy="941221"/>
+              <a:chOff x="5064121" y="1072715"/>
+              <a:chExt cx="1631954" cy="941221"/>
+            </a:xfrm>
+          </p:grpSpPr>
+          <p:pic>
+            <p:nvPicPr>
+              <p:cNvPr id="107" name="Graphic 106" descr="Database with solid fill">
+                <a:extLst>
+                  <a:ext uri="{FF2B5EF4-FFF2-40B4-BE49-F238E27FC236}">
+                    <a16:creationId xmlns:a16="http://schemas.microsoft.com/office/drawing/2014/main" id="{1EE66A30-A9C9-8B40-A4E6-0DB43EA96A56}"/>
+                  </a:ext>
+                </a:extLst>
+              </p:cNvPr>
+              <p:cNvPicPr>
+                <a:picLocks noChangeAspect="1"/>
+              </p:cNvPicPr>
+              <p:nvPr/>
+            </p:nvPicPr>
+            <p:blipFill>
+              <a:blip r:embed="rId8">
+                <a:extLst>
+                  <a:ext uri="{96DAC541-7B7A-43D3-8B79-37D633B846F1}">
+                    <asvg:svgBlip xmlns:asvg="http://schemas.microsoft.com/office/drawing/2016/SVG/main" r:embed="rId9"/>
+                  </a:ext>
+                </a:extLst>
+              </a:blip>
+              <a:stretch>
+                <a:fillRect/>
+              </a:stretch>
+            </p:blipFill>
+            <p:spPr>
+              <a:xfrm>
+                <a:off x="5064121" y="1099536"/>
+                <a:ext cx="914400" cy="914400"/>
+              </a:xfrm>
+              <a:prstGeom prst="rect">
+                <a:avLst/>
+              </a:prstGeom>
+            </p:spPr>
+          </p:pic>
+          <p:grpSp>
+            <p:nvGrpSpPr>
+              <p:cNvPr id="108" name="Group 107">
+                <a:extLst>
+                  <a:ext uri="{FF2B5EF4-FFF2-40B4-BE49-F238E27FC236}">
+                    <a16:creationId xmlns:a16="http://schemas.microsoft.com/office/drawing/2014/main" id="{BE432956-81D6-6D43-9EE1-40FCAE1DAD07}"/>
+                  </a:ext>
+                </a:extLst>
+              </p:cNvPr>
+              <p:cNvGrpSpPr>
+                <a:grpSpLocks noChangeAspect="1"/>
+              </p:cNvGrpSpPr>
               <p:nvPr/>
             </p:nvGrpSpPr>
             <p:grpSpPr>
               <a:xfrm>
-                <a:off x="3269226" y="3516700"/>
-                <a:ext cx="467855" cy="444033"/>
-                <a:chOff x="1129599" y="3378021"/>
-                <a:chExt cx="467855" cy="444033"/>
+                <a:off x="6449482" y="1145065"/>
+                <a:ext cx="246593" cy="274989"/>
+                <a:chOff x="3091409" y="3516700"/>
+                <a:chExt cx="645672" cy="720026"/>
               </a:xfrm>
-              <a:effectLst>
-                <a:outerShdw blurRad="50800" dist="38100" algn="l" rotWithShape="0">
-                  <a:prstClr val="black">
-                    <a:alpha val="40000"/>
-                  </a:prstClr>
-                </a:outerShdw>
-              </a:effectLst>
             </p:grpSpPr>
-            <p:sp>
-              <p:nvSpPr>
-                <p:cNvPr id="67" name="Rectangle 66">
+            <p:grpSp>
+              <p:nvGrpSpPr>
+                <p:cNvPr id="139" name="Group 138">
                   <a:extLst>
                     <a:ext uri="{FF2B5EF4-FFF2-40B4-BE49-F238E27FC236}">
-                      <a16:creationId xmlns:a16="http://schemas.microsoft.com/office/drawing/2014/main" id="{84A4C332-709E-1843-A1FD-AB4C5756C2EE}"/>
+                      <a16:creationId xmlns:a16="http://schemas.microsoft.com/office/drawing/2014/main" id="{603201E4-906A-C34D-8FDE-7832BD7CC8C6}"/>
                     </a:ext>
                   </a:extLst>
                 </p:cNvPr>
-                <p:cNvSpPr/>
-                <p:nvPr/>
-              </p:nvSpPr>
-              <p:spPr>
-                <a:xfrm>
-                  <a:off x="1129599" y="3378021"/>
-                  <a:ext cx="467855" cy="444033"/>
-                </a:xfrm>
-                <a:prstGeom prst="rect">
-                  <a:avLst/>
-                </a:prstGeom>
-                <a:solidFill>
-                  <a:schemeClr val="tx1"/>
-                </a:solidFill>
-                <a:ln>
-                  <a:solidFill>
-                    <a:schemeClr val="bg1"/>
-                  </a:solidFill>
-                </a:ln>
-              </p:spPr>
-              <p:style>
-                <a:lnRef idx="2">
-                  <a:schemeClr val="accent1">
-                    <a:shade val="50000"/>
-                  </a:schemeClr>
-                </a:lnRef>
-                <a:fillRef idx="1">
-                  <a:schemeClr val="accent1"/>
-                </a:fillRef>
-                <a:effectRef idx="0">
-                  <a:schemeClr val="accent1"/>
-                </a:effectRef>
-                <a:fontRef idx="minor">
-                  <a:schemeClr val="lt1"/>
-                </a:fontRef>
-              </p:style>
-              <p:txBody>
-                <a:bodyPr rtlCol="0" anchor="ctr"/>
-                <a:lstStyle/>
-                <a:p>
-                  <a:pPr algn="ctr"/>
-                  <a:endParaRPr lang="en-US"/>
-                </a:p>
-              </p:txBody>
-            </p:sp>
-            <p:grpSp>
-              <p:nvGrpSpPr>
-                <p:cNvPr id="68" name="Group 67">
-                  <a:extLst>
-                    <a:ext uri="{FF2B5EF4-FFF2-40B4-BE49-F238E27FC236}">
-                      <a16:creationId xmlns:a16="http://schemas.microsoft.com/office/drawing/2014/main" id="{55E7907B-C7AA-9D44-AB41-32BF5314BAC7}"/>
-                    </a:ext>
-                  </a:extLst>
-                </p:cNvPr>
-                <p:cNvGrpSpPr>
-                  <a:grpSpLocks noChangeAspect="1"/>
-                </p:cNvGrpSpPr>
+                <p:cNvGrpSpPr/>
                 <p:nvPr/>
               </p:nvGrpSpPr>
               <p:grpSpPr>
                 <a:xfrm>
-                  <a:off x="1167053" y="3418263"/>
-                  <a:ext cx="392748" cy="383678"/>
-                  <a:chOff x="1278675" y="2029522"/>
-                  <a:chExt cx="1609491" cy="1572321"/>
+                  <a:off x="3269226" y="3516700"/>
+                  <a:ext cx="467855" cy="444033"/>
+                  <a:chOff x="1129599" y="3378021"/>
+                  <a:chExt cx="467855" cy="444033"/>
                 </a:xfrm>
+                <a:effectLst>
+                  <a:outerShdw blurRad="50800" dist="38100" algn="l" rotWithShape="0">
+                    <a:prstClr val="black">
+                      <a:alpha val="40000"/>
+                    </a:prstClr>
+                  </a:outerShdw>
+                </a:effectLst>
               </p:grpSpPr>
               <p:sp>
                 <p:nvSpPr>
-                  <p:cNvPr id="69" name="Oval 68">
+                  <p:cNvPr id="156" name="Rectangle 155">
                     <a:extLst>
                       <a:ext uri="{FF2B5EF4-FFF2-40B4-BE49-F238E27FC236}">
-                        <a16:creationId xmlns:a16="http://schemas.microsoft.com/office/drawing/2014/main" id="{7FAF14C4-8C88-B54E-82E0-B584B3B56957}"/>
+                        <a16:creationId xmlns:a16="http://schemas.microsoft.com/office/drawing/2014/main" id="{991CF276-4AB0-5B48-B923-AC9956163DC6}"/>
                       </a:ext>
                     </a:extLst>
                   </p:cNvPr>
@@ -4123,19 +3993,16 @@
                 </p:nvSpPr>
                 <p:spPr>
                   <a:xfrm>
-                    <a:off x="1278675" y="2029522"/>
-                    <a:ext cx="1609491" cy="1572321"/>
+                    <a:off x="1129599" y="3378021"/>
+                    <a:ext cx="467855" cy="444033"/>
                   </a:xfrm>
-                  <a:prstGeom prst="ellipse">
+                  <a:prstGeom prst="rect">
                     <a:avLst/>
                   </a:prstGeom>
                   <a:solidFill>
-                    <a:schemeClr val="tx1">
-                      <a:lumMod val="75000"/>
-                      <a:lumOff val="25000"/>
-                    </a:schemeClr>
+                    <a:schemeClr val="tx1"/>
                   </a:solidFill>
-                  <a:ln w="12700">
+                  <a:ln>
                     <a:solidFill>
                       <a:schemeClr val="bg1"/>
                     </a:solidFill>
@@ -4166,125 +4033,34 @@
                   </a:p>
                 </p:txBody>
               </p:sp>
-              <p:pic>
-                <p:nvPicPr>
-                  <p:cNvPr id="70" name="Graphic 69" descr="Mitochondria with solid fill">
+              <p:grpSp>
+                <p:nvGrpSpPr>
+                  <p:cNvPr id="157" name="Group 156">
                     <a:extLst>
                       <a:ext uri="{FF2B5EF4-FFF2-40B4-BE49-F238E27FC236}">
-                        <a16:creationId xmlns:a16="http://schemas.microsoft.com/office/drawing/2014/main" id="{E1AECCB5-9DDC-D641-BE7C-9B3CB1D22492}"/>
+                        <a16:creationId xmlns:a16="http://schemas.microsoft.com/office/drawing/2014/main" id="{58C8AC79-AA7B-6940-9081-8CA9FA08B774}"/>
                       </a:ext>
                     </a:extLst>
                   </p:cNvPr>
-                  <p:cNvPicPr>
-                    <a:picLocks noChangeAspect="1"/>
-                  </p:cNvPicPr>
-                  <p:nvPr/>
-                </p:nvPicPr>
-                <p:blipFill>
-                  <a:blip r:embed="rId14">
-                    <a:extLst>
-                      <a:ext uri="{96DAC541-7B7A-43D3-8B79-37D633B846F1}">
-                        <asvg:svgBlip xmlns:asvg="http://schemas.microsoft.com/office/drawing/2016/SVG/main" r:embed="rId15"/>
-                      </a:ext>
-                    </a:extLst>
-                  </a:blip>
-                  <a:stretch>
-                    <a:fillRect/>
-                  </a:stretch>
-                </p:blipFill>
-                <p:spPr>
-                  <a:xfrm rot="21325333">
-                    <a:off x="1896233" y="2729956"/>
-                    <a:ext cx="833526" cy="833526"/>
-                  </a:xfrm>
-                  <a:prstGeom prst="rect">
-                    <a:avLst/>
-                  </a:prstGeom>
-                </p:spPr>
-              </p:pic>
-              <p:grpSp>
-                <p:nvGrpSpPr>
-                  <p:cNvPr id="71" name="Group 70">
-                    <a:extLst>
-                      <a:ext uri="{FF2B5EF4-FFF2-40B4-BE49-F238E27FC236}">
-                        <a16:creationId xmlns:a16="http://schemas.microsoft.com/office/drawing/2014/main" id="{84F1FE9B-BFB9-BF4B-9A4E-866BBBB4B040}"/>
-                      </a:ext>
-                    </a:extLst>
-                  </p:cNvPr>
-                  <p:cNvGrpSpPr/>
+                  <p:cNvGrpSpPr>
+                    <a:grpSpLocks noChangeAspect="1"/>
+                  </p:cNvGrpSpPr>
                   <p:nvPr/>
                 </p:nvGrpSpPr>
                 <p:grpSpPr>
                   <a:xfrm>
-                    <a:off x="1447051" y="2230255"/>
-                    <a:ext cx="813673" cy="737170"/>
-                    <a:chOff x="1447051" y="2230255"/>
-                    <a:chExt cx="813673" cy="737170"/>
+                    <a:off x="1167053" y="3418263"/>
+                    <a:ext cx="392748" cy="383678"/>
+                    <a:chOff x="1278675" y="2029522"/>
+                    <a:chExt cx="1609491" cy="1572321"/>
                   </a:xfrm>
                 </p:grpSpPr>
                 <p:sp>
                   <p:nvSpPr>
-                    <p:cNvPr id="72" name="Rounded Rectangle 71">
+                    <p:cNvPr id="158" name="Oval 157">
                       <a:extLst>
                         <a:ext uri="{FF2B5EF4-FFF2-40B4-BE49-F238E27FC236}">
-                          <a16:creationId xmlns:a16="http://schemas.microsoft.com/office/drawing/2014/main" id="{55893997-7E06-444F-9D9A-70710B540F33}"/>
-                        </a:ext>
-                      </a:extLst>
-                    </p:cNvPr>
-                    <p:cNvSpPr/>
-                    <p:nvPr/>
-                  </p:nvSpPr>
-                  <p:spPr>
-                    <a:xfrm rot="18947416">
-                      <a:off x="1447051" y="2230255"/>
-                      <a:ext cx="813673" cy="737170"/>
-                    </a:xfrm>
-                    <a:prstGeom prst="roundRect">
-                      <a:avLst>
-                        <a:gd name="adj" fmla="val 38068"/>
-                      </a:avLst>
-                    </a:prstGeom>
-                    <a:solidFill>
-                      <a:schemeClr val="bg1">
-                        <a:lumMod val="75000"/>
-                        <a:alpha val="77000"/>
-                      </a:schemeClr>
-                    </a:solidFill>
-                    <a:ln w="28575">
-                      <a:noFill/>
-                    </a:ln>
-                  </p:spPr>
-                  <p:style>
-                    <a:lnRef idx="2">
-                      <a:schemeClr val="accent1">
-                        <a:shade val="50000"/>
-                      </a:schemeClr>
-                    </a:lnRef>
-                    <a:fillRef idx="1">
-                      <a:schemeClr val="accent1"/>
-                    </a:fillRef>
-                    <a:effectRef idx="0">
-                      <a:schemeClr val="accent1"/>
-                    </a:effectRef>
-                    <a:fontRef idx="minor">
-                      <a:schemeClr val="lt1"/>
-                    </a:fontRef>
-                  </p:style>
-                  <p:txBody>
-                    <a:bodyPr rtlCol="0" anchor="ctr"/>
-                    <a:lstStyle/>
-                    <a:p>
-                      <a:pPr algn="ctr"/>
-                      <a:endParaRPr lang="en-US" dirty="0"/>
-                    </a:p>
-                  </p:txBody>
-                </p:sp>
-                <p:sp>
-                  <p:nvSpPr>
-                    <p:cNvPr id="73" name="Oval 72">
-                      <a:extLst>
-                        <a:ext uri="{FF2B5EF4-FFF2-40B4-BE49-F238E27FC236}">
-                          <a16:creationId xmlns:a16="http://schemas.microsoft.com/office/drawing/2014/main" id="{A62AF2C2-D8CA-1749-80A1-61E3925E42FB}"/>
+                          <a16:creationId xmlns:a16="http://schemas.microsoft.com/office/drawing/2014/main" id="{3958FB2E-A665-0E45-998C-941FC086CE47}"/>
                         </a:ext>
                       </a:extLst>
                     </p:cNvPr>
@@ -4293,17 +4069,22 @@
                   </p:nvSpPr>
                   <p:spPr>
                     <a:xfrm>
-                      <a:off x="1664438" y="2401167"/>
-                      <a:ext cx="378899" cy="395346"/>
+                      <a:off x="1278675" y="2029522"/>
+                      <a:ext cx="1609491" cy="1572321"/>
                     </a:xfrm>
                     <a:prstGeom prst="ellipse">
                       <a:avLst/>
                     </a:prstGeom>
                     <a:solidFill>
-                      <a:schemeClr val="bg1"/>
+                      <a:schemeClr val="tx1">
+                        <a:lumMod val="75000"/>
+                        <a:lumOff val="25000"/>
+                      </a:schemeClr>
                     </a:solidFill>
-                    <a:ln w="28575">
-                      <a:noFill/>
+                    <a:ln w="12700">
+                      <a:solidFill>
+                        <a:schemeClr val="bg1"/>
+                      </a:solidFill>
                     </a:ln>
                   </p:spPr>
                   <p:style>
@@ -4331,118 +4112,207 @@
                     </a:p>
                   </p:txBody>
                 </p:sp>
+                <p:pic>
+                  <p:nvPicPr>
+                    <p:cNvPr id="159" name="Graphic 158" descr="Mitochondria with solid fill">
+                      <a:extLst>
+                        <a:ext uri="{FF2B5EF4-FFF2-40B4-BE49-F238E27FC236}">
+                          <a16:creationId xmlns:a16="http://schemas.microsoft.com/office/drawing/2014/main" id="{CEF4C289-4DBA-314B-9DE2-27FC72F2C7A5}"/>
+                        </a:ext>
+                      </a:extLst>
+                    </p:cNvPr>
+                    <p:cNvPicPr>
+                      <a:picLocks noChangeAspect="1"/>
+                    </p:cNvPicPr>
+                    <p:nvPr/>
+                  </p:nvPicPr>
+                  <p:blipFill>
+                    <a:blip r:embed="rId10">
+                      <a:extLst>
+                        <a:ext uri="{96DAC541-7B7A-43D3-8B79-37D633B846F1}">
+                          <asvg:svgBlip xmlns:asvg="http://schemas.microsoft.com/office/drawing/2016/SVG/main" r:embed="rId11"/>
+                        </a:ext>
+                      </a:extLst>
+                    </a:blip>
+                    <a:stretch>
+                      <a:fillRect/>
+                    </a:stretch>
+                  </p:blipFill>
+                  <p:spPr>
+                    <a:xfrm rot="21325333">
+                      <a:off x="1896233" y="2729956"/>
+                      <a:ext cx="833526" cy="833526"/>
+                    </a:xfrm>
+                    <a:prstGeom prst="rect">
+                      <a:avLst/>
+                    </a:prstGeom>
+                  </p:spPr>
+                </p:pic>
+                <p:grpSp>
+                  <p:nvGrpSpPr>
+                    <p:cNvPr id="160" name="Group 159">
+                      <a:extLst>
+                        <a:ext uri="{FF2B5EF4-FFF2-40B4-BE49-F238E27FC236}">
+                          <a16:creationId xmlns:a16="http://schemas.microsoft.com/office/drawing/2014/main" id="{9B17E2DF-8EF3-9644-A79B-69F130D04572}"/>
+                        </a:ext>
+                      </a:extLst>
+                    </p:cNvPr>
+                    <p:cNvGrpSpPr/>
+                    <p:nvPr/>
+                  </p:nvGrpSpPr>
+                  <p:grpSpPr>
+                    <a:xfrm>
+                      <a:off x="1447051" y="2230255"/>
+                      <a:ext cx="813673" cy="737170"/>
+                      <a:chOff x="1447051" y="2230255"/>
+                      <a:chExt cx="813673" cy="737170"/>
+                    </a:xfrm>
+                  </p:grpSpPr>
+                  <p:sp>
+                    <p:nvSpPr>
+                      <p:cNvPr id="161" name="Rounded Rectangle 160">
+                        <a:extLst>
+                          <a:ext uri="{FF2B5EF4-FFF2-40B4-BE49-F238E27FC236}">
+                            <a16:creationId xmlns:a16="http://schemas.microsoft.com/office/drawing/2014/main" id="{9FB523A5-B886-0948-9749-C23DBF3B6C5E}"/>
+                          </a:ext>
+                        </a:extLst>
+                      </p:cNvPr>
+                      <p:cNvSpPr/>
+                      <p:nvPr/>
+                    </p:nvSpPr>
+                    <p:spPr>
+                      <a:xfrm rot="18947416">
+                        <a:off x="1447051" y="2230255"/>
+                        <a:ext cx="813673" cy="737170"/>
+                      </a:xfrm>
+                      <a:prstGeom prst="roundRect">
+                        <a:avLst>
+                          <a:gd name="adj" fmla="val 38068"/>
+                        </a:avLst>
+                      </a:prstGeom>
+                      <a:solidFill>
+                        <a:schemeClr val="bg1">
+                          <a:lumMod val="75000"/>
+                          <a:alpha val="77000"/>
+                        </a:schemeClr>
+                      </a:solidFill>
+                      <a:ln w="28575">
+                        <a:noFill/>
+                      </a:ln>
+                    </p:spPr>
+                    <p:style>
+                      <a:lnRef idx="2">
+                        <a:schemeClr val="accent1">
+                          <a:shade val="50000"/>
+                        </a:schemeClr>
+                      </a:lnRef>
+                      <a:fillRef idx="1">
+                        <a:schemeClr val="accent1"/>
+                      </a:fillRef>
+                      <a:effectRef idx="0">
+                        <a:schemeClr val="accent1"/>
+                      </a:effectRef>
+                      <a:fontRef idx="minor">
+                        <a:schemeClr val="lt1"/>
+                      </a:fontRef>
+                    </p:style>
+                    <p:txBody>
+                      <a:bodyPr rtlCol="0" anchor="ctr"/>
+                      <a:lstStyle/>
+                      <a:p>
+                        <a:pPr algn="ctr"/>
+                        <a:endParaRPr lang="en-US" dirty="0"/>
+                      </a:p>
+                    </p:txBody>
+                  </p:sp>
+                  <p:sp>
+                    <p:nvSpPr>
+                      <p:cNvPr id="162" name="Oval 161">
+                        <a:extLst>
+                          <a:ext uri="{FF2B5EF4-FFF2-40B4-BE49-F238E27FC236}">
+                            <a16:creationId xmlns:a16="http://schemas.microsoft.com/office/drawing/2014/main" id="{8710631E-8781-754F-9617-A464A71489EC}"/>
+                          </a:ext>
+                        </a:extLst>
+                      </p:cNvPr>
+                      <p:cNvSpPr/>
+                      <p:nvPr/>
+                    </p:nvSpPr>
+                    <p:spPr>
+                      <a:xfrm>
+                        <a:off x="1664438" y="2401167"/>
+                        <a:ext cx="378899" cy="395346"/>
+                      </a:xfrm>
+                      <a:prstGeom prst="ellipse">
+                        <a:avLst/>
+                      </a:prstGeom>
+                      <a:solidFill>
+                        <a:schemeClr val="bg1"/>
+                      </a:solidFill>
+                      <a:ln w="28575">
+                        <a:noFill/>
+                      </a:ln>
+                    </p:spPr>
+                    <p:style>
+                      <a:lnRef idx="2">
+                        <a:schemeClr val="accent1">
+                          <a:shade val="50000"/>
+                        </a:schemeClr>
+                      </a:lnRef>
+                      <a:fillRef idx="1">
+                        <a:schemeClr val="accent1"/>
+                      </a:fillRef>
+                      <a:effectRef idx="0">
+                        <a:schemeClr val="accent1"/>
+                      </a:effectRef>
+                      <a:fontRef idx="minor">
+                        <a:schemeClr val="lt1"/>
+                      </a:fontRef>
+                    </p:style>
+                    <p:txBody>
+                      <a:bodyPr rtlCol="0" anchor="ctr"/>
+                      <a:lstStyle/>
+                      <a:p>
+                        <a:pPr algn="ctr"/>
+                        <a:endParaRPr lang="en-US"/>
+                      </a:p>
+                    </p:txBody>
+                  </p:sp>
+                </p:grpSp>
               </p:grpSp>
             </p:grpSp>
-          </p:grpSp>
-          <p:grpSp>
-            <p:nvGrpSpPr>
-              <p:cNvPr id="51" name="Group 50">
-                <a:extLst>
-                  <a:ext uri="{FF2B5EF4-FFF2-40B4-BE49-F238E27FC236}">
-                    <a16:creationId xmlns:a16="http://schemas.microsoft.com/office/drawing/2014/main" id="{92AC6C5B-76B5-CB46-80CC-91CE3BA3F951}"/>
-                  </a:ext>
-                </a:extLst>
-              </p:cNvPr>
-              <p:cNvGrpSpPr/>
-              <p:nvPr/>
-            </p:nvGrpSpPr>
-            <p:grpSpPr>
-              <a:xfrm>
-                <a:off x="3161917" y="3649627"/>
-                <a:ext cx="467855" cy="444033"/>
-                <a:chOff x="1129599" y="3378021"/>
-                <a:chExt cx="467855" cy="444033"/>
-              </a:xfrm>
-              <a:effectLst>
-                <a:outerShdw blurRad="50800" dist="38100" algn="l" rotWithShape="0">
-                  <a:prstClr val="black">
-                    <a:alpha val="40000"/>
-                  </a:prstClr>
-                </a:outerShdw>
-              </a:effectLst>
-            </p:grpSpPr>
-            <p:sp>
-              <p:nvSpPr>
-                <p:cNvPr id="60" name="Rectangle 59">
+            <p:grpSp>
+              <p:nvGrpSpPr>
+                <p:cNvPr id="140" name="Group 139">
                   <a:extLst>
                     <a:ext uri="{FF2B5EF4-FFF2-40B4-BE49-F238E27FC236}">
-                      <a16:creationId xmlns:a16="http://schemas.microsoft.com/office/drawing/2014/main" id="{D7677591-E15E-5540-87AD-1B37CF7F88D5}"/>
+                      <a16:creationId xmlns:a16="http://schemas.microsoft.com/office/drawing/2014/main" id="{8C243498-A570-EE40-A5C8-BFEC1BD73AA2}"/>
                     </a:ext>
                   </a:extLst>
                 </p:cNvPr>
-                <p:cNvSpPr/>
-                <p:nvPr/>
-              </p:nvSpPr>
-              <p:spPr>
-                <a:xfrm>
-                  <a:off x="1129599" y="3378021"/>
-                  <a:ext cx="467855" cy="444033"/>
-                </a:xfrm>
-                <a:prstGeom prst="rect">
-                  <a:avLst/>
-                </a:prstGeom>
-                <a:solidFill>
-                  <a:schemeClr val="tx1"/>
-                </a:solidFill>
-                <a:ln>
-                  <a:solidFill>
-                    <a:schemeClr val="bg1"/>
-                  </a:solidFill>
-                </a:ln>
-              </p:spPr>
-              <p:style>
-                <a:lnRef idx="2">
-                  <a:schemeClr val="accent1">
-                    <a:shade val="50000"/>
-                  </a:schemeClr>
-                </a:lnRef>
-                <a:fillRef idx="1">
-                  <a:schemeClr val="accent1"/>
-                </a:fillRef>
-                <a:effectRef idx="0">
-                  <a:schemeClr val="accent1"/>
-                </a:effectRef>
-                <a:fontRef idx="minor">
-                  <a:schemeClr val="lt1"/>
-                </a:fontRef>
-              </p:style>
-              <p:txBody>
-                <a:bodyPr rtlCol="0" anchor="ctr"/>
-                <a:lstStyle/>
-                <a:p>
-                  <a:pPr algn="ctr"/>
-                  <a:endParaRPr lang="en-US"/>
-                </a:p>
-              </p:txBody>
-            </p:sp>
-            <p:grpSp>
-              <p:nvGrpSpPr>
-                <p:cNvPr id="61" name="Group 60">
-                  <a:extLst>
-                    <a:ext uri="{FF2B5EF4-FFF2-40B4-BE49-F238E27FC236}">
-                      <a16:creationId xmlns:a16="http://schemas.microsoft.com/office/drawing/2014/main" id="{28833A83-7B5A-B545-9E5A-0512807D9FE7}"/>
-                    </a:ext>
-                  </a:extLst>
-                </p:cNvPr>
-                <p:cNvGrpSpPr>
-                  <a:grpSpLocks noChangeAspect="1"/>
-                </p:cNvGrpSpPr>
+                <p:cNvGrpSpPr/>
                 <p:nvPr/>
               </p:nvGrpSpPr>
               <p:grpSpPr>
                 <a:xfrm>
-                  <a:off x="1167053" y="3418263"/>
-                  <a:ext cx="392748" cy="383678"/>
-                  <a:chOff x="1278675" y="2029522"/>
-                  <a:chExt cx="1609491" cy="1572321"/>
+                  <a:off x="3161917" y="3649627"/>
+                  <a:ext cx="467855" cy="444033"/>
+                  <a:chOff x="1129599" y="3378021"/>
+                  <a:chExt cx="467855" cy="444033"/>
                 </a:xfrm>
+                <a:effectLst>
+                  <a:outerShdw blurRad="50800" dist="38100" algn="l" rotWithShape="0">
+                    <a:prstClr val="black">
+                      <a:alpha val="40000"/>
+                    </a:prstClr>
+                  </a:outerShdw>
+                </a:effectLst>
               </p:grpSpPr>
               <p:sp>
                 <p:nvSpPr>
-                  <p:cNvPr id="62" name="Oval 61">
+                  <p:cNvPr id="149" name="Rectangle 148">
                     <a:extLst>
                       <a:ext uri="{FF2B5EF4-FFF2-40B4-BE49-F238E27FC236}">
-                        <a16:creationId xmlns:a16="http://schemas.microsoft.com/office/drawing/2014/main" id="{6D86AE3B-8E39-A147-B31E-2D6BF37AAC8A}"/>
+                        <a16:creationId xmlns:a16="http://schemas.microsoft.com/office/drawing/2014/main" id="{AFDF94E3-2660-154B-A7AB-91E304E9E37F}"/>
                       </a:ext>
                     </a:extLst>
                   </p:cNvPr>
@@ -4451,19 +4321,16 @@
                 </p:nvSpPr>
                 <p:spPr>
                   <a:xfrm>
-                    <a:off x="1278675" y="2029522"/>
-                    <a:ext cx="1609491" cy="1572321"/>
+                    <a:off x="1129599" y="3378021"/>
+                    <a:ext cx="467855" cy="444033"/>
                   </a:xfrm>
-                  <a:prstGeom prst="ellipse">
+                  <a:prstGeom prst="rect">
                     <a:avLst/>
                   </a:prstGeom>
                   <a:solidFill>
-                    <a:schemeClr val="tx1">
-                      <a:lumMod val="75000"/>
-                      <a:lumOff val="25000"/>
-                    </a:schemeClr>
+                    <a:schemeClr val="tx1"/>
                   </a:solidFill>
-                  <a:ln w="12700">
+                  <a:ln>
                     <a:solidFill>
                       <a:schemeClr val="bg1"/>
                     </a:solidFill>
@@ -4494,125 +4361,34 @@
                   </a:p>
                 </p:txBody>
               </p:sp>
-              <p:pic>
-                <p:nvPicPr>
-                  <p:cNvPr id="63" name="Graphic 62" descr="Mitochondria with solid fill">
+              <p:grpSp>
+                <p:nvGrpSpPr>
+                  <p:cNvPr id="150" name="Group 149">
                     <a:extLst>
                       <a:ext uri="{FF2B5EF4-FFF2-40B4-BE49-F238E27FC236}">
-                        <a16:creationId xmlns:a16="http://schemas.microsoft.com/office/drawing/2014/main" id="{5CEE1E7E-78D5-834C-BF57-A26DC74DFC69}"/>
+                        <a16:creationId xmlns:a16="http://schemas.microsoft.com/office/drawing/2014/main" id="{9D1BB53F-4272-6640-A964-5364A96BCA67}"/>
                       </a:ext>
                     </a:extLst>
                   </p:cNvPr>
-                  <p:cNvPicPr>
-                    <a:picLocks noChangeAspect="1"/>
-                  </p:cNvPicPr>
-                  <p:nvPr/>
-                </p:nvPicPr>
-                <p:blipFill>
-                  <a:blip r:embed="rId14">
-                    <a:extLst>
-                      <a:ext uri="{96DAC541-7B7A-43D3-8B79-37D633B846F1}">
-                        <asvg:svgBlip xmlns:asvg="http://schemas.microsoft.com/office/drawing/2016/SVG/main" r:embed="rId15"/>
-                      </a:ext>
-                    </a:extLst>
-                  </a:blip>
-                  <a:stretch>
-                    <a:fillRect/>
-                  </a:stretch>
-                </p:blipFill>
-                <p:spPr>
-                  <a:xfrm rot="21325333">
-                    <a:off x="1896233" y="2729956"/>
-                    <a:ext cx="833526" cy="833526"/>
-                  </a:xfrm>
-                  <a:prstGeom prst="rect">
-                    <a:avLst/>
-                  </a:prstGeom>
-                </p:spPr>
-              </p:pic>
-              <p:grpSp>
-                <p:nvGrpSpPr>
-                  <p:cNvPr id="64" name="Group 63">
-                    <a:extLst>
-                      <a:ext uri="{FF2B5EF4-FFF2-40B4-BE49-F238E27FC236}">
-                        <a16:creationId xmlns:a16="http://schemas.microsoft.com/office/drawing/2014/main" id="{1A7BEADC-A238-6D45-831C-329419214DDA}"/>
-                      </a:ext>
-                    </a:extLst>
-                  </p:cNvPr>
-                  <p:cNvGrpSpPr/>
+                  <p:cNvGrpSpPr>
+                    <a:grpSpLocks noChangeAspect="1"/>
+                  </p:cNvGrpSpPr>
                   <p:nvPr/>
                 </p:nvGrpSpPr>
                 <p:grpSpPr>
                   <a:xfrm>
-                    <a:off x="1447051" y="2230255"/>
-                    <a:ext cx="813673" cy="737170"/>
-                    <a:chOff x="1447051" y="2230255"/>
-                    <a:chExt cx="813673" cy="737170"/>
+                    <a:off x="1167053" y="3418263"/>
+                    <a:ext cx="392748" cy="383678"/>
+                    <a:chOff x="1278675" y="2029522"/>
+                    <a:chExt cx="1609491" cy="1572321"/>
                   </a:xfrm>
                 </p:grpSpPr>
                 <p:sp>
                   <p:nvSpPr>
-                    <p:cNvPr id="65" name="Rounded Rectangle 64">
+                    <p:cNvPr id="151" name="Oval 150">
                       <a:extLst>
                         <a:ext uri="{FF2B5EF4-FFF2-40B4-BE49-F238E27FC236}">
-                          <a16:creationId xmlns:a16="http://schemas.microsoft.com/office/drawing/2014/main" id="{3B63CAD1-F59F-1342-A0E3-4045220D3481}"/>
-                        </a:ext>
-                      </a:extLst>
-                    </p:cNvPr>
-                    <p:cNvSpPr/>
-                    <p:nvPr/>
-                  </p:nvSpPr>
-                  <p:spPr>
-                    <a:xfrm rot="18947416">
-                      <a:off x="1447051" y="2230255"/>
-                      <a:ext cx="813673" cy="737170"/>
-                    </a:xfrm>
-                    <a:prstGeom prst="roundRect">
-                      <a:avLst>
-                        <a:gd name="adj" fmla="val 38068"/>
-                      </a:avLst>
-                    </a:prstGeom>
-                    <a:solidFill>
-                      <a:schemeClr val="bg1">
-                        <a:lumMod val="75000"/>
-                        <a:alpha val="77000"/>
-                      </a:schemeClr>
-                    </a:solidFill>
-                    <a:ln w="28575">
-                      <a:noFill/>
-                    </a:ln>
-                  </p:spPr>
-                  <p:style>
-                    <a:lnRef idx="2">
-                      <a:schemeClr val="accent1">
-                        <a:shade val="50000"/>
-                      </a:schemeClr>
-                    </a:lnRef>
-                    <a:fillRef idx="1">
-                      <a:schemeClr val="accent1"/>
-                    </a:fillRef>
-                    <a:effectRef idx="0">
-                      <a:schemeClr val="accent1"/>
-                    </a:effectRef>
-                    <a:fontRef idx="minor">
-                      <a:schemeClr val="lt1"/>
-                    </a:fontRef>
-                  </p:style>
-                  <p:txBody>
-                    <a:bodyPr rtlCol="0" anchor="ctr"/>
-                    <a:lstStyle/>
-                    <a:p>
-                      <a:pPr algn="ctr"/>
-                      <a:endParaRPr lang="en-US" dirty="0"/>
-                    </a:p>
-                  </p:txBody>
-                </p:sp>
-                <p:sp>
-                  <p:nvSpPr>
-                    <p:cNvPr id="66" name="Oval 65">
-                      <a:extLst>
-                        <a:ext uri="{FF2B5EF4-FFF2-40B4-BE49-F238E27FC236}">
-                          <a16:creationId xmlns:a16="http://schemas.microsoft.com/office/drawing/2014/main" id="{D25AFFA5-F6B2-0F4C-8D69-54F6B10F810F}"/>
+                          <a16:creationId xmlns:a16="http://schemas.microsoft.com/office/drawing/2014/main" id="{F0DA9D3F-709E-EC44-8CD6-230AF5BACBB3}"/>
                         </a:ext>
                       </a:extLst>
                     </p:cNvPr>
@@ -4621,17 +4397,22 @@
                   </p:nvSpPr>
                   <p:spPr>
                     <a:xfrm>
-                      <a:off x="1664438" y="2401167"/>
-                      <a:ext cx="378899" cy="395346"/>
+                      <a:off x="1278675" y="2029522"/>
+                      <a:ext cx="1609491" cy="1572321"/>
                     </a:xfrm>
                     <a:prstGeom prst="ellipse">
                       <a:avLst/>
                     </a:prstGeom>
                     <a:solidFill>
-                      <a:schemeClr val="bg1"/>
+                      <a:schemeClr val="tx1">
+                        <a:lumMod val="75000"/>
+                        <a:lumOff val="25000"/>
+                      </a:schemeClr>
                     </a:solidFill>
-                    <a:ln w="28575">
-                      <a:noFill/>
+                    <a:ln w="12700">
+                      <a:solidFill>
+                        <a:schemeClr val="bg1"/>
+                      </a:solidFill>
                     </a:ln>
                   </p:spPr>
                   <p:style>
@@ -4659,118 +4440,207 @@
                     </a:p>
                   </p:txBody>
                 </p:sp>
+                <p:pic>
+                  <p:nvPicPr>
+                    <p:cNvPr id="152" name="Graphic 151" descr="Mitochondria with solid fill">
+                      <a:extLst>
+                        <a:ext uri="{FF2B5EF4-FFF2-40B4-BE49-F238E27FC236}">
+                          <a16:creationId xmlns:a16="http://schemas.microsoft.com/office/drawing/2014/main" id="{97C6D80F-FFB8-B140-A456-8FCF0A461923}"/>
+                        </a:ext>
+                      </a:extLst>
+                    </p:cNvPr>
+                    <p:cNvPicPr>
+                      <a:picLocks noChangeAspect="1"/>
+                    </p:cNvPicPr>
+                    <p:nvPr/>
+                  </p:nvPicPr>
+                  <p:blipFill>
+                    <a:blip r:embed="rId10">
+                      <a:extLst>
+                        <a:ext uri="{96DAC541-7B7A-43D3-8B79-37D633B846F1}">
+                          <asvg:svgBlip xmlns:asvg="http://schemas.microsoft.com/office/drawing/2016/SVG/main" r:embed="rId11"/>
+                        </a:ext>
+                      </a:extLst>
+                    </a:blip>
+                    <a:stretch>
+                      <a:fillRect/>
+                    </a:stretch>
+                  </p:blipFill>
+                  <p:spPr>
+                    <a:xfrm rot="21325333">
+                      <a:off x="1896233" y="2729956"/>
+                      <a:ext cx="833526" cy="833526"/>
+                    </a:xfrm>
+                    <a:prstGeom prst="rect">
+                      <a:avLst/>
+                    </a:prstGeom>
+                  </p:spPr>
+                </p:pic>
+                <p:grpSp>
+                  <p:nvGrpSpPr>
+                    <p:cNvPr id="153" name="Group 152">
+                      <a:extLst>
+                        <a:ext uri="{FF2B5EF4-FFF2-40B4-BE49-F238E27FC236}">
+                          <a16:creationId xmlns:a16="http://schemas.microsoft.com/office/drawing/2014/main" id="{2C1883C4-499B-A84A-8409-833E48D2D109}"/>
+                        </a:ext>
+                      </a:extLst>
+                    </p:cNvPr>
+                    <p:cNvGrpSpPr/>
+                    <p:nvPr/>
+                  </p:nvGrpSpPr>
+                  <p:grpSpPr>
+                    <a:xfrm>
+                      <a:off x="1447051" y="2230255"/>
+                      <a:ext cx="813673" cy="737170"/>
+                      <a:chOff x="1447051" y="2230255"/>
+                      <a:chExt cx="813673" cy="737170"/>
+                    </a:xfrm>
+                  </p:grpSpPr>
+                  <p:sp>
+                    <p:nvSpPr>
+                      <p:cNvPr id="154" name="Rounded Rectangle 153">
+                        <a:extLst>
+                          <a:ext uri="{FF2B5EF4-FFF2-40B4-BE49-F238E27FC236}">
+                            <a16:creationId xmlns:a16="http://schemas.microsoft.com/office/drawing/2014/main" id="{1E08D0F8-5715-1C46-83B4-F7E44B6C3A8D}"/>
+                          </a:ext>
+                        </a:extLst>
+                      </p:cNvPr>
+                      <p:cNvSpPr/>
+                      <p:nvPr/>
+                    </p:nvSpPr>
+                    <p:spPr>
+                      <a:xfrm rot="18947416">
+                        <a:off x="1447051" y="2230255"/>
+                        <a:ext cx="813673" cy="737170"/>
+                      </a:xfrm>
+                      <a:prstGeom prst="roundRect">
+                        <a:avLst>
+                          <a:gd name="adj" fmla="val 38068"/>
+                        </a:avLst>
+                      </a:prstGeom>
+                      <a:solidFill>
+                        <a:schemeClr val="bg1">
+                          <a:lumMod val="75000"/>
+                          <a:alpha val="77000"/>
+                        </a:schemeClr>
+                      </a:solidFill>
+                      <a:ln w="28575">
+                        <a:noFill/>
+                      </a:ln>
+                    </p:spPr>
+                    <p:style>
+                      <a:lnRef idx="2">
+                        <a:schemeClr val="accent1">
+                          <a:shade val="50000"/>
+                        </a:schemeClr>
+                      </a:lnRef>
+                      <a:fillRef idx="1">
+                        <a:schemeClr val="accent1"/>
+                      </a:fillRef>
+                      <a:effectRef idx="0">
+                        <a:schemeClr val="accent1"/>
+                      </a:effectRef>
+                      <a:fontRef idx="minor">
+                        <a:schemeClr val="lt1"/>
+                      </a:fontRef>
+                    </p:style>
+                    <p:txBody>
+                      <a:bodyPr rtlCol="0" anchor="ctr"/>
+                      <a:lstStyle/>
+                      <a:p>
+                        <a:pPr algn="ctr"/>
+                        <a:endParaRPr lang="en-US" dirty="0"/>
+                      </a:p>
+                    </p:txBody>
+                  </p:sp>
+                  <p:sp>
+                    <p:nvSpPr>
+                      <p:cNvPr id="155" name="Oval 154">
+                        <a:extLst>
+                          <a:ext uri="{FF2B5EF4-FFF2-40B4-BE49-F238E27FC236}">
+                            <a16:creationId xmlns:a16="http://schemas.microsoft.com/office/drawing/2014/main" id="{8E074742-9B9A-EC41-96DC-028E6D8E6836}"/>
+                          </a:ext>
+                        </a:extLst>
+                      </p:cNvPr>
+                      <p:cNvSpPr/>
+                      <p:nvPr/>
+                    </p:nvSpPr>
+                    <p:spPr>
+                      <a:xfrm>
+                        <a:off x="1664438" y="2401167"/>
+                        <a:ext cx="378899" cy="395346"/>
+                      </a:xfrm>
+                      <a:prstGeom prst="ellipse">
+                        <a:avLst/>
+                      </a:prstGeom>
+                      <a:solidFill>
+                        <a:schemeClr val="bg1"/>
+                      </a:solidFill>
+                      <a:ln w="28575">
+                        <a:noFill/>
+                      </a:ln>
+                    </p:spPr>
+                    <p:style>
+                      <a:lnRef idx="2">
+                        <a:schemeClr val="accent1">
+                          <a:shade val="50000"/>
+                        </a:schemeClr>
+                      </a:lnRef>
+                      <a:fillRef idx="1">
+                        <a:schemeClr val="accent1"/>
+                      </a:fillRef>
+                      <a:effectRef idx="0">
+                        <a:schemeClr val="accent1"/>
+                      </a:effectRef>
+                      <a:fontRef idx="minor">
+                        <a:schemeClr val="lt1"/>
+                      </a:fontRef>
+                    </p:style>
+                    <p:txBody>
+                      <a:bodyPr rtlCol="0" anchor="ctr"/>
+                      <a:lstStyle/>
+                      <a:p>
+                        <a:pPr algn="ctr"/>
+                        <a:endParaRPr lang="en-US"/>
+                      </a:p>
+                    </p:txBody>
+                  </p:sp>
+                </p:grpSp>
               </p:grpSp>
             </p:grpSp>
-          </p:grpSp>
-          <p:grpSp>
-            <p:nvGrpSpPr>
-              <p:cNvPr id="52" name="Group 51">
-                <a:extLst>
-                  <a:ext uri="{FF2B5EF4-FFF2-40B4-BE49-F238E27FC236}">
-                    <a16:creationId xmlns:a16="http://schemas.microsoft.com/office/drawing/2014/main" id="{46327705-3017-B54E-991D-3906B6554CF4}"/>
-                  </a:ext>
-                </a:extLst>
-              </p:cNvPr>
-              <p:cNvGrpSpPr/>
-              <p:nvPr/>
-            </p:nvGrpSpPr>
-            <p:grpSpPr>
-              <a:xfrm>
-                <a:off x="3091409" y="3792693"/>
-                <a:ext cx="467855" cy="444033"/>
-                <a:chOff x="1129599" y="3378021"/>
-                <a:chExt cx="467855" cy="444033"/>
-              </a:xfrm>
-              <a:effectLst>
-                <a:outerShdw blurRad="50800" dist="38100" algn="l" rotWithShape="0">
-                  <a:prstClr val="black">
-                    <a:alpha val="40000"/>
-                  </a:prstClr>
-                </a:outerShdw>
-              </a:effectLst>
-            </p:grpSpPr>
-            <p:sp>
-              <p:nvSpPr>
-                <p:cNvPr id="53" name="Rectangle 52">
+            <p:grpSp>
+              <p:nvGrpSpPr>
+                <p:cNvPr id="141" name="Group 140">
                   <a:extLst>
                     <a:ext uri="{FF2B5EF4-FFF2-40B4-BE49-F238E27FC236}">
-                      <a16:creationId xmlns:a16="http://schemas.microsoft.com/office/drawing/2014/main" id="{8D76F3A2-E4BF-3C42-9816-BE6F384CC65B}"/>
+                      <a16:creationId xmlns:a16="http://schemas.microsoft.com/office/drawing/2014/main" id="{70B66147-F869-DF48-BF94-BC190A194058}"/>
                     </a:ext>
                   </a:extLst>
                 </p:cNvPr>
-                <p:cNvSpPr/>
-                <p:nvPr/>
-              </p:nvSpPr>
-              <p:spPr>
-                <a:xfrm>
-                  <a:off x="1129599" y="3378021"/>
-                  <a:ext cx="467855" cy="444033"/>
-                </a:xfrm>
-                <a:prstGeom prst="rect">
-                  <a:avLst/>
-                </a:prstGeom>
-                <a:solidFill>
-                  <a:schemeClr val="tx1"/>
-                </a:solidFill>
-                <a:ln>
-                  <a:solidFill>
-                    <a:schemeClr val="bg1"/>
-                  </a:solidFill>
-                </a:ln>
-              </p:spPr>
-              <p:style>
-                <a:lnRef idx="2">
-                  <a:schemeClr val="accent1">
-                    <a:shade val="50000"/>
-                  </a:schemeClr>
-                </a:lnRef>
-                <a:fillRef idx="1">
-                  <a:schemeClr val="accent1"/>
-                </a:fillRef>
-                <a:effectRef idx="0">
-                  <a:schemeClr val="accent1"/>
-                </a:effectRef>
-                <a:fontRef idx="minor">
-                  <a:schemeClr val="lt1"/>
-                </a:fontRef>
-              </p:style>
-              <p:txBody>
-                <a:bodyPr rtlCol="0" anchor="ctr"/>
-                <a:lstStyle/>
-                <a:p>
-                  <a:pPr algn="ctr"/>
-                  <a:endParaRPr lang="en-US"/>
-                </a:p>
-              </p:txBody>
-            </p:sp>
-            <p:grpSp>
-              <p:nvGrpSpPr>
-                <p:cNvPr id="54" name="Group 53">
-                  <a:extLst>
-                    <a:ext uri="{FF2B5EF4-FFF2-40B4-BE49-F238E27FC236}">
-                      <a16:creationId xmlns:a16="http://schemas.microsoft.com/office/drawing/2014/main" id="{2E8F3059-4042-CD4C-A29F-CE38C88408C9}"/>
-                    </a:ext>
-                  </a:extLst>
-                </p:cNvPr>
-                <p:cNvGrpSpPr>
-                  <a:grpSpLocks noChangeAspect="1"/>
-                </p:cNvGrpSpPr>
+                <p:cNvGrpSpPr/>
                 <p:nvPr/>
               </p:nvGrpSpPr>
               <p:grpSpPr>
                 <a:xfrm>
-                  <a:off x="1167053" y="3418263"/>
-                  <a:ext cx="392748" cy="383678"/>
-                  <a:chOff x="1278675" y="2029522"/>
-                  <a:chExt cx="1609491" cy="1572321"/>
+                  <a:off x="3091409" y="3792693"/>
+                  <a:ext cx="467855" cy="444033"/>
+                  <a:chOff x="1129599" y="3378021"/>
+                  <a:chExt cx="467855" cy="444033"/>
                 </a:xfrm>
+                <a:effectLst>
+                  <a:outerShdw blurRad="50800" dist="38100" algn="l" rotWithShape="0">
+                    <a:prstClr val="black">
+                      <a:alpha val="40000"/>
+                    </a:prstClr>
+                  </a:outerShdw>
+                </a:effectLst>
               </p:grpSpPr>
               <p:sp>
                 <p:nvSpPr>
-                  <p:cNvPr id="55" name="Oval 54">
+                  <p:cNvPr id="142" name="Rectangle 141">
                     <a:extLst>
                       <a:ext uri="{FF2B5EF4-FFF2-40B4-BE49-F238E27FC236}">
-                        <a16:creationId xmlns:a16="http://schemas.microsoft.com/office/drawing/2014/main" id="{9F45E294-B78D-4A4A-AC72-5A394F665787}"/>
+                        <a16:creationId xmlns:a16="http://schemas.microsoft.com/office/drawing/2014/main" id="{CAB180EB-5A1B-B04A-9DD5-BCA836E724C1}"/>
                       </a:ext>
                     </a:extLst>
                   </p:cNvPr>
@@ -4779,19 +4649,16 @@
                 </p:nvSpPr>
                 <p:spPr>
                   <a:xfrm>
-                    <a:off x="1278675" y="2029522"/>
-                    <a:ext cx="1609491" cy="1572321"/>
+                    <a:off x="1129599" y="3378021"/>
+                    <a:ext cx="467855" cy="444033"/>
                   </a:xfrm>
-                  <a:prstGeom prst="ellipse">
+                  <a:prstGeom prst="rect">
                     <a:avLst/>
                   </a:prstGeom>
                   <a:solidFill>
-                    <a:schemeClr val="tx1">
-                      <a:lumMod val="75000"/>
-                      <a:lumOff val="25000"/>
-                    </a:schemeClr>
+                    <a:schemeClr val="tx1"/>
                   </a:solidFill>
-                  <a:ln w="12700">
+                  <a:ln>
                     <a:solidFill>
                       <a:schemeClr val="bg1"/>
                     </a:solidFill>
@@ -4822,125 +4689,34 @@
                   </a:p>
                 </p:txBody>
               </p:sp>
-              <p:pic>
-                <p:nvPicPr>
-                  <p:cNvPr id="56" name="Graphic 55" descr="Mitochondria with solid fill">
+              <p:grpSp>
+                <p:nvGrpSpPr>
+                  <p:cNvPr id="143" name="Group 142">
                     <a:extLst>
                       <a:ext uri="{FF2B5EF4-FFF2-40B4-BE49-F238E27FC236}">
-                        <a16:creationId xmlns:a16="http://schemas.microsoft.com/office/drawing/2014/main" id="{EB8C1748-CDC7-E149-AF41-3152417CA649}"/>
+                        <a16:creationId xmlns:a16="http://schemas.microsoft.com/office/drawing/2014/main" id="{BF1E025C-C4EE-7640-8E87-17364BCD7F73}"/>
                       </a:ext>
                     </a:extLst>
                   </p:cNvPr>
-                  <p:cNvPicPr>
-                    <a:picLocks noChangeAspect="1"/>
-                  </p:cNvPicPr>
-                  <p:nvPr/>
-                </p:nvPicPr>
-                <p:blipFill>
-                  <a:blip r:embed="rId14">
-                    <a:extLst>
-                      <a:ext uri="{96DAC541-7B7A-43D3-8B79-37D633B846F1}">
-                        <asvg:svgBlip xmlns:asvg="http://schemas.microsoft.com/office/drawing/2016/SVG/main" r:embed="rId15"/>
-                      </a:ext>
-                    </a:extLst>
-                  </a:blip>
-                  <a:stretch>
-                    <a:fillRect/>
-                  </a:stretch>
-                </p:blipFill>
-                <p:spPr>
-                  <a:xfrm rot="21325333">
-                    <a:off x="1896233" y="2729956"/>
-                    <a:ext cx="833526" cy="833526"/>
-                  </a:xfrm>
-                  <a:prstGeom prst="rect">
-                    <a:avLst/>
-                  </a:prstGeom>
-                </p:spPr>
-              </p:pic>
-              <p:grpSp>
-                <p:nvGrpSpPr>
-                  <p:cNvPr id="57" name="Group 56">
-                    <a:extLst>
-                      <a:ext uri="{FF2B5EF4-FFF2-40B4-BE49-F238E27FC236}">
-                        <a16:creationId xmlns:a16="http://schemas.microsoft.com/office/drawing/2014/main" id="{51409FC2-1246-1144-838F-C0D8F1C842C3}"/>
-                      </a:ext>
-                    </a:extLst>
-                  </p:cNvPr>
-                  <p:cNvGrpSpPr/>
+                  <p:cNvGrpSpPr>
+                    <a:grpSpLocks noChangeAspect="1"/>
+                  </p:cNvGrpSpPr>
                   <p:nvPr/>
                 </p:nvGrpSpPr>
                 <p:grpSpPr>
                   <a:xfrm>
-                    <a:off x="1447051" y="2230255"/>
-                    <a:ext cx="813673" cy="737170"/>
-                    <a:chOff x="1447051" y="2230255"/>
-                    <a:chExt cx="813673" cy="737170"/>
+                    <a:off x="1167053" y="3418263"/>
+                    <a:ext cx="392748" cy="383678"/>
+                    <a:chOff x="1278675" y="2029522"/>
+                    <a:chExt cx="1609491" cy="1572321"/>
                   </a:xfrm>
                 </p:grpSpPr>
                 <p:sp>
                   <p:nvSpPr>
-                    <p:cNvPr id="58" name="Rounded Rectangle 57">
+                    <p:cNvPr id="144" name="Oval 143">
                       <a:extLst>
                         <a:ext uri="{FF2B5EF4-FFF2-40B4-BE49-F238E27FC236}">
-                          <a16:creationId xmlns:a16="http://schemas.microsoft.com/office/drawing/2014/main" id="{221C23FF-C8B2-9045-884C-667CD606615F}"/>
-                        </a:ext>
-                      </a:extLst>
-                    </p:cNvPr>
-                    <p:cNvSpPr/>
-                    <p:nvPr/>
-                  </p:nvSpPr>
-                  <p:spPr>
-                    <a:xfrm rot="18947416">
-                      <a:off x="1447051" y="2230255"/>
-                      <a:ext cx="813673" cy="737170"/>
-                    </a:xfrm>
-                    <a:prstGeom prst="roundRect">
-                      <a:avLst>
-                        <a:gd name="adj" fmla="val 38068"/>
-                      </a:avLst>
-                    </a:prstGeom>
-                    <a:solidFill>
-                      <a:schemeClr val="bg1">
-                        <a:lumMod val="75000"/>
-                        <a:alpha val="77000"/>
-                      </a:schemeClr>
-                    </a:solidFill>
-                    <a:ln w="28575">
-                      <a:noFill/>
-                    </a:ln>
-                  </p:spPr>
-                  <p:style>
-                    <a:lnRef idx="2">
-                      <a:schemeClr val="accent1">
-                        <a:shade val="50000"/>
-                      </a:schemeClr>
-                    </a:lnRef>
-                    <a:fillRef idx="1">
-                      <a:schemeClr val="accent1"/>
-                    </a:fillRef>
-                    <a:effectRef idx="0">
-                      <a:schemeClr val="accent1"/>
-                    </a:effectRef>
-                    <a:fontRef idx="minor">
-                      <a:schemeClr val="lt1"/>
-                    </a:fontRef>
-                  </p:style>
-                  <p:txBody>
-                    <a:bodyPr rtlCol="0" anchor="ctr"/>
-                    <a:lstStyle/>
-                    <a:p>
-                      <a:pPr algn="ctr"/>
-                      <a:endParaRPr lang="en-US" dirty="0"/>
-                    </a:p>
-                  </p:txBody>
-                </p:sp>
-                <p:sp>
-                  <p:nvSpPr>
-                    <p:cNvPr id="59" name="Oval 58">
-                      <a:extLst>
-                        <a:ext uri="{FF2B5EF4-FFF2-40B4-BE49-F238E27FC236}">
-                          <a16:creationId xmlns:a16="http://schemas.microsoft.com/office/drawing/2014/main" id="{C001DDAC-BF6F-2B4F-99B6-3FD01462B220}"/>
+                          <a16:creationId xmlns:a16="http://schemas.microsoft.com/office/drawing/2014/main" id="{AC718FB9-EB81-2747-9CA1-9214B32386F7}"/>
                         </a:ext>
                       </a:extLst>
                     </p:cNvPr>
@@ -4949,17 +4725,22 @@
                   </p:nvSpPr>
                   <p:spPr>
                     <a:xfrm>
-                      <a:off x="1664438" y="2401167"/>
-                      <a:ext cx="378899" cy="395346"/>
+                      <a:off x="1278675" y="2029522"/>
+                      <a:ext cx="1609491" cy="1572321"/>
                     </a:xfrm>
                     <a:prstGeom prst="ellipse">
                       <a:avLst/>
                     </a:prstGeom>
                     <a:solidFill>
-                      <a:schemeClr val="bg1"/>
+                      <a:schemeClr val="tx1">
+                        <a:lumMod val="75000"/>
+                        <a:lumOff val="25000"/>
+                      </a:schemeClr>
                     </a:solidFill>
-                    <a:ln w="28575">
-                      <a:noFill/>
+                    <a:ln w="12700">
+                      <a:solidFill>
+                        <a:schemeClr val="bg1"/>
+                      </a:solidFill>
                     </a:ln>
                   </p:spPr>
                   <p:style>
@@ -4987,213 +4768,302 @@
                     </a:p>
                   </p:txBody>
                 </p:sp>
+                <p:pic>
+                  <p:nvPicPr>
+                    <p:cNvPr id="145" name="Graphic 144" descr="Mitochondria with solid fill">
+                      <a:extLst>
+                        <a:ext uri="{FF2B5EF4-FFF2-40B4-BE49-F238E27FC236}">
+                          <a16:creationId xmlns:a16="http://schemas.microsoft.com/office/drawing/2014/main" id="{6DD72087-2D86-4040-BA07-65307E6DBA26}"/>
+                        </a:ext>
+                      </a:extLst>
+                    </p:cNvPr>
+                    <p:cNvPicPr>
+                      <a:picLocks noChangeAspect="1"/>
+                    </p:cNvPicPr>
+                    <p:nvPr/>
+                  </p:nvPicPr>
+                  <p:blipFill>
+                    <a:blip r:embed="rId10">
+                      <a:extLst>
+                        <a:ext uri="{96DAC541-7B7A-43D3-8B79-37D633B846F1}">
+                          <asvg:svgBlip xmlns:asvg="http://schemas.microsoft.com/office/drawing/2016/SVG/main" r:embed="rId11"/>
+                        </a:ext>
+                      </a:extLst>
+                    </a:blip>
+                    <a:stretch>
+                      <a:fillRect/>
+                    </a:stretch>
+                  </p:blipFill>
+                  <p:spPr>
+                    <a:xfrm rot="21325333">
+                      <a:off x="1896233" y="2729956"/>
+                      <a:ext cx="833526" cy="833526"/>
+                    </a:xfrm>
+                    <a:prstGeom prst="rect">
+                      <a:avLst/>
+                    </a:prstGeom>
+                  </p:spPr>
+                </p:pic>
+                <p:grpSp>
+                  <p:nvGrpSpPr>
+                    <p:cNvPr id="146" name="Group 145">
+                      <a:extLst>
+                        <a:ext uri="{FF2B5EF4-FFF2-40B4-BE49-F238E27FC236}">
+                          <a16:creationId xmlns:a16="http://schemas.microsoft.com/office/drawing/2014/main" id="{F4B104CB-1ACF-3B49-9E91-97B68211678A}"/>
+                        </a:ext>
+                      </a:extLst>
+                    </p:cNvPr>
+                    <p:cNvGrpSpPr/>
+                    <p:nvPr/>
+                  </p:nvGrpSpPr>
+                  <p:grpSpPr>
+                    <a:xfrm>
+                      <a:off x="1447051" y="2230255"/>
+                      <a:ext cx="813673" cy="737170"/>
+                      <a:chOff x="1447051" y="2230255"/>
+                      <a:chExt cx="813673" cy="737170"/>
+                    </a:xfrm>
+                  </p:grpSpPr>
+                  <p:sp>
+                    <p:nvSpPr>
+                      <p:cNvPr id="147" name="Rounded Rectangle 146">
+                        <a:extLst>
+                          <a:ext uri="{FF2B5EF4-FFF2-40B4-BE49-F238E27FC236}">
+                            <a16:creationId xmlns:a16="http://schemas.microsoft.com/office/drawing/2014/main" id="{F98ED525-D756-014E-B4E3-E08F5448E373}"/>
+                          </a:ext>
+                        </a:extLst>
+                      </p:cNvPr>
+                      <p:cNvSpPr/>
+                      <p:nvPr/>
+                    </p:nvSpPr>
+                    <p:spPr>
+                      <a:xfrm rot="18947416">
+                        <a:off x="1447051" y="2230255"/>
+                        <a:ext cx="813673" cy="737170"/>
+                      </a:xfrm>
+                      <a:prstGeom prst="roundRect">
+                        <a:avLst>
+                          <a:gd name="adj" fmla="val 38068"/>
+                        </a:avLst>
+                      </a:prstGeom>
+                      <a:solidFill>
+                        <a:schemeClr val="bg1">
+                          <a:lumMod val="75000"/>
+                          <a:alpha val="77000"/>
+                        </a:schemeClr>
+                      </a:solidFill>
+                      <a:ln w="28575">
+                        <a:noFill/>
+                      </a:ln>
+                    </p:spPr>
+                    <p:style>
+                      <a:lnRef idx="2">
+                        <a:schemeClr val="accent1">
+                          <a:shade val="50000"/>
+                        </a:schemeClr>
+                      </a:lnRef>
+                      <a:fillRef idx="1">
+                        <a:schemeClr val="accent1"/>
+                      </a:fillRef>
+                      <a:effectRef idx="0">
+                        <a:schemeClr val="accent1"/>
+                      </a:effectRef>
+                      <a:fontRef idx="minor">
+                        <a:schemeClr val="lt1"/>
+                      </a:fontRef>
+                    </p:style>
+                    <p:txBody>
+                      <a:bodyPr rtlCol="0" anchor="ctr"/>
+                      <a:lstStyle/>
+                      <a:p>
+                        <a:pPr algn="ctr"/>
+                        <a:endParaRPr lang="en-US" dirty="0"/>
+                      </a:p>
+                    </p:txBody>
+                  </p:sp>
+                  <p:sp>
+                    <p:nvSpPr>
+                      <p:cNvPr id="148" name="Oval 147">
+                        <a:extLst>
+                          <a:ext uri="{FF2B5EF4-FFF2-40B4-BE49-F238E27FC236}">
+                            <a16:creationId xmlns:a16="http://schemas.microsoft.com/office/drawing/2014/main" id="{DDB6E534-CD11-A34F-BDEC-D531F07AE1EC}"/>
+                          </a:ext>
+                        </a:extLst>
+                      </p:cNvPr>
+                      <p:cNvSpPr/>
+                      <p:nvPr/>
+                    </p:nvSpPr>
+                    <p:spPr>
+                      <a:xfrm>
+                        <a:off x="1664438" y="2401167"/>
+                        <a:ext cx="378899" cy="395346"/>
+                      </a:xfrm>
+                      <a:prstGeom prst="ellipse">
+                        <a:avLst/>
+                      </a:prstGeom>
+                      <a:solidFill>
+                        <a:schemeClr val="bg1"/>
+                      </a:solidFill>
+                      <a:ln w="28575">
+                        <a:noFill/>
+                      </a:ln>
+                    </p:spPr>
+                    <p:style>
+                      <a:lnRef idx="2">
+                        <a:schemeClr val="accent1">
+                          <a:shade val="50000"/>
+                        </a:schemeClr>
+                      </a:lnRef>
+                      <a:fillRef idx="1">
+                        <a:schemeClr val="accent1"/>
+                      </a:fillRef>
+                      <a:effectRef idx="0">
+                        <a:schemeClr val="accent1"/>
+                      </a:effectRef>
+                      <a:fontRef idx="minor">
+                        <a:schemeClr val="lt1"/>
+                      </a:fontRef>
+                    </p:style>
+                    <p:txBody>
+                      <a:bodyPr rtlCol="0" anchor="ctr"/>
+                      <a:lstStyle/>
+                      <a:p>
+                        <a:pPr algn="ctr"/>
+                        <a:endParaRPr lang="en-US"/>
+                      </a:p>
+                    </p:txBody>
+                  </p:sp>
+                </p:grpSp>
               </p:grpSp>
             </p:grpSp>
           </p:grpSp>
-        </p:grpSp>
-        <p:pic>
-          <p:nvPicPr>
-            <p:cNvPr id="20" name="Graphic 19" descr="Open folder with solid fill">
-              <a:extLst>
-                <a:ext uri="{FF2B5EF4-FFF2-40B4-BE49-F238E27FC236}">
-                  <a16:creationId xmlns:a16="http://schemas.microsoft.com/office/drawing/2014/main" id="{BFADDEE2-10C7-A547-B3D1-9E5B5B8E6501}"/>
-                </a:ext>
-              </a:extLst>
-            </p:cNvPr>
-            <p:cNvPicPr>
-              <a:picLocks noChangeAspect="1"/>
-            </p:cNvPicPr>
-            <p:nvPr/>
-          </p:nvPicPr>
-          <p:blipFill>
-            <a:blip r:embed="rId16">
-              <a:extLst>
-                <a:ext uri="{96DAC541-7B7A-43D3-8B79-37D633B846F1}">
-                  <asvg:svgBlip xmlns:asvg="http://schemas.microsoft.com/office/drawing/2016/SVG/main" r:embed="rId17"/>
-                </a:ext>
-              </a:extLst>
-            </a:blip>
-            <a:stretch>
-              <a:fillRect/>
-            </a:stretch>
-          </p:blipFill>
-          <p:spPr>
-            <a:xfrm>
-              <a:off x="5880233" y="1542287"/>
-              <a:ext cx="461665" cy="461665"/>
-            </a:xfrm>
-            <a:prstGeom prst="rect">
-              <a:avLst/>
-            </a:prstGeom>
-          </p:spPr>
-        </p:pic>
-        <p:pic>
-          <p:nvPicPr>
-            <p:cNvPr id="21" name="Graphic 20" descr="Open folder with solid fill">
-              <a:extLst>
-                <a:ext uri="{FF2B5EF4-FFF2-40B4-BE49-F238E27FC236}">
-                  <a16:creationId xmlns:a16="http://schemas.microsoft.com/office/drawing/2014/main" id="{5D24D5CB-9E31-1E40-9115-B0D122D622FE}"/>
-                </a:ext>
-              </a:extLst>
-            </p:cNvPr>
-            <p:cNvPicPr>
-              <a:picLocks noChangeAspect="1"/>
-            </p:cNvPicPr>
-            <p:nvPr/>
-          </p:nvPicPr>
-          <p:blipFill>
-            <a:blip r:embed="rId16">
-              <a:extLst>
-                <a:ext uri="{96DAC541-7B7A-43D3-8B79-37D633B846F1}">
-                  <asvg:svgBlip xmlns:asvg="http://schemas.microsoft.com/office/drawing/2016/SVG/main" r:embed="rId17"/>
-                </a:ext>
-              </a:extLst>
-            </a:blip>
-            <a:stretch>
-              <a:fillRect/>
-            </a:stretch>
-          </p:blipFill>
-          <p:spPr>
-            <a:xfrm>
-              <a:off x="5897707" y="1072715"/>
-              <a:ext cx="430743" cy="430743"/>
-            </a:xfrm>
-            <a:prstGeom prst="rect">
-              <a:avLst/>
-            </a:prstGeom>
-          </p:spPr>
-        </p:pic>
-        <p:grpSp>
-          <p:nvGrpSpPr>
-            <p:cNvPr id="22" name="Group 21">
-              <a:extLst>
-                <a:ext uri="{FF2B5EF4-FFF2-40B4-BE49-F238E27FC236}">
-                  <a16:creationId xmlns:a16="http://schemas.microsoft.com/office/drawing/2014/main" id="{6701A191-1480-5B43-AD28-5E5879611148}"/>
-                </a:ext>
-              </a:extLst>
-            </p:cNvPr>
-            <p:cNvGrpSpPr>
-              <a:grpSpLocks noChangeAspect="1"/>
-            </p:cNvGrpSpPr>
-            <p:nvPr/>
-          </p:nvGrpSpPr>
-          <p:grpSpPr>
-            <a:xfrm>
-              <a:off x="6444352" y="1635624"/>
-              <a:ext cx="246593" cy="274989"/>
-              <a:chOff x="3091409" y="3516700"/>
-              <a:chExt cx="645672" cy="720026"/>
-            </a:xfrm>
-          </p:grpSpPr>
-          <p:grpSp>
-            <p:nvGrpSpPr>
-              <p:cNvPr id="26" name="Group 25">
+          <p:pic>
+            <p:nvPicPr>
+              <p:cNvPr id="109" name="Graphic 108" descr="Open folder with solid fill">
                 <a:extLst>
                   <a:ext uri="{FF2B5EF4-FFF2-40B4-BE49-F238E27FC236}">
-                    <a16:creationId xmlns:a16="http://schemas.microsoft.com/office/drawing/2014/main" id="{70E12F85-F632-A74B-93AE-CD82C780FC95}"/>
+                    <a16:creationId xmlns:a16="http://schemas.microsoft.com/office/drawing/2014/main" id="{E378EB17-06E2-2F4B-B730-C8A29A97CB19}"/>
                   </a:ext>
                 </a:extLst>
               </p:cNvPr>
-              <p:cNvGrpSpPr/>
+              <p:cNvPicPr>
+                <a:picLocks noChangeAspect="1"/>
+              </p:cNvPicPr>
+              <p:nvPr/>
+            </p:nvPicPr>
+            <p:blipFill>
+              <a:blip r:embed="rId12">
+                <a:extLst>
+                  <a:ext uri="{96DAC541-7B7A-43D3-8B79-37D633B846F1}">
+                    <asvg:svgBlip xmlns:asvg="http://schemas.microsoft.com/office/drawing/2016/SVG/main" r:embed="rId13"/>
+                  </a:ext>
+                </a:extLst>
+              </a:blip>
+              <a:stretch>
+                <a:fillRect/>
+              </a:stretch>
+            </p:blipFill>
+            <p:spPr>
+              <a:xfrm>
+                <a:off x="5880233" y="1542287"/>
+                <a:ext cx="461665" cy="461665"/>
+              </a:xfrm>
+              <a:prstGeom prst="rect">
+                <a:avLst/>
+              </a:prstGeom>
+            </p:spPr>
+          </p:pic>
+          <p:pic>
+            <p:nvPicPr>
+              <p:cNvPr id="110" name="Graphic 109" descr="Open folder with solid fill">
+                <a:extLst>
+                  <a:ext uri="{FF2B5EF4-FFF2-40B4-BE49-F238E27FC236}">
+                    <a16:creationId xmlns:a16="http://schemas.microsoft.com/office/drawing/2014/main" id="{D9CAEFCD-47E2-BC41-987E-C595C64E02BC}"/>
+                  </a:ext>
+                </a:extLst>
+              </p:cNvPr>
+              <p:cNvPicPr>
+                <a:picLocks noChangeAspect="1"/>
+              </p:cNvPicPr>
+              <p:nvPr/>
+            </p:nvPicPr>
+            <p:blipFill>
+              <a:blip r:embed="rId12">
+                <a:extLst>
+                  <a:ext uri="{96DAC541-7B7A-43D3-8B79-37D633B846F1}">
+                    <asvg:svgBlip xmlns:asvg="http://schemas.microsoft.com/office/drawing/2016/SVG/main" r:embed="rId13"/>
+                  </a:ext>
+                </a:extLst>
+              </a:blip>
+              <a:stretch>
+                <a:fillRect/>
+              </a:stretch>
+            </p:blipFill>
+            <p:spPr>
+              <a:xfrm>
+                <a:off x="5897707" y="1072715"/>
+                <a:ext cx="430743" cy="430743"/>
+              </a:xfrm>
+              <a:prstGeom prst="rect">
+                <a:avLst/>
+              </a:prstGeom>
+            </p:spPr>
+          </p:pic>
+          <p:grpSp>
+            <p:nvGrpSpPr>
+              <p:cNvPr id="111" name="Group 110">
+                <a:extLst>
+                  <a:ext uri="{FF2B5EF4-FFF2-40B4-BE49-F238E27FC236}">
+                    <a16:creationId xmlns:a16="http://schemas.microsoft.com/office/drawing/2014/main" id="{37AA4773-5DC8-2F4B-A593-D413B4B0B2C6}"/>
+                  </a:ext>
+                </a:extLst>
+              </p:cNvPr>
+              <p:cNvGrpSpPr>
+                <a:grpSpLocks noChangeAspect="1"/>
+              </p:cNvGrpSpPr>
               <p:nvPr/>
             </p:nvGrpSpPr>
             <p:grpSpPr>
               <a:xfrm>
-                <a:off x="3269226" y="3516700"/>
-                <a:ext cx="467855" cy="444033"/>
-                <a:chOff x="1129599" y="3378021"/>
-                <a:chExt cx="467855" cy="444033"/>
+                <a:off x="6444352" y="1635624"/>
+                <a:ext cx="246593" cy="274989"/>
+                <a:chOff x="3091409" y="3516700"/>
+                <a:chExt cx="645672" cy="720026"/>
               </a:xfrm>
-              <a:effectLst>
-                <a:outerShdw blurRad="50800" dist="38100" algn="l" rotWithShape="0">
-                  <a:prstClr val="black">
-                    <a:alpha val="40000"/>
-                  </a:prstClr>
-                </a:outerShdw>
-              </a:effectLst>
             </p:grpSpPr>
-            <p:sp>
-              <p:nvSpPr>
-                <p:cNvPr id="43" name="Rectangle 42">
+            <p:grpSp>
+              <p:nvGrpSpPr>
+                <p:cNvPr id="115" name="Group 114">
                   <a:extLst>
                     <a:ext uri="{FF2B5EF4-FFF2-40B4-BE49-F238E27FC236}">
-                      <a16:creationId xmlns:a16="http://schemas.microsoft.com/office/drawing/2014/main" id="{4AC81ED0-02F0-924F-A5AF-57071ECAF947}"/>
+                      <a16:creationId xmlns:a16="http://schemas.microsoft.com/office/drawing/2014/main" id="{327F9C95-8C2E-F240-B79B-E04A54A8ADD6}"/>
                     </a:ext>
                   </a:extLst>
                 </p:cNvPr>
-                <p:cNvSpPr/>
-                <p:nvPr/>
-              </p:nvSpPr>
-              <p:spPr>
-                <a:xfrm>
-                  <a:off x="1129599" y="3378021"/>
-                  <a:ext cx="467855" cy="444033"/>
-                </a:xfrm>
-                <a:prstGeom prst="rect">
-                  <a:avLst/>
-                </a:prstGeom>
-                <a:solidFill>
-                  <a:schemeClr val="tx1"/>
-                </a:solidFill>
-                <a:ln>
-                  <a:solidFill>
-                    <a:schemeClr val="bg1"/>
-                  </a:solidFill>
-                </a:ln>
-              </p:spPr>
-              <p:style>
-                <a:lnRef idx="2">
-                  <a:schemeClr val="accent1">
-                    <a:shade val="50000"/>
-                  </a:schemeClr>
-                </a:lnRef>
-                <a:fillRef idx="1">
-                  <a:schemeClr val="accent1"/>
-                </a:fillRef>
-                <a:effectRef idx="0">
-                  <a:schemeClr val="accent1"/>
-                </a:effectRef>
-                <a:fontRef idx="minor">
-                  <a:schemeClr val="lt1"/>
-                </a:fontRef>
-              </p:style>
-              <p:txBody>
-                <a:bodyPr rtlCol="0" anchor="ctr"/>
-                <a:lstStyle/>
-                <a:p>
-                  <a:pPr algn="ctr"/>
-                  <a:endParaRPr lang="en-US"/>
-                </a:p>
-              </p:txBody>
-            </p:sp>
-            <p:grpSp>
-              <p:nvGrpSpPr>
-                <p:cNvPr id="44" name="Group 43">
-                  <a:extLst>
-                    <a:ext uri="{FF2B5EF4-FFF2-40B4-BE49-F238E27FC236}">
-                      <a16:creationId xmlns:a16="http://schemas.microsoft.com/office/drawing/2014/main" id="{EACF2F56-D8CE-E44A-BD15-A65DF398B895}"/>
-                    </a:ext>
-                  </a:extLst>
-                </p:cNvPr>
-                <p:cNvGrpSpPr>
-                  <a:grpSpLocks noChangeAspect="1"/>
-                </p:cNvGrpSpPr>
+                <p:cNvGrpSpPr/>
                 <p:nvPr/>
               </p:nvGrpSpPr>
               <p:grpSpPr>
                 <a:xfrm>
-                  <a:off x="1167053" y="3418263"/>
-                  <a:ext cx="392748" cy="383678"/>
-                  <a:chOff x="1278675" y="2029522"/>
-                  <a:chExt cx="1609491" cy="1572321"/>
+                  <a:off x="3269226" y="3516700"/>
+                  <a:ext cx="467855" cy="444033"/>
+                  <a:chOff x="1129599" y="3378021"/>
+                  <a:chExt cx="467855" cy="444033"/>
                 </a:xfrm>
+                <a:effectLst>
+                  <a:outerShdw blurRad="50800" dist="38100" algn="l" rotWithShape="0">
+                    <a:prstClr val="black">
+                      <a:alpha val="40000"/>
+                    </a:prstClr>
+                  </a:outerShdw>
+                </a:effectLst>
               </p:grpSpPr>
               <p:sp>
                 <p:nvSpPr>
-                  <p:cNvPr id="45" name="Oval 44">
+                  <p:cNvPr id="132" name="Rectangle 131">
                     <a:extLst>
                       <a:ext uri="{FF2B5EF4-FFF2-40B4-BE49-F238E27FC236}">
-                        <a16:creationId xmlns:a16="http://schemas.microsoft.com/office/drawing/2014/main" id="{701606F1-D991-8548-8786-DE370A553219}"/>
+                        <a16:creationId xmlns:a16="http://schemas.microsoft.com/office/drawing/2014/main" id="{C1521649-E268-624A-AD66-1E1042066711}"/>
                       </a:ext>
                     </a:extLst>
                   </p:cNvPr>
@@ -5202,19 +5072,16 @@
                 </p:nvSpPr>
                 <p:spPr>
                   <a:xfrm>
-                    <a:off x="1278675" y="2029522"/>
-                    <a:ext cx="1609491" cy="1572321"/>
+                    <a:off x="1129599" y="3378021"/>
+                    <a:ext cx="467855" cy="444033"/>
                   </a:xfrm>
-                  <a:prstGeom prst="ellipse">
+                  <a:prstGeom prst="rect">
                     <a:avLst/>
                   </a:prstGeom>
                   <a:solidFill>
-                    <a:schemeClr val="tx1">
-                      <a:lumMod val="75000"/>
-                      <a:lumOff val="25000"/>
-                    </a:schemeClr>
+                    <a:schemeClr val="tx1"/>
                   </a:solidFill>
-                  <a:ln w="12700">
+                  <a:ln>
                     <a:solidFill>
                       <a:schemeClr val="bg1"/>
                     </a:solidFill>
@@ -5245,125 +5112,34 @@
                   </a:p>
                 </p:txBody>
               </p:sp>
-              <p:pic>
-                <p:nvPicPr>
-                  <p:cNvPr id="46" name="Graphic 45" descr="Mitochondria with solid fill">
+              <p:grpSp>
+                <p:nvGrpSpPr>
+                  <p:cNvPr id="133" name="Group 132">
                     <a:extLst>
                       <a:ext uri="{FF2B5EF4-FFF2-40B4-BE49-F238E27FC236}">
-                        <a16:creationId xmlns:a16="http://schemas.microsoft.com/office/drawing/2014/main" id="{B00972A5-E7C7-DE4C-A64A-A328732A7781}"/>
+                        <a16:creationId xmlns:a16="http://schemas.microsoft.com/office/drawing/2014/main" id="{DEB81A8A-9CB7-DE42-AE2C-F8EF69CA5CB8}"/>
                       </a:ext>
                     </a:extLst>
                   </p:cNvPr>
-                  <p:cNvPicPr>
-                    <a:picLocks noChangeAspect="1"/>
-                  </p:cNvPicPr>
-                  <p:nvPr/>
-                </p:nvPicPr>
-                <p:blipFill>
-                  <a:blip r:embed="rId14">
-                    <a:extLst>
-                      <a:ext uri="{96DAC541-7B7A-43D3-8B79-37D633B846F1}">
-                        <asvg:svgBlip xmlns:asvg="http://schemas.microsoft.com/office/drawing/2016/SVG/main" r:embed="rId15"/>
-                      </a:ext>
-                    </a:extLst>
-                  </a:blip>
-                  <a:stretch>
-                    <a:fillRect/>
-                  </a:stretch>
-                </p:blipFill>
-                <p:spPr>
-                  <a:xfrm rot="21325333">
-                    <a:off x="1896233" y="2729956"/>
-                    <a:ext cx="833526" cy="833526"/>
-                  </a:xfrm>
-                  <a:prstGeom prst="rect">
-                    <a:avLst/>
-                  </a:prstGeom>
-                </p:spPr>
-              </p:pic>
-              <p:grpSp>
-                <p:nvGrpSpPr>
-                  <p:cNvPr id="47" name="Group 46">
-                    <a:extLst>
-                      <a:ext uri="{FF2B5EF4-FFF2-40B4-BE49-F238E27FC236}">
-                        <a16:creationId xmlns:a16="http://schemas.microsoft.com/office/drawing/2014/main" id="{0453EF76-B101-7543-BC8D-0B51864A5DD4}"/>
-                      </a:ext>
-                    </a:extLst>
-                  </p:cNvPr>
-                  <p:cNvGrpSpPr/>
+                  <p:cNvGrpSpPr>
+                    <a:grpSpLocks noChangeAspect="1"/>
+                  </p:cNvGrpSpPr>
                   <p:nvPr/>
                 </p:nvGrpSpPr>
                 <p:grpSpPr>
                   <a:xfrm>
-                    <a:off x="1447051" y="2230255"/>
-                    <a:ext cx="813673" cy="737170"/>
-                    <a:chOff x="1447051" y="2230255"/>
-                    <a:chExt cx="813673" cy="737170"/>
+                    <a:off x="1167053" y="3418263"/>
+                    <a:ext cx="392748" cy="383678"/>
+                    <a:chOff x="1278675" y="2029522"/>
+                    <a:chExt cx="1609491" cy="1572321"/>
                   </a:xfrm>
                 </p:grpSpPr>
                 <p:sp>
                   <p:nvSpPr>
-                    <p:cNvPr id="48" name="Rounded Rectangle 47">
+                    <p:cNvPr id="134" name="Oval 133">
                       <a:extLst>
                         <a:ext uri="{FF2B5EF4-FFF2-40B4-BE49-F238E27FC236}">
-                          <a16:creationId xmlns:a16="http://schemas.microsoft.com/office/drawing/2014/main" id="{DC106D65-24BD-1E46-9E2E-ED217348188C}"/>
-                        </a:ext>
-                      </a:extLst>
-                    </p:cNvPr>
-                    <p:cNvSpPr/>
-                    <p:nvPr/>
-                  </p:nvSpPr>
-                  <p:spPr>
-                    <a:xfrm rot="18947416">
-                      <a:off x="1447051" y="2230255"/>
-                      <a:ext cx="813673" cy="737170"/>
-                    </a:xfrm>
-                    <a:prstGeom prst="roundRect">
-                      <a:avLst>
-                        <a:gd name="adj" fmla="val 38068"/>
-                      </a:avLst>
-                    </a:prstGeom>
-                    <a:solidFill>
-                      <a:schemeClr val="bg1">
-                        <a:lumMod val="75000"/>
-                        <a:alpha val="77000"/>
-                      </a:schemeClr>
-                    </a:solidFill>
-                    <a:ln w="28575">
-                      <a:noFill/>
-                    </a:ln>
-                  </p:spPr>
-                  <p:style>
-                    <a:lnRef idx="2">
-                      <a:schemeClr val="accent1">
-                        <a:shade val="50000"/>
-                      </a:schemeClr>
-                    </a:lnRef>
-                    <a:fillRef idx="1">
-                      <a:schemeClr val="accent1"/>
-                    </a:fillRef>
-                    <a:effectRef idx="0">
-                      <a:schemeClr val="accent1"/>
-                    </a:effectRef>
-                    <a:fontRef idx="minor">
-                      <a:schemeClr val="lt1"/>
-                    </a:fontRef>
-                  </p:style>
-                  <p:txBody>
-                    <a:bodyPr rtlCol="0" anchor="ctr"/>
-                    <a:lstStyle/>
-                    <a:p>
-                      <a:pPr algn="ctr"/>
-                      <a:endParaRPr lang="en-US" dirty="0"/>
-                    </a:p>
-                  </p:txBody>
-                </p:sp>
-                <p:sp>
-                  <p:nvSpPr>
-                    <p:cNvPr id="49" name="Oval 48">
-                      <a:extLst>
-                        <a:ext uri="{FF2B5EF4-FFF2-40B4-BE49-F238E27FC236}">
-                          <a16:creationId xmlns:a16="http://schemas.microsoft.com/office/drawing/2014/main" id="{11955121-BDD2-5B41-8277-57103DE93223}"/>
+                          <a16:creationId xmlns:a16="http://schemas.microsoft.com/office/drawing/2014/main" id="{0B78298F-934B-0440-B524-000FFE8113B2}"/>
                         </a:ext>
                       </a:extLst>
                     </p:cNvPr>
@@ -5372,17 +5148,22 @@
                   </p:nvSpPr>
                   <p:spPr>
                     <a:xfrm>
-                      <a:off x="1664438" y="2401167"/>
-                      <a:ext cx="378899" cy="395346"/>
+                      <a:off x="1278675" y="2029522"/>
+                      <a:ext cx="1609491" cy="1572321"/>
                     </a:xfrm>
                     <a:prstGeom prst="ellipse">
                       <a:avLst/>
                     </a:prstGeom>
                     <a:solidFill>
-                      <a:schemeClr val="bg1"/>
+                      <a:schemeClr val="tx1">
+                        <a:lumMod val="75000"/>
+                        <a:lumOff val="25000"/>
+                      </a:schemeClr>
                     </a:solidFill>
-                    <a:ln w="28575">
-                      <a:noFill/>
+                    <a:ln w="12700">
+                      <a:solidFill>
+                        <a:schemeClr val="bg1"/>
+                      </a:solidFill>
                     </a:ln>
                   </p:spPr>
                   <p:style>
@@ -5410,118 +5191,207 @@
                     </a:p>
                   </p:txBody>
                 </p:sp>
+                <p:pic>
+                  <p:nvPicPr>
+                    <p:cNvPr id="135" name="Graphic 134" descr="Mitochondria with solid fill">
+                      <a:extLst>
+                        <a:ext uri="{FF2B5EF4-FFF2-40B4-BE49-F238E27FC236}">
+                          <a16:creationId xmlns:a16="http://schemas.microsoft.com/office/drawing/2014/main" id="{D49A7C81-9435-2748-97AB-5AFA6F379760}"/>
+                        </a:ext>
+                      </a:extLst>
+                    </p:cNvPr>
+                    <p:cNvPicPr>
+                      <a:picLocks noChangeAspect="1"/>
+                    </p:cNvPicPr>
+                    <p:nvPr/>
+                  </p:nvPicPr>
+                  <p:blipFill>
+                    <a:blip r:embed="rId10">
+                      <a:extLst>
+                        <a:ext uri="{96DAC541-7B7A-43D3-8B79-37D633B846F1}">
+                          <asvg:svgBlip xmlns:asvg="http://schemas.microsoft.com/office/drawing/2016/SVG/main" r:embed="rId11"/>
+                        </a:ext>
+                      </a:extLst>
+                    </a:blip>
+                    <a:stretch>
+                      <a:fillRect/>
+                    </a:stretch>
+                  </p:blipFill>
+                  <p:spPr>
+                    <a:xfrm rot="21325333">
+                      <a:off x="1896233" y="2729956"/>
+                      <a:ext cx="833526" cy="833526"/>
+                    </a:xfrm>
+                    <a:prstGeom prst="rect">
+                      <a:avLst/>
+                    </a:prstGeom>
+                  </p:spPr>
+                </p:pic>
+                <p:grpSp>
+                  <p:nvGrpSpPr>
+                    <p:cNvPr id="136" name="Group 135">
+                      <a:extLst>
+                        <a:ext uri="{FF2B5EF4-FFF2-40B4-BE49-F238E27FC236}">
+                          <a16:creationId xmlns:a16="http://schemas.microsoft.com/office/drawing/2014/main" id="{AE9B41E0-9718-284B-9B8A-4CFFAECF553F}"/>
+                        </a:ext>
+                      </a:extLst>
+                    </p:cNvPr>
+                    <p:cNvGrpSpPr/>
+                    <p:nvPr/>
+                  </p:nvGrpSpPr>
+                  <p:grpSpPr>
+                    <a:xfrm>
+                      <a:off x="1447051" y="2230255"/>
+                      <a:ext cx="813673" cy="737170"/>
+                      <a:chOff x="1447051" y="2230255"/>
+                      <a:chExt cx="813673" cy="737170"/>
+                    </a:xfrm>
+                  </p:grpSpPr>
+                  <p:sp>
+                    <p:nvSpPr>
+                      <p:cNvPr id="137" name="Rounded Rectangle 136">
+                        <a:extLst>
+                          <a:ext uri="{FF2B5EF4-FFF2-40B4-BE49-F238E27FC236}">
+                            <a16:creationId xmlns:a16="http://schemas.microsoft.com/office/drawing/2014/main" id="{625019CC-C9ED-534B-B56E-CCF84DE48285}"/>
+                          </a:ext>
+                        </a:extLst>
+                      </p:cNvPr>
+                      <p:cNvSpPr/>
+                      <p:nvPr/>
+                    </p:nvSpPr>
+                    <p:spPr>
+                      <a:xfrm rot="18947416">
+                        <a:off x="1447051" y="2230255"/>
+                        <a:ext cx="813673" cy="737170"/>
+                      </a:xfrm>
+                      <a:prstGeom prst="roundRect">
+                        <a:avLst>
+                          <a:gd name="adj" fmla="val 38068"/>
+                        </a:avLst>
+                      </a:prstGeom>
+                      <a:solidFill>
+                        <a:schemeClr val="bg1">
+                          <a:lumMod val="75000"/>
+                          <a:alpha val="77000"/>
+                        </a:schemeClr>
+                      </a:solidFill>
+                      <a:ln w="28575">
+                        <a:noFill/>
+                      </a:ln>
+                    </p:spPr>
+                    <p:style>
+                      <a:lnRef idx="2">
+                        <a:schemeClr val="accent1">
+                          <a:shade val="50000"/>
+                        </a:schemeClr>
+                      </a:lnRef>
+                      <a:fillRef idx="1">
+                        <a:schemeClr val="accent1"/>
+                      </a:fillRef>
+                      <a:effectRef idx="0">
+                        <a:schemeClr val="accent1"/>
+                      </a:effectRef>
+                      <a:fontRef idx="minor">
+                        <a:schemeClr val="lt1"/>
+                      </a:fontRef>
+                    </p:style>
+                    <p:txBody>
+                      <a:bodyPr rtlCol="0" anchor="ctr"/>
+                      <a:lstStyle/>
+                      <a:p>
+                        <a:pPr algn="ctr"/>
+                        <a:endParaRPr lang="en-US" dirty="0"/>
+                      </a:p>
+                    </p:txBody>
+                  </p:sp>
+                  <p:sp>
+                    <p:nvSpPr>
+                      <p:cNvPr id="138" name="Oval 137">
+                        <a:extLst>
+                          <a:ext uri="{FF2B5EF4-FFF2-40B4-BE49-F238E27FC236}">
+                            <a16:creationId xmlns:a16="http://schemas.microsoft.com/office/drawing/2014/main" id="{BC385512-A375-0748-BB07-5EA12E86641B}"/>
+                          </a:ext>
+                        </a:extLst>
+                      </p:cNvPr>
+                      <p:cNvSpPr/>
+                      <p:nvPr/>
+                    </p:nvSpPr>
+                    <p:spPr>
+                      <a:xfrm>
+                        <a:off x="1664438" y="2401167"/>
+                        <a:ext cx="378899" cy="395346"/>
+                      </a:xfrm>
+                      <a:prstGeom prst="ellipse">
+                        <a:avLst/>
+                      </a:prstGeom>
+                      <a:solidFill>
+                        <a:schemeClr val="bg1"/>
+                      </a:solidFill>
+                      <a:ln w="28575">
+                        <a:noFill/>
+                      </a:ln>
+                    </p:spPr>
+                    <p:style>
+                      <a:lnRef idx="2">
+                        <a:schemeClr val="accent1">
+                          <a:shade val="50000"/>
+                        </a:schemeClr>
+                      </a:lnRef>
+                      <a:fillRef idx="1">
+                        <a:schemeClr val="accent1"/>
+                      </a:fillRef>
+                      <a:effectRef idx="0">
+                        <a:schemeClr val="accent1"/>
+                      </a:effectRef>
+                      <a:fontRef idx="minor">
+                        <a:schemeClr val="lt1"/>
+                      </a:fontRef>
+                    </p:style>
+                    <p:txBody>
+                      <a:bodyPr rtlCol="0" anchor="ctr"/>
+                      <a:lstStyle/>
+                      <a:p>
+                        <a:pPr algn="ctr"/>
+                        <a:endParaRPr lang="en-US"/>
+                      </a:p>
+                    </p:txBody>
+                  </p:sp>
+                </p:grpSp>
               </p:grpSp>
             </p:grpSp>
-          </p:grpSp>
-          <p:grpSp>
-            <p:nvGrpSpPr>
-              <p:cNvPr id="27" name="Group 26">
-                <a:extLst>
-                  <a:ext uri="{FF2B5EF4-FFF2-40B4-BE49-F238E27FC236}">
-                    <a16:creationId xmlns:a16="http://schemas.microsoft.com/office/drawing/2014/main" id="{FD7CB1E6-E471-AF4B-A261-AA72734F9BF8}"/>
-                  </a:ext>
-                </a:extLst>
-              </p:cNvPr>
-              <p:cNvGrpSpPr/>
-              <p:nvPr/>
-            </p:nvGrpSpPr>
-            <p:grpSpPr>
-              <a:xfrm>
-                <a:off x="3161917" y="3649627"/>
-                <a:ext cx="467855" cy="444033"/>
-                <a:chOff x="1129599" y="3378021"/>
-                <a:chExt cx="467855" cy="444033"/>
-              </a:xfrm>
-              <a:effectLst>
-                <a:outerShdw blurRad="50800" dist="38100" algn="l" rotWithShape="0">
-                  <a:prstClr val="black">
-                    <a:alpha val="40000"/>
-                  </a:prstClr>
-                </a:outerShdw>
-              </a:effectLst>
-            </p:grpSpPr>
-            <p:sp>
-              <p:nvSpPr>
-                <p:cNvPr id="36" name="Rectangle 35">
+            <p:grpSp>
+              <p:nvGrpSpPr>
+                <p:cNvPr id="116" name="Group 115">
                   <a:extLst>
                     <a:ext uri="{FF2B5EF4-FFF2-40B4-BE49-F238E27FC236}">
-                      <a16:creationId xmlns:a16="http://schemas.microsoft.com/office/drawing/2014/main" id="{2B75A8E2-AE21-ED48-93B3-8C367A371C7E}"/>
+                      <a16:creationId xmlns:a16="http://schemas.microsoft.com/office/drawing/2014/main" id="{889E3CDD-15BE-1B4D-843C-B4252CC95721}"/>
                     </a:ext>
                   </a:extLst>
                 </p:cNvPr>
-                <p:cNvSpPr/>
-                <p:nvPr/>
-              </p:nvSpPr>
-              <p:spPr>
-                <a:xfrm>
-                  <a:off x="1129599" y="3378021"/>
-                  <a:ext cx="467855" cy="444033"/>
-                </a:xfrm>
-                <a:prstGeom prst="rect">
-                  <a:avLst/>
-                </a:prstGeom>
-                <a:solidFill>
-                  <a:schemeClr val="tx1"/>
-                </a:solidFill>
-                <a:ln>
-                  <a:solidFill>
-                    <a:schemeClr val="bg1"/>
-                  </a:solidFill>
-                </a:ln>
-              </p:spPr>
-              <p:style>
-                <a:lnRef idx="2">
-                  <a:schemeClr val="accent1">
-                    <a:shade val="50000"/>
-                  </a:schemeClr>
-                </a:lnRef>
-                <a:fillRef idx="1">
-                  <a:schemeClr val="accent1"/>
-                </a:fillRef>
-                <a:effectRef idx="0">
-                  <a:schemeClr val="accent1"/>
-                </a:effectRef>
-                <a:fontRef idx="minor">
-                  <a:schemeClr val="lt1"/>
-                </a:fontRef>
-              </p:style>
-              <p:txBody>
-                <a:bodyPr rtlCol="0" anchor="ctr"/>
-                <a:lstStyle/>
-                <a:p>
-                  <a:pPr algn="ctr"/>
-                  <a:endParaRPr lang="en-US"/>
-                </a:p>
-              </p:txBody>
-            </p:sp>
-            <p:grpSp>
-              <p:nvGrpSpPr>
-                <p:cNvPr id="37" name="Group 36">
-                  <a:extLst>
-                    <a:ext uri="{FF2B5EF4-FFF2-40B4-BE49-F238E27FC236}">
-                      <a16:creationId xmlns:a16="http://schemas.microsoft.com/office/drawing/2014/main" id="{302E679D-40DD-0C47-897A-FC237FBAE543}"/>
-                    </a:ext>
-                  </a:extLst>
-                </p:cNvPr>
-                <p:cNvGrpSpPr>
-                  <a:grpSpLocks noChangeAspect="1"/>
-                </p:cNvGrpSpPr>
+                <p:cNvGrpSpPr/>
                 <p:nvPr/>
               </p:nvGrpSpPr>
               <p:grpSpPr>
                 <a:xfrm>
-                  <a:off x="1167053" y="3418263"/>
-                  <a:ext cx="392748" cy="383678"/>
-                  <a:chOff x="1278675" y="2029522"/>
-                  <a:chExt cx="1609491" cy="1572321"/>
+                  <a:off x="3161917" y="3649627"/>
+                  <a:ext cx="467855" cy="444033"/>
+                  <a:chOff x="1129599" y="3378021"/>
+                  <a:chExt cx="467855" cy="444033"/>
                 </a:xfrm>
+                <a:effectLst>
+                  <a:outerShdw blurRad="50800" dist="38100" algn="l" rotWithShape="0">
+                    <a:prstClr val="black">
+                      <a:alpha val="40000"/>
+                    </a:prstClr>
+                  </a:outerShdw>
+                </a:effectLst>
               </p:grpSpPr>
               <p:sp>
                 <p:nvSpPr>
-                  <p:cNvPr id="38" name="Oval 37">
+                  <p:cNvPr id="125" name="Rectangle 124">
                     <a:extLst>
                       <a:ext uri="{FF2B5EF4-FFF2-40B4-BE49-F238E27FC236}">
-                        <a16:creationId xmlns:a16="http://schemas.microsoft.com/office/drawing/2014/main" id="{0A00CE8F-6D40-0F49-9570-510938AF95B8}"/>
+                        <a16:creationId xmlns:a16="http://schemas.microsoft.com/office/drawing/2014/main" id="{86C4FA4C-1823-1840-B271-4D8C0BD65AF5}"/>
                       </a:ext>
                     </a:extLst>
                   </p:cNvPr>
@@ -5530,19 +5400,16 @@
                 </p:nvSpPr>
                 <p:spPr>
                   <a:xfrm>
-                    <a:off x="1278675" y="2029522"/>
-                    <a:ext cx="1609491" cy="1572321"/>
+                    <a:off x="1129599" y="3378021"/>
+                    <a:ext cx="467855" cy="444033"/>
                   </a:xfrm>
-                  <a:prstGeom prst="ellipse">
+                  <a:prstGeom prst="rect">
                     <a:avLst/>
                   </a:prstGeom>
                   <a:solidFill>
-                    <a:schemeClr val="tx1">
-                      <a:lumMod val="75000"/>
-                      <a:lumOff val="25000"/>
-                    </a:schemeClr>
+                    <a:schemeClr val="tx1"/>
                   </a:solidFill>
-                  <a:ln w="12700">
+                  <a:ln>
                     <a:solidFill>
                       <a:schemeClr val="bg1"/>
                     </a:solidFill>
@@ -5573,125 +5440,34 @@
                   </a:p>
                 </p:txBody>
               </p:sp>
-              <p:pic>
-                <p:nvPicPr>
-                  <p:cNvPr id="39" name="Graphic 38" descr="Mitochondria with solid fill">
+              <p:grpSp>
+                <p:nvGrpSpPr>
+                  <p:cNvPr id="126" name="Group 125">
                     <a:extLst>
                       <a:ext uri="{FF2B5EF4-FFF2-40B4-BE49-F238E27FC236}">
-                        <a16:creationId xmlns:a16="http://schemas.microsoft.com/office/drawing/2014/main" id="{0A68DD85-D6B8-5E4C-9E92-16813B3A1BED}"/>
+                        <a16:creationId xmlns:a16="http://schemas.microsoft.com/office/drawing/2014/main" id="{BA662BE1-0558-1145-B969-7E773E124EC5}"/>
                       </a:ext>
                     </a:extLst>
                   </p:cNvPr>
-                  <p:cNvPicPr>
-                    <a:picLocks noChangeAspect="1"/>
-                  </p:cNvPicPr>
-                  <p:nvPr/>
-                </p:nvPicPr>
-                <p:blipFill>
-                  <a:blip r:embed="rId14">
-                    <a:extLst>
-                      <a:ext uri="{96DAC541-7B7A-43D3-8B79-37D633B846F1}">
-                        <asvg:svgBlip xmlns:asvg="http://schemas.microsoft.com/office/drawing/2016/SVG/main" r:embed="rId15"/>
-                      </a:ext>
-                    </a:extLst>
-                  </a:blip>
-                  <a:stretch>
-                    <a:fillRect/>
-                  </a:stretch>
-                </p:blipFill>
-                <p:spPr>
-                  <a:xfrm rot="21325333">
-                    <a:off x="1896233" y="2729956"/>
-                    <a:ext cx="833526" cy="833526"/>
-                  </a:xfrm>
-                  <a:prstGeom prst="rect">
-                    <a:avLst/>
-                  </a:prstGeom>
-                </p:spPr>
-              </p:pic>
-              <p:grpSp>
-                <p:nvGrpSpPr>
-                  <p:cNvPr id="40" name="Group 39">
-                    <a:extLst>
-                      <a:ext uri="{FF2B5EF4-FFF2-40B4-BE49-F238E27FC236}">
-                        <a16:creationId xmlns:a16="http://schemas.microsoft.com/office/drawing/2014/main" id="{F6FDBDC6-99FB-0643-9684-2A7F14258D04}"/>
-                      </a:ext>
-                    </a:extLst>
-                  </p:cNvPr>
-                  <p:cNvGrpSpPr/>
+                  <p:cNvGrpSpPr>
+                    <a:grpSpLocks noChangeAspect="1"/>
+                  </p:cNvGrpSpPr>
                   <p:nvPr/>
                 </p:nvGrpSpPr>
                 <p:grpSpPr>
                   <a:xfrm>
-                    <a:off x="1447051" y="2230255"/>
-                    <a:ext cx="813673" cy="737170"/>
-                    <a:chOff x="1447051" y="2230255"/>
-                    <a:chExt cx="813673" cy="737170"/>
+                    <a:off x="1167053" y="3418263"/>
+                    <a:ext cx="392748" cy="383678"/>
+                    <a:chOff x="1278675" y="2029522"/>
+                    <a:chExt cx="1609491" cy="1572321"/>
                   </a:xfrm>
                 </p:grpSpPr>
                 <p:sp>
                   <p:nvSpPr>
-                    <p:cNvPr id="41" name="Rounded Rectangle 40">
+                    <p:cNvPr id="127" name="Oval 126">
                       <a:extLst>
                         <a:ext uri="{FF2B5EF4-FFF2-40B4-BE49-F238E27FC236}">
-                          <a16:creationId xmlns:a16="http://schemas.microsoft.com/office/drawing/2014/main" id="{91FFD3AF-7888-C041-A2D5-606D568A794F}"/>
-                        </a:ext>
-                      </a:extLst>
-                    </p:cNvPr>
-                    <p:cNvSpPr/>
-                    <p:nvPr/>
-                  </p:nvSpPr>
-                  <p:spPr>
-                    <a:xfrm rot="18947416">
-                      <a:off x="1447051" y="2230255"/>
-                      <a:ext cx="813673" cy="737170"/>
-                    </a:xfrm>
-                    <a:prstGeom prst="roundRect">
-                      <a:avLst>
-                        <a:gd name="adj" fmla="val 38068"/>
-                      </a:avLst>
-                    </a:prstGeom>
-                    <a:solidFill>
-                      <a:schemeClr val="bg1">
-                        <a:lumMod val="75000"/>
-                        <a:alpha val="77000"/>
-                      </a:schemeClr>
-                    </a:solidFill>
-                    <a:ln w="28575">
-                      <a:noFill/>
-                    </a:ln>
-                  </p:spPr>
-                  <p:style>
-                    <a:lnRef idx="2">
-                      <a:schemeClr val="accent1">
-                        <a:shade val="50000"/>
-                      </a:schemeClr>
-                    </a:lnRef>
-                    <a:fillRef idx="1">
-                      <a:schemeClr val="accent1"/>
-                    </a:fillRef>
-                    <a:effectRef idx="0">
-                      <a:schemeClr val="accent1"/>
-                    </a:effectRef>
-                    <a:fontRef idx="minor">
-                      <a:schemeClr val="lt1"/>
-                    </a:fontRef>
-                  </p:style>
-                  <p:txBody>
-                    <a:bodyPr rtlCol="0" anchor="ctr"/>
-                    <a:lstStyle/>
-                    <a:p>
-                      <a:pPr algn="ctr"/>
-                      <a:endParaRPr lang="en-US" dirty="0"/>
-                    </a:p>
-                  </p:txBody>
-                </p:sp>
-                <p:sp>
-                  <p:nvSpPr>
-                    <p:cNvPr id="42" name="Oval 41">
-                      <a:extLst>
-                        <a:ext uri="{FF2B5EF4-FFF2-40B4-BE49-F238E27FC236}">
-                          <a16:creationId xmlns:a16="http://schemas.microsoft.com/office/drawing/2014/main" id="{150C91A3-7B0F-394E-AFB8-A1F24AEB17C1}"/>
+                          <a16:creationId xmlns:a16="http://schemas.microsoft.com/office/drawing/2014/main" id="{F7581FB0-E897-1F45-9BFA-7F86A3CFD4FB}"/>
                         </a:ext>
                       </a:extLst>
                     </p:cNvPr>
@@ -5700,17 +5476,22 @@
                   </p:nvSpPr>
                   <p:spPr>
                     <a:xfrm>
-                      <a:off x="1664438" y="2401167"/>
-                      <a:ext cx="378899" cy="395346"/>
+                      <a:off x="1278675" y="2029522"/>
+                      <a:ext cx="1609491" cy="1572321"/>
                     </a:xfrm>
                     <a:prstGeom prst="ellipse">
                       <a:avLst/>
                     </a:prstGeom>
                     <a:solidFill>
-                      <a:schemeClr val="bg1"/>
+                      <a:schemeClr val="tx1">
+                        <a:lumMod val="75000"/>
+                        <a:lumOff val="25000"/>
+                      </a:schemeClr>
                     </a:solidFill>
-                    <a:ln w="28575">
-                      <a:noFill/>
+                    <a:ln w="12700">
+                      <a:solidFill>
+                        <a:schemeClr val="bg1"/>
+                      </a:solidFill>
                     </a:ln>
                   </p:spPr>
                   <p:style>
@@ -5738,118 +5519,207 @@
                     </a:p>
                   </p:txBody>
                 </p:sp>
+                <p:pic>
+                  <p:nvPicPr>
+                    <p:cNvPr id="128" name="Graphic 127" descr="Mitochondria with solid fill">
+                      <a:extLst>
+                        <a:ext uri="{FF2B5EF4-FFF2-40B4-BE49-F238E27FC236}">
+                          <a16:creationId xmlns:a16="http://schemas.microsoft.com/office/drawing/2014/main" id="{DCB45996-0493-DB42-8A7E-52FB1489D26D}"/>
+                        </a:ext>
+                      </a:extLst>
+                    </p:cNvPr>
+                    <p:cNvPicPr>
+                      <a:picLocks noChangeAspect="1"/>
+                    </p:cNvPicPr>
+                    <p:nvPr/>
+                  </p:nvPicPr>
+                  <p:blipFill>
+                    <a:blip r:embed="rId10">
+                      <a:extLst>
+                        <a:ext uri="{96DAC541-7B7A-43D3-8B79-37D633B846F1}">
+                          <asvg:svgBlip xmlns:asvg="http://schemas.microsoft.com/office/drawing/2016/SVG/main" r:embed="rId11"/>
+                        </a:ext>
+                      </a:extLst>
+                    </a:blip>
+                    <a:stretch>
+                      <a:fillRect/>
+                    </a:stretch>
+                  </p:blipFill>
+                  <p:spPr>
+                    <a:xfrm rot="21325333">
+                      <a:off x="1896233" y="2729956"/>
+                      <a:ext cx="833526" cy="833526"/>
+                    </a:xfrm>
+                    <a:prstGeom prst="rect">
+                      <a:avLst/>
+                    </a:prstGeom>
+                  </p:spPr>
+                </p:pic>
+                <p:grpSp>
+                  <p:nvGrpSpPr>
+                    <p:cNvPr id="129" name="Group 128">
+                      <a:extLst>
+                        <a:ext uri="{FF2B5EF4-FFF2-40B4-BE49-F238E27FC236}">
+                          <a16:creationId xmlns:a16="http://schemas.microsoft.com/office/drawing/2014/main" id="{11FFCE73-C3BF-6F45-AE3E-5F19255166A2}"/>
+                        </a:ext>
+                      </a:extLst>
+                    </p:cNvPr>
+                    <p:cNvGrpSpPr/>
+                    <p:nvPr/>
+                  </p:nvGrpSpPr>
+                  <p:grpSpPr>
+                    <a:xfrm>
+                      <a:off x="1447051" y="2230255"/>
+                      <a:ext cx="813673" cy="737170"/>
+                      <a:chOff x="1447051" y="2230255"/>
+                      <a:chExt cx="813673" cy="737170"/>
+                    </a:xfrm>
+                  </p:grpSpPr>
+                  <p:sp>
+                    <p:nvSpPr>
+                      <p:cNvPr id="130" name="Rounded Rectangle 129">
+                        <a:extLst>
+                          <a:ext uri="{FF2B5EF4-FFF2-40B4-BE49-F238E27FC236}">
+                            <a16:creationId xmlns:a16="http://schemas.microsoft.com/office/drawing/2014/main" id="{46EEDEA9-2213-5340-8455-9B75625677D7}"/>
+                          </a:ext>
+                        </a:extLst>
+                      </p:cNvPr>
+                      <p:cNvSpPr/>
+                      <p:nvPr/>
+                    </p:nvSpPr>
+                    <p:spPr>
+                      <a:xfrm rot="18947416">
+                        <a:off x="1447051" y="2230255"/>
+                        <a:ext cx="813673" cy="737170"/>
+                      </a:xfrm>
+                      <a:prstGeom prst="roundRect">
+                        <a:avLst>
+                          <a:gd name="adj" fmla="val 38068"/>
+                        </a:avLst>
+                      </a:prstGeom>
+                      <a:solidFill>
+                        <a:schemeClr val="bg1">
+                          <a:lumMod val="75000"/>
+                          <a:alpha val="77000"/>
+                        </a:schemeClr>
+                      </a:solidFill>
+                      <a:ln w="28575">
+                        <a:noFill/>
+                      </a:ln>
+                    </p:spPr>
+                    <p:style>
+                      <a:lnRef idx="2">
+                        <a:schemeClr val="accent1">
+                          <a:shade val="50000"/>
+                        </a:schemeClr>
+                      </a:lnRef>
+                      <a:fillRef idx="1">
+                        <a:schemeClr val="accent1"/>
+                      </a:fillRef>
+                      <a:effectRef idx="0">
+                        <a:schemeClr val="accent1"/>
+                      </a:effectRef>
+                      <a:fontRef idx="minor">
+                        <a:schemeClr val="lt1"/>
+                      </a:fontRef>
+                    </p:style>
+                    <p:txBody>
+                      <a:bodyPr rtlCol="0" anchor="ctr"/>
+                      <a:lstStyle/>
+                      <a:p>
+                        <a:pPr algn="ctr"/>
+                        <a:endParaRPr lang="en-US" dirty="0"/>
+                      </a:p>
+                    </p:txBody>
+                  </p:sp>
+                  <p:sp>
+                    <p:nvSpPr>
+                      <p:cNvPr id="131" name="Oval 130">
+                        <a:extLst>
+                          <a:ext uri="{FF2B5EF4-FFF2-40B4-BE49-F238E27FC236}">
+                            <a16:creationId xmlns:a16="http://schemas.microsoft.com/office/drawing/2014/main" id="{B6F6B919-6F16-0142-8487-E05F39D43260}"/>
+                          </a:ext>
+                        </a:extLst>
+                      </p:cNvPr>
+                      <p:cNvSpPr/>
+                      <p:nvPr/>
+                    </p:nvSpPr>
+                    <p:spPr>
+                      <a:xfrm>
+                        <a:off x="1664438" y="2401167"/>
+                        <a:ext cx="378899" cy="395346"/>
+                      </a:xfrm>
+                      <a:prstGeom prst="ellipse">
+                        <a:avLst/>
+                      </a:prstGeom>
+                      <a:solidFill>
+                        <a:schemeClr val="bg1"/>
+                      </a:solidFill>
+                      <a:ln w="28575">
+                        <a:noFill/>
+                      </a:ln>
+                    </p:spPr>
+                    <p:style>
+                      <a:lnRef idx="2">
+                        <a:schemeClr val="accent1">
+                          <a:shade val="50000"/>
+                        </a:schemeClr>
+                      </a:lnRef>
+                      <a:fillRef idx="1">
+                        <a:schemeClr val="accent1"/>
+                      </a:fillRef>
+                      <a:effectRef idx="0">
+                        <a:schemeClr val="accent1"/>
+                      </a:effectRef>
+                      <a:fontRef idx="minor">
+                        <a:schemeClr val="lt1"/>
+                      </a:fontRef>
+                    </p:style>
+                    <p:txBody>
+                      <a:bodyPr rtlCol="0" anchor="ctr"/>
+                      <a:lstStyle/>
+                      <a:p>
+                        <a:pPr algn="ctr"/>
+                        <a:endParaRPr lang="en-US"/>
+                      </a:p>
+                    </p:txBody>
+                  </p:sp>
+                </p:grpSp>
               </p:grpSp>
             </p:grpSp>
-          </p:grpSp>
-          <p:grpSp>
-            <p:nvGrpSpPr>
-              <p:cNvPr id="28" name="Group 27">
-                <a:extLst>
-                  <a:ext uri="{FF2B5EF4-FFF2-40B4-BE49-F238E27FC236}">
-                    <a16:creationId xmlns:a16="http://schemas.microsoft.com/office/drawing/2014/main" id="{627E24DD-1B0B-AF40-A04F-D2781E049053}"/>
-                  </a:ext>
-                </a:extLst>
-              </p:cNvPr>
-              <p:cNvGrpSpPr/>
-              <p:nvPr/>
-            </p:nvGrpSpPr>
-            <p:grpSpPr>
-              <a:xfrm>
-                <a:off x="3091409" y="3792693"/>
-                <a:ext cx="467855" cy="444033"/>
-                <a:chOff x="1129599" y="3378021"/>
-                <a:chExt cx="467855" cy="444033"/>
-              </a:xfrm>
-              <a:effectLst>
-                <a:outerShdw blurRad="50800" dist="38100" algn="l" rotWithShape="0">
-                  <a:prstClr val="black">
-                    <a:alpha val="40000"/>
-                  </a:prstClr>
-                </a:outerShdw>
-              </a:effectLst>
-            </p:grpSpPr>
-            <p:sp>
-              <p:nvSpPr>
-                <p:cNvPr id="29" name="Rectangle 28">
+            <p:grpSp>
+              <p:nvGrpSpPr>
+                <p:cNvPr id="117" name="Group 116">
                   <a:extLst>
                     <a:ext uri="{FF2B5EF4-FFF2-40B4-BE49-F238E27FC236}">
-                      <a16:creationId xmlns:a16="http://schemas.microsoft.com/office/drawing/2014/main" id="{1C131193-5C27-FC41-901E-AB2DAD6D21C3}"/>
+                      <a16:creationId xmlns:a16="http://schemas.microsoft.com/office/drawing/2014/main" id="{8C021692-5E19-0546-92A5-A1BF49666840}"/>
                     </a:ext>
                   </a:extLst>
                 </p:cNvPr>
-                <p:cNvSpPr/>
-                <p:nvPr/>
-              </p:nvSpPr>
-              <p:spPr>
-                <a:xfrm>
-                  <a:off x="1129599" y="3378021"/>
-                  <a:ext cx="467855" cy="444033"/>
-                </a:xfrm>
-                <a:prstGeom prst="rect">
-                  <a:avLst/>
-                </a:prstGeom>
-                <a:solidFill>
-                  <a:schemeClr val="tx1"/>
-                </a:solidFill>
-                <a:ln>
-                  <a:solidFill>
-                    <a:schemeClr val="bg1"/>
-                  </a:solidFill>
-                </a:ln>
-              </p:spPr>
-              <p:style>
-                <a:lnRef idx="2">
-                  <a:schemeClr val="accent1">
-                    <a:shade val="50000"/>
-                  </a:schemeClr>
-                </a:lnRef>
-                <a:fillRef idx="1">
-                  <a:schemeClr val="accent1"/>
-                </a:fillRef>
-                <a:effectRef idx="0">
-                  <a:schemeClr val="accent1"/>
-                </a:effectRef>
-                <a:fontRef idx="minor">
-                  <a:schemeClr val="lt1"/>
-                </a:fontRef>
-              </p:style>
-              <p:txBody>
-                <a:bodyPr rtlCol="0" anchor="ctr"/>
-                <a:lstStyle/>
-                <a:p>
-                  <a:pPr algn="ctr"/>
-                  <a:endParaRPr lang="en-US"/>
-                </a:p>
-              </p:txBody>
-            </p:sp>
-            <p:grpSp>
-              <p:nvGrpSpPr>
-                <p:cNvPr id="30" name="Group 29">
-                  <a:extLst>
-                    <a:ext uri="{FF2B5EF4-FFF2-40B4-BE49-F238E27FC236}">
-                      <a16:creationId xmlns:a16="http://schemas.microsoft.com/office/drawing/2014/main" id="{90803E5A-2723-5F4E-9947-79B34F157E13}"/>
-                    </a:ext>
-                  </a:extLst>
-                </p:cNvPr>
-                <p:cNvGrpSpPr>
-                  <a:grpSpLocks noChangeAspect="1"/>
-                </p:cNvGrpSpPr>
+                <p:cNvGrpSpPr/>
                 <p:nvPr/>
               </p:nvGrpSpPr>
               <p:grpSpPr>
                 <a:xfrm>
-                  <a:off x="1167053" y="3418263"/>
-                  <a:ext cx="392748" cy="383678"/>
-                  <a:chOff x="1278675" y="2029522"/>
-                  <a:chExt cx="1609491" cy="1572321"/>
+                  <a:off x="3091409" y="3792693"/>
+                  <a:ext cx="467855" cy="444033"/>
+                  <a:chOff x="1129599" y="3378021"/>
+                  <a:chExt cx="467855" cy="444033"/>
                 </a:xfrm>
+                <a:effectLst>
+                  <a:outerShdw blurRad="50800" dist="38100" algn="l" rotWithShape="0">
+                    <a:prstClr val="black">
+                      <a:alpha val="40000"/>
+                    </a:prstClr>
+                  </a:outerShdw>
+                </a:effectLst>
               </p:grpSpPr>
               <p:sp>
                 <p:nvSpPr>
-                  <p:cNvPr id="31" name="Oval 30">
+                  <p:cNvPr id="118" name="Rectangle 117">
                     <a:extLst>
                       <a:ext uri="{FF2B5EF4-FFF2-40B4-BE49-F238E27FC236}">
-                        <a16:creationId xmlns:a16="http://schemas.microsoft.com/office/drawing/2014/main" id="{5F67612C-1FE4-6440-BCB5-0FCC61070A99}"/>
+                        <a16:creationId xmlns:a16="http://schemas.microsoft.com/office/drawing/2014/main" id="{AA95BD21-1D09-714B-891A-1FEC17EFBB52}"/>
                       </a:ext>
                     </a:extLst>
                   </p:cNvPr>
@@ -5858,19 +5728,16 @@
                 </p:nvSpPr>
                 <p:spPr>
                   <a:xfrm>
-                    <a:off x="1278675" y="2029522"/>
-                    <a:ext cx="1609491" cy="1572321"/>
+                    <a:off x="1129599" y="3378021"/>
+                    <a:ext cx="467855" cy="444033"/>
                   </a:xfrm>
-                  <a:prstGeom prst="ellipse">
+                  <a:prstGeom prst="rect">
                     <a:avLst/>
                   </a:prstGeom>
                   <a:solidFill>
-                    <a:schemeClr val="tx1">
-                      <a:lumMod val="75000"/>
-                      <a:lumOff val="25000"/>
-                    </a:schemeClr>
+                    <a:schemeClr val="tx1"/>
                   </a:solidFill>
-                  <a:ln w="12700">
+                  <a:ln>
                     <a:solidFill>
                       <a:schemeClr val="bg1"/>
                     </a:solidFill>
@@ -5901,125 +5768,34 @@
                   </a:p>
                 </p:txBody>
               </p:sp>
-              <p:pic>
-                <p:nvPicPr>
-                  <p:cNvPr id="32" name="Graphic 31" descr="Mitochondria with solid fill">
+              <p:grpSp>
+                <p:nvGrpSpPr>
+                  <p:cNvPr id="119" name="Group 118">
                     <a:extLst>
                       <a:ext uri="{FF2B5EF4-FFF2-40B4-BE49-F238E27FC236}">
-                        <a16:creationId xmlns:a16="http://schemas.microsoft.com/office/drawing/2014/main" id="{0C53DE3B-3733-004A-AA9E-0F96B3C99AC0}"/>
+                        <a16:creationId xmlns:a16="http://schemas.microsoft.com/office/drawing/2014/main" id="{9442FF68-E4A3-774F-9873-412C45F3D161}"/>
                       </a:ext>
                     </a:extLst>
                   </p:cNvPr>
-                  <p:cNvPicPr>
-                    <a:picLocks noChangeAspect="1"/>
-                  </p:cNvPicPr>
-                  <p:nvPr/>
-                </p:nvPicPr>
-                <p:blipFill>
-                  <a:blip r:embed="rId14">
-                    <a:extLst>
-                      <a:ext uri="{96DAC541-7B7A-43D3-8B79-37D633B846F1}">
-                        <asvg:svgBlip xmlns:asvg="http://schemas.microsoft.com/office/drawing/2016/SVG/main" r:embed="rId15"/>
-                      </a:ext>
-                    </a:extLst>
-                  </a:blip>
-                  <a:stretch>
-                    <a:fillRect/>
-                  </a:stretch>
-                </p:blipFill>
-                <p:spPr>
-                  <a:xfrm rot="21325333">
-                    <a:off x="1896233" y="2729956"/>
-                    <a:ext cx="833526" cy="833526"/>
-                  </a:xfrm>
-                  <a:prstGeom prst="rect">
-                    <a:avLst/>
-                  </a:prstGeom>
-                </p:spPr>
-              </p:pic>
-              <p:grpSp>
-                <p:nvGrpSpPr>
-                  <p:cNvPr id="33" name="Group 32">
-                    <a:extLst>
-                      <a:ext uri="{FF2B5EF4-FFF2-40B4-BE49-F238E27FC236}">
-                        <a16:creationId xmlns:a16="http://schemas.microsoft.com/office/drawing/2014/main" id="{8B5478CF-890B-D54C-A620-ED3963CBB337}"/>
-                      </a:ext>
-                    </a:extLst>
-                  </p:cNvPr>
-                  <p:cNvGrpSpPr/>
+                  <p:cNvGrpSpPr>
+                    <a:grpSpLocks noChangeAspect="1"/>
+                  </p:cNvGrpSpPr>
                   <p:nvPr/>
                 </p:nvGrpSpPr>
                 <p:grpSpPr>
                   <a:xfrm>
-                    <a:off x="1447051" y="2230255"/>
-                    <a:ext cx="813673" cy="737170"/>
-                    <a:chOff x="1447051" y="2230255"/>
-                    <a:chExt cx="813673" cy="737170"/>
+                    <a:off x="1167053" y="3418263"/>
+                    <a:ext cx="392748" cy="383678"/>
+                    <a:chOff x="1278675" y="2029522"/>
+                    <a:chExt cx="1609491" cy="1572321"/>
                   </a:xfrm>
                 </p:grpSpPr>
                 <p:sp>
                   <p:nvSpPr>
-                    <p:cNvPr id="34" name="Rounded Rectangle 33">
+                    <p:cNvPr id="120" name="Oval 119">
                       <a:extLst>
                         <a:ext uri="{FF2B5EF4-FFF2-40B4-BE49-F238E27FC236}">
-                          <a16:creationId xmlns:a16="http://schemas.microsoft.com/office/drawing/2014/main" id="{1FDFD469-DD6A-0049-99C7-560811A60C41}"/>
-                        </a:ext>
-                      </a:extLst>
-                    </p:cNvPr>
-                    <p:cNvSpPr/>
-                    <p:nvPr/>
-                  </p:nvSpPr>
-                  <p:spPr>
-                    <a:xfrm rot="18947416">
-                      <a:off x="1447051" y="2230255"/>
-                      <a:ext cx="813673" cy="737170"/>
-                    </a:xfrm>
-                    <a:prstGeom prst="roundRect">
-                      <a:avLst>
-                        <a:gd name="adj" fmla="val 38068"/>
-                      </a:avLst>
-                    </a:prstGeom>
-                    <a:solidFill>
-                      <a:schemeClr val="bg1">
-                        <a:lumMod val="75000"/>
-                        <a:alpha val="77000"/>
-                      </a:schemeClr>
-                    </a:solidFill>
-                    <a:ln w="28575">
-                      <a:noFill/>
-                    </a:ln>
-                  </p:spPr>
-                  <p:style>
-                    <a:lnRef idx="2">
-                      <a:schemeClr val="accent1">
-                        <a:shade val="50000"/>
-                      </a:schemeClr>
-                    </a:lnRef>
-                    <a:fillRef idx="1">
-                      <a:schemeClr val="accent1"/>
-                    </a:fillRef>
-                    <a:effectRef idx="0">
-                      <a:schemeClr val="accent1"/>
-                    </a:effectRef>
-                    <a:fontRef idx="minor">
-                      <a:schemeClr val="lt1"/>
-                    </a:fontRef>
-                  </p:style>
-                  <p:txBody>
-                    <a:bodyPr rtlCol="0" anchor="ctr"/>
-                    <a:lstStyle/>
-                    <a:p>
-                      <a:pPr algn="ctr"/>
-                      <a:endParaRPr lang="en-US" dirty="0"/>
-                    </a:p>
-                  </p:txBody>
-                </p:sp>
-                <p:sp>
-                  <p:nvSpPr>
-                    <p:cNvPr id="35" name="Oval 34">
-                      <a:extLst>
-                        <a:ext uri="{FF2B5EF4-FFF2-40B4-BE49-F238E27FC236}">
-                          <a16:creationId xmlns:a16="http://schemas.microsoft.com/office/drawing/2014/main" id="{BC531D7D-13D8-584D-AAC6-54ACE7C1A57F}"/>
+                          <a16:creationId xmlns:a16="http://schemas.microsoft.com/office/drawing/2014/main" id="{FDB66E68-B141-FC4D-ABCC-FC23EDD741BF}"/>
                         </a:ext>
                       </a:extLst>
                     </p:cNvPr>
@@ -6028,17 +5804,22 @@
                   </p:nvSpPr>
                   <p:spPr>
                     <a:xfrm>
-                      <a:off x="1664438" y="2401167"/>
-                      <a:ext cx="378899" cy="395346"/>
+                      <a:off x="1278675" y="2029522"/>
+                      <a:ext cx="1609491" cy="1572321"/>
                     </a:xfrm>
                     <a:prstGeom prst="ellipse">
                       <a:avLst/>
                     </a:prstGeom>
                     <a:solidFill>
-                      <a:schemeClr val="bg1"/>
+                      <a:schemeClr val="tx1">
+                        <a:lumMod val="75000"/>
+                        <a:lumOff val="25000"/>
+                      </a:schemeClr>
                     </a:solidFill>
-                    <a:ln w="28575">
-                      <a:noFill/>
+                    <a:ln w="12700">
+                      <a:solidFill>
+                        <a:schemeClr val="bg1"/>
+                      </a:solidFill>
                     </a:ln>
                   </p:spPr>
                   <p:style>
@@ -6066,16 +5847,390 @@
                     </a:p>
                   </p:txBody>
                 </p:sp>
+                <p:pic>
+                  <p:nvPicPr>
+                    <p:cNvPr id="121" name="Graphic 120" descr="Mitochondria with solid fill">
+                      <a:extLst>
+                        <a:ext uri="{FF2B5EF4-FFF2-40B4-BE49-F238E27FC236}">
+                          <a16:creationId xmlns:a16="http://schemas.microsoft.com/office/drawing/2014/main" id="{5E0B2615-08FA-8048-82F0-DDD78D84C6E8}"/>
+                        </a:ext>
+                      </a:extLst>
+                    </p:cNvPr>
+                    <p:cNvPicPr>
+                      <a:picLocks noChangeAspect="1"/>
+                    </p:cNvPicPr>
+                    <p:nvPr/>
+                  </p:nvPicPr>
+                  <p:blipFill>
+                    <a:blip r:embed="rId10">
+                      <a:extLst>
+                        <a:ext uri="{96DAC541-7B7A-43D3-8B79-37D633B846F1}">
+                          <asvg:svgBlip xmlns:asvg="http://schemas.microsoft.com/office/drawing/2016/SVG/main" r:embed="rId11"/>
+                        </a:ext>
+                      </a:extLst>
+                    </a:blip>
+                    <a:stretch>
+                      <a:fillRect/>
+                    </a:stretch>
+                  </p:blipFill>
+                  <p:spPr>
+                    <a:xfrm rot="21325333">
+                      <a:off x="1896233" y="2729956"/>
+                      <a:ext cx="833526" cy="833526"/>
+                    </a:xfrm>
+                    <a:prstGeom prst="rect">
+                      <a:avLst/>
+                    </a:prstGeom>
+                  </p:spPr>
+                </p:pic>
+                <p:grpSp>
+                  <p:nvGrpSpPr>
+                    <p:cNvPr id="122" name="Group 121">
+                      <a:extLst>
+                        <a:ext uri="{FF2B5EF4-FFF2-40B4-BE49-F238E27FC236}">
+                          <a16:creationId xmlns:a16="http://schemas.microsoft.com/office/drawing/2014/main" id="{342DE851-E118-F74F-BEAE-22AE4F1C4A91}"/>
+                        </a:ext>
+                      </a:extLst>
+                    </p:cNvPr>
+                    <p:cNvGrpSpPr/>
+                    <p:nvPr/>
+                  </p:nvGrpSpPr>
+                  <p:grpSpPr>
+                    <a:xfrm>
+                      <a:off x="1447051" y="2230255"/>
+                      <a:ext cx="813673" cy="737170"/>
+                      <a:chOff x="1447051" y="2230255"/>
+                      <a:chExt cx="813673" cy="737170"/>
+                    </a:xfrm>
+                  </p:grpSpPr>
+                  <p:sp>
+                    <p:nvSpPr>
+                      <p:cNvPr id="123" name="Rounded Rectangle 122">
+                        <a:extLst>
+                          <a:ext uri="{FF2B5EF4-FFF2-40B4-BE49-F238E27FC236}">
+                            <a16:creationId xmlns:a16="http://schemas.microsoft.com/office/drawing/2014/main" id="{EE546BDF-3382-4F4F-84CE-FD7BC2D926E4}"/>
+                          </a:ext>
+                        </a:extLst>
+                      </p:cNvPr>
+                      <p:cNvSpPr/>
+                      <p:nvPr/>
+                    </p:nvSpPr>
+                    <p:spPr>
+                      <a:xfrm rot="18947416">
+                        <a:off x="1447051" y="2230255"/>
+                        <a:ext cx="813673" cy="737170"/>
+                      </a:xfrm>
+                      <a:prstGeom prst="roundRect">
+                        <a:avLst>
+                          <a:gd name="adj" fmla="val 38068"/>
+                        </a:avLst>
+                      </a:prstGeom>
+                      <a:solidFill>
+                        <a:schemeClr val="bg1">
+                          <a:lumMod val="75000"/>
+                          <a:alpha val="77000"/>
+                        </a:schemeClr>
+                      </a:solidFill>
+                      <a:ln w="28575">
+                        <a:noFill/>
+                      </a:ln>
+                    </p:spPr>
+                    <p:style>
+                      <a:lnRef idx="2">
+                        <a:schemeClr val="accent1">
+                          <a:shade val="50000"/>
+                        </a:schemeClr>
+                      </a:lnRef>
+                      <a:fillRef idx="1">
+                        <a:schemeClr val="accent1"/>
+                      </a:fillRef>
+                      <a:effectRef idx="0">
+                        <a:schemeClr val="accent1"/>
+                      </a:effectRef>
+                      <a:fontRef idx="minor">
+                        <a:schemeClr val="lt1"/>
+                      </a:fontRef>
+                    </p:style>
+                    <p:txBody>
+                      <a:bodyPr rtlCol="0" anchor="ctr"/>
+                      <a:lstStyle/>
+                      <a:p>
+                        <a:pPr algn="ctr"/>
+                        <a:endParaRPr lang="en-US" dirty="0"/>
+                      </a:p>
+                    </p:txBody>
+                  </p:sp>
+                  <p:sp>
+                    <p:nvSpPr>
+                      <p:cNvPr id="124" name="Oval 123">
+                        <a:extLst>
+                          <a:ext uri="{FF2B5EF4-FFF2-40B4-BE49-F238E27FC236}">
+                            <a16:creationId xmlns:a16="http://schemas.microsoft.com/office/drawing/2014/main" id="{BF191780-C3DC-8D42-92B8-E50CFC885111}"/>
+                          </a:ext>
+                        </a:extLst>
+                      </p:cNvPr>
+                      <p:cNvSpPr/>
+                      <p:nvPr/>
+                    </p:nvSpPr>
+                    <p:spPr>
+                      <a:xfrm>
+                        <a:off x="1664438" y="2401167"/>
+                        <a:ext cx="378899" cy="395346"/>
+                      </a:xfrm>
+                      <a:prstGeom prst="ellipse">
+                        <a:avLst/>
+                      </a:prstGeom>
+                      <a:solidFill>
+                        <a:schemeClr val="bg1"/>
+                      </a:solidFill>
+                      <a:ln w="28575">
+                        <a:noFill/>
+                      </a:ln>
+                    </p:spPr>
+                    <p:style>
+                      <a:lnRef idx="2">
+                        <a:schemeClr val="accent1">
+                          <a:shade val="50000"/>
+                        </a:schemeClr>
+                      </a:lnRef>
+                      <a:fillRef idx="1">
+                        <a:schemeClr val="accent1"/>
+                      </a:fillRef>
+                      <a:effectRef idx="0">
+                        <a:schemeClr val="accent1"/>
+                      </a:effectRef>
+                      <a:fontRef idx="minor">
+                        <a:schemeClr val="lt1"/>
+                      </a:fontRef>
+                    </p:style>
+                    <p:txBody>
+                      <a:bodyPr rtlCol="0" anchor="ctr"/>
+                      <a:lstStyle/>
+                      <a:p>
+                        <a:pPr algn="ctr"/>
+                        <a:endParaRPr lang="en-US"/>
+                      </a:p>
+                    </p:txBody>
+                  </p:sp>
+                </p:grpSp>
               </p:grpSp>
             </p:grpSp>
           </p:grpSp>
+          <p:cxnSp>
+            <p:nvCxnSpPr>
+              <p:cNvPr id="112" name="Straight Arrow Connector 111">
+                <a:extLst>
+                  <a:ext uri="{FF2B5EF4-FFF2-40B4-BE49-F238E27FC236}">
+                    <a16:creationId xmlns:a16="http://schemas.microsoft.com/office/drawing/2014/main" id="{B7919728-1E73-4E49-ABCC-4F9EAC8D12A9}"/>
+                  </a:ext>
+                </a:extLst>
+              </p:cNvPr>
+              <p:cNvCxnSpPr>
+                <a:cxnSpLocks/>
+              </p:cNvCxnSpPr>
+              <p:nvPr/>
+            </p:nvCxnSpPr>
+            <p:spPr>
+              <a:xfrm flipH="1">
+                <a:off x="6292452" y="1828233"/>
+                <a:ext cx="119414" cy="0"/>
+              </a:xfrm>
+              <a:prstGeom prst="straightConnector1">
+                <a:avLst/>
+              </a:prstGeom>
+              <a:ln w="19050" cap="sq">
+                <a:solidFill>
+                  <a:schemeClr val="tx1">
+                    <a:lumMod val="50000"/>
+                    <a:lumOff val="50000"/>
+                  </a:schemeClr>
+                </a:solidFill>
+                <a:prstDash val="sysDot"/>
+                <a:tailEnd type="none" w="lg" len="med"/>
+              </a:ln>
+            </p:spPr>
+            <p:style>
+              <a:lnRef idx="1">
+                <a:schemeClr val="accent1"/>
+              </a:lnRef>
+              <a:fillRef idx="0">
+                <a:schemeClr val="accent1"/>
+              </a:fillRef>
+              <a:effectRef idx="0">
+                <a:schemeClr val="accent1"/>
+              </a:effectRef>
+              <a:fontRef idx="minor">
+                <a:schemeClr val="tx1"/>
+              </a:fontRef>
+            </p:style>
+          </p:cxnSp>
+          <p:cxnSp>
+            <p:nvCxnSpPr>
+              <p:cNvPr id="113" name="Straight Arrow Connector 112">
+                <a:extLst>
+                  <a:ext uri="{FF2B5EF4-FFF2-40B4-BE49-F238E27FC236}">
+                    <a16:creationId xmlns:a16="http://schemas.microsoft.com/office/drawing/2014/main" id="{54F3D5E8-EA66-9540-A460-0250D80A7121}"/>
+                  </a:ext>
+                </a:extLst>
+              </p:cNvPr>
+              <p:cNvCxnSpPr>
+                <a:cxnSpLocks/>
+              </p:cNvCxnSpPr>
+              <p:nvPr/>
+            </p:nvCxnSpPr>
+            <p:spPr>
+              <a:xfrm flipH="1">
+                <a:off x="6292452" y="1328140"/>
+                <a:ext cx="119414" cy="0"/>
+              </a:xfrm>
+              <a:prstGeom prst="straightConnector1">
+                <a:avLst/>
+              </a:prstGeom>
+              <a:ln w="19050" cap="sq">
+                <a:solidFill>
+                  <a:schemeClr val="tx1">
+                    <a:lumMod val="50000"/>
+                    <a:lumOff val="50000"/>
+                  </a:schemeClr>
+                </a:solidFill>
+                <a:prstDash val="sysDot"/>
+                <a:tailEnd type="none" w="lg" len="med"/>
+              </a:ln>
+            </p:spPr>
+            <p:style>
+              <a:lnRef idx="1">
+                <a:schemeClr val="accent1"/>
+              </a:lnRef>
+              <a:fillRef idx="0">
+                <a:schemeClr val="accent1"/>
+              </a:fillRef>
+              <a:effectRef idx="0">
+                <a:schemeClr val="accent1"/>
+              </a:effectRef>
+              <a:fontRef idx="minor">
+                <a:schemeClr val="tx1"/>
+              </a:fontRef>
+            </p:style>
+          </p:cxnSp>
+          <p:cxnSp>
+            <p:nvCxnSpPr>
+              <p:cNvPr id="114" name="Straight Arrow Connector 113">
+                <a:extLst>
+                  <a:ext uri="{FF2B5EF4-FFF2-40B4-BE49-F238E27FC236}">
+                    <a16:creationId xmlns:a16="http://schemas.microsoft.com/office/drawing/2014/main" id="{DB361C54-75DE-DB44-AEBA-92D44966DA4D}"/>
+                  </a:ext>
+                </a:extLst>
+              </p:cNvPr>
+              <p:cNvCxnSpPr>
+                <a:cxnSpLocks/>
+              </p:cNvCxnSpPr>
+              <p:nvPr/>
+            </p:nvCxnSpPr>
+            <p:spPr>
+              <a:xfrm>
+                <a:off x="6088179" y="1503458"/>
+                <a:ext cx="0" cy="82511"/>
+              </a:xfrm>
+              <a:prstGeom prst="straightConnector1">
+                <a:avLst/>
+              </a:prstGeom>
+              <a:ln w="19050" cap="sq">
+                <a:solidFill>
+                  <a:schemeClr val="tx1">
+                    <a:lumMod val="50000"/>
+                    <a:lumOff val="50000"/>
+                  </a:schemeClr>
+                </a:solidFill>
+                <a:prstDash val="sysDot"/>
+                <a:tailEnd type="none" w="lg" len="med"/>
+              </a:ln>
+            </p:spPr>
+            <p:style>
+              <a:lnRef idx="1">
+                <a:schemeClr val="accent1"/>
+              </a:lnRef>
+              <a:fillRef idx="0">
+                <a:schemeClr val="accent1"/>
+              </a:fillRef>
+              <a:effectRef idx="0">
+                <a:schemeClr val="accent1"/>
+              </a:effectRef>
+              <a:fontRef idx="minor">
+                <a:schemeClr val="tx1"/>
+              </a:fontRef>
+            </p:style>
+          </p:cxnSp>
         </p:grpSp>
+        <p:sp>
+          <p:nvSpPr>
+            <p:cNvPr id="106" name="TextBox 105">
+              <a:extLst>
+                <a:ext uri="{FF2B5EF4-FFF2-40B4-BE49-F238E27FC236}">
+                  <a16:creationId xmlns:a16="http://schemas.microsoft.com/office/drawing/2014/main" id="{6FC5BF6E-4362-4641-9010-9ADFDB3FF474}"/>
+                </a:ext>
+              </a:extLst>
+            </p:cNvPr>
+            <p:cNvSpPr txBox="1"/>
+            <p:nvPr/>
+          </p:nvSpPr>
+          <p:spPr>
+            <a:xfrm>
+              <a:off x="2440467" y="2583016"/>
+              <a:ext cx="1186178" cy="276999"/>
+            </a:xfrm>
+            <a:prstGeom prst="rect">
+              <a:avLst/>
+            </a:prstGeom>
+            <a:noFill/>
+          </p:spPr>
+          <p:txBody>
+            <a:bodyPr wrap="square">
+              <a:spAutoFit/>
+            </a:bodyPr>
+            <a:lstStyle/>
+            <a:p>
+              <a:r>
+                <a:rPr lang="en-US" sz="1200" dirty="0">
+                  <a:solidFill>
+                    <a:schemeClr val="bg1">
+                      <a:lumMod val="75000"/>
+                      <a:lumOff val="25000"/>
+                    </a:schemeClr>
+                  </a:solidFill>
+                  <a:latin typeface=""/>
+                </a:rPr>
+                <a:t>Image storage</a:t>
+              </a:r>
+            </a:p>
+          </p:txBody>
+        </p:sp>
+      </p:grpSp>
+      <p:grpSp>
+        <p:nvGrpSpPr>
+          <p:cNvPr id="166" name="Group 165">
+            <a:extLst>
+              <a:ext uri="{FF2B5EF4-FFF2-40B4-BE49-F238E27FC236}">
+                <a16:creationId xmlns:a16="http://schemas.microsoft.com/office/drawing/2014/main" id="{5CE2762D-2407-CC4F-AD87-125C20CCD531}"/>
+              </a:ext>
+            </a:extLst>
+          </p:cNvPr>
+          <p:cNvGrpSpPr/>
+          <p:nvPr/>
+        </p:nvGrpSpPr>
+        <p:grpSpPr>
+          <a:xfrm>
+            <a:off x="4084746" y="3931310"/>
+            <a:ext cx="3265460" cy="2481765"/>
+            <a:chOff x="4084746" y="3931310"/>
+            <a:chExt cx="3265460" cy="2481765"/>
+          </a:xfrm>
+        </p:grpSpPr>
         <p:cxnSp>
           <p:nvCxnSpPr>
-            <p:cNvPr id="23" name="Straight Arrow Connector 22">
+            <p:cNvPr id="167" name="Straight Arrow Connector 166">
               <a:extLst>
                 <a:ext uri="{FF2B5EF4-FFF2-40B4-BE49-F238E27FC236}">
-                  <a16:creationId xmlns:a16="http://schemas.microsoft.com/office/drawing/2014/main" id="{46A8D1B4-7E54-344A-BA43-E70E84769E47}"/>
+                  <a16:creationId xmlns:a16="http://schemas.microsoft.com/office/drawing/2014/main" id="{B6D4D2E1-D761-7B40-8532-5BDED8D94FDA}"/>
                 </a:ext>
               </a:extLst>
             </p:cNvPr>
@@ -6086,21 +6241,18 @@
           </p:nvCxnSpPr>
           <p:spPr>
             <a:xfrm flipH="1">
-              <a:off x="6292452" y="1828233"/>
-              <a:ext cx="119414" cy="0"/>
+              <a:off x="6533147" y="4820102"/>
+              <a:ext cx="817059" cy="0"/>
             </a:xfrm>
             <a:prstGeom prst="straightConnector1">
               <a:avLst/>
             </a:prstGeom>
             <a:ln w="19050" cap="sq">
               <a:solidFill>
-                <a:schemeClr val="tx1">
-                  <a:lumMod val="50000"/>
-                  <a:lumOff val="50000"/>
-                </a:schemeClr>
+                <a:srgbClr val="4730FC"/>
               </a:solidFill>
               <a:prstDash val="sysDot"/>
-              <a:tailEnd type="none" w="lg" len="med"/>
+              <a:tailEnd type="stealth" w="lg" len="med"/>
             </a:ln>
           </p:spPr>
           <p:style>
@@ -6118,37 +6270,272 @@
             </a:fontRef>
           </p:style>
         </p:cxnSp>
+        <p:pic>
+          <p:nvPicPr>
+            <p:cNvPr id="168" name="Graphic 167" descr="Open folder with solid fill">
+              <a:extLst>
+                <a:ext uri="{FF2B5EF4-FFF2-40B4-BE49-F238E27FC236}">
+                  <a16:creationId xmlns:a16="http://schemas.microsoft.com/office/drawing/2014/main" id="{76204BAB-2C12-1A42-9CEB-1193919D8107}"/>
+                </a:ext>
+              </a:extLst>
+            </p:cNvPr>
+            <p:cNvPicPr>
+              <a:picLocks noChangeAspect="1"/>
+            </p:cNvPicPr>
+            <p:nvPr/>
+          </p:nvPicPr>
+          <p:blipFill>
+            <a:blip r:embed="rId12">
+              <a:extLst>
+                <a:ext uri="{96DAC541-7B7A-43D3-8B79-37D633B846F1}">
+                  <asvg:svgBlip xmlns:asvg="http://schemas.microsoft.com/office/drawing/2016/SVG/main" r:embed="rId13"/>
+                </a:ext>
+              </a:extLst>
+            </a:blip>
+            <a:stretch>
+              <a:fillRect/>
+            </a:stretch>
+          </p:blipFill>
+          <p:spPr>
+            <a:xfrm>
+              <a:off x="4084746" y="4797411"/>
+              <a:ext cx="990285" cy="990285"/>
+            </a:xfrm>
+            <a:prstGeom prst="rect">
+              <a:avLst/>
+            </a:prstGeom>
+          </p:spPr>
+        </p:pic>
+        <p:pic>
+          <p:nvPicPr>
+            <p:cNvPr id="169" name="Graphic 168" descr="Document with solid fill">
+              <a:extLst>
+                <a:ext uri="{FF2B5EF4-FFF2-40B4-BE49-F238E27FC236}">
+                  <a16:creationId xmlns:a16="http://schemas.microsoft.com/office/drawing/2014/main" id="{1BFDF757-ED6D-154C-BA9A-EF9FE8AC1154}"/>
+                </a:ext>
+              </a:extLst>
+            </p:cNvPr>
+            <p:cNvPicPr>
+              <a:picLocks noChangeAspect="1"/>
+            </p:cNvPicPr>
+            <p:nvPr/>
+          </p:nvPicPr>
+          <p:blipFill>
+            <a:blip r:embed="rId14">
+              <a:extLst>
+                <a:ext uri="{96DAC541-7B7A-43D3-8B79-37D633B846F1}">
+                  <asvg:svgBlip xmlns:asvg="http://schemas.microsoft.com/office/drawing/2016/SVG/main" r:embed="rId15"/>
+                </a:ext>
+              </a:extLst>
+            </a:blip>
+            <a:stretch>
+              <a:fillRect/>
+            </a:stretch>
+          </p:blipFill>
+          <p:spPr>
+            <a:xfrm>
+              <a:off x="5124966" y="4659960"/>
+              <a:ext cx="592906" cy="592906"/>
+            </a:xfrm>
+            <a:prstGeom prst="rect">
+              <a:avLst/>
+            </a:prstGeom>
+          </p:spPr>
+        </p:pic>
+        <p:pic>
+          <p:nvPicPr>
+            <p:cNvPr id="170" name="Graphic 169" descr="Table with solid fill">
+              <a:extLst>
+                <a:ext uri="{FF2B5EF4-FFF2-40B4-BE49-F238E27FC236}">
+                  <a16:creationId xmlns:a16="http://schemas.microsoft.com/office/drawing/2014/main" id="{E620AAFD-C8F6-964A-8297-952F747748F1}"/>
+                </a:ext>
+              </a:extLst>
+            </p:cNvPr>
+            <p:cNvPicPr>
+              <a:picLocks noChangeAspect="1"/>
+            </p:cNvPicPr>
+            <p:nvPr/>
+          </p:nvPicPr>
+          <p:blipFill>
+            <a:blip r:embed="rId16">
+              <a:extLst>
+                <a:ext uri="{96DAC541-7B7A-43D3-8B79-37D633B846F1}">
+                  <asvg:svgBlip xmlns:asvg="http://schemas.microsoft.com/office/drawing/2016/SVG/main" r:embed="rId17"/>
+                </a:ext>
+              </a:extLst>
+            </a:blip>
+            <a:stretch>
+              <a:fillRect/>
+            </a:stretch>
+          </p:blipFill>
+          <p:spPr>
+            <a:xfrm>
+              <a:off x="5547760" y="5324194"/>
+              <a:ext cx="592907" cy="592907"/>
+            </a:xfrm>
+            <a:prstGeom prst="rect">
+              <a:avLst/>
+            </a:prstGeom>
+          </p:spPr>
+        </p:pic>
+        <p:sp>
+          <p:nvSpPr>
+            <p:cNvPr id="171" name="TextBox 170">
+              <a:extLst>
+                <a:ext uri="{FF2B5EF4-FFF2-40B4-BE49-F238E27FC236}">
+                  <a16:creationId xmlns:a16="http://schemas.microsoft.com/office/drawing/2014/main" id="{B4C04454-DE58-EE4E-B772-931EEB3E3981}"/>
+                </a:ext>
+              </a:extLst>
+            </p:cNvPr>
+            <p:cNvSpPr txBox="1"/>
+            <p:nvPr/>
+          </p:nvSpPr>
+          <p:spPr>
+            <a:xfrm>
+              <a:off x="5059057" y="5154053"/>
+              <a:ext cx="824265" cy="276999"/>
+            </a:xfrm>
+            <a:prstGeom prst="rect">
+              <a:avLst/>
+            </a:prstGeom>
+            <a:noFill/>
+          </p:spPr>
+          <p:txBody>
+            <a:bodyPr wrap="none" rtlCol="0">
+              <a:spAutoFit/>
+            </a:bodyPr>
+            <a:lstStyle/>
+            <a:p>
+              <a:pPr algn="ctr"/>
+              <a:r>
+                <a:rPr lang="en-US" sz="1200" dirty="0">
+                  <a:solidFill>
+                    <a:schemeClr val="bg1">
+                      <a:lumMod val="75000"/>
+                      <a:lumOff val="25000"/>
+                    </a:schemeClr>
+                  </a:solidFill>
+                  <a:latin typeface=""/>
+                </a:rPr>
+                <a:t>Metadata</a:t>
+              </a:r>
+            </a:p>
+          </p:txBody>
+        </p:sp>
+        <p:sp>
+          <p:nvSpPr>
+            <p:cNvPr id="172" name="TextBox 171">
+              <a:extLst>
+                <a:ext uri="{FF2B5EF4-FFF2-40B4-BE49-F238E27FC236}">
+                  <a16:creationId xmlns:a16="http://schemas.microsoft.com/office/drawing/2014/main" id="{52249C04-E7F8-4349-9A00-807B43079A71}"/>
+                </a:ext>
+              </a:extLst>
+            </p:cNvPr>
+            <p:cNvSpPr txBox="1"/>
+            <p:nvPr/>
+          </p:nvSpPr>
+          <p:spPr>
+            <a:xfrm>
+              <a:off x="5409764" y="5800948"/>
+              <a:ext cx="944489" cy="276999"/>
+            </a:xfrm>
+            <a:prstGeom prst="rect">
+              <a:avLst/>
+            </a:prstGeom>
+            <a:noFill/>
+          </p:spPr>
+          <p:txBody>
+            <a:bodyPr wrap="none" rtlCol="0">
+              <a:spAutoFit/>
+            </a:bodyPr>
+            <a:lstStyle/>
+            <a:p>
+              <a:pPr algn="ctr"/>
+              <a:r>
+                <a:rPr lang="en-US" sz="1200" dirty="0">
+                  <a:solidFill>
+                    <a:schemeClr val="bg1">
+                      <a:lumMod val="75000"/>
+                      <a:lumOff val="25000"/>
+                    </a:schemeClr>
+                  </a:solidFill>
+                  <a:latin typeface=""/>
+                </a:rPr>
+                <a:t>Data frame</a:t>
+              </a:r>
+            </a:p>
+          </p:txBody>
+        </p:sp>
+        <p:sp>
+          <p:nvSpPr>
+            <p:cNvPr id="173" name="TextBox 172">
+              <a:extLst>
+                <a:ext uri="{FF2B5EF4-FFF2-40B4-BE49-F238E27FC236}">
+                  <a16:creationId xmlns:a16="http://schemas.microsoft.com/office/drawing/2014/main" id="{CAEFF52D-F7CE-294A-983B-80844EB3E867}"/>
+                </a:ext>
+              </a:extLst>
+            </p:cNvPr>
+            <p:cNvSpPr txBox="1"/>
+            <p:nvPr/>
+          </p:nvSpPr>
+          <p:spPr>
+            <a:xfrm>
+              <a:off x="4102671" y="6105298"/>
+              <a:ext cx="1767192" cy="307777"/>
+            </a:xfrm>
+            <a:prstGeom prst="rect">
+              <a:avLst/>
+            </a:prstGeom>
+            <a:noFill/>
+          </p:spPr>
+          <p:txBody>
+            <a:bodyPr wrap="square" rtlCol="0">
+              <a:spAutoFit/>
+            </a:bodyPr>
+            <a:lstStyle/>
+            <a:p>
+              <a:pPr algn="ctr"/>
+              <a:r>
+                <a:rPr lang="en-US" sz="1400" dirty="0">
+                  <a:solidFill>
+                    <a:srgbClr val="0070C0"/>
+                  </a:solidFill>
+                  <a:latin typeface=""/>
+                </a:rPr>
+                <a:t>Folder with results</a:t>
+              </a:r>
+            </a:p>
+          </p:txBody>
+        </p:sp>
         <p:cxnSp>
           <p:nvCxnSpPr>
-            <p:cNvPr id="24" name="Straight Arrow Connector 23">
+            <p:cNvPr id="174" name="Straight Arrow Connector 173">
               <a:extLst>
                 <a:ext uri="{FF2B5EF4-FFF2-40B4-BE49-F238E27FC236}">
-                  <a16:creationId xmlns:a16="http://schemas.microsoft.com/office/drawing/2014/main" id="{089D50DE-47AD-6540-AA81-96EDE9AF4F3A}"/>
+                  <a16:creationId xmlns:a16="http://schemas.microsoft.com/office/drawing/2014/main" id="{BC893AE3-C894-F843-AFB0-3A90ED08CDF7}"/>
                 </a:ext>
               </a:extLst>
             </p:cNvPr>
             <p:cNvCxnSpPr>
               <a:cxnSpLocks/>
+              <a:endCxn id="102" idx="2"/>
             </p:cNvCxnSpPr>
             <p:nvPr/>
           </p:nvCxnSpPr>
           <p:spPr>
-            <a:xfrm flipH="1">
-              <a:off x="6292452" y="1328140"/>
-              <a:ext cx="119414" cy="0"/>
+            <a:xfrm flipV="1">
+              <a:off x="4904785" y="3931310"/>
+              <a:ext cx="1" cy="728651"/>
             </a:xfrm>
             <a:prstGeom prst="straightConnector1">
               <a:avLst/>
             </a:prstGeom>
             <a:ln w="19050" cap="sq">
               <a:solidFill>
-                <a:schemeClr val="tx1">
-                  <a:lumMod val="50000"/>
-                  <a:lumOff val="50000"/>
-                </a:schemeClr>
+                <a:srgbClr val="4730FC"/>
               </a:solidFill>
               <a:prstDash val="sysDot"/>
-              <a:tailEnd type="none" w="lg" len="med"/>
+              <a:tailEnd type="stealth" w="lg" len="med"/>
             </a:ln>
           </p:spPr>
           <p:style>
@@ -6166,61 +6553,57 @@
             </a:fontRef>
           </p:style>
         </p:cxnSp>
-        <p:cxnSp>
-          <p:nvCxnSpPr>
-            <p:cNvPr id="25" name="Straight Arrow Connector 24">
+        <p:sp>
+          <p:nvSpPr>
+            <p:cNvPr id="175" name="TextBox 174">
               <a:extLst>
                 <a:ext uri="{FF2B5EF4-FFF2-40B4-BE49-F238E27FC236}">
-                  <a16:creationId xmlns:a16="http://schemas.microsoft.com/office/drawing/2014/main" id="{3E756D69-78A5-5844-A938-01820A99E4E9}"/>
+                  <a16:creationId xmlns:a16="http://schemas.microsoft.com/office/drawing/2014/main" id="{9681F8D4-5703-624A-BAF4-284D778CF088}"/>
                 </a:ext>
               </a:extLst>
             </p:cNvPr>
-            <p:cNvCxnSpPr>
-              <a:cxnSpLocks/>
-            </p:cNvCxnSpPr>
+            <p:cNvSpPr txBox="1"/>
             <p:nvPr/>
-          </p:nvCxnSpPr>
+          </p:nvSpPr>
           <p:spPr>
             <a:xfrm>
-              <a:off x="6088179" y="1503458"/>
-              <a:ext cx="0" cy="82511"/>
+              <a:off x="4716325" y="4149539"/>
+              <a:ext cx="1689185" cy="276999"/>
             </a:xfrm>
-            <a:prstGeom prst="straightConnector1">
+            <a:prstGeom prst="rect">
               <a:avLst/>
             </a:prstGeom>
-            <a:ln w="19050" cap="sq">
-              <a:solidFill>
-                <a:schemeClr val="tx1">
-                  <a:lumMod val="50000"/>
-                  <a:lumOff val="50000"/>
-                </a:schemeClr>
-              </a:solidFill>
-              <a:prstDash val="sysDot"/>
-              <a:tailEnd type="none" w="lg" len="med"/>
-            </a:ln>
+            <a:noFill/>
           </p:spPr>
-          <p:style>
-            <a:lnRef idx="1">
-              <a:schemeClr val="accent1"/>
-            </a:lnRef>
-            <a:fillRef idx="0">
-              <a:schemeClr val="accent1"/>
-            </a:fillRef>
-            <a:effectRef idx="0">
-              <a:schemeClr val="accent1"/>
-            </a:effectRef>
-            <a:fontRef idx="minor">
-              <a:schemeClr val="tx1"/>
-            </a:fontRef>
-          </p:style>
-        </p:cxnSp>
+          <p:txBody>
+            <a:bodyPr wrap="square">
+              <a:spAutoFit/>
+            </a:bodyPr>
+            <a:lstStyle/>
+            <a:p>
+              <a:pPr algn="ctr"/>
+              <a:r>
+                <a:rPr lang="en-US" sz="1200" dirty="0">
+                  <a:solidFill>
+                    <a:schemeClr val="bg1">
+                      <a:lumMod val="75000"/>
+                      <a:lumOff val="25000"/>
+                    </a:schemeClr>
+                  </a:solidFill>
+                  <a:latin typeface=""/>
+                </a:rPr>
+                <a:t>Write back to NAS</a:t>
+              </a:r>
+            </a:p>
+          </p:txBody>
+        </p:sp>
       </p:grpSp>
       <p:sp>
         <p:nvSpPr>
-          <p:cNvPr id="74" name="TextBox 73">
+          <p:cNvPr id="177" name="TextBox 176">
             <a:extLst>
               <a:ext uri="{FF2B5EF4-FFF2-40B4-BE49-F238E27FC236}">
-                <a16:creationId xmlns:a16="http://schemas.microsoft.com/office/drawing/2014/main" id="{0F65FDF7-95FB-B645-AE7A-091EA929BE14}"/>
+                <a16:creationId xmlns:a16="http://schemas.microsoft.com/office/drawing/2014/main" id="{1C1836F0-34EA-A945-9979-EA3E7704C1FA}"/>
               </a:ext>
             </a:extLst>
           </p:cNvPr>
@@ -6229,8 +6612,8 @@
         </p:nvSpPr>
         <p:spPr>
           <a:xfrm>
-            <a:off x="6677715" y="1631100"/>
-            <a:ext cx="2020716" cy="276999"/>
+            <a:off x="8451861" y="5987967"/>
+            <a:ext cx="1596912" cy="307777"/>
           </a:xfrm>
           <a:prstGeom prst="rect">
             <a:avLst/>
@@ -6238,57 +6621,30 @@
           <a:noFill/>
         </p:spPr>
         <p:txBody>
-          <a:bodyPr wrap="square">
+          <a:bodyPr wrap="none" rtlCol="0">
             <a:spAutoFit/>
           </a:bodyPr>
           <a:lstStyle/>
           <a:p>
             <a:pPr algn="ctr"/>
             <a:r>
-              <a:rPr lang="en-US" sz="1200" dirty="0">
+              <a:rPr lang="en-US" sz="1400" dirty="0">
                 <a:solidFill>
-                  <a:schemeClr val="tx1">
-                    <a:lumMod val="65000"/>
-                    <a:lumOff val="35000"/>
-                  </a:schemeClr>
+                  <a:srgbClr val="0070C0"/>
                 </a:solidFill>
                 <a:latin typeface=""/>
               </a:rPr>
-              <a:t>Access via </a:t>
-            </a:r>
-            <a:r>
-              <a:rPr lang="en-US" sz="1200" dirty="0" err="1">
-                <a:solidFill>
-                  <a:schemeClr val="tx1">
-                    <a:lumMod val="65000"/>
-                    <a:lumOff val="35000"/>
-                  </a:schemeClr>
-                </a:solidFill>
-                <a:latin typeface=""/>
-              </a:rPr>
-              <a:t>pysmb</a:t>
-            </a:r>
-            <a:r>
-              <a:rPr lang="en-US" sz="1200" dirty="0">
-                <a:solidFill>
-                  <a:schemeClr val="tx1">
-                    <a:lumMod val="65000"/>
-                    <a:lumOff val="35000"/>
-                  </a:schemeClr>
-                </a:solidFill>
-                <a:latin typeface=""/>
-              </a:rPr>
-              <a:t> module</a:t>
+              <a:t>Image processing</a:t>
             </a:r>
           </a:p>
         </p:txBody>
       </p:sp>
       <p:cxnSp>
         <p:nvCxnSpPr>
-          <p:cNvPr id="75" name="Straight Arrow Connector 74">
+          <p:cNvPr id="178" name="Straight Arrow Connector 177">
             <a:extLst>
               <a:ext uri="{FF2B5EF4-FFF2-40B4-BE49-F238E27FC236}">
-                <a16:creationId xmlns:a16="http://schemas.microsoft.com/office/drawing/2014/main" id="{DB0ADAA1-2724-1C42-87D9-434C303BEB57}"/>
+                <a16:creationId xmlns:a16="http://schemas.microsoft.com/office/drawing/2014/main" id="{8FABC2FC-8668-C743-94C5-901293EC80D2}"/>
               </a:ext>
             </a:extLst>
           </p:cNvPr>
@@ -6298,19 +6654,16 @@
           <p:nvPr/>
         </p:nvCxnSpPr>
         <p:spPr>
-          <a:xfrm flipV="1">
-            <a:off x="6612475" y="2167319"/>
-            <a:ext cx="2177983" cy="12745"/>
+          <a:xfrm>
+            <a:off x="9502207" y="3758510"/>
+            <a:ext cx="1" cy="641033"/>
           </a:xfrm>
           <a:prstGeom prst="straightConnector1">
             <a:avLst/>
           </a:prstGeom>
           <a:ln w="19050" cap="sq">
             <a:solidFill>
-              <a:schemeClr val="tx1">
-                <a:lumMod val="50000"/>
-                <a:lumOff val="50000"/>
-              </a:schemeClr>
+              <a:srgbClr val="4730FC"/>
             </a:solidFill>
             <a:prstDash val="sysDot"/>
             <a:tailEnd type="stealth" w="lg" len="med"/>
@@ -6331,196 +6684,245 @@
           </a:fontRef>
         </p:style>
       </p:cxnSp>
-      <p:sp>
-        <p:nvSpPr>
-          <p:cNvPr id="76" name="TextBox 75">
+      <p:grpSp>
+        <p:nvGrpSpPr>
+          <p:cNvPr id="179" name="Group 178">
             <a:extLst>
               <a:ext uri="{FF2B5EF4-FFF2-40B4-BE49-F238E27FC236}">
-                <a16:creationId xmlns:a16="http://schemas.microsoft.com/office/drawing/2014/main" id="{2251E288-DEB2-274A-96C1-737F5D079A28}"/>
+                <a16:creationId xmlns:a16="http://schemas.microsoft.com/office/drawing/2014/main" id="{FFE428E5-A452-0E4A-A789-4E128E4BA376}"/>
               </a:ext>
             </a:extLst>
           </p:cNvPr>
-          <p:cNvSpPr txBox="1"/>
+          <p:cNvGrpSpPr/>
           <p:nvPr/>
-        </p:nvSpPr>
-        <p:spPr>
+        </p:nvGrpSpPr>
+        <p:grpSpPr>
           <a:xfrm>
-            <a:off x="6646185" y="2180894"/>
-            <a:ext cx="2094324" cy="276999"/>
+            <a:off x="8369040" y="1013696"/>
+            <a:ext cx="2200611" cy="2399550"/>
+            <a:chOff x="8369040" y="1013696"/>
+            <a:chExt cx="2200611" cy="2399550"/>
           </a:xfrm>
-          <a:prstGeom prst="rect">
-            <a:avLst/>
-          </a:prstGeom>
-          <a:noFill/>
-        </p:spPr>
-        <p:txBody>
-          <a:bodyPr wrap="square">
-            <a:spAutoFit/>
-          </a:bodyPr>
-          <a:lstStyle/>
-          <a:p>
-            <a:pPr algn="ctr"/>
-            <a:r>
-              <a:rPr lang="en-US" sz="1200" dirty="0">
+        </p:grpSpPr>
+        <p:pic>
+          <p:nvPicPr>
+            <p:cNvPr id="181" name="Graphic 180" descr="Server with solid fill">
+              <a:extLst>
+                <a:ext uri="{FF2B5EF4-FFF2-40B4-BE49-F238E27FC236}">
+                  <a16:creationId xmlns:a16="http://schemas.microsoft.com/office/drawing/2014/main" id="{91BA58E2-ACA5-A649-BEAC-F8724B28E862}"/>
+                </a:ext>
+              </a:extLst>
+            </p:cNvPr>
+            <p:cNvPicPr>
+              <a:picLocks noChangeAspect="1"/>
+            </p:cNvPicPr>
+            <p:nvPr/>
+          </p:nvPicPr>
+          <p:blipFill>
+            <a:blip r:embed="rId18">
+              <a:extLst>
+                <a:ext uri="{96DAC541-7B7A-43D3-8B79-37D633B846F1}">
+                  <asvg:svgBlip xmlns:asvg="http://schemas.microsoft.com/office/drawing/2016/SVG/main" r:embed="rId19"/>
+                </a:ext>
+              </a:extLst>
+            </a:blip>
+            <a:stretch>
+              <a:fillRect/>
+            </a:stretch>
+          </p:blipFill>
+          <p:spPr>
+            <a:xfrm>
+              <a:off x="9012146" y="2498846"/>
+              <a:ext cx="914400" cy="914400"/>
+            </a:xfrm>
+            <a:prstGeom prst="rect">
+              <a:avLst/>
+            </a:prstGeom>
+          </p:spPr>
+        </p:pic>
+        <p:grpSp>
+          <p:nvGrpSpPr>
+            <p:cNvPr id="182" name="Group 181">
+              <a:extLst>
+                <a:ext uri="{FF2B5EF4-FFF2-40B4-BE49-F238E27FC236}">
+                  <a16:creationId xmlns:a16="http://schemas.microsoft.com/office/drawing/2014/main" id="{8B8E313B-88D5-D74C-9049-77B9FB4786C1}"/>
+                </a:ext>
+              </a:extLst>
+            </p:cNvPr>
+            <p:cNvGrpSpPr/>
+            <p:nvPr/>
+          </p:nvGrpSpPr>
+          <p:grpSpPr>
+            <a:xfrm>
+              <a:off x="8369040" y="1013696"/>
+              <a:ext cx="2200611" cy="1494771"/>
+              <a:chOff x="8369040" y="1013696"/>
+              <a:chExt cx="2200611" cy="1494771"/>
+            </a:xfrm>
+          </p:grpSpPr>
+          <p:grpSp>
+            <p:nvGrpSpPr>
+              <p:cNvPr id="183" name="Group 182">
+                <a:extLst>
+                  <a:ext uri="{FF2B5EF4-FFF2-40B4-BE49-F238E27FC236}">
+                    <a16:creationId xmlns:a16="http://schemas.microsoft.com/office/drawing/2014/main" id="{9467CB03-6B77-B947-8CCB-639D056404A0}"/>
+                  </a:ext>
+                </a:extLst>
+              </p:cNvPr>
+              <p:cNvGrpSpPr/>
+              <p:nvPr/>
+            </p:nvGrpSpPr>
+            <p:grpSpPr>
+              <a:xfrm>
+                <a:off x="8369040" y="1013696"/>
+                <a:ext cx="2200611" cy="1161188"/>
+                <a:chOff x="8369040" y="1013696"/>
+                <a:chExt cx="2200611" cy="1161188"/>
+              </a:xfrm>
+            </p:grpSpPr>
+            <p:sp>
+              <p:nvSpPr>
+                <p:cNvPr id="185" name="TextBox 184">
+                  <a:extLst>
+                    <a:ext uri="{FF2B5EF4-FFF2-40B4-BE49-F238E27FC236}">
+                      <a16:creationId xmlns:a16="http://schemas.microsoft.com/office/drawing/2014/main" id="{F4CE679F-5F65-9B4F-92AB-BEE01479F813}"/>
+                    </a:ext>
+                  </a:extLst>
+                </p:cNvPr>
+                <p:cNvSpPr txBox="1"/>
+                <p:nvPr/>
+              </p:nvSpPr>
+              <p:spPr>
+                <a:xfrm>
+                  <a:off x="8369040" y="1897885"/>
+                  <a:ext cx="2200611" cy="276999"/>
+                </a:xfrm>
+                <a:prstGeom prst="rect">
+                  <a:avLst/>
+                </a:prstGeom>
+                <a:noFill/>
+              </p:spPr>
+              <p:txBody>
+                <a:bodyPr wrap="square">
+                  <a:spAutoFit/>
+                </a:bodyPr>
+                <a:lstStyle/>
+                <a:p>
+                  <a:pPr algn="ctr"/>
+                  <a:r>
+                    <a:rPr lang="en-US" sz="1200" dirty="0">
+                      <a:solidFill>
+                        <a:schemeClr val="bg1">
+                          <a:lumMod val="75000"/>
+                          <a:lumOff val="25000"/>
+                        </a:schemeClr>
+                      </a:solidFill>
+                      <a:latin typeface=""/>
+                    </a:rPr>
+                    <a:t>Secure Shell </a:t>
+                  </a:r>
+                  <a:r>
+                    <a:rPr lang="en-US" sz="1200" b="1" dirty="0">
+                      <a:solidFill>
+                        <a:srgbClr val="4730FC"/>
+                      </a:solidFill>
+                      <a:latin typeface=""/>
+                    </a:rPr>
+                    <a:t>(SSH) protocol </a:t>
+                  </a:r>
+                </a:p>
+              </p:txBody>
+            </p:sp>
+            <p:pic>
+              <p:nvPicPr>
+                <p:cNvPr id="186" name="Graphic 185" descr="Programmer male with solid fill">
+                  <a:extLst>
+                    <a:ext uri="{FF2B5EF4-FFF2-40B4-BE49-F238E27FC236}">
+                      <a16:creationId xmlns:a16="http://schemas.microsoft.com/office/drawing/2014/main" id="{5A3F9FAE-2A42-894B-904D-B20BF0FEED1A}"/>
+                    </a:ext>
+                  </a:extLst>
+                </p:cNvPr>
+                <p:cNvPicPr>
+                  <a:picLocks noChangeAspect="1"/>
+                </p:cNvPicPr>
+                <p:nvPr/>
+              </p:nvPicPr>
+              <p:blipFill>
+                <a:blip r:embed="rId20">
+                  <a:extLst>
+                    <a:ext uri="{96DAC541-7B7A-43D3-8B79-37D633B846F1}">
+                      <asvg:svgBlip xmlns:asvg="http://schemas.microsoft.com/office/drawing/2016/SVG/main" r:embed="rId21"/>
+                    </a:ext>
+                  </a:extLst>
+                </a:blip>
+                <a:stretch>
+                  <a:fillRect/>
+                </a:stretch>
+              </p:blipFill>
+              <p:spPr>
+                <a:xfrm>
+                  <a:off x="9070385" y="1013696"/>
+                  <a:ext cx="914400" cy="914400"/>
+                </a:xfrm>
+                <a:prstGeom prst="rect">
+                  <a:avLst/>
+                </a:prstGeom>
+              </p:spPr>
+            </p:pic>
+          </p:grpSp>
+          <p:cxnSp>
+            <p:nvCxnSpPr>
+              <p:cNvPr id="184" name="Straight Arrow Connector 183">
+                <a:extLst>
+                  <a:ext uri="{FF2B5EF4-FFF2-40B4-BE49-F238E27FC236}">
+                    <a16:creationId xmlns:a16="http://schemas.microsoft.com/office/drawing/2014/main" id="{7E8D5AAA-B033-AB4A-8AA1-75FA9ECC3A38}"/>
+                  </a:ext>
+                </a:extLst>
+              </p:cNvPr>
+              <p:cNvCxnSpPr>
+                <a:cxnSpLocks/>
+              </p:cNvCxnSpPr>
+              <p:nvPr/>
+            </p:nvCxnSpPr>
+            <p:spPr>
+              <a:xfrm>
+                <a:off x="9508060" y="2174607"/>
+                <a:ext cx="0" cy="333860"/>
+              </a:xfrm>
+              <a:prstGeom prst="straightConnector1">
+                <a:avLst/>
+              </a:prstGeom>
+              <a:ln w="28575" cap="sq">
                 <a:solidFill>
-                  <a:schemeClr val="tx1">
-                    <a:lumMod val="65000"/>
-                    <a:lumOff val="35000"/>
-                  </a:schemeClr>
+                  <a:srgbClr val="FC4330"/>
                 </a:solidFill>
-                <a:latin typeface=""/>
-              </a:rPr>
-              <a:t> temp copy to local memory</a:t>
-            </a:r>
-          </a:p>
-        </p:txBody>
-      </p:sp>
-      <p:cxnSp>
-        <p:nvCxnSpPr>
-          <p:cNvPr id="77" name="Straight Arrow Connector 76">
+                <a:prstDash val="solid"/>
+                <a:tailEnd type="stealth" w="lg" len="med"/>
+              </a:ln>
+            </p:spPr>
+            <p:style>
+              <a:lnRef idx="1">
+                <a:schemeClr val="accent1"/>
+              </a:lnRef>
+              <a:fillRef idx="0">
+                <a:schemeClr val="accent1"/>
+              </a:fillRef>
+              <a:effectRef idx="0">
+                <a:schemeClr val="accent1"/>
+              </a:effectRef>
+              <a:fontRef idx="minor">
+                <a:schemeClr val="tx1"/>
+              </a:fontRef>
+            </p:style>
+          </p:cxnSp>
+        </p:grpSp>
+      </p:grpSp>
+      <p:pic>
+        <p:nvPicPr>
+          <p:cNvPr id="187" name="Graphic 186" descr="Document with solid fill">
             <a:extLst>
               <a:ext uri="{FF2B5EF4-FFF2-40B4-BE49-F238E27FC236}">
-                <a16:creationId xmlns:a16="http://schemas.microsoft.com/office/drawing/2014/main" id="{08E0275B-869E-2C4B-B37A-76F27CA41B90}"/>
-              </a:ext>
-            </a:extLst>
-          </p:cNvPr>
-          <p:cNvCxnSpPr>
-            <a:cxnSpLocks/>
-          </p:cNvCxnSpPr>
-          <p:nvPr/>
-        </p:nvCxnSpPr>
-        <p:spPr>
-          <a:xfrm>
-            <a:off x="9728344" y="2921066"/>
-            <a:ext cx="1" cy="641033"/>
-          </a:xfrm>
-          <a:prstGeom prst="straightConnector1">
-            <a:avLst/>
-          </a:prstGeom>
-          <a:ln w="19050" cap="sq">
-            <a:solidFill>
-              <a:schemeClr val="tx1">
-                <a:lumMod val="50000"/>
-                <a:lumOff val="50000"/>
-              </a:schemeClr>
-            </a:solidFill>
-            <a:prstDash val="sysDot"/>
-            <a:tailEnd type="stealth" w="lg" len="med"/>
-          </a:ln>
-        </p:spPr>
-        <p:style>
-          <a:lnRef idx="1">
-            <a:schemeClr val="accent1"/>
-          </a:lnRef>
-          <a:fillRef idx="0">
-            <a:schemeClr val="accent1"/>
-          </a:fillRef>
-          <a:effectRef idx="0">
-            <a:schemeClr val="accent1"/>
-          </a:effectRef>
-          <a:fontRef idx="minor">
-            <a:schemeClr val="tx1"/>
-          </a:fontRef>
-        </p:style>
-      </p:cxnSp>
-      <p:sp>
-        <p:nvSpPr>
-          <p:cNvPr id="78" name="TextBox 77">
-            <a:extLst>
-              <a:ext uri="{FF2B5EF4-FFF2-40B4-BE49-F238E27FC236}">
-                <a16:creationId xmlns:a16="http://schemas.microsoft.com/office/drawing/2014/main" id="{1084E3B2-6094-0C46-AAAD-AAB988340136}"/>
-              </a:ext>
-            </a:extLst>
-          </p:cNvPr>
-          <p:cNvSpPr txBox="1"/>
-          <p:nvPr/>
-        </p:nvSpPr>
-        <p:spPr>
-          <a:xfrm>
-            <a:off x="2666604" y="1745572"/>
-            <a:ext cx="1186178" cy="276999"/>
-          </a:xfrm>
-          <a:prstGeom prst="rect">
-            <a:avLst/>
-          </a:prstGeom>
-          <a:noFill/>
-        </p:spPr>
-        <p:txBody>
-          <a:bodyPr wrap="square">
-            <a:spAutoFit/>
-          </a:bodyPr>
-          <a:lstStyle/>
-          <a:p>
-            <a:r>
-              <a:rPr lang="en-US" sz="1200" dirty="0">
-                <a:solidFill>
-                  <a:schemeClr val="tx1">
-                    <a:lumMod val="65000"/>
-                    <a:lumOff val="35000"/>
-                  </a:schemeClr>
-                </a:solidFill>
-                <a:latin typeface=""/>
-              </a:rPr>
-              <a:t>Image storage</a:t>
-            </a:r>
-          </a:p>
-        </p:txBody>
-      </p:sp>
-      <p:cxnSp>
-        <p:nvCxnSpPr>
-          <p:cNvPr id="79" name="Straight Arrow Connector 78">
-            <a:extLst>
-              <a:ext uri="{FF2B5EF4-FFF2-40B4-BE49-F238E27FC236}">
-                <a16:creationId xmlns:a16="http://schemas.microsoft.com/office/drawing/2014/main" id="{8AA25228-07C6-E641-BF55-D09FE6F09470}"/>
-              </a:ext>
-            </a:extLst>
-          </p:cNvPr>
-          <p:cNvCxnSpPr>
-            <a:cxnSpLocks/>
-            <a:stCxn id="12" idx="1"/>
-          </p:cNvCxnSpPr>
-          <p:nvPr/>
-        </p:nvCxnSpPr>
-        <p:spPr>
-          <a:xfrm flipH="1">
-            <a:off x="6195424" y="3982658"/>
-            <a:ext cx="1380919" cy="0"/>
-          </a:xfrm>
-          <a:prstGeom prst="straightConnector1">
-            <a:avLst/>
-          </a:prstGeom>
-          <a:ln w="19050" cap="sq">
-            <a:solidFill>
-              <a:schemeClr val="tx1">
-                <a:lumMod val="50000"/>
-                <a:lumOff val="50000"/>
-              </a:schemeClr>
-            </a:solidFill>
-            <a:prstDash val="sysDot"/>
-            <a:tailEnd type="stealth" w="lg" len="med"/>
-          </a:ln>
-        </p:spPr>
-        <p:style>
-          <a:lnRef idx="1">
-            <a:schemeClr val="accent1"/>
-          </a:lnRef>
-          <a:fillRef idx="0">
-            <a:schemeClr val="accent1"/>
-          </a:fillRef>
-          <a:effectRef idx="0">
-            <a:schemeClr val="accent1"/>
-          </a:effectRef>
-          <a:fontRef idx="minor">
-            <a:schemeClr val="tx1"/>
-          </a:fontRef>
-        </p:style>
-      </p:cxnSp>
-      <p:pic>
-        <p:nvPicPr>
-          <p:cNvPr id="80" name="Graphic 79" descr="Open folder with solid fill">
-            <a:extLst>
-              <a:ext uri="{FF2B5EF4-FFF2-40B4-BE49-F238E27FC236}">
-                <a16:creationId xmlns:a16="http://schemas.microsoft.com/office/drawing/2014/main" id="{91EBE995-7823-6840-9393-C69500F0DDF3}"/>
+                <a16:creationId xmlns:a16="http://schemas.microsoft.com/office/drawing/2014/main" id="{A7D3C9E4-415A-5548-9BDE-BC490120CC51}"/>
               </a:ext>
             </a:extLst>
           </p:cNvPr>
@@ -6530,10 +6932,10 @@
           <p:nvPr/>
         </p:nvPicPr>
         <p:blipFill>
-          <a:blip r:embed="rId16">
+          <a:blip r:embed="rId14">
             <a:extLst>
               <a:ext uri="{96DAC541-7B7A-43D3-8B79-37D633B846F1}">
-                <asvg:svgBlip xmlns:asvg="http://schemas.microsoft.com/office/drawing/2016/SVG/main" r:embed="rId17"/>
+                <asvg:svgBlip xmlns:asvg="http://schemas.microsoft.com/office/drawing/2016/SVG/main" r:embed="rId15"/>
               </a:ext>
             </a:extLst>
           </a:blip>
@@ -6543,80 +6945,8 @@
         </p:blipFill>
         <p:spPr>
           <a:xfrm>
-            <a:off x="4310883" y="3959967"/>
-            <a:ext cx="990285" cy="990285"/>
-          </a:xfrm>
-          <a:prstGeom prst="rect">
-            <a:avLst/>
-          </a:prstGeom>
-        </p:spPr>
-      </p:pic>
-      <p:pic>
-        <p:nvPicPr>
-          <p:cNvPr id="81" name="Graphic 80" descr="Document with solid fill">
-            <a:extLst>
-              <a:ext uri="{FF2B5EF4-FFF2-40B4-BE49-F238E27FC236}">
-                <a16:creationId xmlns:a16="http://schemas.microsoft.com/office/drawing/2014/main" id="{2868A919-FDEF-774A-A317-25CBCE195604}"/>
-              </a:ext>
-            </a:extLst>
-          </p:cNvPr>
-          <p:cNvPicPr>
-            <a:picLocks noChangeAspect="1"/>
-          </p:cNvPicPr>
-          <p:nvPr/>
-        </p:nvPicPr>
-        <p:blipFill>
-          <a:blip r:embed="rId18">
-            <a:extLst>
-              <a:ext uri="{96DAC541-7B7A-43D3-8B79-37D633B846F1}">
-                <asvg:svgBlip xmlns:asvg="http://schemas.microsoft.com/office/drawing/2016/SVG/main" r:embed="rId19"/>
-              </a:ext>
-            </a:extLst>
-          </a:blip>
-          <a:stretch>
-            <a:fillRect/>
-          </a:stretch>
-        </p:blipFill>
-        <p:spPr>
-          <a:xfrm>
-            <a:off x="5351103" y="3822516"/>
+            <a:off x="5854472" y="4668917"/>
             <a:ext cx="592906" cy="592906"/>
-          </a:xfrm>
-          <a:prstGeom prst="rect">
-            <a:avLst/>
-          </a:prstGeom>
-        </p:spPr>
-      </p:pic>
-      <p:pic>
-        <p:nvPicPr>
-          <p:cNvPr id="82" name="Graphic 81" descr="Table with solid fill">
-            <a:extLst>
-              <a:ext uri="{FF2B5EF4-FFF2-40B4-BE49-F238E27FC236}">
-                <a16:creationId xmlns:a16="http://schemas.microsoft.com/office/drawing/2014/main" id="{B6F9ED36-55F8-1A4A-B48D-D070D8D118B1}"/>
-              </a:ext>
-            </a:extLst>
-          </p:cNvPr>
-          <p:cNvPicPr>
-            <a:picLocks noChangeAspect="1"/>
-          </p:cNvPicPr>
-          <p:nvPr/>
-        </p:nvPicPr>
-        <p:blipFill>
-          <a:blip r:embed="rId20">
-            <a:extLst>
-              <a:ext uri="{96DAC541-7B7A-43D3-8B79-37D633B846F1}">
-                <asvg:svgBlip xmlns:asvg="http://schemas.microsoft.com/office/drawing/2016/SVG/main" r:embed="rId21"/>
-              </a:ext>
-            </a:extLst>
-          </a:blip>
-          <a:stretch>
-            <a:fillRect/>
-          </a:stretch>
-        </p:blipFill>
-        <p:spPr>
-          <a:xfrm>
-            <a:off x="5363079" y="4473498"/>
-            <a:ext cx="592907" cy="592907"/>
           </a:xfrm>
           <a:prstGeom prst="rect">
             <a:avLst/>
@@ -6625,10 +6955,10 @@
       </p:pic>
       <p:sp>
         <p:nvSpPr>
-          <p:cNvPr id="83" name="TextBox 82">
+          <p:cNvPr id="188" name="TextBox 187">
             <a:extLst>
               <a:ext uri="{FF2B5EF4-FFF2-40B4-BE49-F238E27FC236}">
-                <a16:creationId xmlns:a16="http://schemas.microsoft.com/office/drawing/2014/main" id="{3E915D7A-72EC-8A4A-872D-6FF951099838}"/>
+                <a16:creationId xmlns:a16="http://schemas.microsoft.com/office/drawing/2014/main" id="{75AC581A-4A42-C14F-B00D-CCE7444D525D}"/>
               </a:ext>
             </a:extLst>
           </p:cNvPr>
@@ -6637,8 +6967,8 @@
         </p:nvSpPr>
         <p:spPr>
           <a:xfrm>
-            <a:off x="5285194" y="4316609"/>
-            <a:ext cx="824265" cy="276999"/>
+            <a:off x="5954474" y="5163010"/>
+            <a:ext cx="492443" cy="276999"/>
           </a:xfrm>
           <a:prstGeom prst="rect">
             <a:avLst/>
@@ -6655,24 +6985,440 @@
             <a:r>
               <a:rPr lang="en-US" sz="1200" dirty="0">
                 <a:solidFill>
-                  <a:schemeClr val="tx1">
-                    <a:lumMod val="65000"/>
-                    <a:lumOff val="35000"/>
+                  <a:schemeClr val="bg1">
+                    <a:lumMod val="75000"/>
+                    <a:lumOff val="25000"/>
                   </a:schemeClr>
                 </a:solidFill>
                 <a:latin typeface=""/>
               </a:rPr>
-              <a:t>Metadata</a:t>
+              <a:t>PDF</a:t>
             </a:r>
           </a:p>
         </p:txBody>
       </p:sp>
+      <p:grpSp>
+        <p:nvGrpSpPr>
+          <p:cNvPr id="189" name="Group 188">
+            <a:extLst>
+              <a:ext uri="{FF2B5EF4-FFF2-40B4-BE49-F238E27FC236}">
+                <a16:creationId xmlns:a16="http://schemas.microsoft.com/office/drawing/2014/main" id="{B5C9087C-8058-DC43-B02C-53FFD339B9C3}"/>
+              </a:ext>
+            </a:extLst>
+          </p:cNvPr>
+          <p:cNvGrpSpPr/>
+          <p:nvPr/>
+        </p:nvGrpSpPr>
+        <p:grpSpPr>
+          <a:xfrm>
+            <a:off x="7480309" y="4563446"/>
+            <a:ext cx="1087817" cy="868204"/>
+            <a:chOff x="5473968" y="5130947"/>
+            <a:chExt cx="1087817" cy="868204"/>
+          </a:xfrm>
+        </p:grpSpPr>
+        <p:pic>
+          <p:nvPicPr>
+            <p:cNvPr id="190" name="Graphic 189" descr="Scissors with solid fill">
+              <a:extLst>
+                <a:ext uri="{FF2B5EF4-FFF2-40B4-BE49-F238E27FC236}">
+                  <a16:creationId xmlns:a16="http://schemas.microsoft.com/office/drawing/2014/main" id="{40D033FE-173A-D345-B1C8-43E83CC5D4F5}"/>
+                </a:ext>
+              </a:extLst>
+            </p:cNvPr>
+            <p:cNvPicPr>
+              <a:picLocks noChangeAspect="1"/>
+            </p:cNvPicPr>
+            <p:nvPr/>
+          </p:nvPicPr>
+          <p:blipFill>
+            <a:blip r:embed="rId22">
+              <a:extLst>
+                <a:ext uri="{96DAC541-7B7A-43D3-8B79-37D633B846F1}">
+                  <asvg:svgBlip xmlns:asvg="http://schemas.microsoft.com/office/drawing/2016/SVG/main" r:embed="rId23"/>
+                </a:ext>
+              </a:extLst>
+            </a:blip>
+            <a:stretch>
+              <a:fillRect/>
+            </a:stretch>
+          </p:blipFill>
+          <p:spPr>
+            <a:xfrm rot="6830865">
+              <a:off x="5529160" y="5542467"/>
+              <a:ext cx="430719" cy="430719"/>
+            </a:xfrm>
+            <a:prstGeom prst="rect">
+              <a:avLst/>
+            </a:prstGeom>
+          </p:spPr>
+        </p:pic>
+        <p:grpSp>
+          <p:nvGrpSpPr>
+            <p:cNvPr id="191" name="Group 190">
+              <a:extLst>
+                <a:ext uri="{FF2B5EF4-FFF2-40B4-BE49-F238E27FC236}">
+                  <a16:creationId xmlns:a16="http://schemas.microsoft.com/office/drawing/2014/main" id="{DB33AE18-0ACA-424D-B2E8-DCDE3AC28EB2}"/>
+                </a:ext>
+              </a:extLst>
+            </p:cNvPr>
+            <p:cNvGrpSpPr>
+              <a:grpSpLocks noChangeAspect="1"/>
+            </p:cNvGrpSpPr>
+            <p:nvPr/>
+          </p:nvGrpSpPr>
+          <p:grpSpPr>
+            <a:xfrm>
+              <a:off x="5785788" y="5206378"/>
+              <a:ext cx="620424" cy="606096"/>
+              <a:chOff x="1278675" y="2029522"/>
+              <a:chExt cx="1609491" cy="1572321"/>
+            </a:xfrm>
+          </p:grpSpPr>
+          <p:sp>
+            <p:nvSpPr>
+              <p:cNvPr id="193" name="Oval 192">
+                <a:extLst>
+                  <a:ext uri="{FF2B5EF4-FFF2-40B4-BE49-F238E27FC236}">
+                    <a16:creationId xmlns:a16="http://schemas.microsoft.com/office/drawing/2014/main" id="{0F0E49D2-DC5B-C649-AF65-E7C7F8DAD36D}"/>
+                  </a:ext>
+                </a:extLst>
+              </p:cNvPr>
+              <p:cNvSpPr/>
+              <p:nvPr/>
+            </p:nvSpPr>
+            <p:spPr>
+              <a:xfrm>
+                <a:off x="1278675" y="2029522"/>
+                <a:ext cx="1609491" cy="1572321"/>
+              </a:xfrm>
+              <a:prstGeom prst="ellipse">
+                <a:avLst/>
+              </a:prstGeom>
+              <a:noFill/>
+              <a:ln w="12700" cap="flat" cmpd="sng" algn="ctr">
+                <a:solidFill>
+                  <a:srgbClr val="4730FC"/>
+                </a:solidFill>
+                <a:prstDash val="sysDot"/>
+                <a:miter lim="800000"/>
+              </a:ln>
+              <a:effectLst/>
+            </p:spPr>
+            <p:txBody>
+              <a:bodyPr rtlCol="0" anchor="ctr"/>
+              <a:lstStyle/>
+              <a:p>
+                <a:pPr marL="0" marR="0" lvl="0" indent="0" algn="ctr" defTabSz="914400" eaLnBrk="1" fontAlgn="auto" latinLnBrk="0" hangingPunct="1">
+                  <a:lnSpc>
+                    <a:spcPct val="100000"/>
+                  </a:lnSpc>
+                  <a:spcBef>
+                    <a:spcPts val="0"/>
+                  </a:spcBef>
+                  <a:spcAft>
+                    <a:spcPts val="0"/>
+                  </a:spcAft>
+                  <a:buClrTx/>
+                  <a:buSzTx/>
+                  <a:buFontTx/>
+                  <a:buNone/>
+                  <a:tabLst/>
+                  <a:defRPr/>
+                </a:pPr>
+                <a:endParaRPr kumimoji="0" lang="en-US" sz="1800" b="0" i="0" u="none" strike="noStrike" kern="0" cap="none" spc="0" normalizeH="0" baseline="0" noProof="0" dirty="0">
+                  <a:ln>
+                    <a:noFill/>
+                  </a:ln>
+                  <a:solidFill>
+                    <a:prstClr val="white"/>
+                  </a:solidFill>
+                  <a:effectLst/>
+                  <a:uLnTx/>
+                  <a:uFillTx/>
+                  <a:latin typeface="Calibri" panose="020F0502020204030204"/>
+                  <a:ea typeface="+mn-ea"/>
+                  <a:cs typeface="+mn-cs"/>
+                </a:endParaRPr>
+              </a:p>
+            </p:txBody>
+          </p:sp>
+          <p:pic>
+            <p:nvPicPr>
+              <p:cNvPr id="194" name="Graphic 193" descr="Mitochondria with solid fill">
+                <a:extLst>
+                  <a:ext uri="{FF2B5EF4-FFF2-40B4-BE49-F238E27FC236}">
+                    <a16:creationId xmlns:a16="http://schemas.microsoft.com/office/drawing/2014/main" id="{264F3158-0BFA-404A-8E5E-8C101DBEB999}"/>
+                  </a:ext>
+                </a:extLst>
+              </p:cNvPr>
+              <p:cNvPicPr>
+                <a:picLocks noChangeAspect="1"/>
+              </p:cNvPicPr>
+              <p:nvPr/>
+            </p:nvPicPr>
+            <p:blipFill>
+              <a:blip r:embed="rId24">
+                <a:extLst>
+                  <a:ext uri="{96DAC541-7B7A-43D3-8B79-37D633B846F1}">
+                    <asvg:svgBlip xmlns:asvg="http://schemas.microsoft.com/office/drawing/2016/SVG/main" r:embed="rId25"/>
+                  </a:ext>
+                </a:extLst>
+              </a:blip>
+              <a:stretch>
+                <a:fillRect/>
+              </a:stretch>
+            </p:blipFill>
+            <p:spPr>
+              <a:xfrm rot="21325333">
+                <a:off x="1896233" y="2729956"/>
+                <a:ext cx="833526" cy="833526"/>
+              </a:xfrm>
+              <a:prstGeom prst="rect">
+                <a:avLst/>
+              </a:prstGeom>
+            </p:spPr>
+          </p:pic>
+          <p:grpSp>
+            <p:nvGrpSpPr>
+              <p:cNvPr id="195" name="Group 194">
+                <a:extLst>
+                  <a:ext uri="{FF2B5EF4-FFF2-40B4-BE49-F238E27FC236}">
+                    <a16:creationId xmlns:a16="http://schemas.microsoft.com/office/drawing/2014/main" id="{4C18C86D-9F52-0143-94BC-F5AFEC5DAA43}"/>
+                  </a:ext>
+                </a:extLst>
+              </p:cNvPr>
+              <p:cNvGrpSpPr/>
+              <p:nvPr/>
+            </p:nvGrpSpPr>
+            <p:grpSpPr>
+              <a:xfrm>
+                <a:off x="1447051" y="2230255"/>
+                <a:ext cx="813673" cy="737170"/>
+                <a:chOff x="1447051" y="2230255"/>
+                <a:chExt cx="813673" cy="737170"/>
+              </a:xfrm>
+            </p:grpSpPr>
+            <p:sp>
+              <p:nvSpPr>
+                <p:cNvPr id="196" name="Rounded Rectangle 195">
+                  <a:extLst>
+                    <a:ext uri="{FF2B5EF4-FFF2-40B4-BE49-F238E27FC236}">
+                      <a16:creationId xmlns:a16="http://schemas.microsoft.com/office/drawing/2014/main" id="{1C72F04F-CC53-4245-8053-42EA90658E81}"/>
+                    </a:ext>
+                  </a:extLst>
+                </p:cNvPr>
+                <p:cNvSpPr/>
+                <p:nvPr/>
+              </p:nvSpPr>
+              <p:spPr>
+                <a:xfrm rot="18947416">
+                  <a:off x="1447051" y="2230255"/>
+                  <a:ext cx="813673" cy="737170"/>
+                </a:xfrm>
+                <a:prstGeom prst="roundRect">
+                  <a:avLst>
+                    <a:gd name="adj" fmla="val 38068"/>
+                  </a:avLst>
+                </a:prstGeom>
+                <a:solidFill>
+                  <a:srgbClr val="7E6EFC">
+                    <a:alpha val="77000"/>
+                  </a:srgbClr>
+                </a:solidFill>
+                <a:ln w="28575" cap="flat" cmpd="sng" algn="ctr">
+                  <a:noFill/>
+                  <a:prstDash val="solid"/>
+                  <a:miter lim="800000"/>
+                </a:ln>
+                <a:effectLst/>
+              </p:spPr>
+              <p:txBody>
+                <a:bodyPr rtlCol="0" anchor="ctr"/>
+                <a:lstStyle/>
+                <a:p>
+                  <a:pPr marL="0" marR="0" lvl="0" indent="0" algn="ctr" defTabSz="914400" eaLnBrk="1" fontAlgn="auto" latinLnBrk="0" hangingPunct="1">
+                    <a:lnSpc>
+                      <a:spcPct val="100000"/>
+                    </a:lnSpc>
+                    <a:spcBef>
+                      <a:spcPts val="0"/>
+                    </a:spcBef>
+                    <a:spcAft>
+                      <a:spcPts val="0"/>
+                    </a:spcAft>
+                    <a:buClrTx/>
+                    <a:buSzTx/>
+                    <a:buFontTx/>
+                    <a:buNone/>
+                    <a:tabLst/>
+                    <a:defRPr/>
+                  </a:pPr>
+                  <a:endParaRPr kumimoji="0" lang="en-US" sz="1800" b="0" i="0" u="none" strike="noStrike" kern="0" cap="none" spc="0" normalizeH="0" baseline="0" noProof="0" dirty="0">
+                    <a:ln>
+                      <a:noFill/>
+                    </a:ln>
+                    <a:solidFill>
+                      <a:prstClr val="white"/>
+                    </a:solidFill>
+                    <a:effectLst/>
+                    <a:uLnTx/>
+                    <a:uFillTx/>
+                    <a:latin typeface="Calibri" panose="020F0502020204030204"/>
+                    <a:ea typeface="+mn-ea"/>
+                    <a:cs typeface="+mn-cs"/>
+                  </a:endParaRPr>
+                </a:p>
+              </p:txBody>
+            </p:sp>
+            <p:sp>
+              <p:nvSpPr>
+                <p:cNvPr id="197" name="Oval 196">
+                  <a:extLst>
+                    <a:ext uri="{FF2B5EF4-FFF2-40B4-BE49-F238E27FC236}">
+                      <a16:creationId xmlns:a16="http://schemas.microsoft.com/office/drawing/2014/main" id="{E12B2763-036E-734B-A503-9F01BB913522}"/>
+                    </a:ext>
+                  </a:extLst>
+                </p:cNvPr>
+                <p:cNvSpPr/>
+                <p:nvPr/>
+              </p:nvSpPr>
+              <p:spPr>
+                <a:xfrm>
+                  <a:off x="1664438" y="2401167"/>
+                  <a:ext cx="378899" cy="395346"/>
+                </a:xfrm>
+                <a:prstGeom prst="ellipse">
+                  <a:avLst/>
+                </a:prstGeom>
+                <a:solidFill>
+                  <a:srgbClr val="4730FC"/>
+                </a:solidFill>
+                <a:ln w="28575" cap="flat" cmpd="sng" algn="ctr">
+                  <a:noFill/>
+                  <a:prstDash val="solid"/>
+                  <a:miter lim="800000"/>
+                </a:ln>
+                <a:effectLst/>
+              </p:spPr>
+              <p:txBody>
+                <a:bodyPr rtlCol="0" anchor="ctr"/>
+                <a:lstStyle/>
+                <a:p>
+                  <a:pPr marL="0" marR="0" lvl="0" indent="0" algn="ctr" defTabSz="914400" eaLnBrk="1" fontAlgn="auto" latinLnBrk="0" hangingPunct="1">
+                    <a:lnSpc>
+                      <a:spcPct val="100000"/>
+                    </a:lnSpc>
+                    <a:spcBef>
+                      <a:spcPts val="0"/>
+                    </a:spcBef>
+                    <a:spcAft>
+                      <a:spcPts val="0"/>
+                    </a:spcAft>
+                    <a:buClrTx/>
+                    <a:buSzTx/>
+                    <a:buFontTx/>
+                    <a:buNone/>
+                    <a:tabLst/>
+                    <a:defRPr/>
+                  </a:pPr>
+                  <a:endParaRPr kumimoji="0" lang="en-US" sz="1800" b="0" i="0" u="none" strike="noStrike" kern="0" cap="none" spc="0" normalizeH="0" baseline="0" noProof="0">
+                    <a:ln>
+                      <a:noFill/>
+                    </a:ln>
+                    <a:solidFill>
+                      <a:prstClr val="white"/>
+                    </a:solidFill>
+                    <a:effectLst/>
+                    <a:uLnTx/>
+                    <a:uFillTx/>
+                    <a:latin typeface="Calibri" panose="020F0502020204030204"/>
+                    <a:ea typeface="+mn-ea"/>
+                    <a:cs typeface="+mn-cs"/>
+                  </a:endParaRPr>
+                </a:p>
+              </p:txBody>
+            </p:sp>
+          </p:grpSp>
+        </p:grpSp>
+        <p:sp>
+          <p:nvSpPr>
+            <p:cNvPr id="192" name="Rectangle 191">
+              <a:extLst>
+                <a:ext uri="{FF2B5EF4-FFF2-40B4-BE49-F238E27FC236}">
+                  <a16:creationId xmlns:a16="http://schemas.microsoft.com/office/drawing/2014/main" id="{A8755D79-56E9-0948-B9CA-FCA2CC83FD74}"/>
+                </a:ext>
+              </a:extLst>
+            </p:cNvPr>
+            <p:cNvSpPr/>
+            <p:nvPr/>
+          </p:nvSpPr>
+          <p:spPr>
+            <a:xfrm>
+              <a:off x="5473968" y="5130947"/>
+              <a:ext cx="1087817" cy="868204"/>
+            </a:xfrm>
+            <a:prstGeom prst="rect">
+              <a:avLst/>
+            </a:prstGeom>
+            <a:noFill/>
+            <a:ln w="12700" cap="flat" cmpd="sng" algn="ctr">
+              <a:solidFill>
+                <a:schemeClr val="tx1">
+                  <a:lumMod val="85000"/>
+                  <a:lumOff val="15000"/>
+                </a:schemeClr>
+              </a:solidFill>
+              <a:prstDash val="solid"/>
+              <a:miter lim="800000"/>
+            </a:ln>
+            <a:effectLst/>
+          </p:spPr>
+          <p:txBody>
+            <a:bodyPr rtlCol="0" anchor="ctr"/>
+            <a:lstStyle/>
+            <a:p>
+              <a:pPr marL="0" marR="0" lvl="0" indent="0" algn="ctr" defTabSz="914400" eaLnBrk="1" fontAlgn="auto" latinLnBrk="0" hangingPunct="1">
+                <a:lnSpc>
+                  <a:spcPct val="100000"/>
+                </a:lnSpc>
+                <a:spcBef>
+                  <a:spcPts val="0"/>
+                </a:spcBef>
+                <a:spcAft>
+                  <a:spcPts val="0"/>
+                </a:spcAft>
+                <a:buClrTx/>
+                <a:buSzTx/>
+                <a:buFontTx/>
+                <a:buNone/>
+                <a:tabLst/>
+                <a:defRPr/>
+              </a:pPr>
+              <a:endParaRPr kumimoji="0" lang="en-US" sz="1800" b="0" i="0" u="none" strike="noStrike" kern="0" cap="none" spc="0" normalizeH="0" baseline="0" noProof="0" dirty="0">
+                <a:ln>
+                  <a:noFill/>
+                </a:ln>
+                <a:solidFill>
+                  <a:prstClr val="white"/>
+                </a:solidFill>
+                <a:effectLst/>
+                <a:uLnTx/>
+                <a:uFillTx/>
+                <a:latin typeface="Calibri" panose="020F0502020204030204"/>
+                <a:ea typeface="+mn-ea"/>
+                <a:cs typeface="+mn-cs"/>
+              </a:endParaRPr>
+            </a:p>
+          </p:txBody>
+        </p:sp>
+      </p:grpSp>
       <p:sp>
         <p:nvSpPr>
-          <p:cNvPr id="84" name="TextBox 83">
+          <p:cNvPr id="198" name="TextBox 197">
             <a:extLst>
               <a:ext uri="{FF2B5EF4-FFF2-40B4-BE49-F238E27FC236}">
-                <a16:creationId xmlns:a16="http://schemas.microsoft.com/office/drawing/2014/main" id="{6E603CE6-59FA-7344-9969-1C48DF503835}"/>
+                <a16:creationId xmlns:a16="http://schemas.microsoft.com/office/drawing/2014/main" id="{8812F707-4A83-7340-BC07-77EC68BBEC72}"/>
               </a:ext>
             </a:extLst>
           </p:cNvPr>
@@ -6681,8 +7427,8 @@
         </p:nvSpPr>
         <p:spPr>
           <a:xfrm>
-            <a:off x="5225083" y="4950252"/>
-            <a:ext cx="944489" cy="276999"/>
+            <a:off x="7392527" y="5524313"/>
+            <a:ext cx="1130438" cy="276999"/>
           </a:xfrm>
           <a:prstGeom prst="rect">
             <a:avLst/>
@@ -6695,28 +7441,48 @@
           </a:bodyPr>
           <a:lstStyle/>
           <a:p>
-            <a:pPr algn="ctr"/>
+            <a:pPr marL="0" marR="0" lvl="0" indent="0" defTabSz="914400" eaLnBrk="1" fontAlgn="auto" latinLnBrk="0" hangingPunct="1">
+              <a:lnSpc>
+                <a:spcPct val="100000"/>
+              </a:lnSpc>
+              <a:spcBef>
+                <a:spcPts val="0"/>
+              </a:spcBef>
+              <a:spcAft>
+                <a:spcPts val="0"/>
+              </a:spcAft>
+              <a:buClrTx/>
+              <a:buSzTx/>
+              <a:buFontTx/>
+              <a:buNone/>
+              <a:tabLst/>
+              <a:defRPr/>
+            </a:pPr>
             <a:r>
-              <a:rPr lang="en-US" sz="1200" dirty="0">
+              <a:rPr kumimoji="0" lang="en-US" sz="1200" b="0" i="0" u="none" strike="noStrike" kern="0" cap="none" spc="0" normalizeH="0" baseline="0" noProof="0" dirty="0">
+                <a:ln>
+                  <a:noFill/>
+                </a:ln>
                 <a:solidFill>
-                  <a:schemeClr val="tx1">
-                    <a:lumMod val="65000"/>
-                    <a:lumOff val="35000"/>
-                  </a:schemeClr>
+                  <a:prstClr val="black"/>
                 </a:solidFill>
-                <a:latin typeface=""/>
+                <a:effectLst/>
+                <a:uLnTx/>
+                <a:uFillTx/>
+                <a:latin typeface="Arial" panose="020B0604020202020204" pitchFamily="34" charset="0"/>
+                <a:cs typeface="Arial" panose="020B0604020202020204" pitchFamily="34" charset="0"/>
               </a:rPr>
-              <a:t>Data frame</a:t>
+              <a:t>Segmentation</a:t>
             </a:r>
           </a:p>
         </p:txBody>
       </p:sp>
       <p:sp>
         <p:nvSpPr>
-          <p:cNvPr id="85" name="TextBox 84">
+          <p:cNvPr id="199" name="TextBox 198">
             <a:extLst>
               <a:ext uri="{FF2B5EF4-FFF2-40B4-BE49-F238E27FC236}">
-                <a16:creationId xmlns:a16="http://schemas.microsoft.com/office/drawing/2014/main" id="{2BA1EA95-F44A-3646-9A23-46264957D7C8}"/>
+                <a16:creationId xmlns:a16="http://schemas.microsoft.com/office/drawing/2014/main" id="{8FEADB5F-6682-1F4F-AD86-10098304BC5F}"/>
               </a:ext>
             </a:extLst>
           </p:cNvPr>
@@ -6725,8 +7491,8 @@
         </p:nvSpPr>
         <p:spPr>
           <a:xfrm>
-            <a:off x="4328808" y="5267854"/>
-            <a:ext cx="1767192" cy="307777"/>
+            <a:off x="8675305" y="5431980"/>
+            <a:ext cx="1329210" cy="461665"/>
           </a:xfrm>
           <a:prstGeom prst="rect">
             <a:avLst/>
@@ -6739,74 +7505,959 @@
           </a:bodyPr>
           <a:lstStyle/>
           <a:p>
-            <a:pPr algn="ctr"/>
+            <a:pPr marL="0" marR="0" lvl="0" indent="0" algn="ctr" defTabSz="914400" eaLnBrk="1" fontAlgn="auto" latinLnBrk="0" hangingPunct="1">
+              <a:lnSpc>
+                <a:spcPct val="100000"/>
+              </a:lnSpc>
+              <a:spcBef>
+                <a:spcPts val="0"/>
+              </a:spcBef>
+              <a:spcAft>
+                <a:spcPts val="0"/>
+              </a:spcAft>
+              <a:buClrTx/>
+              <a:buSzTx/>
+              <a:buFontTx/>
+              <a:buNone/>
+              <a:tabLst/>
+              <a:defRPr/>
+            </a:pPr>
             <a:r>
-              <a:rPr lang="en-US" sz="1400" dirty="0">
+              <a:rPr kumimoji="0" lang="en-US" sz="1200" b="0" i="0" u="none" strike="noStrike" kern="0" cap="none" spc="0" normalizeH="0" baseline="0" noProof="0" dirty="0">
+                <a:ln>
+                  <a:noFill/>
+                </a:ln>
                 <a:solidFill>
-                  <a:srgbClr val="0070C0"/>
+                  <a:prstClr val="black"/>
                 </a:solidFill>
-                <a:latin typeface=""/>
+                <a:effectLst/>
+                <a:uLnTx/>
+                <a:uFillTx/>
+                <a:latin typeface="Arial" panose="020B0604020202020204" pitchFamily="34" charset="0"/>
+                <a:cs typeface="Arial" panose="020B0604020202020204" pitchFamily="34" charset="0"/>
               </a:rPr>
-              <a:t>Folder with results</a:t>
+              <a:t>Spot detection</a:t>
+            </a:r>
+          </a:p>
+          <a:p>
+            <a:pPr marL="0" marR="0" lvl="0" indent="0" algn="ctr" defTabSz="914400" eaLnBrk="1" fontAlgn="auto" latinLnBrk="0" hangingPunct="1">
+              <a:lnSpc>
+                <a:spcPct val="100000"/>
+              </a:lnSpc>
+              <a:spcBef>
+                <a:spcPts val="0"/>
+              </a:spcBef>
+              <a:spcAft>
+                <a:spcPts val="0"/>
+              </a:spcAft>
+              <a:buClrTx/>
+              <a:buSzTx/>
+              <a:buFontTx/>
+              <a:buNone/>
+              <a:tabLst/>
+              <a:defRPr/>
+            </a:pPr>
+            <a:r>
+              <a:rPr kumimoji="0" lang="en-US" sz="1200" b="0" i="0" u="none" strike="noStrike" kern="0" cap="none" spc="0" normalizeH="0" baseline="0" noProof="0" dirty="0">
+                <a:ln>
+                  <a:noFill/>
+                </a:ln>
+                <a:solidFill>
+                  <a:prstClr val="black"/>
+                </a:solidFill>
+                <a:effectLst/>
+                <a:uLnTx/>
+                <a:uFillTx/>
+                <a:latin typeface="Arial" panose="020B0604020202020204" pitchFamily="34" charset="0"/>
+                <a:cs typeface="Arial" panose="020B0604020202020204" pitchFamily="34" charset="0"/>
+              </a:rPr>
+              <a:t>and tracking</a:t>
             </a:r>
           </a:p>
         </p:txBody>
       </p:sp>
-      <p:cxnSp>
-        <p:nvCxnSpPr>
-          <p:cNvPr id="86" name="Straight Arrow Connector 85">
+      <p:grpSp>
+        <p:nvGrpSpPr>
+          <p:cNvPr id="200" name="Group 199">
             <a:extLst>
               <a:ext uri="{FF2B5EF4-FFF2-40B4-BE49-F238E27FC236}">
-                <a16:creationId xmlns:a16="http://schemas.microsoft.com/office/drawing/2014/main" id="{7C029C74-4042-6144-834E-D8CA2B581A35}"/>
+                <a16:creationId xmlns:a16="http://schemas.microsoft.com/office/drawing/2014/main" id="{68221572-B344-9645-8B0D-686E3E465D4B}"/>
               </a:ext>
             </a:extLst>
           </p:cNvPr>
-          <p:cNvCxnSpPr>
-            <a:cxnSpLocks/>
-            <a:endCxn id="3" idx="2"/>
-          </p:cNvCxnSpPr>
+          <p:cNvGrpSpPr/>
           <p:nvPr/>
-        </p:nvCxnSpPr>
-        <p:spPr>
-          <a:xfrm flipV="1">
-            <a:off x="5130922" y="3093866"/>
-            <a:ext cx="1" cy="728651"/>
+        </p:nvGrpSpPr>
+        <p:grpSpPr>
+          <a:xfrm>
+            <a:off x="8801853" y="4558835"/>
+            <a:ext cx="1087817" cy="868204"/>
+            <a:chOff x="5574843" y="2393861"/>
+            <a:chExt cx="1087817" cy="868204"/>
           </a:xfrm>
-          <a:prstGeom prst="straightConnector1">
-            <a:avLst/>
-          </a:prstGeom>
-          <a:ln w="19050" cap="sq">
-            <a:solidFill>
-              <a:schemeClr val="tx1">
-                <a:lumMod val="50000"/>
-                <a:lumOff val="50000"/>
-              </a:schemeClr>
-            </a:solidFill>
-            <a:prstDash val="sysDot"/>
-            <a:tailEnd type="stealth" w="lg" len="med"/>
-          </a:ln>
-        </p:spPr>
-        <p:style>
-          <a:lnRef idx="1">
-            <a:schemeClr val="accent1"/>
-          </a:lnRef>
-          <a:fillRef idx="0">
-            <a:schemeClr val="accent1"/>
-          </a:fillRef>
-          <a:effectRef idx="0">
-            <a:schemeClr val="accent1"/>
-          </a:effectRef>
-          <a:fontRef idx="minor">
-            <a:schemeClr val="tx1"/>
-          </a:fontRef>
-        </p:style>
-      </p:cxnSp>
+        </p:grpSpPr>
+        <p:grpSp>
+          <p:nvGrpSpPr>
+            <p:cNvPr id="201" name="Group 200">
+              <a:extLst>
+                <a:ext uri="{FF2B5EF4-FFF2-40B4-BE49-F238E27FC236}">
+                  <a16:creationId xmlns:a16="http://schemas.microsoft.com/office/drawing/2014/main" id="{D30B2D2A-CFFF-A24D-8C35-723D45B34E96}"/>
+                </a:ext>
+              </a:extLst>
+            </p:cNvPr>
+            <p:cNvGrpSpPr>
+              <a:grpSpLocks noChangeAspect="1"/>
+            </p:cNvGrpSpPr>
+            <p:nvPr/>
+          </p:nvGrpSpPr>
+          <p:grpSpPr>
+            <a:xfrm>
+              <a:off x="5802951" y="2527243"/>
+              <a:ext cx="620424" cy="606096"/>
+              <a:chOff x="1278675" y="2029522"/>
+              <a:chExt cx="1609491" cy="1572321"/>
+            </a:xfrm>
+          </p:grpSpPr>
+          <p:sp>
+            <p:nvSpPr>
+              <p:cNvPr id="206" name="Oval 205">
+                <a:extLst>
+                  <a:ext uri="{FF2B5EF4-FFF2-40B4-BE49-F238E27FC236}">
+                    <a16:creationId xmlns:a16="http://schemas.microsoft.com/office/drawing/2014/main" id="{4A855B2E-98CA-FC45-97BD-2B7A0E509930}"/>
+                  </a:ext>
+                </a:extLst>
+              </p:cNvPr>
+              <p:cNvSpPr/>
+              <p:nvPr/>
+            </p:nvSpPr>
+            <p:spPr>
+              <a:xfrm>
+                <a:off x="1278675" y="2029522"/>
+                <a:ext cx="1609491" cy="1572321"/>
+              </a:xfrm>
+              <a:prstGeom prst="ellipse">
+                <a:avLst/>
+              </a:prstGeom>
+              <a:noFill/>
+              <a:ln w="28575" cap="flat" cmpd="sng" algn="ctr">
+                <a:solidFill>
+                  <a:srgbClr val="4730FC">
+                    <a:alpha val="20000"/>
+                  </a:srgbClr>
+                </a:solidFill>
+                <a:prstDash val="solid"/>
+                <a:miter lim="800000"/>
+              </a:ln>
+              <a:effectLst/>
+            </p:spPr>
+            <p:txBody>
+              <a:bodyPr rtlCol="0" anchor="ctr"/>
+              <a:lstStyle/>
+              <a:p>
+                <a:pPr marL="0" marR="0" lvl="0" indent="0" algn="ctr" defTabSz="914400" eaLnBrk="1" fontAlgn="auto" latinLnBrk="0" hangingPunct="1">
+                  <a:lnSpc>
+                    <a:spcPct val="100000"/>
+                  </a:lnSpc>
+                  <a:spcBef>
+                    <a:spcPts val="0"/>
+                  </a:spcBef>
+                  <a:spcAft>
+                    <a:spcPts val="0"/>
+                  </a:spcAft>
+                  <a:buClrTx/>
+                  <a:buSzTx/>
+                  <a:buFontTx/>
+                  <a:buNone/>
+                  <a:tabLst/>
+                  <a:defRPr/>
+                </a:pPr>
+                <a:endParaRPr kumimoji="0" lang="en-US" sz="1800" b="0" i="0" u="none" strike="noStrike" kern="0" cap="none" spc="0" normalizeH="0" baseline="0" noProof="0">
+                  <a:ln>
+                    <a:noFill/>
+                  </a:ln>
+                  <a:solidFill>
+                    <a:prstClr val="white"/>
+                  </a:solidFill>
+                  <a:effectLst/>
+                  <a:uLnTx/>
+                  <a:uFillTx/>
+                  <a:latin typeface="Calibri" panose="020F0502020204030204"/>
+                  <a:ea typeface="+mn-ea"/>
+                  <a:cs typeface="+mn-cs"/>
+                </a:endParaRPr>
+              </a:p>
+            </p:txBody>
+          </p:sp>
+          <p:pic>
+            <p:nvPicPr>
+              <p:cNvPr id="207" name="Graphic 206" descr="Mitochondria with solid fill">
+                <a:extLst>
+                  <a:ext uri="{FF2B5EF4-FFF2-40B4-BE49-F238E27FC236}">
+                    <a16:creationId xmlns:a16="http://schemas.microsoft.com/office/drawing/2014/main" id="{742C5D43-454B-2B48-9B74-6DAA64566775}"/>
+                  </a:ext>
+                </a:extLst>
+              </p:cNvPr>
+              <p:cNvPicPr>
+                <a:picLocks noChangeAspect="1"/>
+              </p:cNvPicPr>
+              <p:nvPr/>
+            </p:nvPicPr>
+            <p:blipFill>
+              <a:blip r:embed="rId26">
+                <a:extLst>
+                  <a:ext uri="{96DAC541-7B7A-43D3-8B79-37D633B846F1}">
+                    <asvg:svgBlip xmlns:asvg="http://schemas.microsoft.com/office/drawing/2016/SVG/main" r:embed="rId27"/>
+                  </a:ext>
+                </a:extLst>
+              </a:blip>
+              <a:stretch>
+                <a:fillRect/>
+              </a:stretch>
+            </p:blipFill>
+            <p:spPr>
+              <a:xfrm rot="21325333">
+                <a:off x="1896233" y="2729956"/>
+                <a:ext cx="833526" cy="833526"/>
+              </a:xfrm>
+              <a:prstGeom prst="rect">
+                <a:avLst/>
+              </a:prstGeom>
+            </p:spPr>
+          </p:pic>
+          <p:grpSp>
+            <p:nvGrpSpPr>
+              <p:cNvPr id="208" name="Group 207">
+                <a:extLst>
+                  <a:ext uri="{FF2B5EF4-FFF2-40B4-BE49-F238E27FC236}">
+                    <a16:creationId xmlns:a16="http://schemas.microsoft.com/office/drawing/2014/main" id="{F20DEC9D-89B1-C240-B021-5AACFEC2C6EB}"/>
+                  </a:ext>
+                </a:extLst>
+              </p:cNvPr>
+              <p:cNvGrpSpPr/>
+              <p:nvPr/>
+            </p:nvGrpSpPr>
+            <p:grpSpPr>
+              <a:xfrm>
+                <a:off x="1447051" y="2230255"/>
+                <a:ext cx="813673" cy="737170"/>
+                <a:chOff x="1447051" y="2230255"/>
+                <a:chExt cx="813673" cy="737170"/>
+              </a:xfrm>
+            </p:grpSpPr>
+            <p:sp>
+              <p:nvSpPr>
+                <p:cNvPr id="209" name="Rounded Rectangle 208">
+                  <a:extLst>
+                    <a:ext uri="{FF2B5EF4-FFF2-40B4-BE49-F238E27FC236}">
+                      <a16:creationId xmlns:a16="http://schemas.microsoft.com/office/drawing/2014/main" id="{85CEA80C-A25A-E043-8CB6-270DE82266AB}"/>
+                    </a:ext>
+                  </a:extLst>
+                </p:cNvPr>
+                <p:cNvSpPr/>
+                <p:nvPr/>
+              </p:nvSpPr>
+              <p:spPr>
+                <a:xfrm rot="18947416">
+                  <a:off x="1447051" y="2230255"/>
+                  <a:ext cx="813673" cy="737170"/>
+                </a:xfrm>
+                <a:prstGeom prst="roundRect">
+                  <a:avLst>
+                    <a:gd name="adj" fmla="val 38068"/>
+                  </a:avLst>
+                </a:prstGeom>
+                <a:solidFill>
+                  <a:srgbClr val="7E6EFC">
+                    <a:alpha val="11872"/>
+                  </a:srgbClr>
+                </a:solidFill>
+                <a:ln w="28575" cap="flat" cmpd="sng" algn="ctr">
+                  <a:noFill/>
+                  <a:prstDash val="solid"/>
+                  <a:miter lim="800000"/>
+                </a:ln>
+                <a:effectLst/>
+              </p:spPr>
+              <p:txBody>
+                <a:bodyPr rtlCol="0" anchor="ctr"/>
+                <a:lstStyle/>
+                <a:p>
+                  <a:pPr marL="0" marR="0" lvl="0" indent="0" algn="ctr" defTabSz="914400" eaLnBrk="1" fontAlgn="auto" latinLnBrk="0" hangingPunct="1">
+                    <a:lnSpc>
+                      <a:spcPct val="100000"/>
+                    </a:lnSpc>
+                    <a:spcBef>
+                      <a:spcPts val="0"/>
+                    </a:spcBef>
+                    <a:spcAft>
+                      <a:spcPts val="0"/>
+                    </a:spcAft>
+                    <a:buClrTx/>
+                    <a:buSzTx/>
+                    <a:buFontTx/>
+                    <a:buNone/>
+                    <a:tabLst/>
+                    <a:defRPr/>
+                  </a:pPr>
+                  <a:endParaRPr kumimoji="0" lang="en-US" sz="1800" b="0" i="0" u="none" strike="noStrike" kern="0" cap="none" spc="0" normalizeH="0" baseline="0" noProof="0" dirty="0">
+                    <a:ln>
+                      <a:noFill/>
+                    </a:ln>
+                    <a:solidFill>
+                      <a:prstClr val="white"/>
+                    </a:solidFill>
+                    <a:effectLst/>
+                    <a:uLnTx/>
+                    <a:uFillTx/>
+                    <a:latin typeface="Calibri" panose="020F0502020204030204"/>
+                    <a:ea typeface="+mn-ea"/>
+                    <a:cs typeface="+mn-cs"/>
+                  </a:endParaRPr>
+                </a:p>
+              </p:txBody>
+            </p:sp>
+            <p:sp>
+              <p:nvSpPr>
+                <p:cNvPr id="210" name="Oval 209">
+                  <a:extLst>
+                    <a:ext uri="{FF2B5EF4-FFF2-40B4-BE49-F238E27FC236}">
+                      <a16:creationId xmlns:a16="http://schemas.microsoft.com/office/drawing/2014/main" id="{4660C5DA-759C-DE47-9B43-0AE4E2B71CEE}"/>
+                    </a:ext>
+                  </a:extLst>
+                </p:cNvPr>
+                <p:cNvSpPr/>
+                <p:nvPr/>
+              </p:nvSpPr>
+              <p:spPr>
+                <a:xfrm>
+                  <a:off x="1664438" y="2401167"/>
+                  <a:ext cx="378899" cy="395346"/>
+                </a:xfrm>
+                <a:prstGeom prst="ellipse">
+                  <a:avLst/>
+                </a:prstGeom>
+                <a:solidFill>
+                  <a:srgbClr val="4730FC">
+                    <a:alpha val="17617"/>
+                  </a:srgbClr>
+                </a:solidFill>
+                <a:ln w="28575" cap="flat" cmpd="sng" algn="ctr">
+                  <a:noFill/>
+                  <a:prstDash val="solid"/>
+                  <a:miter lim="800000"/>
+                </a:ln>
+                <a:effectLst/>
+              </p:spPr>
+              <p:txBody>
+                <a:bodyPr rtlCol="0" anchor="ctr"/>
+                <a:lstStyle/>
+                <a:p>
+                  <a:pPr marL="0" marR="0" lvl="0" indent="0" algn="ctr" defTabSz="914400" eaLnBrk="1" fontAlgn="auto" latinLnBrk="0" hangingPunct="1">
+                    <a:lnSpc>
+                      <a:spcPct val="100000"/>
+                    </a:lnSpc>
+                    <a:spcBef>
+                      <a:spcPts val="0"/>
+                    </a:spcBef>
+                    <a:spcAft>
+                      <a:spcPts val="0"/>
+                    </a:spcAft>
+                    <a:buClrTx/>
+                    <a:buSzTx/>
+                    <a:buFontTx/>
+                    <a:buNone/>
+                    <a:tabLst/>
+                    <a:defRPr/>
+                  </a:pPr>
+                  <a:endParaRPr kumimoji="0" lang="en-US" sz="1800" b="0" i="0" u="none" strike="noStrike" kern="0" cap="none" spc="0" normalizeH="0" baseline="0" noProof="0">
+                    <a:ln>
+                      <a:noFill/>
+                    </a:ln>
+                    <a:solidFill>
+                      <a:prstClr val="white"/>
+                    </a:solidFill>
+                    <a:effectLst/>
+                    <a:uLnTx/>
+                    <a:uFillTx/>
+                    <a:latin typeface="Calibri" panose="020F0502020204030204"/>
+                    <a:ea typeface="+mn-ea"/>
+                    <a:cs typeface="+mn-cs"/>
+                  </a:endParaRPr>
+                </a:p>
+              </p:txBody>
+            </p:sp>
+          </p:grpSp>
+        </p:grpSp>
+        <p:sp>
+          <p:nvSpPr>
+            <p:cNvPr id="202" name="Rectangle 201">
+              <a:extLst>
+                <a:ext uri="{FF2B5EF4-FFF2-40B4-BE49-F238E27FC236}">
+                  <a16:creationId xmlns:a16="http://schemas.microsoft.com/office/drawing/2014/main" id="{05B8CAB8-331E-604D-86E0-98AD71CFD61B}"/>
+                </a:ext>
+              </a:extLst>
+            </p:cNvPr>
+            <p:cNvSpPr/>
+            <p:nvPr/>
+          </p:nvSpPr>
+          <p:spPr>
+            <a:xfrm>
+              <a:off x="5574843" y="2393861"/>
+              <a:ext cx="1087817" cy="868204"/>
+            </a:xfrm>
+            <a:prstGeom prst="rect">
+              <a:avLst/>
+            </a:prstGeom>
+            <a:noFill/>
+            <a:ln w="12700" cap="flat" cmpd="sng" algn="ctr">
+              <a:solidFill>
+                <a:schemeClr val="tx1">
+                  <a:lumMod val="85000"/>
+                  <a:lumOff val="15000"/>
+                </a:schemeClr>
+              </a:solidFill>
+              <a:prstDash val="solid"/>
+              <a:miter lim="800000"/>
+            </a:ln>
+            <a:effectLst/>
+          </p:spPr>
+          <p:txBody>
+            <a:bodyPr rtlCol="0" anchor="ctr"/>
+            <a:lstStyle/>
+            <a:p>
+              <a:pPr marL="0" marR="0" lvl="0" indent="0" algn="ctr" defTabSz="914400" eaLnBrk="1" fontAlgn="auto" latinLnBrk="0" hangingPunct="1">
+                <a:lnSpc>
+                  <a:spcPct val="100000"/>
+                </a:lnSpc>
+                <a:spcBef>
+                  <a:spcPts val="0"/>
+                </a:spcBef>
+                <a:spcAft>
+                  <a:spcPts val="0"/>
+                </a:spcAft>
+                <a:buClrTx/>
+                <a:buSzTx/>
+                <a:buFontTx/>
+                <a:buNone/>
+                <a:tabLst/>
+                <a:defRPr/>
+              </a:pPr>
+              <a:endParaRPr kumimoji="0" lang="en-US" sz="1800" b="0" i="0" u="none" strike="noStrike" kern="0" cap="none" spc="0" normalizeH="0" baseline="0" noProof="0">
+                <a:ln>
+                  <a:noFill/>
+                </a:ln>
+                <a:solidFill>
+                  <a:prstClr val="white"/>
+                </a:solidFill>
+                <a:effectLst/>
+                <a:uLnTx/>
+                <a:uFillTx/>
+                <a:latin typeface="Calibri" panose="020F0502020204030204"/>
+                <a:ea typeface="+mn-ea"/>
+                <a:cs typeface="+mn-cs"/>
+              </a:endParaRPr>
+            </a:p>
+          </p:txBody>
+        </p:sp>
+        <p:pic>
+          <p:nvPicPr>
+            <p:cNvPr id="203" name="Graphic 202" descr="Target outline">
+              <a:extLst>
+                <a:ext uri="{FF2B5EF4-FFF2-40B4-BE49-F238E27FC236}">
+                  <a16:creationId xmlns:a16="http://schemas.microsoft.com/office/drawing/2014/main" id="{FA530D36-CB88-DA4E-993A-F05E9288CEC1}"/>
+                </a:ext>
+              </a:extLst>
+            </p:cNvPr>
+            <p:cNvPicPr>
+              <a:picLocks noChangeAspect="1"/>
+            </p:cNvPicPr>
+            <p:nvPr/>
+          </p:nvPicPr>
+          <p:blipFill>
+            <a:blip r:embed="rId28">
+              <a:extLst>
+                <a:ext uri="{96DAC541-7B7A-43D3-8B79-37D633B846F1}">
+                  <asvg:svgBlip xmlns:asvg="http://schemas.microsoft.com/office/drawing/2016/SVG/main" r:embed="rId29"/>
+                </a:ext>
+              </a:extLst>
+            </a:blip>
+            <a:stretch>
+              <a:fillRect/>
+            </a:stretch>
+          </p:blipFill>
+          <p:spPr>
+            <a:xfrm>
+              <a:off x="6065846" y="2558004"/>
+              <a:ext cx="245226" cy="245226"/>
+            </a:xfrm>
+            <a:prstGeom prst="rect">
+              <a:avLst/>
+            </a:prstGeom>
+          </p:spPr>
+        </p:pic>
+        <p:pic>
+          <p:nvPicPr>
+            <p:cNvPr id="204" name="Graphic 203" descr="Target outline">
+              <a:extLst>
+                <a:ext uri="{FF2B5EF4-FFF2-40B4-BE49-F238E27FC236}">
+                  <a16:creationId xmlns:a16="http://schemas.microsoft.com/office/drawing/2014/main" id="{DD623C1D-31D5-6F49-BE07-0EED419D0A55}"/>
+                </a:ext>
+              </a:extLst>
+            </p:cNvPr>
+            <p:cNvPicPr>
+              <a:picLocks noChangeAspect="1"/>
+            </p:cNvPicPr>
+            <p:nvPr/>
+          </p:nvPicPr>
+          <p:blipFill>
+            <a:blip r:embed="rId28">
+              <a:extLst>
+                <a:ext uri="{96DAC541-7B7A-43D3-8B79-37D633B846F1}">
+                  <asvg:svgBlip xmlns:asvg="http://schemas.microsoft.com/office/drawing/2016/SVG/main" r:embed="rId29"/>
+                </a:ext>
+              </a:extLst>
+            </a:blip>
+            <a:stretch>
+              <a:fillRect/>
+            </a:stretch>
+          </p:blipFill>
+          <p:spPr>
+            <a:xfrm>
+              <a:off x="6015318" y="2836178"/>
+              <a:ext cx="245226" cy="245226"/>
+            </a:xfrm>
+            <a:prstGeom prst="rect">
+              <a:avLst/>
+            </a:prstGeom>
+          </p:spPr>
+        </p:pic>
+        <p:pic>
+          <p:nvPicPr>
+            <p:cNvPr id="205" name="Graphic 204" descr="Target outline">
+              <a:extLst>
+                <a:ext uri="{FF2B5EF4-FFF2-40B4-BE49-F238E27FC236}">
+                  <a16:creationId xmlns:a16="http://schemas.microsoft.com/office/drawing/2014/main" id="{F82E890E-D4F9-1940-84E8-56813DF033C4}"/>
+                </a:ext>
+              </a:extLst>
+            </p:cNvPr>
+            <p:cNvPicPr>
+              <a:picLocks noChangeAspect="1"/>
+            </p:cNvPicPr>
+            <p:nvPr/>
+          </p:nvPicPr>
+          <p:blipFill>
+            <a:blip r:embed="rId28">
+              <a:extLst>
+                <a:ext uri="{96DAC541-7B7A-43D3-8B79-37D633B846F1}">
+                  <asvg:svgBlip xmlns:asvg="http://schemas.microsoft.com/office/drawing/2016/SVG/main" r:embed="rId29"/>
+                </a:ext>
+              </a:extLst>
+            </a:blip>
+            <a:stretch>
+              <a:fillRect/>
+            </a:stretch>
+          </p:blipFill>
+          <p:spPr>
+            <a:xfrm>
+              <a:off x="5802045" y="2665442"/>
+              <a:ext cx="245226" cy="245226"/>
+            </a:xfrm>
+            <a:prstGeom prst="rect">
+              <a:avLst/>
+            </a:prstGeom>
+          </p:spPr>
+        </p:pic>
+      </p:grpSp>
+      <p:grpSp>
+        <p:nvGrpSpPr>
+          <p:cNvPr id="211" name="Group 210">
+            <a:extLst>
+              <a:ext uri="{FF2B5EF4-FFF2-40B4-BE49-F238E27FC236}">
+                <a16:creationId xmlns:a16="http://schemas.microsoft.com/office/drawing/2014/main" id="{43AF32D0-B55A-3A40-8E75-0B57F9B4D13A}"/>
+              </a:ext>
+            </a:extLst>
+          </p:cNvPr>
+          <p:cNvGrpSpPr/>
+          <p:nvPr/>
+        </p:nvGrpSpPr>
+        <p:grpSpPr>
+          <a:xfrm>
+            <a:off x="10115415" y="4553773"/>
+            <a:ext cx="1087817" cy="868204"/>
+            <a:chOff x="5574843" y="2393861"/>
+            <a:chExt cx="1087817" cy="868204"/>
+          </a:xfrm>
+        </p:grpSpPr>
+        <p:grpSp>
+          <p:nvGrpSpPr>
+            <p:cNvPr id="212" name="Group 211">
+              <a:extLst>
+                <a:ext uri="{FF2B5EF4-FFF2-40B4-BE49-F238E27FC236}">
+                  <a16:creationId xmlns:a16="http://schemas.microsoft.com/office/drawing/2014/main" id="{39C28789-F696-A942-96AC-52EC53A92F7F}"/>
+                </a:ext>
+              </a:extLst>
+            </p:cNvPr>
+            <p:cNvGrpSpPr>
+              <a:grpSpLocks noChangeAspect="1"/>
+            </p:cNvGrpSpPr>
+            <p:nvPr/>
+          </p:nvGrpSpPr>
+          <p:grpSpPr>
+            <a:xfrm>
+              <a:off x="5802951" y="2527243"/>
+              <a:ext cx="620424" cy="606096"/>
+              <a:chOff x="1278675" y="2029522"/>
+              <a:chExt cx="1609491" cy="1572321"/>
+            </a:xfrm>
+          </p:grpSpPr>
+          <p:sp>
+            <p:nvSpPr>
+              <p:cNvPr id="214" name="Oval 213">
+                <a:extLst>
+                  <a:ext uri="{FF2B5EF4-FFF2-40B4-BE49-F238E27FC236}">
+                    <a16:creationId xmlns:a16="http://schemas.microsoft.com/office/drawing/2014/main" id="{E139E346-47E1-0C4C-A55F-7B9B7F5140E0}"/>
+                  </a:ext>
+                </a:extLst>
+              </p:cNvPr>
+              <p:cNvSpPr/>
+              <p:nvPr/>
+            </p:nvSpPr>
+            <p:spPr>
+              <a:xfrm>
+                <a:off x="1278675" y="2029522"/>
+                <a:ext cx="1609491" cy="1572321"/>
+              </a:xfrm>
+              <a:prstGeom prst="ellipse">
+                <a:avLst/>
+              </a:prstGeom>
+              <a:noFill/>
+              <a:ln w="28575" cap="flat" cmpd="sng" algn="ctr">
+                <a:solidFill>
+                  <a:srgbClr val="4730FC">
+                    <a:alpha val="20000"/>
+                  </a:srgbClr>
+                </a:solidFill>
+                <a:prstDash val="solid"/>
+                <a:miter lim="800000"/>
+              </a:ln>
+              <a:effectLst/>
+            </p:spPr>
+            <p:txBody>
+              <a:bodyPr rtlCol="0" anchor="ctr"/>
+              <a:lstStyle/>
+              <a:p>
+                <a:pPr marL="0" marR="0" lvl="0" indent="0" algn="ctr" defTabSz="914400" eaLnBrk="1" fontAlgn="auto" latinLnBrk="0" hangingPunct="1">
+                  <a:lnSpc>
+                    <a:spcPct val="100000"/>
+                  </a:lnSpc>
+                  <a:spcBef>
+                    <a:spcPts val="0"/>
+                  </a:spcBef>
+                  <a:spcAft>
+                    <a:spcPts val="0"/>
+                  </a:spcAft>
+                  <a:buClrTx/>
+                  <a:buSzTx/>
+                  <a:buFontTx/>
+                  <a:buNone/>
+                  <a:tabLst/>
+                  <a:defRPr/>
+                </a:pPr>
+                <a:endParaRPr kumimoji="0" lang="en-US" sz="1800" b="0" i="0" u="none" strike="noStrike" kern="0" cap="none" spc="0" normalizeH="0" baseline="0" noProof="0">
+                  <a:ln>
+                    <a:noFill/>
+                  </a:ln>
+                  <a:solidFill>
+                    <a:prstClr val="white"/>
+                  </a:solidFill>
+                  <a:effectLst/>
+                  <a:uLnTx/>
+                  <a:uFillTx/>
+                  <a:latin typeface="Calibri" panose="020F0502020204030204"/>
+                  <a:ea typeface="+mn-ea"/>
+                  <a:cs typeface="+mn-cs"/>
+                </a:endParaRPr>
+              </a:p>
+            </p:txBody>
+          </p:sp>
+          <p:pic>
+            <p:nvPicPr>
+              <p:cNvPr id="215" name="Graphic 214" descr="Mitochondria with solid fill">
+                <a:extLst>
+                  <a:ext uri="{FF2B5EF4-FFF2-40B4-BE49-F238E27FC236}">
+                    <a16:creationId xmlns:a16="http://schemas.microsoft.com/office/drawing/2014/main" id="{4AEBA900-3A6B-E143-B010-6D9F573AA29D}"/>
+                  </a:ext>
+                </a:extLst>
+              </p:cNvPr>
+              <p:cNvPicPr>
+                <a:picLocks noChangeAspect="1"/>
+              </p:cNvPicPr>
+              <p:nvPr/>
+            </p:nvPicPr>
+            <p:blipFill>
+              <a:blip r:embed="rId26">
+                <a:extLst>
+                  <a:ext uri="{96DAC541-7B7A-43D3-8B79-37D633B846F1}">
+                    <asvg:svgBlip xmlns:asvg="http://schemas.microsoft.com/office/drawing/2016/SVG/main" r:embed="rId27"/>
+                  </a:ext>
+                </a:extLst>
+              </a:blip>
+              <a:stretch>
+                <a:fillRect/>
+              </a:stretch>
+            </p:blipFill>
+            <p:spPr>
+              <a:xfrm rot="21325333">
+                <a:off x="1896233" y="2729956"/>
+                <a:ext cx="833526" cy="833526"/>
+              </a:xfrm>
+              <a:prstGeom prst="rect">
+                <a:avLst/>
+              </a:prstGeom>
+            </p:spPr>
+          </p:pic>
+          <p:grpSp>
+            <p:nvGrpSpPr>
+              <p:cNvPr id="216" name="Group 215">
+                <a:extLst>
+                  <a:ext uri="{FF2B5EF4-FFF2-40B4-BE49-F238E27FC236}">
+                    <a16:creationId xmlns:a16="http://schemas.microsoft.com/office/drawing/2014/main" id="{28F89E2B-830A-2646-8925-0639EFE018F1}"/>
+                  </a:ext>
+                </a:extLst>
+              </p:cNvPr>
+              <p:cNvGrpSpPr/>
+              <p:nvPr/>
+            </p:nvGrpSpPr>
+            <p:grpSpPr>
+              <a:xfrm>
+                <a:off x="1447051" y="2230255"/>
+                <a:ext cx="813673" cy="737170"/>
+                <a:chOff x="1447051" y="2230255"/>
+                <a:chExt cx="813673" cy="737170"/>
+              </a:xfrm>
+            </p:grpSpPr>
+            <p:sp>
+              <p:nvSpPr>
+                <p:cNvPr id="217" name="Rounded Rectangle 216">
+                  <a:extLst>
+                    <a:ext uri="{FF2B5EF4-FFF2-40B4-BE49-F238E27FC236}">
+                      <a16:creationId xmlns:a16="http://schemas.microsoft.com/office/drawing/2014/main" id="{033CC286-2A68-5741-840B-1E3520AA1C95}"/>
+                    </a:ext>
+                  </a:extLst>
+                </p:cNvPr>
+                <p:cNvSpPr/>
+                <p:nvPr/>
+              </p:nvSpPr>
+              <p:spPr>
+                <a:xfrm rot="18947416">
+                  <a:off x="1447051" y="2230255"/>
+                  <a:ext cx="813673" cy="737170"/>
+                </a:xfrm>
+                <a:prstGeom prst="roundRect">
+                  <a:avLst>
+                    <a:gd name="adj" fmla="val 38068"/>
+                  </a:avLst>
+                </a:prstGeom>
+                <a:solidFill>
+                  <a:srgbClr val="7E6EFC">
+                    <a:alpha val="11872"/>
+                  </a:srgbClr>
+                </a:solidFill>
+                <a:ln w="28575" cap="flat" cmpd="sng" algn="ctr">
+                  <a:noFill/>
+                  <a:prstDash val="solid"/>
+                  <a:miter lim="800000"/>
+                </a:ln>
+                <a:effectLst/>
+              </p:spPr>
+              <p:txBody>
+                <a:bodyPr rtlCol="0" anchor="ctr"/>
+                <a:lstStyle/>
+                <a:p>
+                  <a:pPr marL="0" marR="0" lvl="0" indent="0" algn="ctr" defTabSz="914400" eaLnBrk="1" fontAlgn="auto" latinLnBrk="0" hangingPunct="1">
+                    <a:lnSpc>
+                      <a:spcPct val="100000"/>
+                    </a:lnSpc>
+                    <a:spcBef>
+                      <a:spcPts val="0"/>
+                    </a:spcBef>
+                    <a:spcAft>
+                      <a:spcPts val="0"/>
+                    </a:spcAft>
+                    <a:buClrTx/>
+                    <a:buSzTx/>
+                    <a:buFontTx/>
+                    <a:buNone/>
+                    <a:tabLst/>
+                    <a:defRPr/>
+                  </a:pPr>
+                  <a:endParaRPr kumimoji="0" lang="en-US" sz="1800" b="0" i="0" u="none" strike="noStrike" kern="0" cap="none" spc="0" normalizeH="0" baseline="0" noProof="0" dirty="0">
+                    <a:ln>
+                      <a:noFill/>
+                    </a:ln>
+                    <a:solidFill>
+                      <a:prstClr val="white"/>
+                    </a:solidFill>
+                    <a:effectLst/>
+                    <a:uLnTx/>
+                    <a:uFillTx/>
+                    <a:latin typeface="Calibri" panose="020F0502020204030204"/>
+                    <a:ea typeface="+mn-ea"/>
+                    <a:cs typeface="+mn-cs"/>
+                  </a:endParaRPr>
+                </a:p>
+              </p:txBody>
+            </p:sp>
+            <p:sp>
+              <p:nvSpPr>
+                <p:cNvPr id="218" name="Oval 217">
+                  <a:extLst>
+                    <a:ext uri="{FF2B5EF4-FFF2-40B4-BE49-F238E27FC236}">
+                      <a16:creationId xmlns:a16="http://schemas.microsoft.com/office/drawing/2014/main" id="{4A1BD5B3-9945-6949-9D34-7FD97F1811F0}"/>
+                    </a:ext>
+                  </a:extLst>
+                </p:cNvPr>
+                <p:cNvSpPr/>
+                <p:nvPr/>
+              </p:nvSpPr>
+              <p:spPr>
+                <a:xfrm>
+                  <a:off x="1664438" y="2401167"/>
+                  <a:ext cx="378899" cy="395346"/>
+                </a:xfrm>
+                <a:prstGeom prst="ellipse">
+                  <a:avLst/>
+                </a:prstGeom>
+                <a:solidFill>
+                  <a:srgbClr val="4730FC">
+                    <a:alpha val="17617"/>
+                  </a:srgbClr>
+                </a:solidFill>
+                <a:ln w="28575" cap="flat" cmpd="sng" algn="ctr">
+                  <a:noFill/>
+                  <a:prstDash val="solid"/>
+                  <a:miter lim="800000"/>
+                </a:ln>
+                <a:effectLst/>
+              </p:spPr>
+              <p:txBody>
+                <a:bodyPr rtlCol="0" anchor="ctr"/>
+                <a:lstStyle/>
+                <a:p>
+                  <a:pPr marL="0" marR="0" lvl="0" indent="0" algn="ctr" defTabSz="914400" eaLnBrk="1" fontAlgn="auto" latinLnBrk="0" hangingPunct="1">
+                    <a:lnSpc>
+                      <a:spcPct val="100000"/>
+                    </a:lnSpc>
+                    <a:spcBef>
+                      <a:spcPts val="0"/>
+                    </a:spcBef>
+                    <a:spcAft>
+                      <a:spcPts val="0"/>
+                    </a:spcAft>
+                    <a:buClrTx/>
+                    <a:buSzTx/>
+                    <a:buFontTx/>
+                    <a:buNone/>
+                    <a:tabLst/>
+                    <a:defRPr/>
+                  </a:pPr>
+                  <a:endParaRPr kumimoji="0" lang="en-US" sz="1800" b="0" i="0" u="none" strike="noStrike" kern="0" cap="none" spc="0" normalizeH="0" baseline="0" noProof="0">
+                    <a:ln>
+                      <a:noFill/>
+                    </a:ln>
+                    <a:solidFill>
+                      <a:prstClr val="white"/>
+                    </a:solidFill>
+                    <a:effectLst/>
+                    <a:uLnTx/>
+                    <a:uFillTx/>
+                    <a:latin typeface="Calibri" panose="020F0502020204030204"/>
+                    <a:ea typeface="+mn-ea"/>
+                    <a:cs typeface="+mn-cs"/>
+                  </a:endParaRPr>
+                </a:p>
+              </p:txBody>
+            </p:sp>
+          </p:grpSp>
+        </p:grpSp>
+        <p:sp>
+          <p:nvSpPr>
+            <p:cNvPr id="213" name="Rectangle 212">
+              <a:extLst>
+                <a:ext uri="{FF2B5EF4-FFF2-40B4-BE49-F238E27FC236}">
+                  <a16:creationId xmlns:a16="http://schemas.microsoft.com/office/drawing/2014/main" id="{EB394EF4-A3F7-924B-A2E7-3568CE0EE0F3}"/>
+                </a:ext>
+              </a:extLst>
+            </p:cNvPr>
+            <p:cNvSpPr/>
+            <p:nvPr/>
+          </p:nvSpPr>
+          <p:spPr>
+            <a:xfrm>
+              <a:off x="5574843" y="2393861"/>
+              <a:ext cx="1087817" cy="868204"/>
+            </a:xfrm>
+            <a:prstGeom prst="rect">
+              <a:avLst/>
+            </a:prstGeom>
+            <a:noFill/>
+            <a:ln w="12700" cap="flat" cmpd="sng" algn="ctr">
+              <a:solidFill>
+                <a:schemeClr val="tx1">
+                  <a:lumMod val="85000"/>
+                  <a:lumOff val="15000"/>
+                </a:schemeClr>
+              </a:solidFill>
+              <a:prstDash val="solid"/>
+              <a:miter lim="800000"/>
+            </a:ln>
+            <a:effectLst/>
+          </p:spPr>
+          <p:txBody>
+            <a:bodyPr rtlCol="0" anchor="ctr"/>
+            <a:lstStyle/>
+            <a:p>
+              <a:pPr marL="0" marR="0" lvl="0" indent="0" algn="ctr" defTabSz="914400" eaLnBrk="1" fontAlgn="auto" latinLnBrk="0" hangingPunct="1">
+                <a:lnSpc>
+                  <a:spcPct val="100000"/>
+                </a:lnSpc>
+                <a:spcBef>
+                  <a:spcPts val="0"/>
+                </a:spcBef>
+                <a:spcAft>
+                  <a:spcPts val="0"/>
+                </a:spcAft>
+                <a:buClrTx/>
+                <a:buSzTx/>
+                <a:buFontTx/>
+                <a:buNone/>
+                <a:tabLst/>
+                <a:defRPr/>
+              </a:pPr>
+              <a:endParaRPr kumimoji="0" lang="en-US" sz="1800" b="0" i="0" u="none" strike="noStrike" kern="0" cap="none" spc="0" normalizeH="0" baseline="0" noProof="0" dirty="0">
+                <a:ln>
+                  <a:noFill/>
+                </a:ln>
+                <a:solidFill>
+                  <a:prstClr val="white"/>
+                </a:solidFill>
+                <a:effectLst/>
+                <a:uLnTx/>
+                <a:uFillTx/>
+                <a:latin typeface="Calibri" panose="020F0502020204030204"/>
+                <a:ea typeface="+mn-ea"/>
+                <a:cs typeface="+mn-cs"/>
+              </a:endParaRPr>
+            </a:p>
+          </p:txBody>
+        </p:sp>
+      </p:grpSp>
       <p:pic>
         <p:nvPicPr>
-          <p:cNvPr id="88" name="Graphic 87" descr="Add with solid fill">
+          <p:cNvPr id="219" name="Graphic 218" descr="Database with solid fill">
             <a:extLst>
               <a:ext uri="{FF2B5EF4-FFF2-40B4-BE49-F238E27FC236}">
-                <a16:creationId xmlns:a16="http://schemas.microsoft.com/office/drawing/2014/main" id="{A7A019A9-4A10-7D46-80B2-B671E1A6EE37}"/>
+                <a16:creationId xmlns:a16="http://schemas.microsoft.com/office/drawing/2014/main" id="{6B972ECD-F614-B843-8100-33337464BA4C}"/>
               </a:ext>
             </a:extLst>
           </p:cNvPr>
@@ -6816,10 +8467,10 @@
           <p:nvPr/>
         </p:nvPicPr>
         <p:blipFill>
-          <a:blip r:embed="rId22">
+          <a:blip r:embed="rId30">
             <a:extLst>
               <a:ext uri="{96DAC541-7B7A-43D3-8B79-37D633B846F1}">
-                <asvg:svgBlip xmlns:asvg="http://schemas.microsoft.com/office/drawing/2016/SVG/main" r:embed="rId23"/>
+                <asvg:svgBlip xmlns:asvg="http://schemas.microsoft.com/office/drawing/2016/SVG/main" r:embed="rId31"/>
               </a:ext>
             </a:extLst>
           </a:blip>
@@ -6829,8 +8480,8 @@
         </p:blipFill>
         <p:spPr>
           <a:xfrm>
-            <a:off x="8881691" y="3851196"/>
-            <a:ext cx="308815" cy="308815"/>
+            <a:off x="10406967" y="4747061"/>
+            <a:ext cx="509856" cy="509856"/>
           </a:xfrm>
           <a:prstGeom prst="rect">
             <a:avLst/>
@@ -6839,10 +8490,10 @@
       </p:pic>
       <p:sp>
         <p:nvSpPr>
-          <p:cNvPr id="89" name="TextBox 88">
+          <p:cNvPr id="220" name="TextBox 219">
             <a:extLst>
               <a:ext uri="{FF2B5EF4-FFF2-40B4-BE49-F238E27FC236}">
-                <a16:creationId xmlns:a16="http://schemas.microsoft.com/office/drawing/2014/main" id="{5310A6FD-B6EC-7348-88AF-91D7FDBA08FB}"/>
+                <a16:creationId xmlns:a16="http://schemas.microsoft.com/office/drawing/2014/main" id="{6BDB4542-4120-9C4A-AA0F-16F230F662D3}"/>
               </a:ext>
             </a:extLst>
           </p:cNvPr>
@@ -6851,8 +8502,8 @@
         </p:nvSpPr>
         <p:spPr>
           <a:xfrm>
-            <a:off x="9426296" y="3014731"/>
-            <a:ext cx="2020716" cy="276999"/>
+            <a:off x="9988340" y="5431980"/>
+            <a:ext cx="1313001" cy="461665"/>
           </a:xfrm>
           <a:prstGeom prst="rect">
             <a:avLst/>
@@ -6860,33 +8511,79 @@
           <a:noFill/>
         </p:spPr>
         <p:txBody>
-          <a:bodyPr wrap="square">
+          <a:bodyPr wrap="square" rtlCol="0">
             <a:spAutoFit/>
           </a:bodyPr>
           <a:lstStyle/>
           <a:p>
-            <a:pPr algn="ctr"/>
+            <a:pPr marL="0" marR="0" lvl="0" indent="0" algn="ctr" defTabSz="914400" eaLnBrk="1" fontAlgn="auto" latinLnBrk="0" hangingPunct="1">
+              <a:lnSpc>
+                <a:spcPct val="100000"/>
+              </a:lnSpc>
+              <a:spcBef>
+                <a:spcPts val="0"/>
+              </a:spcBef>
+              <a:spcAft>
+                <a:spcPts val="0"/>
+              </a:spcAft>
+              <a:buClrTx/>
+              <a:buSzTx/>
+              <a:buFontTx/>
+              <a:buNone/>
+              <a:tabLst/>
+              <a:defRPr/>
+            </a:pPr>
             <a:r>
-              <a:rPr lang="en-US" sz="1200" dirty="0">
+              <a:rPr lang="en-US" sz="1200" kern="0" dirty="0">
                 <a:solidFill>
-                  <a:schemeClr val="tx1">
-                    <a:lumMod val="65000"/>
-                    <a:lumOff val="35000"/>
-                  </a:schemeClr>
+                  <a:prstClr val="black"/>
                 </a:solidFill>
-                <a:latin typeface=""/>
+                <a:latin typeface="Arial" panose="020B0604020202020204" pitchFamily="34" charset="0"/>
+                <a:cs typeface="Arial" panose="020B0604020202020204" pitchFamily="34" charset="0"/>
               </a:rPr>
-              <a:t>Image processing</a:t>
+              <a:t>D</a:t>
+            </a:r>
+            <a:r>
+              <a:rPr kumimoji="0" lang="en-US" sz="1200" b="0" i="0" u="none" strike="noStrike" kern="0" cap="none" spc="0" normalizeH="0" baseline="0" noProof="0" dirty="0" err="1">
+                <a:ln>
+                  <a:noFill/>
+                </a:ln>
+                <a:solidFill>
+                  <a:prstClr val="black"/>
+                </a:solidFill>
+                <a:effectLst/>
+                <a:uLnTx/>
+                <a:uFillTx/>
+                <a:latin typeface="Arial" panose="020B0604020202020204" pitchFamily="34" charset="0"/>
+                <a:cs typeface="Arial" panose="020B0604020202020204" pitchFamily="34" charset="0"/>
+              </a:rPr>
+              <a:t>ata</a:t>
+            </a:r>
+            <a:r>
+              <a:rPr kumimoji="0" lang="en-US" sz="1200" b="0" i="0" u="none" strike="noStrike" kern="0" cap="none" spc="0" normalizeH="0" baseline="0" noProof="0" dirty="0">
+                <a:ln>
+                  <a:noFill/>
+                </a:ln>
+                <a:solidFill>
+                  <a:prstClr val="black"/>
+                </a:solidFill>
+                <a:effectLst/>
+                <a:uLnTx/>
+                <a:uFillTx/>
+                <a:latin typeface="Arial" panose="020B0604020202020204" pitchFamily="34" charset="0"/>
+                <a:cs typeface="Arial" panose="020B0604020202020204" pitchFamily="34" charset="0"/>
+              </a:rPr>
+              <a:t> management</a:t>
             </a:r>
           </a:p>
         </p:txBody>
       </p:sp>
       <p:sp>
         <p:nvSpPr>
-          <p:cNvPr id="90" name="TextBox 89">
+          <p:cNvPr id="221" name="TextBox 220">
             <a:extLst>
               <a:ext uri="{FF2B5EF4-FFF2-40B4-BE49-F238E27FC236}">
-                <a16:creationId xmlns:a16="http://schemas.microsoft.com/office/drawing/2014/main" id="{17885FD7-FB5B-2047-A404-B5283B5E7346}"/>
+                <a16:creationId xmlns:a16="http://schemas.microsoft.com/office/drawing/2014/main" id="{07FD7BF8-DE81-B04B-8990-5F8CA4618827}"/>
               </a:ext>
             </a:extLst>
           </p:cNvPr>
@@ -6895,8 +8592,8 @@
         </p:nvSpPr>
         <p:spPr>
           <a:xfrm>
-            <a:off x="4942462" y="3312095"/>
-            <a:ext cx="1689185" cy="276999"/>
+            <a:off x="8878247" y="3468967"/>
+            <a:ext cx="1287533" cy="307777"/>
           </a:xfrm>
           <a:prstGeom prst="rect">
             <a:avLst/>
@@ -6904,126 +8601,30 @@
           <a:noFill/>
         </p:spPr>
         <p:txBody>
-          <a:bodyPr wrap="square">
+          <a:bodyPr wrap="none" rtlCol="0">
             <a:spAutoFit/>
           </a:bodyPr>
           <a:lstStyle/>
           <a:p>
             <a:pPr algn="ctr"/>
             <a:r>
-              <a:rPr lang="en-US" sz="1200" dirty="0">
+              <a:rPr lang="en-US" sz="1400" dirty="0">
                 <a:solidFill>
-                  <a:schemeClr val="tx1">
-                    <a:lumMod val="65000"/>
-                    <a:lumOff val="35000"/>
-                  </a:schemeClr>
+                  <a:srgbClr val="0070C0"/>
                 </a:solidFill>
                 <a:latin typeface=""/>
               </a:rPr>
-              <a:t>Write back to NAS</a:t>
+              <a:t>remote server</a:t>
             </a:r>
           </a:p>
         </p:txBody>
       </p:sp>
       <p:pic>
         <p:nvPicPr>
-          <p:cNvPr id="91" name="Picture 2" descr="cellpose">
+          <p:cNvPr id="222" name="Graphic 221" descr="Server with solid fill">
             <a:extLst>
               <a:ext uri="{FF2B5EF4-FFF2-40B4-BE49-F238E27FC236}">
-                <a16:creationId xmlns:a16="http://schemas.microsoft.com/office/drawing/2014/main" id="{DA81D731-1B83-C541-91A3-89127A4AF9D5}"/>
-              </a:ext>
-            </a:extLst>
-          </p:cNvPr>
-          <p:cNvPicPr>
-            <a:picLocks noChangeAspect="1" noChangeArrowheads="1"/>
-          </p:cNvPicPr>
-          <p:nvPr/>
-        </p:nvPicPr>
-        <p:blipFill>
-          <a:blip r:embed="rId24">
-            <a:extLst>
-              <a:ext uri="{28A0092B-C50C-407E-A947-70E740481C1C}">
-                <a14:useLocalDpi xmlns:a14="http://schemas.microsoft.com/office/drawing/2010/main" val="0"/>
-              </a:ext>
-            </a:extLst>
-          </a:blip>
-          <a:srcRect/>
-          <a:stretch>
-            <a:fillRect/>
-          </a:stretch>
-        </p:blipFill>
-        <p:spPr bwMode="auto">
-          <a:xfrm>
-            <a:off x="9441307" y="3627902"/>
-            <a:ext cx="584084" cy="584084"/>
-          </a:xfrm>
-          <a:prstGeom prst="rect">
-            <a:avLst/>
-          </a:prstGeom>
-          <a:noFill/>
-          <a:extLst>
-            <a:ext uri="{909E8E84-426E-40DD-AFC4-6F175D3DCCD1}">
-              <a14:hiddenFill xmlns:a14="http://schemas.microsoft.com/office/drawing/2010/main">
-                <a:solidFill>
-                  <a:srgbClr val="FFFFFF"/>
-                </a:solidFill>
-              </a14:hiddenFill>
-            </a:ext>
-          </a:extLst>
-        </p:spPr>
-      </p:pic>
-      <p:sp>
-        <p:nvSpPr>
-          <p:cNvPr id="92" name="TextBox 91">
-            <a:extLst>
-              <a:ext uri="{FF2B5EF4-FFF2-40B4-BE49-F238E27FC236}">
-                <a16:creationId xmlns:a16="http://schemas.microsoft.com/office/drawing/2014/main" id="{F8964FEA-897F-F944-95DF-06F7353E499B}"/>
-              </a:ext>
-            </a:extLst>
-          </p:cNvPr>
-          <p:cNvSpPr txBox="1"/>
-          <p:nvPr/>
-        </p:nvSpPr>
-        <p:spPr>
-          <a:xfrm>
-            <a:off x="9138850" y="4202654"/>
-            <a:ext cx="1188997" cy="307777"/>
-          </a:xfrm>
-          <a:prstGeom prst="rect">
-            <a:avLst/>
-          </a:prstGeom>
-          <a:noFill/>
-        </p:spPr>
-        <p:txBody>
-          <a:bodyPr wrap="square">
-            <a:spAutoFit/>
-          </a:bodyPr>
-          <a:lstStyle/>
-          <a:p>
-            <a:pPr algn="ctr"/>
-            <a:r>
-              <a:rPr lang="en-US" sz="1400" b="1" dirty="0">
-                <a:solidFill>
-                  <a:schemeClr val="tx1">
-                    <a:lumMod val="75000"/>
-                    <a:lumOff val="25000"/>
-                  </a:schemeClr>
-                </a:solidFill>
-                <a:latin typeface="Menlo" panose="020B0609030804020204" pitchFamily="49" charset="0"/>
-                <a:ea typeface="Menlo" panose="020B0609030804020204" pitchFamily="49" charset="0"/>
-                <a:cs typeface="Menlo" panose="020B0609030804020204" pitchFamily="49" charset="0"/>
-              </a:rPr>
-              <a:t>Cellpose</a:t>
-            </a:r>
-          </a:p>
-        </p:txBody>
-      </p:sp>
-      <p:pic>
-        <p:nvPicPr>
-          <p:cNvPr id="93" name="Picture 92">
-            <a:extLst>
-              <a:ext uri="{FF2B5EF4-FFF2-40B4-BE49-F238E27FC236}">
-                <a16:creationId xmlns:a16="http://schemas.microsoft.com/office/drawing/2014/main" id="{69A09C85-7E11-4241-B0AE-FBA0CC6A12C8}"/>
+                <a16:creationId xmlns:a16="http://schemas.microsoft.com/office/drawing/2014/main" id="{474A00A1-8278-3C48-ACC4-CF9BFE2F4D0C}"/>
               </a:ext>
             </a:extLst>
           </p:cNvPr>
@@ -7033,40 +8634,10 @@
           <p:nvPr/>
         </p:nvPicPr>
         <p:blipFill>
-          <a:blip r:embed="rId25"/>
-          <a:stretch>
-            <a:fillRect/>
-          </a:stretch>
-        </p:blipFill>
-        <p:spPr>
-          <a:xfrm>
-            <a:off x="10610405" y="3373238"/>
-            <a:ext cx="1264729" cy="1264729"/>
-          </a:xfrm>
-          <a:prstGeom prst="rect">
-            <a:avLst/>
-          </a:prstGeom>
-        </p:spPr>
-      </p:pic>
-      <p:pic>
-        <p:nvPicPr>
-          <p:cNvPr id="94" name="Graphic 93" descr="Add with solid fill">
-            <a:extLst>
-              <a:ext uri="{FF2B5EF4-FFF2-40B4-BE49-F238E27FC236}">
-                <a16:creationId xmlns:a16="http://schemas.microsoft.com/office/drawing/2014/main" id="{D4CE3F79-FBB6-344A-BA25-289CD2C41515}"/>
-              </a:ext>
-            </a:extLst>
-          </p:cNvPr>
-          <p:cNvPicPr>
-            <a:picLocks noChangeAspect="1"/>
-          </p:cNvPicPr>
-          <p:nvPr/>
-        </p:nvPicPr>
-        <p:blipFill>
-          <a:blip r:embed="rId22">
+          <a:blip r:embed="rId32">
             <a:extLst>
               <a:ext uri="{96DAC541-7B7A-43D3-8B79-37D633B846F1}">
-                <asvg:svgBlip xmlns:asvg="http://schemas.microsoft.com/office/drawing/2016/SVG/main" r:embed="rId23"/>
+                <asvg:svgBlip xmlns:asvg="http://schemas.microsoft.com/office/drawing/2016/SVG/main" r:embed="rId33"/>
               </a:ext>
             </a:extLst>
           </a:blip>
@@ -7076,8 +8647,8 @@
         </p:blipFill>
         <p:spPr>
           <a:xfrm>
-            <a:off x="10282247" y="3828771"/>
-            <a:ext cx="308815" cy="308815"/>
+            <a:off x="9017060" y="2582422"/>
+            <a:ext cx="914400" cy="914400"/>
           </a:xfrm>
           <a:prstGeom prst="rect">
             <a:avLst/>

--- a/docs/code_architecture.pptx
+++ b/docs/code_architecture.pptx
@@ -3340,7 +3340,7 @@
         </p:nvSpPr>
         <p:spPr>
           <a:xfrm>
-            <a:off x="285135" y="393290"/>
+            <a:off x="285135" y="322949"/>
             <a:ext cx="3863558" cy="523220"/>
           </a:xfrm>
           <a:prstGeom prst="rect">
@@ -3365,12 +3365,363 @@
           </a:p>
         </p:txBody>
       </p:sp>
+      <p:cxnSp>
+        <p:nvCxnSpPr>
+          <p:cNvPr id="96" name="Straight Arrow Connector 95">
+            <a:extLst>
+              <a:ext uri="{FF2B5EF4-FFF2-40B4-BE49-F238E27FC236}">
+                <a16:creationId xmlns:a16="http://schemas.microsoft.com/office/drawing/2014/main" id="{2751787F-A358-5F40-9CF8-274398AC8A36}"/>
+              </a:ext>
+            </a:extLst>
+          </p:cNvPr>
+          <p:cNvCxnSpPr>
+            <a:cxnSpLocks/>
+          </p:cNvCxnSpPr>
+          <p:nvPr/>
+        </p:nvCxnSpPr>
+        <p:spPr>
+          <a:xfrm flipH="1">
+            <a:off x="6363710" y="2466166"/>
+            <a:ext cx="2200611" cy="0"/>
+          </a:xfrm>
+          <a:prstGeom prst="straightConnector1">
+            <a:avLst/>
+          </a:prstGeom>
+          <a:ln w="19050" cap="sq">
+            <a:solidFill>
+              <a:srgbClr val="4730FC"/>
+            </a:solidFill>
+            <a:prstDash val="sysDot"/>
+            <a:tailEnd type="stealth" w="lg" len="med"/>
+          </a:ln>
+        </p:spPr>
+        <p:style>
+          <a:lnRef idx="1">
+            <a:schemeClr val="accent1"/>
+          </a:lnRef>
+          <a:fillRef idx="0">
+            <a:schemeClr val="accent1"/>
+          </a:fillRef>
+          <a:effectRef idx="0">
+            <a:schemeClr val="accent1"/>
+          </a:effectRef>
+          <a:fontRef idx="minor">
+            <a:schemeClr val="tx1"/>
+          </a:fontRef>
+        </p:style>
+      </p:cxnSp>
+      <p:sp>
+        <p:nvSpPr>
+          <p:cNvPr id="97" name="TextBox 96">
+            <a:extLst>
+              <a:ext uri="{FF2B5EF4-FFF2-40B4-BE49-F238E27FC236}">
+                <a16:creationId xmlns:a16="http://schemas.microsoft.com/office/drawing/2014/main" id="{79811DAB-D9E6-194E-8154-EE119E34E71D}"/>
+              </a:ext>
+            </a:extLst>
+          </p:cNvPr>
+          <p:cNvSpPr txBox="1"/>
+          <p:nvPr/>
+        </p:nvSpPr>
+        <p:spPr>
+          <a:xfrm>
+            <a:off x="6064923" y="2073591"/>
+            <a:ext cx="2853145" cy="276999"/>
+          </a:xfrm>
+          <a:prstGeom prst="rect">
+            <a:avLst/>
+          </a:prstGeom>
+          <a:noFill/>
+        </p:spPr>
+        <p:txBody>
+          <a:bodyPr wrap="square">
+            <a:spAutoFit/>
+          </a:bodyPr>
+          <a:lstStyle/>
+          <a:p>
+            <a:pPr algn="ctr"/>
+            <a:r>
+              <a:rPr lang="en-US" sz="1200" dirty="0">
+                <a:solidFill>
+                  <a:schemeClr val="tx1">
+                    <a:lumMod val="75000"/>
+                    <a:lumOff val="25000"/>
+                  </a:schemeClr>
+                </a:solidFill>
+                <a:latin typeface=""/>
+              </a:rPr>
+              <a:t>Server Message Block</a:t>
+            </a:r>
+            <a:r>
+              <a:rPr lang="en-US" sz="1200" dirty="0">
+                <a:solidFill>
+                  <a:schemeClr val="bg1">
+                    <a:lumMod val="75000"/>
+                    <a:lumOff val="25000"/>
+                  </a:schemeClr>
+                </a:solidFill>
+                <a:latin typeface=""/>
+              </a:rPr>
+              <a:t> </a:t>
+            </a:r>
+            <a:r>
+              <a:rPr lang="en-US" sz="1200" b="1" dirty="0">
+                <a:solidFill>
+                  <a:srgbClr val="4730FC"/>
+                </a:solidFill>
+                <a:latin typeface=""/>
+              </a:rPr>
+              <a:t>(SMB) protocol</a:t>
+            </a:r>
+          </a:p>
+        </p:txBody>
+      </p:sp>
+      <p:cxnSp>
+        <p:nvCxnSpPr>
+          <p:cNvPr id="98" name="Straight Arrow Connector 97">
+            <a:extLst>
+              <a:ext uri="{FF2B5EF4-FFF2-40B4-BE49-F238E27FC236}">
+                <a16:creationId xmlns:a16="http://schemas.microsoft.com/office/drawing/2014/main" id="{835C5D58-2C1A-8648-9011-028DA59C60B0}"/>
+              </a:ext>
+            </a:extLst>
+          </p:cNvPr>
+          <p:cNvCxnSpPr>
+            <a:cxnSpLocks/>
+          </p:cNvCxnSpPr>
+          <p:nvPr/>
+        </p:nvCxnSpPr>
+        <p:spPr>
+          <a:xfrm flipV="1">
+            <a:off x="6386338" y="2681199"/>
+            <a:ext cx="2177983" cy="12745"/>
+          </a:xfrm>
+          <a:prstGeom prst="straightConnector1">
+            <a:avLst/>
+          </a:prstGeom>
+          <a:ln w="19050" cap="sq">
+            <a:solidFill>
+              <a:srgbClr val="4730FC"/>
+            </a:solidFill>
+            <a:prstDash val="sysDot"/>
+            <a:tailEnd type="stealth" w="lg" len="med"/>
+          </a:ln>
+        </p:spPr>
+        <p:style>
+          <a:lnRef idx="1">
+            <a:schemeClr val="accent1"/>
+          </a:lnRef>
+          <a:fillRef idx="0">
+            <a:schemeClr val="accent1"/>
+          </a:fillRef>
+          <a:effectRef idx="0">
+            <a:schemeClr val="accent1"/>
+          </a:effectRef>
+          <a:fontRef idx="minor">
+            <a:schemeClr val="tx1"/>
+          </a:fontRef>
+        </p:style>
+      </p:cxnSp>
+      <p:sp>
+        <p:nvSpPr>
+          <p:cNvPr id="99" name="TextBox 98">
+            <a:extLst>
+              <a:ext uri="{FF2B5EF4-FFF2-40B4-BE49-F238E27FC236}">
+                <a16:creationId xmlns:a16="http://schemas.microsoft.com/office/drawing/2014/main" id="{31B5CFB6-2F16-E74D-990F-3E83C55181CB}"/>
+              </a:ext>
+            </a:extLst>
+          </p:cNvPr>
+          <p:cNvSpPr txBox="1"/>
+          <p:nvPr/>
+        </p:nvSpPr>
+        <p:spPr>
+          <a:xfrm>
+            <a:off x="6420048" y="2694774"/>
+            <a:ext cx="2094324" cy="276999"/>
+          </a:xfrm>
+          <a:prstGeom prst="rect">
+            <a:avLst/>
+          </a:prstGeom>
+          <a:noFill/>
+        </p:spPr>
+        <p:txBody>
+          <a:bodyPr wrap="square">
+            <a:spAutoFit/>
+          </a:bodyPr>
+          <a:lstStyle/>
+          <a:p>
+            <a:pPr algn="ctr"/>
+            <a:r>
+              <a:rPr lang="en-US" sz="1200" dirty="0">
+                <a:solidFill>
+                  <a:schemeClr val="tx1">
+                    <a:lumMod val="75000"/>
+                    <a:lumOff val="25000"/>
+                  </a:schemeClr>
+                </a:solidFill>
+                <a:latin typeface=""/>
+              </a:rPr>
+              <a:t> read/copy to local</a:t>
+            </a:r>
+          </a:p>
+        </p:txBody>
+      </p:sp>
+      <p:cxnSp>
+        <p:nvCxnSpPr>
+          <p:cNvPr id="101" name="Straight Arrow Connector 100">
+            <a:extLst>
+              <a:ext uri="{FF2B5EF4-FFF2-40B4-BE49-F238E27FC236}">
+                <a16:creationId xmlns:a16="http://schemas.microsoft.com/office/drawing/2014/main" id="{FA667841-DAAD-394E-A711-B473AC8DE881}"/>
+              </a:ext>
+            </a:extLst>
+          </p:cNvPr>
+          <p:cNvCxnSpPr>
+            <a:cxnSpLocks/>
+            <a:stCxn id="163" idx="3"/>
+          </p:cNvCxnSpPr>
+          <p:nvPr/>
+        </p:nvCxnSpPr>
+        <p:spPr>
+          <a:xfrm>
+            <a:off x="2357920" y="2581796"/>
+            <a:ext cx="1396550" cy="0"/>
+          </a:xfrm>
+          <a:prstGeom prst="straightConnector1">
+            <a:avLst/>
+          </a:prstGeom>
+          <a:ln w="19050" cap="sq">
+            <a:solidFill>
+              <a:srgbClr val="4730FC"/>
+            </a:solidFill>
+            <a:prstDash val="sysDot"/>
+            <a:tailEnd type="stealth" w="lg" len="med"/>
+          </a:ln>
+        </p:spPr>
+        <p:style>
+          <a:lnRef idx="1">
+            <a:schemeClr val="accent1"/>
+          </a:lnRef>
+          <a:fillRef idx="0">
+            <a:schemeClr val="accent1"/>
+          </a:fillRef>
+          <a:effectRef idx="0">
+            <a:schemeClr val="accent1"/>
+          </a:effectRef>
+          <a:fontRef idx="minor">
+            <a:schemeClr val="tx1"/>
+          </a:fontRef>
+        </p:style>
+      </p:cxnSp>
+      <p:sp>
+        <p:nvSpPr>
+          <p:cNvPr id="102" name="TextBox 101">
+            <a:extLst>
+              <a:ext uri="{FF2B5EF4-FFF2-40B4-BE49-F238E27FC236}">
+                <a16:creationId xmlns:a16="http://schemas.microsoft.com/office/drawing/2014/main" id="{5BA639D4-422A-A543-8184-AF805C9AF9A4}"/>
+              </a:ext>
+            </a:extLst>
+          </p:cNvPr>
+          <p:cNvSpPr txBox="1"/>
+          <p:nvPr/>
+        </p:nvSpPr>
+        <p:spPr>
+          <a:xfrm>
+            <a:off x="3763287" y="3084526"/>
+            <a:ext cx="2282997" cy="523220"/>
+          </a:xfrm>
+          <a:prstGeom prst="rect">
+            <a:avLst/>
+          </a:prstGeom>
+          <a:noFill/>
+        </p:spPr>
+        <p:txBody>
+          <a:bodyPr wrap="none" rtlCol="0">
+            <a:spAutoFit/>
+          </a:bodyPr>
+          <a:lstStyle/>
+          <a:p>
+            <a:pPr algn="ctr"/>
+            <a:r>
+              <a:rPr lang="en-US" sz="1400" dirty="0">
+                <a:solidFill>
+                  <a:srgbClr val="0070C0"/>
+                </a:solidFill>
+                <a:latin typeface=""/>
+              </a:rPr>
+              <a:t>Network-attached storage </a:t>
+            </a:r>
+          </a:p>
+          <a:p>
+            <a:pPr algn="ctr"/>
+            <a:r>
+              <a:rPr lang="en-US" sz="1400" dirty="0">
+                <a:solidFill>
+                  <a:srgbClr val="0070C0"/>
+                </a:solidFill>
+                <a:latin typeface=""/>
+              </a:rPr>
+              <a:t>NAS (NFS, SMB)</a:t>
+            </a:r>
+          </a:p>
+        </p:txBody>
+      </p:sp>
+      <p:sp>
+        <p:nvSpPr>
+          <p:cNvPr id="103" name="TextBox 102">
+            <a:extLst>
+              <a:ext uri="{FF2B5EF4-FFF2-40B4-BE49-F238E27FC236}">
+                <a16:creationId xmlns:a16="http://schemas.microsoft.com/office/drawing/2014/main" id="{9B2C2932-77ED-1346-B126-C733E85BB651}"/>
+              </a:ext>
+            </a:extLst>
+          </p:cNvPr>
+          <p:cNvSpPr txBox="1"/>
+          <p:nvPr/>
+        </p:nvSpPr>
+        <p:spPr>
+          <a:xfrm>
+            <a:off x="926526" y="3084526"/>
+            <a:ext cx="1405808" cy="523220"/>
+          </a:xfrm>
+          <a:prstGeom prst="rect">
+            <a:avLst/>
+          </a:prstGeom>
+          <a:noFill/>
+        </p:spPr>
+        <p:txBody>
+          <a:bodyPr wrap="square" rtlCol="0">
+            <a:spAutoFit/>
+          </a:bodyPr>
+          <a:lstStyle/>
+          <a:p>
+            <a:pPr algn="ctr"/>
+            <a:r>
+              <a:rPr lang="en-US" sz="1400" dirty="0">
+                <a:solidFill>
+                  <a:srgbClr val="0070C0"/>
+                </a:solidFill>
+                <a:latin typeface=""/>
+              </a:rPr>
+              <a:t>Experiments</a:t>
+            </a:r>
+          </a:p>
+          <a:p>
+            <a:pPr algn="ctr"/>
+            <a:r>
+              <a:rPr lang="en-US" sz="1400" dirty="0">
+                <a:solidFill>
+                  <a:srgbClr val="0070C0"/>
+                </a:solidFill>
+                <a:latin typeface=""/>
+              </a:rPr>
+              <a:t>FISH images</a:t>
+            </a:r>
+          </a:p>
+        </p:txBody>
+      </p:sp>
       <p:grpSp>
         <p:nvGrpSpPr>
-          <p:cNvPr id="95" name="Group 94">
-            <a:extLst>
-              <a:ext uri="{FF2B5EF4-FFF2-40B4-BE49-F238E27FC236}">
-                <a16:creationId xmlns:a16="http://schemas.microsoft.com/office/drawing/2014/main" id="{7D3190AC-F885-874C-BBC4-0EA8646CEDC0}"/>
+          <p:cNvPr id="104" name="Group 103">
+            <a:extLst>
+              <a:ext uri="{FF2B5EF4-FFF2-40B4-BE49-F238E27FC236}">
+                <a16:creationId xmlns:a16="http://schemas.microsoft.com/office/drawing/2014/main" id="{DF6531C2-3F6D-E541-9E8D-FAEECC833A33}"/>
               </a:ext>
             </a:extLst>
           </p:cNvPr>
@@ -3379,206 +3730,127 @@
         </p:nvGrpSpPr>
         <p:grpSpPr>
           <a:xfrm>
-            <a:off x="6064923" y="2397155"/>
-            <a:ext cx="2853145" cy="898182"/>
-            <a:chOff x="6064923" y="2397155"/>
-            <a:chExt cx="2853145" cy="898182"/>
+            <a:off x="1142493" y="2073969"/>
+            <a:ext cx="1215427" cy="965027"/>
+            <a:chOff x="2934671" y="1129165"/>
+            <a:chExt cx="1215427" cy="965027"/>
           </a:xfrm>
         </p:grpSpPr>
-        <p:cxnSp>
-          <p:nvCxnSpPr>
-            <p:cNvPr id="96" name="Straight Arrow Connector 95">
+        <p:pic>
+          <p:nvPicPr>
+            <p:cNvPr id="163" name="Graphic 162" descr="Microscope with solid fill">
               <a:extLst>
                 <a:ext uri="{FF2B5EF4-FFF2-40B4-BE49-F238E27FC236}">
-                  <a16:creationId xmlns:a16="http://schemas.microsoft.com/office/drawing/2014/main" id="{2751787F-A358-5F40-9CF8-274398AC8A36}"/>
+                  <a16:creationId xmlns:a16="http://schemas.microsoft.com/office/drawing/2014/main" id="{A976CD55-FA9D-F448-B8B4-492941659AA8}"/>
                 </a:ext>
               </a:extLst>
             </p:cNvPr>
-            <p:cNvCxnSpPr>
-              <a:cxnSpLocks/>
-            </p:cNvCxnSpPr>
+            <p:cNvPicPr>
+              <a:picLocks noChangeAspect="1"/>
+            </p:cNvPicPr>
             <p:nvPr/>
-          </p:nvCxnSpPr>
-          <p:spPr>
-            <a:xfrm flipH="1">
-              <a:off x="6363710" y="2789730"/>
-              <a:ext cx="2200611" cy="0"/>
-            </a:xfrm>
-            <a:prstGeom prst="straightConnector1">
-              <a:avLst/>
-            </a:prstGeom>
-            <a:ln w="19050" cap="sq">
-              <a:solidFill>
-                <a:srgbClr val="4730FC"/>
-              </a:solidFill>
-              <a:prstDash val="sysDot"/>
-              <a:tailEnd type="stealth" w="lg" len="med"/>
-            </a:ln>
-          </p:spPr>
-          <p:style>
-            <a:lnRef idx="1">
-              <a:schemeClr val="accent1"/>
-            </a:lnRef>
-            <a:fillRef idx="0">
-              <a:schemeClr val="accent1"/>
-            </a:fillRef>
-            <a:effectRef idx="0">
-              <a:schemeClr val="accent1"/>
-            </a:effectRef>
-            <a:fontRef idx="minor">
-              <a:schemeClr val="tx1"/>
-            </a:fontRef>
-          </p:style>
-        </p:cxnSp>
-        <p:sp>
-          <p:nvSpPr>
-            <p:cNvPr id="97" name="TextBox 96">
+          </p:nvPicPr>
+          <p:blipFill>
+            <a:blip r:embed="rId2">
               <a:extLst>
-                <a:ext uri="{FF2B5EF4-FFF2-40B4-BE49-F238E27FC236}">
-                  <a16:creationId xmlns:a16="http://schemas.microsoft.com/office/drawing/2014/main" id="{79811DAB-D9E6-194E-8154-EE119E34E71D}"/>
+                <a:ext uri="{96DAC541-7B7A-43D3-8B79-37D633B846F1}">
+                  <asvg:svgBlip xmlns:asvg="http://schemas.microsoft.com/office/drawing/2016/SVG/main" r:embed="rId3"/>
                 </a:ext>
               </a:extLst>
-            </p:cNvPr>
-            <p:cNvSpPr txBox="1"/>
-            <p:nvPr/>
-          </p:nvSpPr>
+            </a:blip>
+            <a:stretch>
+              <a:fillRect/>
+            </a:stretch>
+          </p:blipFill>
           <p:spPr>
             <a:xfrm>
-              <a:off x="6064923" y="2397155"/>
-              <a:ext cx="2853145" cy="276999"/>
+              <a:off x="3235698" y="1179792"/>
+              <a:ext cx="914400" cy="914400"/>
             </a:xfrm>
             <a:prstGeom prst="rect">
               <a:avLst/>
             </a:prstGeom>
-            <a:noFill/>
           </p:spPr>
-          <p:txBody>
-            <a:bodyPr wrap="square">
-              <a:spAutoFit/>
-            </a:bodyPr>
-            <a:lstStyle/>
-            <a:p>
-              <a:pPr algn="ctr"/>
-              <a:r>
-                <a:rPr lang="en-US" sz="1200" dirty="0">
-                  <a:solidFill>
-                    <a:schemeClr val="bg1">
-                      <a:lumMod val="75000"/>
-                      <a:lumOff val="25000"/>
-                    </a:schemeClr>
-                  </a:solidFill>
-                  <a:latin typeface=""/>
-                </a:rPr>
-                <a:t>Server Message Block </a:t>
-              </a:r>
-              <a:r>
-                <a:rPr lang="en-US" sz="1200" b="1" dirty="0">
-                  <a:solidFill>
-                    <a:srgbClr val="4730FC"/>
-                  </a:solidFill>
-                  <a:latin typeface=""/>
-                </a:rPr>
-                <a:t>(SMB) protocol</a:t>
-              </a:r>
-            </a:p>
-          </p:txBody>
-        </p:sp>
-        <p:cxnSp>
-          <p:nvCxnSpPr>
-            <p:cNvPr id="98" name="Straight Arrow Connector 97">
+        </p:pic>
+        <p:pic>
+          <p:nvPicPr>
+            <p:cNvPr id="164" name="Graphic 163" descr="Scientist female with solid fill">
               <a:extLst>
                 <a:ext uri="{FF2B5EF4-FFF2-40B4-BE49-F238E27FC236}">
-                  <a16:creationId xmlns:a16="http://schemas.microsoft.com/office/drawing/2014/main" id="{835C5D58-2C1A-8648-9011-028DA59C60B0}"/>
+                  <a16:creationId xmlns:a16="http://schemas.microsoft.com/office/drawing/2014/main" id="{A5D4BBFF-F2E4-D141-9F44-81C54DD4D172}"/>
                 </a:ext>
               </a:extLst>
             </p:cNvPr>
-            <p:cNvCxnSpPr>
-              <a:cxnSpLocks/>
-            </p:cNvCxnSpPr>
+            <p:cNvPicPr>
+              <a:picLocks noChangeAspect="1"/>
+            </p:cNvPicPr>
             <p:nvPr/>
-          </p:nvCxnSpPr>
-          <p:spPr>
-            <a:xfrm flipV="1">
-              <a:off x="6386338" y="3004763"/>
-              <a:ext cx="2177983" cy="12745"/>
-            </a:xfrm>
-            <a:prstGeom prst="straightConnector1">
-              <a:avLst/>
-            </a:prstGeom>
-            <a:ln w="19050" cap="sq">
-              <a:solidFill>
-                <a:srgbClr val="4730FC"/>
-              </a:solidFill>
-              <a:prstDash val="sysDot"/>
-              <a:tailEnd type="stealth" w="lg" len="med"/>
-            </a:ln>
-          </p:spPr>
-          <p:style>
-            <a:lnRef idx="1">
-              <a:schemeClr val="accent1"/>
-            </a:lnRef>
-            <a:fillRef idx="0">
-              <a:schemeClr val="accent1"/>
-            </a:fillRef>
-            <a:effectRef idx="0">
-              <a:schemeClr val="accent1"/>
-            </a:effectRef>
-            <a:fontRef idx="minor">
-              <a:schemeClr val="tx1"/>
-            </a:fontRef>
-          </p:style>
-        </p:cxnSp>
-        <p:sp>
-          <p:nvSpPr>
-            <p:cNvPr id="99" name="TextBox 98">
+          </p:nvPicPr>
+          <p:blipFill>
+            <a:blip r:embed="rId4">
               <a:extLst>
-                <a:ext uri="{FF2B5EF4-FFF2-40B4-BE49-F238E27FC236}">
-                  <a16:creationId xmlns:a16="http://schemas.microsoft.com/office/drawing/2014/main" id="{31B5CFB6-2F16-E74D-990F-3E83C55181CB}"/>
+                <a:ext uri="{96DAC541-7B7A-43D3-8B79-37D633B846F1}">
+                  <asvg:svgBlip xmlns:asvg="http://schemas.microsoft.com/office/drawing/2016/SVG/main" r:embed="rId5"/>
                 </a:ext>
               </a:extLst>
-            </p:cNvPr>
-            <p:cNvSpPr txBox="1"/>
-            <p:nvPr/>
-          </p:nvSpPr>
+            </a:blip>
+            <a:stretch>
+              <a:fillRect/>
+            </a:stretch>
+          </p:blipFill>
           <p:spPr>
             <a:xfrm>
-              <a:off x="6420048" y="3018338"/>
-              <a:ext cx="2094324" cy="276999"/>
+              <a:off x="2934671" y="1129165"/>
+              <a:ext cx="499218" cy="499218"/>
             </a:xfrm>
             <a:prstGeom prst="rect">
               <a:avLst/>
             </a:prstGeom>
-            <a:noFill/>
           </p:spPr>
-          <p:txBody>
-            <a:bodyPr wrap="square">
-              <a:spAutoFit/>
-            </a:bodyPr>
-            <a:lstStyle/>
-            <a:p>
-              <a:pPr algn="ctr"/>
-              <a:r>
-                <a:rPr lang="en-US" sz="1200" dirty="0">
-                  <a:solidFill>
-                    <a:schemeClr val="bg1">
-                      <a:lumMod val="75000"/>
-                      <a:lumOff val="25000"/>
-                    </a:schemeClr>
-                  </a:solidFill>
-                  <a:latin typeface=""/>
-                </a:rPr>
-                <a:t> read/copy to local</a:t>
-              </a:r>
-            </a:p>
-          </p:txBody>
-        </p:sp>
+        </p:pic>
+        <p:pic>
+          <p:nvPicPr>
+            <p:cNvPr id="165" name="Graphic 164" descr="Scientist male with solid fill">
+              <a:extLst>
+                <a:ext uri="{FF2B5EF4-FFF2-40B4-BE49-F238E27FC236}">
+                  <a16:creationId xmlns:a16="http://schemas.microsoft.com/office/drawing/2014/main" id="{C3857E6A-3E9E-984C-B49C-51C7569018D3}"/>
+                </a:ext>
+              </a:extLst>
+            </p:cNvPr>
+            <p:cNvPicPr>
+              <a:picLocks noChangeAspect="1"/>
+            </p:cNvPicPr>
+            <p:nvPr/>
+          </p:nvPicPr>
+          <p:blipFill>
+            <a:blip r:embed="rId6">
+              <a:extLst>
+                <a:ext uri="{96DAC541-7B7A-43D3-8B79-37D633B846F1}">
+                  <asvg:svgBlip xmlns:asvg="http://schemas.microsoft.com/office/drawing/2016/SVG/main" r:embed="rId7"/>
+                </a:ext>
+              </a:extLst>
+            </a:blip>
+            <a:stretch>
+              <a:fillRect/>
+            </a:stretch>
+          </p:blipFill>
+          <p:spPr>
+            <a:xfrm>
+              <a:off x="2934671" y="1584442"/>
+              <a:ext cx="499218" cy="499218"/>
+            </a:xfrm>
+            <a:prstGeom prst="rect">
+              <a:avLst/>
+            </a:prstGeom>
+          </p:spPr>
+        </p:pic>
       </p:grpSp>
       <p:grpSp>
         <p:nvGrpSpPr>
-          <p:cNvPr id="100" name="Group 99">
-            <a:extLst>
-              <a:ext uri="{FF2B5EF4-FFF2-40B4-BE49-F238E27FC236}">
-                <a16:creationId xmlns:a16="http://schemas.microsoft.com/office/drawing/2014/main" id="{0B7C7AE2-3F5A-0349-A274-5C00CD68B932}"/>
+          <p:cNvPr id="105" name="Group 104">
+            <a:extLst>
+              <a:ext uri="{FF2B5EF4-FFF2-40B4-BE49-F238E27FC236}">
+                <a16:creationId xmlns:a16="http://schemas.microsoft.com/office/drawing/2014/main" id="{313615FA-1366-4A4D-B274-A6A0FA629EDA}"/>
               </a:ext>
             </a:extLst>
           </p:cNvPr>
@@ -3587,404 +3859,179 @@
         </p:nvGrpSpPr>
         <p:grpSpPr>
           <a:xfrm>
-            <a:off x="926526" y="2397533"/>
-            <a:ext cx="5119758" cy="1533777"/>
-            <a:chOff x="926526" y="2397533"/>
-            <a:chExt cx="5119758" cy="1533777"/>
+            <a:off x="3937055" y="2143663"/>
+            <a:ext cx="1631954" cy="941221"/>
+            <a:chOff x="5064121" y="1072715"/>
+            <a:chExt cx="1631954" cy="941221"/>
           </a:xfrm>
         </p:grpSpPr>
-        <p:cxnSp>
-          <p:nvCxnSpPr>
-            <p:cNvPr id="101" name="Straight Arrow Connector 100">
+        <p:pic>
+          <p:nvPicPr>
+            <p:cNvPr id="107" name="Graphic 106" descr="Database with solid fill">
               <a:extLst>
                 <a:ext uri="{FF2B5EF4-FFF2-40B4-BE49-F238E27FC236}">
-                  <a16:creationId xmlns:a16="http://schemas.microsoft.com/office/drawing/2014/main" id="{FA667841-DAAD-394E-A711-B473AC8DE881}"/>
+                  <a16:creationId xmlns:a16="http://schemas.microsoft.com/office/drawing/2014/main" id="{1EE66A30-A9C9-8B40-A4E6-0DB43EA96A56}"/>
                 </a:ext>
               </a:extLst>
             </p:cNvPr>
-            <p:cNvCxnSpPr>
-              <a:cxnSpLocks/>
-              <a:stCxn id="163" idx="3"/>
-            </p:cNvCxnSpPr>
+            <p:cNvPicPr>
+              <a:picLocks noChangeAspect="1"/>
+            </p:cNvPicPr>
             <p:nvPr/>
-          </p:nvCxnSpPr>
+          </p:nvPicPr>
+          <p:blipFill>
+            <a:blip r:embed="rId8">
+              <a:extLst>
+                <a:ext uri="{96DAC541-7B7A-43D3-8B79-37D633B846F1}">
+                  <asvg:svgBlip xmlns:asvg="http://schemas.microsoft.com/office/drawing/2016/SVG/main" r:embed="rId9"/>
+                </a:ext>
+              </a:extLst>
+            </a:blip>
+            <a:stretch>
+              <a:fillRect/>
+            </a:stretch>
+          </p:blipFill>
           <p:spPr>
             <a:xfrm>
-              <a:off x="2357920" y="2905360"/>
-              <a:ext cx="1396550" cy="0"/>
-            </a:xfrm>
-            <a:prstGeom prst="straightConnector1">
-              <a:avLst/>
-            </a:prstGeom>
-            <a:ln w="19050" cap="sq">
-              <a:solidFill>
-                <a:srgbClr val="4730FC"/>
-              </a:solidFill>
-              <a:prstDash val="sysDot"/>
-              <a:tailEnd type="stealth" w="lg" len="med"/>
-            </a:ln>
-          </p:spPr>
-          <p:style>
-            <a:lnRef idx="1">
-              <a:schemeClr val="accent1"/>
-            </a:lnRef>
-            <a:fillRef idx="0">
-              <a:schemeClr val="accent1"/>
-            </a:fillRef>
-            <a:effectRef idx="0">
-              <a:schemeClr val="accent1"/>
-            </a:effectRef>
-            <a:fontRef idx="minor">
-              <a:schemeClr val="tx1"/>
-            </a:fontRef>
-          </p:style>
-        </p:cxnSp>
-        <p:sp>
-          <p:nvSpPr>
-            <p:cNvPr id="102" name="TextBox 101">
-              <a:extLst>
-                <a:ext uri="{FF2B5EF4-FFF2-40B4-BE49-F238E27FC236}">
-                  <a16:creationId xmlns:a16="http://schemas.microsoft.com/office/drawing/2014/main" id="{5BA639D4-422A-A543-8184-AF805C9AF9A4}"/>
-                </a:ext>
-              </a:extLst>
-            </p:cNvPr>
-            <p:cNvSpPr txBox="1"/>
-            <p:nvPr/>
-          </p:nvSpPr>
-          <p:spPr>
-            <a:xfrm>
-              <a:off x="3763287" y="3408090"/>
-              <a:ext cx="2282997" cy="523220"/>
+              <a:off x="5064121" y="1099536"/>
+              <a:ext cx="914400" cy="914400"/>
             </a:xfrm>
             <a:prstGeom prst="rect">
               <a:avLst/>
             </a:prstGeom>
-            <a:noFill/>
           </p:spPr>
-          <p:txBody>
-            <a:bodyPr wrap="none" rtlCol="0">
-              <a:spAutoFit/>
-            </a:bodyPr>
-            <a:lstStyle/>
-            <a:p>
-              <a:pPr algn="ctr"/>
-              <a:r>
-                <a:rPr lang="en-US" sz="1400" dirty="0">
-                  <a:solidFill>
-                    <a:srgbClr val="0070C0"/>
-                  </a:solidFill>
-                  <a:latin typeface=""/>
-                </a:rPr>
-                <a:t>Network-attached storage </a:t>
-              </a:r>
-            </a:p>
-            <a:p>
-              <a:pPr algn="ctr"/>
-              <a:r>
-                <a:rPr lang="en-US" sz="1400" dirty="0">
-                  <a:solidFill>
-                    <a:srgbClr val="0070C0"/>
-                  </a:solidFill>
-                  <a:latin typeface=""/>
-                </a:rPr>
-                <a:t>NAS (NFS, SMB)</a:t>
-              </a:r>
-            </a:p>
-          </p:txBody>
-        </p:sp>
-        <p:sp>
-          <p:nvSpPr>
-            <p:cNvPr id="103" name="TextBox 102">
+        </p:pic>
+        <p:grpSp>
+          <p:nvGrpSpPr>
+            <p:cNvPr id="108" name="Group 107">
               <a:extLst>
                 <a:ext uri="{FF2B5EF4-FFF2-40B4-BE49-F238E27FC236}">
-                  <a16:creationId xmlns:a16="http://schemas.microsoft.com/office/drawing/2014/main" id="{9B2C2932-77ED-1346-B126-C733E85BB651}"/>
+                  <a16:creationId xmlns:a16="http://schemas.microsoft.com/office/drawing/2014/main" id="{BE432956-81D6-6D43-9EE1-40FCAE1DAD07}"/>
                 </a:ext>
               </a:extLst>
             </p:cNvPr>
-            <p:cNvSpPr txBox="1"/>
-            <p:nvPr/>
-          </p:nvSpPr>
-          <p:spPr>
-            <a:xfrm>
-              <a:off x="926526" y="3408090"/>
-              <a:ext cx="1405808" cy="523220"/>
-            </a:xfrm>
-            <a:prstGeom prst="rect">
-              <a:avLst/>
-            </a:prstGeom>
-            <a:noFill/>
-          </p:spPr>
-          <p:txBody>
-            <a:bodyPr wrap="square" rtlCol="0">
-              <a:spAutoFit/>
-            </a:bodyPr>
-            <a:lstStyle/>
-            <a:p>
-              <a:pPr algn="ctr"/>
-              <a:r>
-                <a:rPr lang="en-US" sz="1400" dirty="0">
-                  <a:solidFill>
-                    <a:srgbClr val="0070C0"/>
-                  </a:solidFill>
-                  <a:latin typeface=""/>
-                </a:rPr>
-                <a:t>Experiments</a:t>
-              </a:r>
-            </a:p>
-            <a:p>
-              <a:pPr algn="ctr"/>
-              <a:r>
-                <a:rPr lang="en-US" sz="1400" dirty="0">
-                  <a:solidFill>
-                    <a:srgbClr val="0070C0"/>
-                  </a:solidFill>
-                  <a:latin typeface=""/>
-                </a:rPr>
-                <a:t>FISH images</a:t>
-              </a:r>
-            </a:p>
-          </p:txBody>
-        </p:sp>
-        <p:grpSp>
-          <p:nvGrpSpPr>
-            <p:cNvPr id="104" name="Group 103">
-              <a:extLst>
-                <a:ext uri="{FF2B5EF4-FFF2-40B4-BE49-F238E27FC236}">
-                  <a16:creationId xmlns:a16="http://schemas.microsoft.com/office/drawing/2014/main" id="{DF6531C2-3F6D-E541-9E8D-FAEECC833A33}"/>
-                </a:ext>
-              </a:extLst>
-            </p:cNvPr>
-            <p:cNvGrpSpPr/>
+            <p:cNvGrpSpPr>
+              <a:grpSpLocks noChangeAspect="1"/>
+            </p:cNvGrpSpPr>
             <p:nvPr/>
           </p:nvGrpSpPr>
           <p:grpSpPr>
             <a:xfrm>
-              <a:off x="1142493" y="2397533"/>
-              <a:ext cx="1215427" cy="965027"/>
-              <a:chOff x="2934671" y="1129165"/>
-              <a:chExt cx="1215427" cy="965027"/>
+              <a:off x="6449482" y="1145065"/>
+              <a:ext cx="246593" cy="274989"/>
+              <a:chOff x="3091409" y="3516700"/>
+              <a:chExt cx="645672" cy="720026"/>
             </a:xfrm>
           </p:grpSpPr>
-          <p:pic>
-            <p:nvPicPr>
-              <p:cNvPr id="163" name="Graphic 162" descr="Microscope with solid fill">
+          <p:grpSp>
+            <p:nvGrpSpPr>
+              <p:cNvPr id="139" name="Group 138">
                 <a:extLst>
                   <a:ext uri="{FF2B5EF4-FFF2-40B4-BE49-F238E27FC236}">
-                    <a16:creationId xmlns:a16="http://schemas.microsoft.com/office/drawing/2014/main" id="{A976CD55-FA9D-F448-B8B4-492941659AA8}"/>
+                    <a16:creationId xmlns:a16="http://schemas.microsoft.com/office/drawing/2014/main" id="{603201E4-906A-C34D-8FDE-7832BD7CC8C6}"/>
                   </a:ext>
                 </a:extLst>
               </p:cNvPr>
-              <p:cNvPicPr>
-                <a:picLocks noChangeAspect="1"/>
-              </p:cNvPicPr>
-              <p:nvPr/>
-            </p:nvPicPr>
-            <p:blipFill>
-              <a:blip r:embed="rId2">
-                <a:extLst>
-                  <a:ext uri="{96DAC541-7B7A-43D3-8B79-37D633B846F1}">
-                    <asvg:svgBlip xmlns:asvg="http://schemas.microsoft.com/office/drawing/2016/SVG/main" r:embed="rId3"/>
-                  </a:ext>
-                </a:extLst>
-              </a:blip>
-              <a:stretch>
-                <a:fillRect/>
-              </a:stretch>
-            </p:blipFill>
-            <p:spPr>
-              <a:xfrm>
-                <a:off x="3235698" y="1179792"/>
-                <a:ext cx="914400" cy="914400"/>
-              </a:xfrm>
-              <a:prstGeom prst="rect">
-                <a:avLst/>
-              </a:prstGeom>
-            </p:spPr>
-          </p:pic>
-          <p:pic>
-            <p:nvPicPr>
-              <p:cNvPr id="164" name="Graphic 163" descr="Scientist female with solid fill">
-                <a:extLst>
-                  <a:ext uri="{FF2B5EF4-FFF2-40B4-BE49-F238E27FC236}">
-                    <a16:creationId xmlns:a16="http://schemas.microsoft.com/office/drawing/2014/main" id="{A5D4BBFF-F2E4-D141-9F44-81C54DD4D172}"/>
-                  </a:ext>
-                </a:extLst>
-              </p:cNvPr>
-              <p:cNvPicPr>
-                <a:picLocks noChangeAspect="1"/>
-              </p:cNvPicPr>
-              <p:nvPr/>
-            </p:nvPicPr>
-            <p:blipFill>
-              <a:blip r:embed="rId4">
-                <a:extLst>
-                  <a:ext uri="{96DAC541-7B7A-43D3-8B79-37D633B846F1}">
-                    <asvg:svgBlip xmlns:asvg="http://schemas.microsoft.com/office/drawing/2016/SVG/main" r:embed="rId5"/>
-                  </a:ext>
-                </a:extLst>
-              </a:blip>
-              <a:stretch>
-                <a:fillRect/>
-              </a:stretch>
-            </p:blipFill>
-            <p:spPr>
-              <a:xfrm>
-                <a:off x="2934671" y="1129165"/>
-                <a:ext cx="499218" cy="499218"/>
-              </a:xfrm>
-              <a:prstGeom prst="rect">
-                <a:avLst/>
-              </a:prstGeom>
-            </p:spPr>
-          </p:pic>
-          <p:pic>
-            <p:nvPicPr>
-              <p:cNvPr id="165" name="Graphic 164" descr="Scientist male with solid fill">
-                <a:extLst>
-                  <a:ext uri="{FF2B5EF4-FFF2-40B4-BE49-F238E27FC236}">
-                    <a16:creationId xmlns:a16="http://schemas.microsoft.com/office/drawing/2014/main" id="{C3857E6A-3E9E-984C-B49C-51C7569018D3}"/>
-                  </a:ext>
-                </a:extLst>
-              </p:cNvPr>
-              <p:cNvPicPr>
-                <a:picLocks noChangeAspect="1"/>
-              </p:cNvPicPr>
-              <p:nvPr/>
-            </p:nvPicPr>
-            <p:blipFill>
-              <a:blip r:embed="rId6">
-                <a:extLst>
-                  <a:ext uri="{96DAC541-7B7A-43D3-8B79-37D633B846F1}">
-                    <asvg:svgBlip xmlns:asvg="http://schemas.microsoft.com/office/drawing/2016/SVG/main" r:embed="rId7"/>
-                  </a:ext>
-                </a:extLst>
-              </a:blip>
-              <a:stretch>
-                <a:fillRect/>
-              </a:stretch>
-            </p:blipFill>
-            <p:spPr>
-              <a:xfrm>
-                <a:off x="2934671" y="1584442"/>
-                <a:ext cx="499218" cy="499218"/>
-              </a:xfrm>
-              <a:prstGeom prst="rect">
-                <a:avLst/>
-              </a:prstGeom>
-            </p:spPr>
-          </p:pic>
-        </p:grpSp>
-        <p:grpSp>
-          <p:nvGrpSpPr>
-            <p:cNvPr id="105" name="Group 104">
-              <a:extLst>
-                <a:ext uri="{FF2B5EF4-FFF2-40B4-BE49-F238E27FC236}">
-                  <a16:creationId xmlns:a16="http://schemas.microsoft.com/office/drawing/2014/main" id="{313615FA-1366-4A4D-B274-A6A0FA629EDA}"/>
-                </a:ext>
-              </a:extLst>
-            </p:cNvPr>
-            <p:cNvGrpSpPr/>
-            <p:nvPr/>
-          </p:nvGrpSpPr>
-          <p:grpSpPr>
-            <a:xfrm>
-              <a:off x="3937055" y="2467227"/>
-              <a:ext cx="1631954" cy="941221"/>
-              <a:chOff x="5064121" y="1072715"/>
-              <a:chExt cx="1631954" cy="941221"/>
-            </a:xfrm>
-          </p:grpSpPr>
-          <p:pic>
-            <p:nvPicPr>
-              <p:cNvPr id="107" name="Graphic 106" descr="Database with solid fill">
-                <a:extLst>
-                  <a:ext uri="{FF2B5EF4-FFF2-40B4-BE49-F238E27FC236}">
-                    <a16:creationId xmlns:a16="http://schemas.microsoft.com/office/drawing/2014/main" id="{1EE66A30-A9C9-8B40-A4E6-0DB43EA96A56}"/>
-                  </a:ext>
-                </a:extLst>
-              </p:cNvPr>
-              <p:cNvPicPr>
-                <a:picLocks noChangeAspect="1"/>
-              </p:cNvPicPr>
-              <p:nvPr/>
-            </p:nvPicPr>
-            <p:blipFill>
-              <a:blip r:embed="rId8">
-                <a:extLst>
-                  <a:ext uri="{96DAC541-7B7A-43D3-8B79-37D633B846F1}">
-                    <asvg:svgBlip xmlns:asvg="http://schemas.microsoft.com/office/drawing/2016/SVG/main" r:embed="rId9"/>
-                  </a:ext>
-                </a:extLst>
-              </a:blip>
-              <a:stretch>
-                <a:fillRect/>
-              </a:stretch>
-            </p:blipFill>
-            <p:spPr>
-              <a:xfrm>
-                <a:off x="5064121" y="1099536"/>
-                <a:ext cx="914400" cy="914400"/>
-              </a:xfrm>
-              <a:prstGeom prst="rect">
-                <a:avLst/>
-              </a:prstGeom>
-            </p:spPr>
-          </p:pic>
-          <p:grpSp>
-            <p:nvGrpSpPr>
-              <p:cNvPr id="108" name="Group 107">
-                <a:extLst>
-                  <a:ext uri="{FF2B5EF4-FFF2-40B4-BE49-F238E27FC236}">
-                    <a16:creationId xmlns:a16="http://schemas.microsoft.com/office/drawing/2014/main" id="{BE432956-81D6-6D43-9EE1-40FCAE1DAD07}"/>
-                  </a:ext>
-                </a:extLst>
-              </p:cNvPr>
-              <p:cNvGrpSpPr>
-                <a:grpSpLocks noChangeAspect="1"/>
-              </p:cNvGrpSpPr>
+              <p:cNvGrpSpPr/>
               <p:nvPr/>
             </p:nvGrpSpPr>
             <p:grpSpPr>
               <a:xfrm>
-                <a:off x="6449482" y="1145065"/>
-                <a:ext cx="246593" cy="274989"/>
-                <a:chOff x="3091409" y="3516700"/>
-                <a:chExt cx="645672" cy="720026"/>
+                <a:off x="3269226" y="3516700"/>
+                <a:ext cx="467855" cy="444033"/>
+                <a:chOff x="1129599" y="3378021"/>
+                <a:chExt cx="467855" cy="444033"/>
               </a:xfrm>
+              <a:effectLst>
+                <a:outerShdw blurRad="50800" dist="38100" algn="l" rotWithShape="0">
+                  <a:prstClr val="black">
+                    <a:alpha val="40000"/>
+                  </a:prstClr>
+                </a:outerShdw>
+              </a:effectLst>
             </p:grpSpPr>
-            <p:grpSp>
-              <p:nvGrpSpPr>
-                <p:cNvPr id="139" name="Group 138">
+            <p:sp>
+              <p:nvSpPr>
+                <p:cNvPr id="156" name="Rectangle 155">
                   <a:extLst>
                     <a:ext uri="{FF2B5EF4-FFF2-40B4-BE49-F238E27FC236}">
-                      <a16:creationId xmlns:a16="http://schemas.microsoft.com/office/drawing/2014/main" id="{603201E4-906A-C34D-8FDE-7832BD7CC8C6}"/>
+                      <a16:creationId xmlns:a16="http://schemas.microsoft.com/office/drawing/2014/main" id="{991CF276-4AB0-5B48-B923-AC9956163DC6}"/>
                     </a:ext>
                   </a:extLst>
                 </p:cNvPr>
-                <p:cNvGrpSpPr/>
+                <p:cNvSpPr/>
+                <p:nvPr/>
+              </p:nvSpPr>
+              <p:spPr>
+                <a:xfrm>
+                  <a:off x="1129599" y="3378021"/>
+                  <a:ext cx="467855" cy="444033"/>
+                </a:xfrm>
+                <a:prstGeom prst="rect">
+                  <a:avLst/>
+                </a:prstGeom>
+                <a:solidFill>
+                  <a:schemeClr val="tx1"/>
+                </a:solidFill>
+                <a:ln>
+                  <a:solidFill>
+                    <a:schemeClr val="bg1"/>
+                  </a:solidFill>
+                </a:ln>
+              </p:spPr>
+              <p:style>
+                <a:lnRef idx="2">
+                  <a:schemeClr val="accent1">
+                    <a:shade val="50000"/>
+                  </a:schemeClr>
+                </a:lnRef>
+                <a:fillRef idx="1">
+                  <a:schemeClr val="accent1"/>
+                </a:fillRef>
+                <a:effectRef idx="0">
+                  <a:schemeClr val="accent1"/>
+                </a:effectRef>
+                <a:fontRef idx="minor">
+                  <a:schemeClr val="lt1"/>
+                </a:fontRef>
+              </p:style>
+              <p:txBody>
+                <a:bodyPr rtlCol="0" anchor="ctr"/>
+                <a:lstStyle/>
+                <a:p>
+                  <a:pPr algn="ctr"/>
+                  <a:endParaRPr lang="en-US"/>
+                </a:p>
+              </p:txBody>
+            </p:sp>
+            <p:grpSp>
+              <p:nvGrpSpPr>
+                <p:cNvPr id="157" name="Group 156">
+                  <a:extLst>
+                    <a:ext uri="{FF2B5EF4-FFF2-40B4-BE49-F238E27FC236}">
+                      <a16:creationId xmlns:a16="http://schemas.microsoft.com/office/drawing/2014/main" id="{58C8AC79-AA7B-6940-9081-8CA9FA08B774}"/>
+                    </a:ext>
+                  </a:extLst>
+                </p:cNvPr>
+                <p:cNvGrpSpPr>
+                  <a:grpSpLocks noChangeAspect="1"/>
+                </p:cNvGrpSpPr>
                 <p:nvPr/>
               </p:nvGrpSpPr>
               <p:grpSpPr>
                 <a:xfrm>
-                  <a:off x="3269226" y="3516700"/>
-                  <a:ext cx="467855" cy="444033"/>
-                  <a:chOff x="1129599" y="3378021"/>
-                  <a:chExt cx="467855" cy="444033"/>
+                  <a:off x="1167053" y="3418263"/>
+                  <a:ext cx="392748" cy="383678"/>
+                  <a:chOff x="1278675" y="2029522"/>
+                  <a:chExt cx="1609491" cy="1572321"/>
                 </a:xfrm>
-                <a:effectLst>
-                  <a:outerShdw blurRad="50800" dist="38100" algn="l" rotWithShape="0">
-                    <a:prstClr val="black">
-                      <a:alpha val="40000"/>
-                    </a:prstClr>
-                  </a:outerShdw>
-                </a:effectLst>
               </p:grpSpPr>
               <p:sp>
                 <p:nvSpPr>
-                  <p:cNvPr id="156" name="Rectangle 155">
+                  <p:cNvPr id="158" name="Oval 157">
                     <a:extLst>
                       <a:ext uri="{FF2B5EF4-FFF2-40B4-BE49-F238E27FC236}">
-                        <a16:creationId xmlns:a16="http://schemas.microsoft.com/office/drawing/2014/main" id="{991CF276-4AB0-5B48-B923-AC9956163DC6}"/>
+                        <a16:creationId xmlns:a16="http://schemas.microsoft.com/office/drawing/2014/main" id="{3958FB2E-A665-0E45-998C-941FC086CE47}"/>
                       </a:ext>
                     </a:extLst>
                   </p:cNvPr>
@@ -3993,16 +4040,19 @@
                 </p:nvSpPr>
                 <p:spPr>
                   <a:xfrm>
-                    <a:off x="1129599" y="3378021"/>
-                    <a:ext cx="467855" cy="444033"/>
+                    <a:off x="1278675" y="2029522"/>
+                    <a:ext cx="1609491" cy="1572321"/>
                   </a:xfrm>
-                  <a:prstGeom prst="rect">
+                  <a:prstGeom prst="ellipse">
                     <a:avLst/>
                   </a:prstGeom>
                   <a:solidFill>
-                    <a:schemeClr val="tx1"/>
+                    <a:schemeClr val="tx1">
+                      <a:lumMod val="75000"/>
+                      <a:lumOff val="25000"/>
+                    </a:schemeClr>
                   </a:solidFill>
-                  <a:ln>
+                  <a:ln w="12700">
                     <a:solidFill>
                       <a:schemeClr val="bg1"/>
                     </a:solidFill>
@@ -4033,34 +4083,125 @@
                   </a:p>
                 </p:txBody>
               </p:sp>
-              <p:grpSp>
-                <p:nvGrpSpPr>
-                  <p:cNvPr id="157" name="Group 156">
+              <p:pic>
+                <p:nvPicPr>
+                  <p:cNvPr id="159" name="Graphic 158" descr="Mitochondria with solid fill">
                     <a:extLst>
                       <a:ext uri="{FF2B5EF4-FFF2-40B4-BE49-F238E27FC236}">
-                        <a16:creationId xmlns:a16="http://schemas.microsoft.com/office/drawing/2014/main" id="{58C8AC79-AA7B-6940-9081-8CA9FA08B774}"/>
+                        <a16:creationId xmlns:a16="http://schemas.microsoft.com/office/drawing/2014/main" id="{CEF4C289-4DBA-314B-9DE2-27FC72F2C7A5}"/>
                       </a:ext>
                     </a:extLst>
                   </p:cNvPr>
-                  <p:cNvGrpSpPr>
-                    <a:grpSpLocks noChangeAspect="1"/>
-                  </p:cNvGrpSpPr>
+                  <p:cNvPicPr>
+                    <a:picLocks noChangeAspect="1"/>
+                  </p:cNvPicPr>
+                  <p:nvPr/>
+                </p:nvPicPr>
+                <p:blipFill>
+                  <a:blip r:embed="rId10">
+                    <a:extLst>
+                      <a:ext uri="{96DAC541-7B7A-43D3-8B79-37D633B846F1}">
+                        <asvg:svgBlip xmlns:asvg="http://schemas.microsoft.com/office/drawing/2016/SVG/main" r:embed="rId11"/>
+                      </a:ext>
+                    </a:extLst>
+                  </a:blip>
+                  <a:stretch>
+                    <a:fillRect/>
+                  </a:stretch>
+                </p:blipFill>
+                <p:spPr>
+                  <a:xfrm rot="21325333">
+                    <a:off x="1896233" y="2729956"/>
+                    <a:ext cx="833526" cy="833526"/>
+                  </a:xfrm>
+                  <a:prstGeom prst="rect">
+                    <a:avLst/>
+                  </a:prstGeom>
+                </p:spPr>
+              </p:pic>
+              <p:grpSp>
+                <p:nvGrpSpPr>
+                  <p:cNvPr id="160" name="Group 159">
+                    <a:extLst>
+                      <a:ext uri="{FF2B5EF4-FFF2-40B4-BE49-F238E27FC236}">
+                        <a16:creationId xmlns:a16="http://schemas.microsoft.com/office/drawing/2014/main" id="{9B17E2DF-8EF3-9644-A79B-69F130D04572}"/>
+                      </a:ext>
+                    </a:extLst>
+                  </p:cNvPr>
+                  <p:cNvGrpSpPr/>
                   <p:nvPr/>
                 </p:nvGrpSpPr>
                 <p:grpSpPr>
                   <a:xfrm>
-                    <a:off x="1167053" y="3418263"/>
-                    <a:ext cx="392748" cy="383678"/>
-                    <a:chOff x="1278675" y="2029522"/>
-                    <a:chExt cx="1609491" cy="1572321"/>
+                    <a:off x="1447051" y="2230255"/>
+                    <a:ext cx="813673" cy="737170"/>
+                    <a:chOff x="1447051" y="2230255"/>
+                    <a:chExt cx="813673" cy="737170"/>
                   </a:xfrm>
                 </p:grpSpPr>
                 <p:sp>
                   <p:nvSpPr>
-                    <p:cNvPr id="158" name="Oval 157">
+                    <p:cNvPr id="161" name="Rounded Rectangle 160">
                       <a:extLst>
                         <a:ext uri="{FF2B5EF4-FFF2-40B4-BE49-F238E27FC236}">
-                          <a16:creationId xmlns:a16="http://schemas.microsoft.com/office/drawing/2014/main" id="{3958FB2E-A665-0E45-998C-941FC086CE47}"/>
+                          <a16:creationId xmlns:a16="http://schemas.microsoft.com/office/drawing/2014/main" id="{9FB523A5-B886-0948-9749-C23DBF3B6C5E}"/>
+                        </a:ext>
+                      </a:extLst>
+                    </p:cNvPr>
+                    <p:cNvSpPr/>
+                    <p:nvPr/>
+                  </p:nvSpPr>
+                  <p:spPr>
+                    <a:xfrm rot="18947416">
+                      <a:off x="1447051" y="2230255"/>
+                      <a:ext cx="813673" cy="737170"/>
+                    </a:xfrm>
+                    <a:prstGeom prst="roundRect">
+                      <a:avLst>
+                        <a:gd name="adj" fmla="val 38068"/>
+                      </a:avLst>
+                    </a:prstGeom>
+                    <a:solidFill>
+                      <a:schemeClr val="bg1">
+                        <a:lumMod val="75000"/>
+                        <a:alpha val="77000"/>
+                      </a:schemeClr>
+                    </a:solidFill>
+                    <a:ln w="28575">
+                      <a:noFill/>
+                    </a:ln>
+                  </p:spPr>
+                  <p:style>
+                    <a:lnRef idx="2">
+                      <a:schemeClr val="accent1">
+                        <a:shade val="50000"/>
+                      </a:schemeClr>
+                    </a:lnRef>
+                    <a:fillRef idx="1">
+                      <a:schemeClr val="accent1"/>
+                    </a:fillRef>
+                    <a:effectRef idx="0">
+                      <a:schemeClr val="accent1"/>
+                    </a:effectRef>
+                    <a:fontRef idx="minor">
+                      <a:schemeClr val="lt1"/>
+                    </a:fontRef>
+                  </p:style>
+                  <p:txBody>
+                    <a:bodyPr rtlCol="0" anchor="ctr"/>
+                    <a:lstStyle/>
+                    <a:p>
+                      <a:pPr algn="ctr"/>
+                      <a:endParaRPr lang="en-US" dirty="0"/>
+                    </a:p>
+                  </p:txBody>
+                </p:sp>
+                <p:sp>
+                  <p:nvSpPr>
+                    <p:cNvPr id="162" name="Oval 161">
+                      <a:extLst>
+                        <a:ext uri="{FF2B5EF4-FFF2-40B4-BE49-F238E27FC236}">
+                          <a16:creationId xmlns:a16="http://schemas.microsoft.com/office/drawing/2014/main" id="{8710631E-8781-754F-9617-A464A71489EC}"/>
                         </a:ext>
                       </a:extLst>
                     </p:cNvPr>
@@ -4069,22 +4210,17 @@
                   </p:nvSpPr>
                   <p:spPr>
                     <a:xfrm>
-                      <a:off x="1278675" y="2029522"/>
-                      <a:ext cx="1609491" cy="1572321"/>
+                      <a:off x="1664438" y="2401167"/>
+                      <a:ext cx="378899" cy="395346"/>
                     </a:xfrm>
                     <a:prstGeom prst="ellipse">
                       <a:avLst/>
                     </a:prstGeom>
                     <a:solidFill>
-                      <a:schemeClr val="tx1">
-                        <a:lumMod val="75000"/>
-                        <a:lumOff val="25000"/>
-                      </a:schemeClr>
+                      <a:schemeClr val="bg1"/>
                     </a:solidFill>
-                    <a:ln w="12700">
-                      <a:solidFill>
-                        <a:schemeClr val="bg1"/>
-                      </a:solidFill>
+                    <a:ln w="28575">
+                      <a:noFill/>
                     </a:ln>
                   </p:spPr>
                   <p:style>
@@ -4112,207 +4248,118 @@
                     </a:p>
                   </p:txBody>
                 </p:sp>
-                <p:pic>
-                  <p:nvPicPr>
-                    <p:cNvPr id="159" name="Graphic 158" descr="Mitochondria with solid fill">
-                      <a:extLst>
-                        <a:ext uri="{FF2B5EF4-FFF2-40B4-BE49-F238E27FC236}">
-                          <a16:creationId xmlns:a16="http://schemas.microsoft.com/office/drawing/2014/main" id="{CEF4C289-4DBA-314B-9DE2-27FC72F2C7A5}"/>
-                        </a:ext>
-                      </a:extLst>
-                    </p:cNvPr>
-                    <p:cNvPicPr>
-                      <a:picLocks noChangeAspect="1"/>
-                    </p:cNvPicPr>
-                    <p:nvPr/>
-                  </p:nvPicPr>
-                  <p:blipFill>
-                    <a:blip r:embed="rId10">
-                      <a:extLst>
-                        <a:ext uri="{96DAC541-7B7A-43D3-8B79-37D633B846F1}">
-                          <asvg:svgBlip xmlns:asvg="http://schemas.microsoft.com/office/drawing/2016/SVG/main" r:embed="rId11"/>
-                        </a:ext>
-                      </a:extLst>
-                    </a:blip>
-                    <a:stretch>
-                      <a:fillRect/>
-                    </a:stretch>
-                  </p:blipFill>
-                  <p:spPr>
-                    <a:xfrm rot="21325333">
-                      <a:off x="1896233" y="2729956"/>
-                      <a:ext cx="833526" cy="833526"/>
-                    </a:xfrm>
-                    <a:prstGeom prst="rect">
-                      <a:avLst/>
-                    </a:prstGeom>
-                  </p:spPr>
-                </p:pic>
-                <p:grpSp>
-                  <p:nvGrpSpPr>
-                    <p:cNvPr id="160" name="Group 159">
-                      <a:extLst>
-                        <a:ext uri="{FF2B5EF4-FFF2-40B4-BE49-F238E27FC236}">
-                          <a16:creationId xmlns:a16="http://schemas.microsoft.com/office/drawing/2014/main" id="{9B17E2DF-8EF3-9644-A79B-69F130D04572}"/>
-                        </a:ext>
-                      </a:extLst>
-                    </p:cNvPr>
-                    <p:cNvGrpSpPr/>
-                    <p:nvPr/>
-                  </p:nvGrpSpPr>
-                  <p:grpSpPr>
-                    <a:xfrm>
-                      <a:off x="1447051" y="2230255"/>
-                      <a:ext cx="813673" cy="737170"/>
-                      <a:chOff x="1447051" y="2230255"/>
-                      <a:chExt cx="813673" cy="737170"/>
-                    </a:xfrm>
-                  </p:grpSpPr>
-                  <p:sp>
-                    <p:nvSpPr>
-                      <p:cNvPr id="161" name="Rounded Rectangle 160">
-                        <a:extLst>
-                          <a:ext uri="{FF2B5EF4-FFF2-40B4-BE49-F238E27FC236}">
-                            <a16:creationId xmlns:a16="http://schemas.microsoft.com/office/drawing/2014/main" id="{9FB523A5-B886-0948-9749-C23DBF3B6C5E}"/>
-                          </a:ext>
-                        </a:extLst>
-                      </p:cNvPr>
-                      <p:cNvSpPr/>
-                      <p:nvPr/>
-                    </p:nvSpPr>
-                    <p:spPr>
-                      <a:xfrm rot="18947416">
-                        <a:off x="1447051" y="2230255"/>
-                        <a:ext cx="813673" cy="737170"/>
-                      </a:xfrm>
-                      <a:prstGeom prst="roundRect">
-                        <a:avLst>
-                          <a:gd name="adj" fmla="val 38068"/>
-                        </a:avLst>
-                      </a:prstGeom>
-                      <a:solidFill>
-                        <a:schemeClr val="bg1">
-                          <a:lumMod val="75000"/>
-                          <a:alpha val="77000"/>
-                        </a:schemeClr>
-                      </a:solidFill>
-                      <a:ln w="28575">
-                        <a:noFill/>
-                      </a:ln>
-                    </p:spPr>
-                    <p:style>
-                      <a:lnRef idx="2">
-                        <a:schemeClr val="accent1">
-                          <a:shade val="50000"/>
-                        </a:schemeClr>
-                      </a:lnRef>
-                      <a:fillRef idx="1">
-                        <a:schemeClr val="accent1"/>
-                      </a:fillRef>
-                      <a:effectRef idx="0">
-                        <a:schemeClr val="accent1"/>
-                      </a:effectRef>
-                      <a:fontRef idx="minor">
-                        <a:schemeClr val="lt1"/>
-                      </a:fontRef>
-                    </p:style>
-                    <p:txBody>
-                      <a:bodyPr rtlCol="0" anchor="ctr"/>
-                      <a:lstStyle/>
-                      <a:p>
-                        <a:pPr algn="ctr"/>
-                        <a:endParaRPr lang="en-US" dirty="0"/>
-                      </a:p>
-                    </p:txBody>
-                  </p:sp>
-                  <p:sp>
-                    <p:nvSpPr>
-                      <p:cNvPr id="162" name="Oval 161">
-                        <a:extLst>
-                          <a:ext uri="{FF2B5EF4-FFF2-40B4-BE49-F238E27FC236}">
-                            <a16:creationId xmlns:a16="http://schemas.microsoft.com/office/drawing/2014/main" id="{8710631E-8781-754F-9617-A464A71489EC}"/>
-                          </a:ext>
-                        </a:extLst>
-                      </p:cNvPr>
-                      <p:cNvSpPr/>
-                      <p:nvPr/>
-                    </p:nvSpPr>
-                    <p:spPr>
-                      <a:xfrm>
-                        <a:off x="1664438" y="2401167"/>
-                        <a:ext cx="378899" cy="395346"/>
-                      </a:xfrm>
-                      <a:prstGeom prst="ellipse">
-                        <a:avLst/>
-                      </a:prstGeom>
-                      <a:solidFill>
-                        <a:schemeClr val="bg1"/>
-                      </a:solidFill>
-                      <a:ln w="28575">
-                        <a:noFill/>
-                      </a:ln>
-                    </p:spPr>
-                    <p:style>
-                      <a:lnRef idx="2">
-                        <a:schemeClr val="accent1">
-                          <a:shade val="50000"/>
-                        </a:schemeClr>
-                      </a:lnRef>
-                      <a:fillRef idx="1">
-                        <a:schemeClr val="accent1"/>
-                      </a:fillRef>
-                      <a:effectRef idx="0">
-                        <a:schemeClr val="accent1"/>
-                      </a:effectRef>
-                      <a:fontRef idx="minor">
-                        <a:schemeClr val="lt1"/>
-                      </a:fontRef>
-                    </p:style>
-                    <p:txBody>
-                      <a:bodyPr rtlCol="0" anchor="ctr"/>
-                      <a:lstStyle/>
-                      <a:p>
-                        <a:pPr algn="ctr"/>
-                        <a:endParaRPr lang="en-US"/>
-                      </a:p>
-                    </p:txBody>
-                  </p:sp>
-                </p:grpSp>
               </p:grpSp>
             </p:grpSp>
-            <p:grpSp>
-              <p:nvGrpSpPr>
-                <p:cNvPr id="140" name="Group 139">
+          </p:grpSp>
+          <p:grpSp>
+            <p:nvGrpSpPr>
+              <p:cNvPr id="140" name="Group 139">
+                <a:extLst>
+                  <a:ext uri="{FF2B5EF4-FFF2-40B4-BE49-F238E27FC236}">
+                    <a16:creationId xmlns:a16="http://schemas.microsoft.com/office/drawing/2014/main" id="{8C243498-A570-EE40-A5C8-BFEC1BD73AA2}"/>
+                  </a:ext>
+                </a:extLst>
+              </p:cNvPr>
+              <p:cNvGrpSpPr/>
+              <p:nvPr/>
+            </p:nvGrpSpPr>
+            <p:grpSpPr>
+              <a:xfrm>
+                <a:off x="3161917" y="3649627"/>
+                <a:ext cx="467855" cy="444033"/>
+                <a:chOff x="1129599" y="3378021"/>
+                <a:chExt cx="467855" cy="444033"/>
+              </a:xfrm>
+              <a:effectLst>
+                <a:outerShdw blurRad="50800" dist="38100" algn="l" rotWithShape="0">
+                  <a:prstClr val="black">
+                    <a:alpha val="40000"/>
+                  </a:prstClr>
+                </a:outerShdw>
+              </a:effectLst>
+            </p:grpSpPr>
+            <p:sp>
+              <p:nvSpPr>
+                <p:cNvPr id="149" name="Rectangle 148">
                   <a:extLst>
                     <a:ext uri="{FF2B5EF4-FFF2-40B4-BE49-F238E27FC236}">
-                      <a16:creationId xmlns:a16="http://schemas.microsoft.com/office/drawing/2014/main" id="{8C243498-A570-EE40-A5C8-BFEC1BD73AA2}"/>
+                      <a16:creationId xmlns:a16="http://schemas.microsoft.com/office/drawing/2014/main" id="{AFDF94E3-2660-154B-A7AB-91E304E9E37F}"/>
                     </a:ext>
                   </a:extLst>
                 </p:cNvPr>
-                <p:cNvGrpSpPr/>
+                <p:cNvSpPr/>
+                <p:nvPr/>
+              </p:nvSpPr>
+              <p:spPr>
+                <a:xfrm>
+                  <a:off x="1129599" y="3378021"/>
+                  <a:ext cx="467855" cy="444033"/>
+                </a:xfrm>
+                <a:prstGeom prst="rect">
+                  <a:avLst/>
+                </a:prstGeom>
+                <a:solidFill>
+                  <a:schemeClr val="tx1"/>
+                </a:solidFill>
+                <a:ln>
+                  <a:solidFill>
+                    <a:schemeClr val="bg1"/>
+                  </a:solidFill>
+                </a:ln>
+              </p:spPr>
+              <p:style>
+                <a:lnRef idx="2">
+                  <a:schemeClr val="accent1">
+                    <a:shade val="50000"/>
+                  </a:schemeClr>
+                </a:lnRef>
+                <a:fillRef idx="1">
+                  <a:schemeClr val="accent1"/>
+                </a:fillRef>
+                <a:effectRef idx="0">
+                  <a:schemeClr val="accent1"/>
+                </a:effectRef>
+                <a:fontRef idx="minor">
+                  <a:schemeClr val="lt1"/>
+                </a:fontRef>
+              </p:style>
+              <p:txBody>
+                <a:bodyPr rtlCol="0" anchor="ctr"/>
+                <a:lstStyle/>
+                <a:p>
+                  <a:pPr algn="ctr"/>
+                  <a:endParaRPr lang="en-US"/>
+                </a:p>
+              </p:txBody>
+            </p:sp>
+            <p:grpSp>
+              <p:nvGrpSpPr>
+                <p:cNvPr id="150" name="Group 149">
+                  <a:extLst>
+                    <a:ext uri="{FF2B5EF4-FFF2-40B4-BE49-F238E27FC236}">
+                      <a16:creationId xmlns:a16="http://schemas.microsoft.com/office/drawing/2014/main" id="{9D1BB53F-4272-6640-A964-5364A96BCA67}"/>
+                    </a:ext>
+                  </a:extLst>
+                </p:cNvPr>
+                <p:cNvGrpSpPr>
+                  <a:grpSpLocks noChangeAspect="1"/>
+                </p:cNvGrpSpPr>
                 <p:nvPr/>
               </p:nvGrpSpPr>
               <p:grpSpPr>
                 <a:xfrm>
-                  <a:off x="3161917" y="3649627"/>
-                  <a:ext cx="467855" cy="444033"/>
-                  <a:chOff x="1129599" y="3378021"/>
-                  <a:chExt cx="467855" cy="444033"/>
+                  <a:off x="1167053" y="3418263"/>
+                  <a:ext cx="392748" cy="383678"/>
+                  <a:chOff x="1278675" y="2029522"/>
+                  <a:chExt cx="1609491" cy="1572321"/>
                 </a:xfrm>
-                <a:effectLst>
-                  <a:outerShdw blurRad="50800" dist="38100" algn="l" rotWithShape="0">
-                    <a:prstClr val="black">
-                      <a:alpha val="40000"/>
-                    </a:prstClr>
-                  </a:outerShdw>
-                </a:effectLst>
               </p:grpSpPr>
               <p:sp>
                 <p:nvSpPr>
-                  <p:cNvPr id="149" name="Rectangle 148">
+                  <p:cNvPr id="151" name="Oval 150">
                     <a:extLst>
                       <a:ext uri="{FF2B5EF4-FFF2-40B4-BE49-F238E27FC236}">
-                        <a16:creationId xmlns:a16="http://schemas.microsoft.com/office/drawing/2014/main" id="{AFDF94E3-2660-154B-A7AB-91E304E9E37F}"/>
+                        <a16:creationId xmlns:a16="http://schemas.microsoft.com/office/drawing/2014/main" id="{F0DA9D3F-709E-EC44-8CD6-230AF5BACBB3}"/>
                       </a:ext>
                     </a:extLst>
                   </p:cNvPr>
@@ -4321,16 +4368,19 @@
                 </p:nvSpPr>
                 <p:spPr>
                   <a:xfrm>
-                    <a:off x="1129599" y="3378021"/>
-                    <a:ext cx="467855" cy="444033"/>
+                    <a:off x="1278675" y="2029522"/>
+                    <a:ext cx="1609491" cy="1572321"/>
                   </a:xfrm>
-                  <a:prstGeom prst="rect">
+                  <a:prstGeom prst="ellipse">
                     <a:avLst/>
                   </a:prstGeom>
                   <a:solidFill>
-                    <a:schemeClr val="tx1"/>
+                    <a:schemeClr val="tx1">
+                      <a:lumMod val="75000"/>
+                      <a:lumOff val="25000"/>
+                    </a:schemeClr>
                   </a:solidFill>
-                  <a:ln>
+                  <a:ln w="12700">
                     <a:solidFill>
                       <a:schemeClr val="bg1"/>
                     </a:solidFill>
@@ -4361,34 +4411,125 @@
                   </a:p>
                 </p:txBody>
               </p:sp>
-              <p:grpSp>
-                <p:nvGrpSpPr>
-                  <p:cNvPr id="150" name="Group 149">
+              <p:pic>
+                <p:nvPicPr>
+                  <p:cNvPr id="152" name="Graphic 151" descr="Mitochondria with solid fill">
                     <a:extLst>
                       <a:ext uri="{FF2B5EF4-FFF2-40B4-BE49-F238E27FC236}">
-                        <a16:creationId xmlns:a16="http://schemas.microsoft.com/office/drawing/2014/main" id="{9D1BB53F-4272-6640-A964-5364A96BCA67}"/>
+                        <a16:creationId xmlns:a16="http://schemas.microsoft.com/office/drawing/2014/main" id="{97C6D80F-FFB8-B140-A456-8FCF0A461923}"/>
                       </a:ext>
                     </a:extLst>
                   </p:cNvPr>
-                  <p:cNvGrpSpPr>
-                    <a:grpSpLocks noChangeAspect="1"/>
-                  </p:cNvGrpSpPr>
+                  <p:cNvPicPr>
+                    <a:picLocks noChangeAspect="1"/>
+                  </p:cNvPicPr>
+                  <p:nvPr/>
+                </p:nvPicPr>
+                <p:blipFill>
+                  <a:blip r:embed="rId10">
+                    <a:extLst>
+                      <a:ext uri="{96DAC541-7B7A-43D3-8B79-37D633B846F1}">
+                        <asvg:svgBlip xmlns:asvg="http://schemas.microsoft.com/office/drawing/2016/SVG/main" r:embed="rId11"/>
+                      </a:ext>
+                    </a:extLst>
+                  </a:blip>
+                  <a:stretch>
+                    <a:fillRect/>
+                  </a:stretch>
+                </p:blipFill>
+                <p:spPr>
+                  <a:xfrm rot="21325333">
+                    <a:off x="1896233" y="2729956"/>
+                    <a:ext cx="833526" cy="833526"/>
+                  </a:xfrm>
+                  <a:prstGeom prst="rect">
+                    <a:avLst/>
+                  </a:prstGeom>
+                </p:spPr>
+              </p:pic>
+              <p:grpSp>
+                <p:nvGrpSpPr>
+                  <p:cNvPr id="153" name="Group 152">
+                    <a:extLst>
+                      <a:ext uri="{FF2B5EF4-FFF2-40B4-BE49-F238E27FC236}">
+                        <a16:creationId xmlns:a16="http://schemas.microsoft.com/office/drawing/2014/main" id="{2C1883C4-499B-A84A-8409-833E48D2D109}"/>
+                      </a:ext>
+                    </a:extLst>
+                  </p:cNvPr>
+                  <p:cNvGrpSpPr/>
                   <p:nvPr/>
                 </p:nvGrpSpPr>
                 <p:grpSpPr>
                   <a:xfrm>
-                    <a:off x="1167053" y="3418263"/>
-                    <a:ext cx="392748" cy="383678"/>
-                    <a:chOff x="1278675" y="2029522"/>
-                    <a:chExt cx="1609491" cy="1572321"/>
+                    <a:off x="1447051" y="2230255"/>
+                    <a:ext cx="813673" cy="737170"/>
+                    <a:chOff x="1447051" y="2230255"/>
+                    <a:chExt cx="813673" cy="737170"/>
                   </a:xfrm>
                 </p:grpSpPr>
                 <p:sp>
                   <p:nvSpPr>
-                    <p:cNvPr id="151" name="Oval 150">
+                    <p:cNvPr id="154" name="Rounded Rectangle 153">
                       <a:extLst>
                         <a:ext uri="{FF2B5EF4-FFF2-40B4-BE49-F238E27FC236}">
-                          <a16:creationId xmlns:a16="http://schemas.microsoft.com/office/drawing/2014/main" id="{F0DA9D3F-709E-EC44-8CD6-230AF5BACBB3}"/>
+                          <a16:creationId xmlns:a16="http://schemas.microsoft.com/office/drawing/2014/main" id="{1E08D0F8-5715-1C46-83B4-F7E44B6C3A8D}"/>
+                        </a:ext>
+                      </a:extLst>
+                    </p:cNvPr>
+                    <p:cNvSpPr/>
+                    <p:nvPr/>
+                  </p:nvSpPr>
+                  <p:spPr>
+                    <a:xfrm rot="18947416">
+                      <a:off x="1447051" y="2230255"/>
+                      <a:ext cx="813673" cy="737170"/>
+                    </a:xfrm>
+                    <a:prstGeom prst="roundRect">
+                      <a:avLst>
+                        <a:gd name="adj" fmla="val 38068"/>
+                      </a:avLst>
+                    </a:prstGeom>
+                    <a:solidFill>
+                      <a:schemeClr val="bg1">
+                        <a:lumMod val="75000"/>
+                        <a:alpha val="77000"/>
+                      </a:schemeClr>
+                    </a:solidFill>
+                    <a:ln w="28575">
+                      <a:noFill/>
+                    </a:ln>
+                  </p:spPr>
+                  <p:style>
+                    <a:lnRef idx="2">
+                      <a:schemeClr val="accent1">
+                        <a:shade val="50000"/>
+                      </a:schemeClr>
+                    </a:lnRef>
+                    <a:fillRef idx="1">
+                      <a:schemeClr val="accent1"/>
+                    </a:fillRef>
+                    <a:effectRef idx="0">
+                      <a:schemeClr val="accent1"/>
+                    </a:effectRef>
+                    <a:fontRef idx="minor">
+                      <a:schemeClr val="lt1"/>
+                    </a:fontRef>
+                  </p:style>
+                  <p:txBody>
+                    <a:bodyPr rtlCol="0" anchor="ctr"/>
+                    <a:lstStyle/>
+                    <a:p>
+                      <a:pPr algn="ctr"/>
+                      <a:endParaRPr lang="en-US" dirty="0"/>
+                    </a:p>
+                  </p:txBody>
+                </p:sp>
+                <p:sp>
+                  <p:nvSpPr>
+                    <p:cNvPr id="155" name="Oval 154">
+                      <a:extLst>
+                        <a:ext uri="{FF2B5EF4-FFF2-40B4-BE49-F238E27FC236}">
+                          <a16:creationId xmlns:a16="http://schemas.microsoft.com/office/drawing/2014/main" id="{8E074742-9B9A-EC41-96DC-028E6D8E6836}"/>
                         </a:ext>
                       </a:extLst>
                     </p:cNvPr>
@@ -4397,22 +4538,17 @@
                   </p:nvSpPr>
                   <p:spPr>
                     <a:xfrm>
-                      <a:off x="1278675" y="2029522"/>
-                      <a:ext cx="1609491" cy="1572321"/>
+                      <a:off x="1664438" y="2401167"/>
+                      <a:ext cx="378899" cy="395346"/>
                     </a:xfrm>
                     <a:prstGeom prst="ellipse">
                       <a:avLst/>
                     </a:prstGeom>
                     <a:solidFill>
-                      <a:schemeClr val="tx1">
-                        <a:lumMod val="75000"/>
-                        <a:lumOff val="25000"/>
-                      </a:schemeClr>
+                      <a:schemeClr val="bg1"/>
                     </a:solidFill>
-                    <a:ln w="12700">
-                      <a:solidFill>
-                        <a:schemeClr val="bg1"/>
-                      </a:solidFill>
+                    <a:ln w="28575">
+                      <a:noFill/>
                     </a:ln>
                   </p:spPr>
                   <p:style>
@@ -4440,207 +4576,118 @@
                     </a:p>
                   </p:txBody>
                 </p:sp>
-                <p:pic>
-                  <p:nvPicPr>
-                    <p:cNvPr id="152" name="Graphic 151" descr="Mitochondria with solid fill">
-                      <a:extLst>
-                        <a:ext uri="{FF2B5EF4-FFF2-40B4-BE49-F238E27FC236}">
-                          <a16:creationId xmlns:a16="http://schemas.microsoft.com/office/drawing/2014/main" id="{97C6D80F-FFB8-B140-A456-8FCF0A461923}"/>
-                        </a:ext>
-                      </a:extLst>
-                    </p:cNvPr>
-                    <p:cNvPicPr>
-                      <a:picLocks noChangeAspect="1"/>
-                    </p:cNvPicPr>
-                    <p:nvPr/>
-                  </p:nvPicPr>
-                  <p:blipFill>
-                    <a:blip r:embed="rId10">
-                      <a:extLst>
-                        <a:ext uri="{96DAC541-7B7A-43D3-8B79-37D633B846F1}">
-                          <asvg:svgBlip xmlns:asvg="http://schemas.microsoft.com/office/drawing/2016/SVG/main" r:embed="rId11"/>
-                        </a:ext>
-                      </a:extLst>
-                    </a:blip>
-                    <a:stretch>
-                      <a:fillRect/>
-                    </a:stretch>
-                  </p:blipFill>
-                  <p:spPr>
-                    <a:xfrm rot="21325333">
-                      <a:off x="1896233" y="2729956"/>
-                      <a:ext cx="833526" cy="833526"/>
-                    </a:xfrm>
-                    <a:prstGeom prst="rect">
-                      <a:avLst/>
-                    </a:prstGeom>
-                  </p:spPr>
-                </p:pic>
-                <p:grpSp>
-                  <p:nvGrpSpPr>
-                    <p:cNvPr id="153" name="Group 152">
-                      <a:extLst>
-                        <a:ext uri="{FF2B5EF4-FFF2-40B4-BE49-F238E27FC236}">
-                          <a16:creationId xmlns:a16="http://schemas.microsoft.com/office/drawing/2014/main" id="{2C1883C4-499B-A84A-8409-833E48D2D109}"/>
-                        </a:ext>
-                      </a:extLst>
-                    </p:cNvPr>
-                    <p:cNvGrpSpPr/>
-                    <p:nvPr/>
-                  </p:nvGrpSpPr>
-                  <p:grpSpPr>
-                    <a:xfrm>
-                      <a:off x="1447051" y="2230255"/>
-                      <a:ext cx="813673" cy="737170"/>
-                      <a:chOff x="1447051" y="2230255"/>
-                      <a:chExt cx="813673" cy="737170"/>
-                    </a:xfrm>
-                  </p:grpSpPr>
-                  <p:sp>
-                    <p:nvSpPr>
-                      <p:cNvPr id="154" name="Rounded Rectangle 153">
-                        <a:extLst>
-                          <a:ext uri="{FF2B5EF4-FFF2-40B4-BE49-F238E27FC236}">
-                            <a16:creationId xmlns:a16="http://schemas.microsoft.com/office/drawing/2014/main" id="{1E08D0F8-5715-1C46-83B4-F7E44B6C3A8D}"/>
-                          </a:ext>
-                        </a:extLst>
-                      </p:cNvPr>
-                      <p:cNvSpPr/>
-                      <p:nvPr/>
-                    </p:nvSpPr>
-                    <p:spPr>
-                      <a:xfrm rot="18947416">
-                        <a:off x="1447051" y="2230255"/>
-                        <a:ext cx="813673" cy="737170"/>
-                      </a:xfrm>
-                      <a:prstGeom prst="roundRect">
-                        <a:avLst>
-                          <a:gd name="adj" fmla="val 38068"/>
-                        </a:avLst>
-                      </a:prstGeom>
-                      <a:solidFill>
-                        <a:schemeClr val="bg1">
-                          <a:lumMod val="75000"/>
-                          <a:alpha val="77000"/>
-                        </a:schemeClr>
-                      </a:solidFill>
-                      <a:ln w="28575">
-                        <a:noFill/>
-                      </a:ln>
-                    </p:spPr>
-                    <p:style>
-                      <a:lnRef idx="2">
-                        <a:schemeClr val="accent1">
-                          <a:shade val="50000"/>
-                        </a:schemeClr>
-                      </a:lnRef>
-                      <a:fillRef idx="1">
-                        <a:schemeClr val="accent1"/>
-                      </a:fillRef>
-                      <a:effectRef idx="0">
-                        <a:schemeClr val="accent1"/>
-                      </a:effectRef>
-                      <a:fontRef idx="minor">
-                        <a:schemeClr val="lt1"/>
-                      </a:fontRef>
-                    </p:style>
-                    <p:txBody>
-                      <a:bodyPr rtlCol="0" anchor="ctr"/>
-                      <a:lstStyle/>
-                      <a:p>
-                        <a:pPr algn="ctr"/>
-                        <a:endParaRPr lang="en-US" dirty="0"/>
-                      </a:p>
-                    </p:txBody>
-                  </p:sp>
-                  <p:sp>
-                    <p:nvSpPr>
-                      <p:cNvPr id="155" name="Oval 154">
-                        <a:extLst>
-                          <a:ext uri="{FF2B5EF4-FFF2-40B4-BE49-F238E27FC236}">
-                            <a16:creationId xmlns:a16="http://schemas.microsoft.com/office/drawing/2014/main" id="{8E074742-9B9A-EC41-96DC-028E6D8E6836}"/>
-                          </a:ext>
-                        </a:extLst>
-                      </p:cNvPr>
-                      <p:cNvSpPr/>
-                      <p:nvPr/>
-                    </p:nvSpPr>
-                    <p:spPr>
-                      <a:xfrm>
-                        <a:off x="1664438" y="2401167"/>
-                        <a:ext cx="378899" cy="395346"/>
-                      </a:xfrm>
-                      <a:prstGeom prst="ellipse">
-                        <a:avLst/>
-                      </a:prstGeom>
-                      <a:solidFill>
-                        <a:schemeClr val="bg1"/>
-                      </a:solidFill>
-                      <a:ln w="28575">
-                        <a:noFill/>
-                      </a:ln>
-                    </p:spPr>
-                    <p:style>
-                      <a:lnRef idx="2">
-                        <a:schemeClr val="accent1">
-                          <a:shade val="50000"/>
-                        </a:schemeClr>
-                      </a:lnRef>
-                      <a:fillRef idx="1">
-                        <a:schemeClr val="accent1"/>
-                      </a:fillRef>
-                      <a:effectRef idx="0">
-                        <a:schemeClr val="accent1"/>
-                      </a:effectRef>
-                      <a:fontRef idx="minor">
-                        <a:schemeClr val="lt1"/>
-                      </a:fontRef>
-                    </p:style>
-                    <p:txBody>
-                      <a:bodyPr rtlCol="0" anchor="ctr"/>
-                      <a:lstStyle/>
-                      <a:p>
-                        <a:pPr algn="ctr"/>
-                        <a:endParaRPr lang="en-US"/>
-                      </a:p>
-                    </p:txBody>
-                  </p:sp>
-                </p:grpSp>
               </p:grpSp>
             </p:grpSp>
-            <p:grpSp>
-              <p:nvGrpSpPr>
-                <p:cNvPr id="141" name="Group 140">
+          </p:grpSp>
+          <p:grpSp>
+            <p:nvGrpSpPr>
+              <p:cNvPr id="141" name="Group 140">
+                <a:extLst>
+                  <a:ext uri="{FF2B5EF4-FFF2-40B4-BE49-F238E27FC236}">
+                    <a16:creationId xmlns:a16="http://schemas.microsoft.com/office/drawing/2014/main" id="{70B66147-F869-DF48-BF94-BC190A194058}"/>
+                  </a:ext>
+                </a:extLst>
+              </p:cNvPr>
+              <p:cNvGrpSpPr/>
+              <p:nvPr/>
+            </p:nvGrpSpPr>
+            <p:grpSpPr>
+              <a:xfrm>
+                <a:off x="3091409" y="3792693"/>
+                <a:ext cx="467855" cy="444033"/>
+                <a:chOff x="1129599" y="3378021"/>
+                <a:chExt cx="467855" cy="444033"/>
+              </a:xfrm>
+              <a:effectLst>
+                <a:outerShdw blurRad="50800" dist="38100" algn="l" rotWithShape="0">
+                  <a:prstClr val="black">
+                    <a:alpha val="40000"/>
+                  </a:prstClr>
+                </a:outerShdw>
+              </a:effectLst>
+            </p:grpSpPr>
+            <p:sp>
+              <p:nvSpPr>
+                <p:cNvPr id="142" name="Rectangle 141">
                   <a:extLst>
                     <a:ext uri="{FF2B5EF4-FFF2-40B4-BE49-F238E27FC236}">
-                      <a16:creationId xmlns:a16="http://schemas.microsoft.com/office/drawing/2014/main" id="{70B66147-F869-DF48-BF94-BC190A194058}"/>
+                      <a16:creationId xmlns:a16="http://schemas.microsoft.com/office/drawing/2014/main" id="{CAB180EB-5A1B-B04A-9DD5-BCA836E724C1}"/>
                     </a:ext>
                   </a:extLst>
                 </p:cNvPr>
-                <p:cNvGrpSpPr/>
+                <p:cNvSpPr/>
+                <p:nvPr/>
+              </p:nvSpPr>
+              <p:spPr>
+                <a:xfrm>
+                  <a:off x="1129599" y="3378021"/>
+                  <a:ext cx="467855" cy="444033"/>
+                </a:xfrm>
+                <a:prstGeom prst="rect">
+                  <a:avLst/>
+                </a:prstGeom>
+                <a:solidFill>
+                  <a:schemeClr val="tx1"/>
+                </a:solidFill>
+                <a:ln>
+                  <a:solidFill>
+                    <a:schemeClr val="bg1"/>
+                  </a:solidFill>
+                </a:ln>
+              </p:spPr>
+              <p:style>
+                <a:lnRef idx="2">
+                  <a:schemeClr val="accent1">
+                    <a:shade val="50000"/>
+                  </a:schemeClr>
+                </a:lnRef>
+                <a:fillRef idx="1">
+                  <a:schemeClr val="accent1"/>
+                </a:fillRef>
+                <a:effectRef idx="0">
+                  <a:schemeClr val="accent1"/>
+                </a:effectRef>
+                <a:fontRef idx="minor">
+                  <a:schemeClr val="lt1"/>
+                </a:fontRef>
+              </p:style>
+              <p:txBody>
+                <a:bodyPr rtlCol="0" anchor="ctr"/>
+                <a:lstStyle/>
+                <a:p>
+                  <a:pPr algn="ctr"/>
+                  <a:endParaRPr lang="en-US"/>
+                </a:p>
+              </p:txBody>
+            </p:sp>
+            <p:grpSp>
+              <p:nvGrpSpPr>
+                <p:cNvPr id="143" name="Group 142">
+                  <a:extLst>
+                    <a:ext uri="{FF2B5EF4-FFF2-40B4-BE49-F238E27FC236}">
+                      <a16:creationId xmlns:a16="http://schemas.microsoft.com/office/drawing/2014/main" id="{BF1E025C-C4EE-7640-8E87-17364BCD7F73}"/>
+                    </a:ext>
+                  </a:extLst>
+                </p:cNvPr>
+                <p:cNvGrpSpPr>
+                  <a:grpSpLocks noChangeAspect="1"/>
+                </p:cNvGrpSpPr>
                 <p:nvPr/>
               </p:nvGrpSpPr>
               <p:grpSpPr>
                 <a:xfrm>
-                  <a:off x="3091409" y="3792693"/>
-                  <a:ext cx="467855" cy="444033"/>
-                  <a:chOff x="1129599" y="3378021"/>
-                  <a:chExt cx="467855" cy="444033"/>
+                  <a:off x="1167053" y="3418263"/>
+                  <a:ext cx="392748" cy="383678"/>
+                  <a:chOff x="1278675" y="2029522"/>
+                  <a:chExt cx="1609491" cy="1572321"/>
                 </a:xfrm>
-                <a:effectLst>
-                  <a:outerShdw blurRad="50800" dist="38100" algn="l" rotWithShape="0">
-                    <a:prstClr val="black">
-                      <a:alpha val="40000"/>
-                    </a:prstClr>
-                  </a:outerShdw>
-                </a:effectLst>
               </p:grpSpPr>
               <p:sp>
                 <p:nvSpPr>
-                  <p:cNvPr id="142" name="Rectangle 141">
+                  <p:cNvPr id="144" name="Oval 143">
                     <a:extLst>
                       <a:ext uri="{FF2B5EF4-FFF2-40B4-BE49-F238E27FC236}">
-                        <a16:creationId xmlns:a16="http://schemas.microsoft.com/office/drawing/2014/main" id="{CAB180EB-5A1B-B04A-9DD5-BCA836E724C1}"/>
+                        <a16:creationId xmlns:a16="http://schemas.microsoft.com/office/drawing/2014/main" id="{AC718FB9-EB81-2747-9CA1-9214B32386F7}"/>
                       </a:ext>
                     </a:extLst>
                   </p:cNvPr>
@@ -4649,16 +4696,19 @@
                 </p:nvSpPr>
                 <p:spPr>
                   <a:xfrm>
-                    <a:off x="1129599" y="3378021"/>
-                    <a:ext cx="467855" cy="444033"/>
+                    <a:off x="1278675" y="2029522"/>
+                    <a:ext cx="1609491" cy="1572321"/>
                   </a:xfrm>
-                  <a:prstGeom prst="rect">
+                  <a:prstGeom prst="ellipse">
                     <a:avLst/>
                   </a:prstGeom>
                   <a:solidFill>
-                    <a:schemeClr val="tx1"/>
+                    <a:schemeClr val="tx1">
+                      <a:lumMod val="75000"/>
+                      <a:lumOff val="25000"/>
+                    </a:schemeClr>
                   </a:solidFill>
-                  <a:ln>
+                  <a:ln w="12700">
                     <a:solidFill>
                       <a:schemeClr val="bg1"/>
                     </a:solidFill>
@@ -4689,34 +4739,125 @@
                   </a:p>
                 </p:txBody>
               </p:sp>
-              <p:grpSp>
-                <p:nvGrpSpPr>
-                  <p:cNvPr id="143" name="Group 142">
+              <p:pic>
+                <p:nvPicPr>
+                  <p:cNvPr id="145" name="Graphic 144" descr="Mitochondria with solid fill">
                     <a:extLst>
                       <a:ext uri="{FF2B5EF4-FFF2-40B4-BE49-F238E27FC236}">
-                        <a16:creationId xmlns:a16="http://schemas.microsoft.com/office/drawing/2014/main" id="{BF1E025C-C4EE-7640-8E87-17364BCD7F73}"/>
+                        <a16:creationId xmlns:a16="http://schemas.microsoft.com/office/drawing/2014/main" id="{6DD72087-2D86-4040-BA07-65307E6DBA26}"/>
                       </a:ext>
                     </a:extLst>
                   </p:cNvPr>
-                  <p:cNvGrpSpPr>
-                    <a:grpSpLocks noChangeAspect="1"/>
-                  </p:cNvGrpSpPr>
+                  <p:cNvPicPr>
+                    <a:picLocks noChangeAspect="1"/>
+                  </p:cNvPicPr>
+                  <p:nvPr/>
+                </p:nvPicPr>
+                <p:blipFill>
+                  <a:blip r:embed="rId10">
+                    <a:extLst>
+                      <a:ext uri="{96DAC541-7B7A-43D3-8B79-37D633B846F1}">
+                        <asvg:svgBlip xmlns:asvg="http://schemas.microsoft.com/office/drawing/2016/SVG/main" r:embed="rId11"/>
+                      </a:ext>
+                    </a:extLst>
+                  </a:blip>
+                  <a:stretch>
+                    <a:fillRect/>
+                  </a:stretch>
+                </p:blipFill>
+                <p:spPr>
+                  <a:xfrm rot="21325333">
+                    <a:off x="1896233" y="2729956"/>
+                    <a:ext cx="833526" cy="833526"/>
+                  </a:xfrm>
+                  <a:prstGeom prst="rect">
+                    <a:avLst/>
+                  </a:prstGeom>
+                </p:spPr>
+              </p:pic>
+              <p:grpSp>
+                <p:nvGrpSpPr>
+                  <p:cNvPr id="146" name="Group 145">
+                    <a:extLst>
+                      <a:ext uri="{FF2B5EF4-FFF2-40B4-BE49-F238E27FC236}">
+                        <a16:creationId xmlns:a16="http://schemas.microsoft.com/office/drawing/2014/main" id="{F4B104CB-1ACF-3B49-9E91-97B68211678A}"/>
+                      </a:ext>
+                    </a:extLst>
+                  </p:cNvPr>
+                  <p:cNvGrpSpPr/>
                   <p:nvPr/>
                 </p:nvGrpSpPr>
                 <p:grpSpPr>
                   <a:xfrm>
-                    <a:off x="1167053" y="3418263"/>
-                    <a:ext cx="392748" cy="383678"/>
-                    <a:chOff x="1278675" y="2029522"/>
-                    <a:chExt cx="1609491" cy="1572321"/>
+                    <a:off x="1447051" y="2230255"/>
+                    <a:ext cx="813673" cy="737170"/>
+                    <a:chOff x="1447051" y="2230255"/>
+                    <a:chExt cx="813673" cy="737170"/>
                   </a:xfrm>
                 </p:grpSpPr>
                 <p:sp>
                   <p:nvSpPr>
-                    <p:cNvPr id="144" name="Oval 143">
+                    <p:cNvPr id="147" name="Rounded Rectangle 146">
                       <a:extLst>
                         <a:ext uri="{FF2B5EF4-FFF2-40B4-BE49-F238E27FC236}">
-                          <a16:creationId xmlns:a16="http://schemas.microsoft.com/office/drawing/2014/main" id="{AC718FB9-EB81-2747-9CA1-9214B32386F7}"/>
+                          <a16:creationId xmlns:a16="http://schemas.microsoft.com/office/drawing/2014/main" id="{F98ED525-D756-014E-B4E3-E08F5448E373}"/>
+                        </a:ext>
+                      </a:extLst>
+                    </p:cNvPr>
+                    <p:cNvSpPr/>
+                    <p:nvPr/>
+                  </p:nvSpPr>
+                  <p:spPr>
+                    <a:xfrm rot="18947416">
+                      <a:off x="1447051" y="2230255"/>
+                      <a:ext cx="813673" cy="737170"/>
+                    </a:xfrm>
+                    <a:prstGeom prst="roundRect">
+                      <a:avLst>
+                        <a:gd name="adj" fmla="val 38068"/>
+                      </a:avLst>
+                    </a:prstGeom>
+                    <a:solidFill>
+                      <a:schemeClr val="bg1">
+                        <a:lumMod val="75000"/>
+                        <a:alpha val="77000"/>
+                      </a:schemeClr>
+                    </a:solidFill>
+                    <a:ln w="28575">
+                      <a:noFill/>
+                    </a:ln>
+                  </p:spPr>
+                  <p:style>
+                    <a:lnRef idx="2">
+                      <a:schemeClr val="accent1">
+                        <a:shade val="50000"/>
+                      </a:schemeClr>
+                    </a:lnRef>
+                    <a:fillRef idx="1">
+                      <a:schemeClr val="accent1"/>
+                    </a:fillRef>
+                    <a:effectRef idx="0">
+                      <a:schemeClr val="accent1"/>
+                    </a:effectRef>
+                    <a:fontRef idx="minor">
+                      <a:schemeClr val="lt1"/>
+                    </a:fontRef>
+                  </p:style>
+                  <p:txBody>
+                    <a:bodyPr rtlCol="0" anchor="ctr"/>
+                    <a:lstStyle/>
+                    <a:p>
+                      <a:pPr algn="ctr"/>
+                      <a:endParaRPr lang="en-US" dirty="0"/>
+                    </a:p>
+                  </p:txBody>
+                </p:sp>
+                <p:sp>
+                  <p:nvSpPr>
+                    <p:cNvPr id="148" name="Oval 147">
+                      <a:extLst>
+                        <a:ext uri="{FF2B5EF4-FFF2-40B4-BE49-F238E27FC236}">
+                          <a16:creationId xmlns:a16="http://schemas.microsoft.com/office/drawing/2014/main" id="{DDB6E534-CD11-A34F-BDEC-D531F07AE1EC}"/>
                         </a:ext>
                       </a:extLst>
                     </p:cNvPr>
@@ -4725,22 +4866,17 @@
                   </p:nvSpPr>
                   <p:spPr>
                     <a:xfrm>
-                      <a:off x="1278675" y="2029522"/>
-                      <a:ext cx="1609491" cy="1572321"/>
+                      <a:off x="1664438" y="2401167"/>
+                      <a:ext cx="378899" cy="395346"/>
                     </a:xfrm>
                     <a:prstGeom prst="ellipse">
                       <a:avLst/>
                     </a:prstGeom>
                     <a:solidFill>
-                      <a:schemeClr val="tx1">
-                        <a:lumMod val="75000"/>
-                        <a:lumOff val="25000"/>
-                      </a:schemeClr>
+                      <a:schemeClr val="bg1"/>
                     </a:solidFill>
-                    <a:ln w="12700">
-                      <a:solidFill>
-                        <a:schemeClr val="bg1"/>
-                      </a:solidFill>
+                    <a:ln w="28575">
+                      <a:noFill/>
                     </a:ln>
                   </p:spPr>
                   <p:style>
@@ -4768,302 +4904,213 @@
                     </a:p>
                   </p:txBody>
                 </p:sp>
-                <p:pic>
-                  <p:nvPicPr>
-                    <p:cNvPr id="145" name="Graphic 144" descr="Mitochondria with solid fill">
-                      <a:extLst>
-                        <a:ext uri="{FF2B5EF4-FFF2-40B4-BE49-F238E27FC236}">
-                          <a16:creationId xmlns:a16="http://schemas.microsoft.com/office/drawing/2014/main" id="{6DD72087-2D86-4040-BA07-65307E6DBA26}"/>
-                        </a:ext>
-                      </a:extLst>
-                    </p:cNvPr>
-                    <p:cNvPicPr>
-                      <a:picLocks noChangeAspect="1"/>
-                    </p:cNvPicPr>
-                    <p:nvPr/>
-                  </p:nvPicPr>
-                  <p:blipFill>
-                    <a:blip r:embed="rId10">
-                      <a:extLst>
-                        <a:ext uri="{96DAC541-7B7A-43D3-8B79-37D633B846F1}">
-                          <asvg:svgBlip xmlns:asvg="http://schemas.microsoft.com/office/drawing/2016/SVG/main" r:embed="rId11"/>
-                        </a:ext>
-                      </a:extLst>
-                    </a:blip>
-                    <a:stretch>
-                      <a:fillRect/>
-                    </a:stretch>
-                  </p:blipFill>
-                  <p:spPr>
-                    <a:xfrm rot="21325333">
-                      <a:off x="1896233" y="2729956"/>
-                      <a:ext cx="833526" cy="833526"/>
-                    </a:xfrm>
-                    <a:prstGeom prst="rect">
-                      <a:avLst/>
-                    </a:prstGeom>
-                  </p:spPr>
-                </p:pic>
-                <p:grpSp>
-                  <p:nvGrpSpPr>
-                    <p:cNvPr id="146" name="Group 145">
-                      <a:extLst>
-                        <a:ext uri="{FF2B5EF4-FFF2-40B4-BE49-F238E27FC236}">
-                          <a16:creationId xmlns:a16="http://schemas.microsoft.com/office/drawing/2014/main" id="{F4B104CB-1ACF-3B49-9E91-97B68211678A}"/>
-                        </a:ext>
-                      </a:extLst>
-                    </p:cNvPr>
-                    <p:cNvGrpSpPr/>
-                    <p:nvPr/>
-                  </p:nvGrpSpPr>
-                  <p:grpSpPr>
-                    <a:xfrm>
-                      <a:off x="1447051" y="2230255"/>
-                      <a:ext cx="813673" cy="737170"/>
-                      <a:chOff x="1447051" y="2230255"/>
-                      <a:chExt cx="813673" cy="737170"/>
-                    </a:xfrm>
-                  </p:grpSpPr>
-                  <p:sp>
-                    <p:nvSpPr>
-                      <p:cNvPr id="147" name="Rounded Rectangle 146">
-                        <a:extLst>
-                          <a:ext uri="{FF2B5EF4-FFF2-40B4-BE49-F238E27FC236}">
-                            <a16:creationId xmlns:a16="http://schemas.microsoft.com/office/drawing/2014/main" id="{F98ED525-D756-014E-B4E3-E08F5448E373}"/>
-                          </a:ext>
-                        </a:extLst>
-                      </p:cNvPr>
-                      <p:cNvSpPr/>
-                      <p:nvPr/>
-                    </p:nvSpPr>
-                    <p:spPr>
-                      <a:xfrm rot="18947416">
-                        <a:off x="1447051" y="2230255"/>
-                        <a:ext cx="813673" cy="737170"/>
-                      </a:xfrm>
-                      <a:prstGeom prst="roundRect">
-                        <a:avLst>
-                          <a:gd name="adj" fmla="val 38068"/>
-                        </a:avLst>
-                      </a:prstGeom>
-                      <a:solidFill>
-                        <a:schemeClr val="bg1">
-                          <a:lumMod val="75000"/>
-                          <a:alpha val="77000"/>
-                        </a:schemeClr>
-                      </a:solidFill>
-                      <a:ln w="28575">
-                        <a:noFill/>
-                      </a:ln>
-                    </p:spPr>
-                    <p:style>
-                      <a:lnRef idx="2">
-                        <a:schemeClr val="accent1">
-                          <a:shade val="50000"/>
-                        </a:schemeClr>
-                      </a:lnRef>
-                      <a:fillRef idx="1">
-                        <a:schemeClr val="accent1"/>
-                      </a:fillRef>
-                      <a:effectRef idx="0">
-                        <a:schemeClr val="accent1"/>
-                      </a:effectRef>
-                      <a:fontRef idx="minor">
-                        <a:schemeClr val="lt1"/>
-                      </a:fontRef>
-                    </p:style>
-                    <p:txBody>
-                      <a:bodyPr rtlCol="0" anchor="ctr"/>
-                      <a:lstStyle/>
-                      <a:p>
-                        <a:pPr algn="ctr"/>
-                        <a:endParaRPr lang="en-US" dirty="0"/>
-                      </a:p>
-                    </p:txBody>
-                  </p:sp>
-                  <p:sp>
-                    <p:nvSpPr>
-                      <p:cNvPr id="148" name="Oval 147">
-                        <a:extLst>
-                          <a:ext uri="{FF2B5EF4-FFF2-40B4-BE49-F238E27FC236}">
-                            <a16:creationId xmlns:a16="http://schemas.microsoft.com/office/drawing/2014/main" id="{DDB6E534-CD11-A34F-BDEC-D531F07AE1EC}"/>
-                          </a:ext>
-                        </a:extLst>
-                      </p:cNvPr>
-                      <p:cNvSpPr/>
-                      <p:nvPr/>
-                    </p:nvSpPr>
-                    <p:spPr>
-                      <a:xfrm>
-                        <a:off x="1664438" y="2401167"/>
-                        <a:ext cx="378899" cy="395346"/>
-                      </a:xfrm>
-                      <a:prstGeom prst="ellipse">
-                        <a:avLst/>
-                      </a:prstGeom>
-                      <a:solidFill>
-                        <a:schemeClr val="bg1"/>
-                      </a:solidFill>
-                      <a:ln w="28575">
-                        <a:noFill/>
-                      </a:ln>
-                    </p:spPr>
-                    <p:style>
-                      <a:lnRef idx="2">
-                        <a:schemeClr val="accent1">
-                          <a:shade val="50000"/>
-                        </a:schemeClr>
-                      </a:lnRef>
-                      <a:fillRef idx="1">
-                        <a:schemeClr val="accent1"/>
-                      </a:fillRef>
-                      <a:effectRef idx="0">
-                        <a:schemeClr val="accent1"/>
-                      </a:effectRef>
-                      <a:fontRef idx="minor">
-                        <a:schemeClr val="lt1"/>
-                      </a:fontRef>
-                    </p:style>
-                    <p:txBody>
-                      <a:bodyPr rtlCol="0" anchor="ctr"/>
-                      <a:lstStyle/>
-                      <a:p>
-                        <a:pPr algn="ctr"/>
-                        <a:endParaRPr lang="en-US"/>
-                      </a:p>
-                    </p:txBody>
-                  </p:sp>
-                </p:grpSp>
               </p:grpSp>
             </p:grpSp>
           </p:grpSp>
-          <p:pic>
-            <p:nvPicPr>
-              <p:cNvPr id="109" name="Graphic 108" descr="Open folder with solid fill">
+        </p:grpSp>
+        <p:pic>
+          <p:nvPicPr>
+            <p:cNvPr id="109" name="Graphic 108" descr="Open folder with solid fill">
+              <a:extLst>
+                <a:ext uri="{FF2B5EF4-FFF2-40B4-BE49-F238E27FC236}">
+                  <a16:creationId xmlns:a16="http://schemas.microsoft.com/office/drawing/2014/main" id="{E378EB17-06E2-2F4B-B730-C8A29A97CB19}"/>
+                </a:ext>
+              </a:extLst>
+            </p:cNvPr>
+            <p:cNvPicPr>
+              <a:picLocks noChangeAspect="1"/>
+            </p:cNvPicPr>
+            <p:nvPr/>
+          </p:nvPicPr>
+          <p:blipFill>
+            <a:blip r:embed="rId12">
+              <a:extLst>
+                <a:ext uri="{96DAC541-7B7A-43D3-8B79-37D633B846F1}">
+                  <asvg:svgBlip xmlns:asvg="http://schemas.microsoft.com/office/drawing/2016/SVG/main" r:embed="rId13"/>
+                </a:ext>
+              </a:extLst>
+            </a:blip>
+            <a:stretch>
+              <a:fillRect/>
+            </a:stretch>
+          </p:blipFill>
+          <p:spPr>
+            <a:xfrm>
+              <a:off x="5880233" y="1542287"/>
+              <a:ext cx="461665" cy="461665"/>
+            </a:xfrm>
+            <a:prstGeom prst="rect">
+              <a:avLst/>
+            </a:prstGeom>
+          </p:spPr>
+        </p:pic>
+        <p:pic>
+          <p:nvPicPr>
+            <p:cNvPr id="110" name="Graphic 109" descr="Open folder with solid fill">
+              <a:extLst>
+                <a:ext uri="{FF2B5EF4-FFF2-40B4-BE49-F238E27FC236}">
+                  <a16:creationId xmlns:a16="http://schemas.microsoft.com/office/drawing/2014/main" id="{D9CAEFCD-47E2-BC41-987E-C595C64E02BC}"/>
+                </a:ext>
+              </a:extLst>
+            </p:cNvPr>
+            <p:cNvPicPr>
+              <a:picLocks noChangeAspect="1"/>
+            </p:cNvPicPr>
+            <p:nvPr/>
+          </p:nvPicPr>
+          <p:blipFill>
+            <a:blip r:embed="rId12">
+              <a:extLst>
+                <a:ext uri="{96DAC541-7B7A-43D3-8B79-37D633B846F1}">
+                  <asvg:svgBlip xmlns:asvg="http://schemas.microsoft.com/office/drawing/2016/SVG/main" r:embed="rId13"/>
+                </a:ext>
+              </a:extLst>
+            </a:blip>
+            <a:stretch>
+              <a:fillRect/>
+            </a:stretch>
+          </p:blipFill>
+          <p:spPr>
+            <a:xfrm>
+              <a:off x="5897707" y="1072715"/>
+              <a:ext cx="430743" cy="430743"/>
+            </a:xfrm>
+            <a:prstGeom prst="rect">
+              <a:avLst/>
+            </a:prstGeom>
+          </p:spPr>
+        </p:pic>
+        <p:grpSp>
+          <p:nvGrpSpPr>
+            <p:cNvPr id="111" name="Group 110">
+              <a:extLst>
+                <a:ext uri="{FF2B5EF4-FFF2-40B4-BE49-F238E27FC236}">
+                  <a16:creationId xmlns:a16="http://schemas.microsoft.com/office/drawing/2014/main" id="{37AA4773-5DC8-2F4B-A593-D413B4B0B2C6}"/>
+                </a:ext>
+              </a:extLst>
+            </p:cNvPr>
+            <p:cNvGrpSpPr>
+              <a:grpSpLocks noChangeAspect="1"/>
+            </p:cNvGrpSpPr>
+            <p:nvPr/>
+          </p:nvGrpSpPr>
+          <p:grpSpPr>
+            <a:xfrm>
+              <a:off x="6444352" y="1635624"/>
+              <a:ext cx="246593" cy="274989"/>
+              <a:chOff x="3091409" y="3516700"/>
+              <a:chExt cx="645672" cy="720026"/>
+            </a:xfrm>
+          </p:grpSpPr>
+          <p:grpSp>
+            <p:nvGrpSpPr>
+              <p:cNvPr id="115" name="Group 114">
                 <a:extLst>
                   <a:ext uri="{FF2B5EF4-FFF2-40B4-BE49-F238E27FC236}">
-                    <a16:creationId xmlns:a16="http://schemas.microsoft.com/office/drawing/2014/main" id="{E378EB17-06E2-2F4B-B730-C8A29A97CB19}"/>
+                    <a16:creationId xmlns:a16="http://schemas.microsoft.com/office/drawing/2014/main" id="{327F9C95-8C2E-F240-B79B-E04A54A8ADD6}"/>
                   </a:ext>
                 </a:extLst>
               </p:cNvPr>
-              <p:cNvPicPr>
-                <a:picLocks noChangeAspect="1"/>
-              </p:cNvPicPr>
-              <p:nvPr/>
-            </p:nvPicPr>
-            <p:blipFill>
-              <a:blip r:embed="rId12">
-                <a:extLst>
-                  <a:ext uri="{96DAC541-7B7A-43D3-8B79-37D633B846F1}">
-                    <asvg:svgBlip xmlns:asvg="http://schemas.microsoft.com/office/drawing/2016/SVG/main" r:embed="rId13"/>
-                  </a:ext>
-                </a:extLst>
-              </a:blip>
-              <a:stretch>
-                <a:fillRect/>
-              </a:stretch>
-            </p:blipFill>
-            <p:spPr>
-              <a:xfrm>
-                <a:off x="5880233" y="1542287"/>
-                <a:ext cx="461665" cy="461665"/>
-              </a:xfrm>
-              <a:prstGeom prst="rect">
-                <a:avLst/>
-              </a:prstGeom>
-            </p:spPr>
-          </p:pic>
-          <p:pic>
-            <p:nvPicPr>
-              <p:cNvPr id="110" name="Graphic 109" descr="Open folder with solid fill">
-                <a:extLst>
-                  <a:ext uri="{FF2B5EF4-FFF2-40B4-BE49-F238E27FC236}">
-                    <a16:creationId xmlns:a16="http://schemas.microsoft.com/office/drawing/2014/main" id="{D9CAEFCD-47E2-BC41-987E-C595C64E02BC}"/>
-                  </a:ext>
-                </a:extLst>
-              </p:cNvPr>
-              <p:cNvPicPr>
-                <a:picLocks noChangeAspect="1"/>
-              </p:cNvPicPr>
-              <p:nvPr/>
-            </p:nvPicPr>
-            <p:blipFill>
-              <a:blip r:embed="rId12">
-                <a:extLst>
-                  <a:ext uri="{96DAC541-7B7A-43D3-8B79-37D633B846F1}">
-                    <asvg:svgBlip xmlns:asvg="http://schemas.microsoft.com/office/drawing/2016/SVG/main" r:embed="rId13"/>
-                  </a:ext>
-                </a:extLst>
-              </a:blip>
-              <a:stretch>
-                <a:fillRect/>
-              </a:stretch>
-            </p:blipFill>
-            <p:spPr>
-              <a:xfrm>
-                <a:off x="5897707" y="1072715"/>
-                <a:ext cx="430743" cy="430743"/>
-              </a:xfrm>
-              <a:prstGeom prst="rect">
-                <a:avLst/>
-              </a:prstGeom>
-            </p:spPr>
-          </p:pic>
-          <p:grpSp>
-            <p:nvGrpSpPr>
-              <p:cNvPr id="111" name="Group 110">
-                <a:extLst>
-                  <a:ext uri="{FF2B5EF4-FFF2-40B4-BE49-F238E27FC236}">
-                    <a16:creationId xmlns:a16="http://schemas.microsoft.com/office/drawing/2014/main" id="{37AA4773-5DC8-2F4B-A593-D413B4B0B2C6}"/>
-                  </a:ext>
-                </a:extLst>
-              </p:cNvPr>
-              <p:cNvGrpSpPr>
-                <a:grpSpLocks noChangeAspect="1"/>
-              </p:cNvGrpSpPr>
+              <p:cNvGrpSpPr/>
               <p:nvPr/>
             </p:nvGrpSpPr>
             <p:grpSpPr>
               <a:xfrm>
-                <a:off x="6444352" y="1635624"/>
-                <a:ext cx="246593" cy="274989"/>
-                <a:chOff x="3091409" y="3516700"/>
-                <a:chExt cx="645672" cy="720026"/>
+                <a:off x="3269226" y="3516700"/>
+                <a:ext cx="467855" cy="444033"/>
+                <a:chOff x="1129599" y="3378021"/>
+                <a:chExt cx="467855" cy="444033"/>
               </a:xfrm>
+              <a:effectLst>
+                <a:outerShdw blurRad="50800" dist="38100" algn="l" rotWithShape="0">
+                  <a:prstClr val="black">
+                    <a:alpha val="40000"/>
+                  </a:prstClr>
+                </a:outerShdw>
+              </a:effectLst>
             </p:grpSpPr>
-            <p:grpSp>
-              <p:nvGrpSpPr>
-                <p:cNvPr id="115" name="Group 114">
+            <p:sp>
+              <p:nvSpPr>
+                <p:cNvPr id="132" name="Rectangle 131">
                   <a:extLst>
                     <a:ext uri="{FF2B5EF4-FFF2-40B4-BE49-F238E27FC236}">
-                      <a16:creationId xmlns:a16="http://schemas.microsoft.com/office/drawing/2014/main" id="{327F9C95-8C2E-F240-B79B-E04A54A8ADD6}"/>
+                      <a16:creationId xmlns:a16="http://schemas.microsoft.com/office/drawing/2014/main" id="{C1521649-E268-624A-AD66-1E1042066711}"/>
                     </a:ext>
                   </a:extLst>
                 </p:cNvPr>
-                <p:cNvGrpSpPr/>
+                <p:cNvSpPr/>
+                <p:nvPr/>
+              </p:nvSpPr>
+              <p:spPr>
+                <a:xfrm>
+                  <a:off x="1129599" y="3378021"/>
+                  <a:ext cx="467855" cy="444033"/>
+                </a:xfrm>
+                <a:prstGeom prst="rect">
+                  <a:avLst/>
+                </a:prstGeom>
+                <a:solidFill>
+                  <a:schemeClr val="tx1"/>
+                </a:solidFill>
+                <a:ln>
+                  <a:solidFill>
+                    <a:schemeClr val="bg1"/>
+                  </a:solidFill>
+                </a:ln>
+              </p:spPr>
+              <p:style>
+                <a:lnRef idx="2">
+                  <a:schemeClr val="accent1">
+                    <a:shade val="50000"/>
+                  </a:schemeClr>
+                </a:lnRef>
+                <a:fillRef idx="1">
+                  <a:schemeClr val="accent1"/>
+                </a:fillRef>
+                <a:effectRef idx="0">
+                  <a:schemeClr val="accent1"/>
+                </a:effectRef>
+                <a:fontRef idx="minor">
+                  <a:schemeClr val="lt1"/>
+                </a:fontRef>
+              </p:style>
+              <p:txBody>
+                <a:bodyPr rtlCol="0" anchor="ctr"/>
+                <a:lstStyle/>
+                <a:p>
+                  <a:pPr algn="ctr"/>
+                  <a:endParaRPr lang="en-US"/>
+                </a:p>
+              </p:txBody>
+            </p:sp>
+            <p:grpSp>
+              <p:nvGrpSpPr>
+                <p:cNvPr id="133" name="Group 132">
+                  <a:extLst>
+                    <a:ext uri="{FF2B5EF4-FFF2-40B4-BE49-F238E27FC236}">
+                      <a16:creationId xmlns:a16="http://schemas.microsoft.com/office/drawing/2014/main" id="{DEB81A8A-9CB7-DE42-AE2C-F8EF69CA5CB8}"/>
+                    </a:ext>
+                  </a:extLst>
+                </p:cNvPr>
+                <p:cNvGrpSpPr>
+                  <a:grpSpLocks noChangeAspect="1"/>
+                </p:cNvGrpSpPr>
                 <p:nvPr/>
               </p:nvGrpSpPr>
               <p:grpSpPr>
                 <a:xfrm>
-                  <a:off x="3269226" y="3516700"/>
-                  <a:ext cx="467855" cy="444033"/>
-                  <a:chOff x="1129599" y="3378021"/>
-                  <a:chExt cx="467855" cy="444033"/>
+                  <a:off x="1167053" y="3418263"/>
+                  <a:ext cx="392748" cy="383678"/>
+                  <a:chOff x="1278675" y="2029522"/>
+                  <a:chExt cx="1609491" cy="1572321"/>
                 </a:xfrm>
-                <a:effectLst>
-                  <a:outerShdw blurRad="50800" dist="38100" algn="l" rotWithShape="0">
-                    <a:prstClr val="black">
-                      <a:alpha val="40000"/>
-                    </a:prstClr>
-                  </a:outerShdw>
-                </a:effectLst>
               </p:grpSpPr>
               <p:sp>
                 <p:nvSpPr>
-                  <p:cNvPr id="132" name="Rectangle 131">
+                  <p:cNvPr id="134" name="Oval 133">
                     <a:extLst>
                       <a:ext uri="{FF2B5EF4-FFF2-40B4-BE49-F238E27FC236}">
-                        <a16:creationId xmlns:a16="http://schemas.microsoft.com/office/drawing/2014/main" id="{C1521649-E268-624A-AD66-1E1042066711}"/>
+                        <a16:creationId xmlns:a16="http://schemas.microsoft.com/office/drawing/2014/main" id="{0B78298F-934B-0440-B524-000FFE8113B2}"/>
                       </a:ext>
                     </a:extLst>
                   </p:cNvPr>
@@ -5072,16 +5119,19 @@
                 </p:nvSpPr>
                 <p:spPr>
                   <a:xfrm>
-                    <a:off x="1129599" y="3378021"/>
-                    <a:ext cx="467855" cy="444033"/>
+                    <a:off x="1278675" y="2029522"/>
+                    <a:ext cx="1609491" cy="1572321"/>
                   </a:xfrm>
-                  <a:prstGeom prst="rect">
+                  <a:prstGeom prst="ellipse">
                     <a:avLst/>
                   </a:prstGeom>
                   <a:solidFill>
-                    <a:schemeClr val="tx1"/>
+                    <a:schemeClr val="tx1">
+                      <a:lumMod val="75000"/>
+                      <a:lumOff val="25000"/>
+                    </a:schemeClr>
                   </a:solidFill>
-                  <a:ln>
+                  <a:ln w="12700">
                     <a:solidFill>
                       <a:schemeClr val="bg1"/>
                     </a:solidFill>
@@ -5112,34 +5162,125 @@
                   </a:p>
                 </p:txBody>
               </p:sp>
-              <p:grpSp>
-                <p:nvGrpSpPr>
-                  <p:cNvPr id="133" name="Group 132">
+              <p:pic>
+                <p:nvPicPr>
+                  <p:cNvPr id="135" name="Graphic 134" descr="Mitochondria with solid fill">
                     <a:extLst>
                       <a:ext uri="{FF2B5EF4-FFF2-40B4-BE49-F238E27FC236}">
-                        <a16:creationId xmlns:a16="http://schemas.microsoft.com/office/drawing/2014/main" id="{DEB81A8A-9CB7-DE42-AE2C-F8EF69CA5CB8}"/>
+                        <a16:creationId xmlns:a16="http://schemas.microsoft.com/office/drawing/2014/main" id="{D49A7C81-9435-2748-97AB-5AFA6F379760}"/>
                       </a:ext>
                     </a:extLst>
                   </p:cNvPr>
-                  <p:cNvGrpSpPr>
-                    <a:grpSpLocks noChangeAspect="1"/>
-                  </p:cNvGrpSpPr>
+                  <p:cNvPicPr>
+                    <a:picLocks noChangeAspect="1"/>
+                  </p:cNvPicPr>
+                  <p:nvPr/>
+                </p:nvPicPr>
+                <p:blipFill>
+                  <a:blip r:embed="rId10">
+                    <a:extLst>
+                      <a:ext uri="{96DAC541-7B7A-43D3-8B79-37D633B846F1}">
+                        <asvg:svgBlip xmlns:asvg="http://schemas.microsoft.com/office/drawing/2016/SVG/main" r:embed="rId11"/>
+                      </a:ext>
+                    </a:extLst>
+                  </a:blip>
+                  <a:stretch>
+                    <a:fillRect/>
+                  </a:stretch>
+                </p:blipFill>
+                <p:spPr>
+                  <a:xfrm rot="21325333">
+                    <a:off x="1896233" y="2729956"/>
+                    <a:ext cx="833526" cy="833526"/>
+                  </a:xfrm>
+                  <a:prstGeom prst="rect">
+                    <a:avLst/>
+                  </a:prstGeom>
+                </p:spPr>
+              </p:pic>
+              <p:grpSp>
+                <p:nvGrpSpPr>
+                  <p:cNvPr id="136" name="Group 135">
+                    <a:extLst>
+                      <a:ext uri="{FF2B5EF4-FFF2-40B4-BE49-F238E27FC236}">
+                        <a16:creationId xmlns:a16="http://schemas.microsoft.com/office/drawing/2014/main" id="{AE9B41E0-9718-284B-9B8A-4CFFAECF553F}"/>
+                      </a:ext>
+                    </a:extLst>
+                  </p:cNvPr>
+                  <p:cNvGrpSpPr/>
                   <p:nvPr/>
                 </p:nvGrpSpPr>
                 <p:grpSpPr>
                   <a:xfrm>
-                    <a:off x="1167053" y="3418263"/>
-                    <a:ext cx="392748" cy="383678"/>
-                    <a:chOff x="1278675" y="2029522"/>
-                    <a:chExt cx="1609491" cy="1572321"/>
+                    <a:off x="1447051" y="2230255"/>
+                    <a:ext cx="813673" cy="737170"/>
+                    <a:chOff x="1447051" y="2230255"/>
+                    <a:chExt cx="813673" cy="737170"/>
                   </a:xfrm>
                 </p:grpSpPr>
                 <p:sp>
                   <p:nvSpPr>
-                    <p:cNvPr id="134" name="Oval 133">
+                    <p:cNvPr id="137" name="Rounded Rectangle 136">
                       <a:extLst>
                         <a:ext uri="{FF2B5EF4-FFF2-40B4-BE49-F238E27FC236}">
-                          <a16:creationId xmlns:a16="http://schemas.microsoft.com/office/drawing/2014/main" id="{0B78298F-934B-0440-B524-000FFE8113B2}"/>
+                          <a16:creationId xmlns:a16="http://schemas.microsoft.com/office/drawing/2014/main" id="{625019CC-C9ED-534B-B56E-CCF84DE48285}"/>
+                        </a:ext>
+                      </a:extLst>
+                    </p:cNvPr>
+                    <p:cNvSpPr/>
+                    <p:nvPr/>
+                  </p:nvSpPr>
+                  <p:spPr>
+                    <a:xfrm rot="18947416">
+                      <a:off x="1447051" y="2230255"/>
+                      <a:ext cx="813673" cy="737170"/>
+                    </a:xfrm>
+                    <a:prstGeom prst="roundRect">
+                      <a:avLst>
+                        <a:gd name="adj" fmla="val 38068"/>
+                      </a:avLst>
+                    </a:prstGeom>
+                    <a:solidFill>
+                      <a:schemeClr val="bg1">
+                        <a:lumMod val="75000"/>
+                        <a:alpha val="77000"/>
+                      </a:schemeClr>
+                    </a:solidFill>
+                    <a:ln w="28575">
+                      <a:noFill/>
+                    </a:ln>
+                  </p:spPr>
+                  <p:style>
+                    <a:lnRef idx="2">
+                      <a:schemeClr val="accent1">
+                        <a:shade val="50000"/>
+                      </a:schemeClr>
+                    </a:lnRef>
+                    <a:fillRef idx="1">
+                      <a:schemeClr val="accent1"/>
+                    </a:fillRef>
+                    <a:effectRef idx="0">
+                      <a:schemeClr val="accent1"/>
+                    </a:effectRef>
+                    <a:fontRef idx="minor">
+                      <a:schemeClr val="lt1"/>
+                    </a:fontRef>
+                  </p:style>
+                  <p:txBody>
+                    <a:bodyPr rtlCol="0" anchor="ctr"/>
+                    <a:lstStyle/>
+                    <a:p>
+                      <a:pPr algn="ctr"/>
+                      <a:endParaRPr lang="en-US" dirty="0"/>
+                    </a:p>
+                  </p:txBody>
+                </p:sp>
+                <p:sp>
+                  <p:nvSpPr>
+                    <p:cNvPr id="138" name="Oval 137">
+                      <a:extLst>
+                        <a:ext uri="{FF2B5EF4-FFF2-40B4-BE49-F238E27FC236}">
+                          <a16:creationId xmlns:a16="http://schemas.microsoft.com/office/drawing/2014/main" id="{BC385512-A375-0748-BB07-5EA12E86641B}"/>
                         </a:ext>
                       </a:extLst>
                     </p:cNvPr>
@@ -5148,22 +5289,17 @@
                   </p:nvSpPr>
                   <p:spPr>
                     <a:xfrm>
-                      <a:off x="1278675" y="2029522"/>
-                      <a:ext cx="1609491" cy="1572321"/>
+                      <a:off x="1664438" y="2401167"/>
+                      <a:ext cx="378899" cy="395346"/>
                     </a:xfrm>
                     <a:prstGeom prst="ellipse">
                       <a:avLst/>
                     </a:prstGeom>
                     <a:solidFill>
-                      <a:schemeClr val="tx1">
-                        <a:lumMod val="75000"/>
-                        <a:lumOff val="25000"/>
-                      </a:schemeClr>
+                      <a:schemeClr val="bg1"/>
                     </a:solidFill>
-                    <a:ln w="12700">
-                      <a:solidFill>
-                        <a:schemeClr val="bg1"/>
-                      </a:solidFill>
+                    <a:ln w="28575">
+                      <a:noFill/>
                     </a:ln>
                   </p:spPr>
                   <p:style>
@@ -5191,207 +5327,118 @@
                     </a:p>
                   </p:txBody>
                 </p:sp>
-                <p:pic>
-                  <p:nvPicPr>
-                    <p:cNvPr id="135" name="Graphic 134" descr="Mitochondria with solid fill">
-                      <a:extLst>
-                        <a:ext uri="{FF2B5EF4-FFF2-40B4-BE49-F238E27FC236}">
-                          <a16:creationId xmlns:a16="http://schemas.microsoft.com/office/drawing/2014/main" id="{D49A7C81-9435-2748-97AB-5AFA6F379760}"/>
-                        </a:ext>
-                      </a:extLst>
-                    </p:cNvPr>
-                    <p:cNvPicPr>
-                      <a:picLocks noChangeAspect="1"/>
-                    </p:cNvPicPr>
-                    <p:nvPr/>
-                  </p:nvPicPr>
-                  <p:blipFill>
-                    <a:blip r:embed="rId10">
-                      <a:extLst>
-                        <a:ext uri="{96DAC541-7B7A-43D3-8B79-37D633B846F1}">
-                          <asvg:svgBlip xmlns:asvg="http://schemas.microsoft.com/office/drawing/2016/SVG/main" r:embed="rId11"/>
-                        </a:ext>
-                      </a:extLst>
-                    </a:blip>
-                    <a:stretch>
-                      <a:fillRect/>
-                    </a:stretch>
-                  </p:blipFill>
-                  <p:spPr>
-                    <a:xfrm rot="21325333">
-                      <a:off x="1896233" y="2729956"/>
-                      <a:ext cx="833526" cy="833526"/>
-                    </a:xfrm>
-                    <a:prstGeom prst="rect">
-                      <a:avLst/>
-                    </a:prstGeom>
-                  </p:spPr>
-                </p:pic>
-                <p:grpSp>
-                  <p:nvGrpSpPr>
-                    <p:cNvPr id="136" name="Group 135">
-                      <a:extLst>
-                        <a:ext uri="{FF2B5EF4-FFF2-40B4-BE49-F238E27FC236}">
-                          <a16:creationId xmlns:a16="http://schemas.microsoft.com/office/drawing/2014/main" id="{AE9B41E0-9718-284B-9B8A-4CFFAECF553F}"/>
-                        </a:ext>
-                      </a:extLst>
-                    </p:cNvPr>
-                    <p:cNvGrpSpPr/>
-                    <p:nvPr/>
-                  </p:nvGrpSpPr>
-                  <p:grpSpPr>
-                    <a:xfrm>
-                      <a:off x="1447051" y="2230255"/>
-                      <a:ext cx="813673" cy="737170"/>
-                      <a:chOff x="1447051" y="2230255"/>
-                      <a:chExt cx="813673" cy="737170"/>
-                    </a:xfrm>
-                  </p:grpSpPr>
-                  <p:sp>
-                    <p:nvSpPr>
-                      <p:cNvPr id="137" name="Rounded Rectangle 136">
-                        <a:extLst>
-                          <a:ext uri="{FF2B5EF4-FFF2-40B4-BE49-F238E27FC236}">
-                            <a16:creationId xmlns:a16="http://schemas.microsoft.com/office/drawing/2014/main" id="{625019CC-C9ED-534B-B56E-CCF84DE48285}"/>
-                          </a:ext>
-                        </a:extLst>
-                      </p:cNvPr>
-                      <p:cNvSpPr/>
-                      <p:nvPr/>
-                    </p:nvSpPr>
-                    <p:spPr>
-                      <a:xfrm rot="18947416">
-                        <a:off x="1447051" y="2230255"/>
-                        <a:ext cx="813673" cy="737170"/>
-                      </a:xfrm>
-                      <a:prstGeom prst="roundRect">
-                        <a:avLst>
-                          <a:gd name="adj" fmla="val 38068"/>
-                        </a:avLst>
-                      </a:prstGeom>
-                      <a:solidFill>
-                        <a:schemeClr val="bg1">
-                          <a:lumMod val="75000"/>
-                          <a:alpha val="77000"/>
-                        </a:schemeClr>
-                      </a:solidFill>
-                      <a:ln w="28575">
-                        <a:noFill/>
-                      </a:ln>
-                    </p:spPr>
-                    <p:style>
-                      <a:lnRef idx="2">
-                        <a:schemeClr val="accent1">
-                          <a:shade val="50000"/>
-                        </a:schemeClr>
-                      </a:lnRef>
-                      <a:fillRef idx="1">
-                        <a:schemeClr val="accent1"/>
-                      </a:fillRef>
-                      <a:effectRef idx="0">
-                        <a:schemeClr val="accent1"/>
-                      </a:effectRef>
-                      <a:fontRef idx="minor">
-                        <a:schemeClr val="lt1"/>
-                      </a:fontRef>
-                    </p:style>
-                    <p:txBody>
-                      <a:bodyPr rtlCol="0" anchor="ctr"/>
-                      <a:lstStyle/>
-                      <a:p>
-                        <a:pPr algn="ctr"/>
-                        <a:endParaRPr lang="en-US" dirty="0"/>
-                      </a:p>
-                    </p:txBody>
-                  </p:sp>
-                  <p:sp>
-                    <p:nvSpPr>
-                      <p:cNvPr id="138" name="Oval 137">
-                        <a:extLst>
-                          <a:ext uri="{FF2B5EF4-FFF2-40B4-BE49-F238E27FC236}">
-                            <a16:creationId xmlns:a16="http://schemas.microsoft.com/office/drawing/2014/main" id="{BC385512-A375-0748-BB07-5EA12E86641B}"/>
-                          </a:ext>
-                        </a:extLst>
-                      </p:cNvPr>
-                      <p:cNvSpPr/>
-                      <p:nvPr/>
-                    </p:nvSpPr>
-                    <p:spPr>
-                      <a:xfrm>
-                        <a:off x="1664438" y="2401167"/>
-                        <a:ext cx="378899" cy="395346"/>
-                      </a:xfrm>
-                      <a:prstGeom prst="ellipse">
-                        <a:avLst/>
-                      </a:prstGeom>
-                      <a:solidFill>
-                        <a:schemeClr val="bg1"/>
-                      </a:solidFill>
-                      <a:ln w="28575">
-                        <a:noFill/>
-                      </a:ln>
-                    </p:spPr>
-                    <p:style>
-                      <a:lnRef idx="2">
-                        <a:schemeClr val="accent1">
-                          <a:shade val="50000"/>
-                        </a:schemeClr>
-                      </a:lnRef>
-                      <a:fillRef idx="1">
-                        <a:schemeClr val="accent1"/>
-                      </a:fillRef>
-                      <a:effectRef idx="0">
-                        <a:schemeClr val="accent1"/>
-                      </a:effectRef>
-                      <a:fontRef idx="minor">
-                        <a:schemeClr val="lt1"/>
-                      </a:fontRef>
-                    </p:style>
-                    <p:txBody>
-                      <a:bodyPr rtlCol="0" anchor="ctr"/>
-                      <a:lstStyle/>
-                      <a:p>
-                        <a:pPr algn="ctr"/>
-                        <a:endParaRPr lang="en-US"/>
-                      </a:p>
-                    </p:txBody>
-                  </p:sp>
-                </p:grpSp>
               </p:grpSp>
             </p:grpSp>
-            <p:grpSp>
-              <p:nvGrpSpPr>
-                <p:cNvPr id="116" name="Group 115">
+          </p:grpSp>
+          <p:grpSp>
+            <p:nvGrpSpPr>
+              <p:cNvPr id="116" name="Group 115">
+                <a:extLst>
+                  <a:ext uri="{FF2B5EF4-FFF2-40B4-BE49-F238E27FC236}">
+                    <a16:creationId xmlns:a16="http://schemas.microsoft.com/office/drawing/2014/main" id="{889E3CDD-15BE-1B4D-843C-B4252CC95721}"/>
+                  </a:ext>
+                </a:extLst>
+              </p:cNvPr>
+              <p:cNvGrpSpPr/>
+              <p:nvPr/>
+            </p:nvGrpSpPr>
+            <p:grpSpPr>
+              <a:xfrm>
+                <a:off x="3161917" y="3649627"/>
+                <a:ext cx="467855" cy="444033"/>
+                <a:chOff x="1129599" y="3378021"/>
+                <a:chExt cx="467855" cy="444033"/>
+              </a:xfrm>
+              <a:effectLst>
+                <a:outerShdw blurRad="50800" dist="38100" algn="l" rotWithShape="0">
+                  <a:prstClr val="black">
+                    <a:alpha val="40000"/>
+                  </a:prstClr>
+                </a:outerShdw>
+              </a:effectLst>
+            </p:grpSpPr>
+            <p:sp>
+              <p:nvSpPr>
+                <p:cNvPr id="125" name="Rectangle 124">
                   <a:extLst>
                     <a:ext uri="{FF2B5EF4-FFF2-40B4-BE49-F238E27FC236}">
-                      <a16:creationId xmlns:a16="http://schemas.microsoft.com/office/drawing/2014/main" id="{889E3CDD-15BE-1B4D-843C-B4252CC95721}"/>
+                      <a16:creationId xmlns:a16="http://schemas.microsoft.com/office/drawing/2014/main" id="{86C4FA4C-1823-1840-B271-4D8C0BD65AF5}"/>
                     </a:ext>
                   </a:extLst>
                 </p:cNvPr>
-                <p:cNvGrpSpPr/>
+                <p:cNvSpPr/>
+                <p:nvPr/>
+              </p:nvSpPr>
+              <p:spPr>
+                <a:xfrm>
+                  <a:off x="1129599" y="3378021"/>
+                  <a:ext cx="467855" cy="444033"/>
+                </a:xfrm>
+                <a:prstGeom prst="rect">
+                  <a:avLst/>
+                </a:prstGeom>
+                <a:solidFill>
+                  <a:schemeClr val="tx1"/>
+                </a:solidFill>
+                <a:ln>
+                  <a:solidFill>
+                    <a:schemeClr val="bg1"/>
+                  </a:solidFill>
+                </a:ln>
+              </p:spPr>
+              <p:style>
+                <a:lnRef idx="2">
+                  <a:schemeClr val="accent1">
+                    <a:shade val="50000"/>
+                  </a:schemeClr>
+                </a:lnRef>
+                <a:fillRef idx="1">
+                  <a:schemeClr val="accent1"/>
+                </a:fillRef>
+                <a:effectRef idx="0">
+                  <a:schemeClr val="accent1"/>
+                </a:effectRef>
+                <a:fontRef idx="minor">
+                  <a:schemeClr val="lt1"/>
+                </a:fontRef>
+              </p:style>
+              <p:txBody>
+                <a:bodyPr rtlCol="0" anchor="ctr"/>
+                <a:lstStyle/>
+                <a:p>
+                  <a:pPr algn="ctr"/>
+                  <a:endParaRPr lang="en-US"/>
+                </a:p>
+              </p:txBody>
+            </p:sp>
+            <p:grpSp>
+              <p:nvGrpSpPr>
+                <p:cNvPr id="126" name="Group 125">
+                  <a:extLst>
+                    <a:ext uri="{FF2B5EF4-FFF2-40B4-BE49-F238E27FC236}">
+                      <a16:creationId xmlns:a16="http://schemas.microsoft.com/office/drawing/2014/main" id="{BA662BE1-0558-1145-B969-7E773E124EC5}"/>
+                    </a:ext>
+                  </a:extLst>
+                </p:cNvPr>
+                <p:cNvGrpSpPr>
+                  <a:grpSpLocks noChangeAspect="1"/>
+                </p:cNvGrpSpPr>
                 <p:nvPr/>
               </p:nvGrpSpPr>
               <p:grpSpPr>
                 <a:xfrm>
-                  <a:off x="3161917" y="3649627"/>
-                  <a:ext cx="467855" cy="444033"/>
-                  <a:chOff x="1129599" y="3378021"/>
-                  <a:chExt cx="467855" cy="444033"/>
+                  <a:off x="1167053" y="3418263"/>
+                  <a:ext cx="392748" cy="383678"/>
+                  <a:chOff x="1278675" y="2029522"/>
+                  <a:chExt cx="1609491" cy="1572321"/>
                 </a:xfrm>
-                <a:effectLst>
-                  <a:outerShdw blurRad="50800" dist="38100" algn="l" rotWithShape="0">
-                    <a:prstClr val="black">
-                      <a:alpha val="40000"/>
-                    </a:prstClr>
-                  </a:outerShdw>
-                </a:effectLst>
               </p:grpSpPr>
               <p:sp>
                 <p:nvSpPr>
-                  <p:cNvPr id="125" name="Rectangle 124">
+                  <p:cNvPr id="127" name="Oval 126">
                     <a:extLst>
                       <a:ext uri="{FF2B5EF4-FFF2-40B4-BE49-F238E27FC236}">
-                        <a16:creationId xmlns:a16="http://schemas.microsoft.com/office/drawing/2014/main" id="{86C4FA4C-1823-1840-B271-4D8C0BD65AF5}"/>
+                        <a16:creationId xmlns:a16="http://schemas.microsoft.com/office/drawing/2014/main" id="{F7581FB0-E897-1F45-9BFA-7F86A3CFD4FB}"/>
                       </a:ext>
                     </a:extLst>
                   </p:cNvPr>
@@ -5400,16 +5447,19 @@
                 </p:nvSpPr>
                 <p:spPr>
                   <a:xfrm>
-                    <a:off x="1129599" y="3378021"/>
-                    <a:ext cx="467855" cy="444033"/>
+                    <a:off x="1278675" y="2029522"/>
+                    <a:ext cx="1609491" cy="1572321"/>
                   </a:xfrm>
-                  <a:prstGeom prst="rect">
+                  <a:prstGeom prst="ellipse">
                     <a:avLst/>
                   </a:prstGeom>
                   <a:solidFill>
-                    <a:schemeClr val="tx1"/>
+                    <a:schemeClr val="tx1">
+                      <a:lumMod val="75000"/>
+                      <a:lumOff val="25000"/>
+                    </a:schemeClr>
                   </a:solidFill>
-                  <a:ln>
+                  <a:ln w="12700">
                     <a:solidFill>
                       <a:schemeClr val="bg1"/>
                     </a:solidFill>
@@ -5440,34 +5490,125 @@
                   </a:p>
                 </p:txBody>
               </p:sp>
-              <p:grpSp>
-                <p:nvGrpSpPr>
-                  <p:cNvPr id="126" name="Group 125">
+              <p:pic>
+                <p:nvPicPr>
+                  <p:cNvPr id="128" name="Graphic 127" descr="Mitochondria with solid fill">
                     <a:extLst>
                       <a:ext uri="{FF2B5EF4-FFF2-40B4-BE49-F238E27FC236}">
-                        <a16:creationId xmlns:a16="http://schemas.microsoft.com/office/drawing/2014/main" id="{BA662BE1-0558-1145-B969-7E773E124EC5}"/>
+                        <a16:creationId xmlns:a16="http://schemas.microsoft.com/office/drawing/2014/main" id="{DCB45996-0493-DB42-8A7E-52FB1489D26D}"/>
                       </a:ext>
                     </a:extLst>
                   </p:cNvPr>
-                  <p:cNvGrpSpPr>
-                    <a:grpSpLocks noChangeAspect="1"/>
-                  </p:cNvGrpSpPr>
+                  <p:cNvPicPr>
+                    <a:picLocks noChangeAspect="1"/>
+                  </p:cNvPicPr>
+                  <p:nvPr/>
+                </p:nvPicPr>
+                <p:blipFill>
+                  <a:blip r:embed="rId10">
+                    <a:extLst>
+                      <a:ext uri="{96DAC541-7B7A-43D3-8B79-37D633B846F1}">
+                        <asvg:svgBlip xmlns:asvg="http://schemas.microsoft.com/office/drawing/2016/SVG/main" r:embed="rId11"/>
+                      </a:ext>
+                    </a:extLst>
+                  </a:blip>
+                  <a:stretch>
+                    <a:fillRect/>
+                  </a:stretch>
+                </p:blipFill>
+                <p:spPr>
+                  <a:xfrm rot="21325333">
+                    <a:off x="1896233" y="2729956"/>
+                    <a:ext cx="833526" cy="833526"/>
+                  </a:xfrm>
+                  <a:prstGeom prst="rect">
+                    <a:avLst/>
+                  </a:prstGeom>
+                </p:spPr>
+              </p:pic>
+              <p:grpSp>
+                <p:nvGrpSpPr>
+                  <p:cNvPr id="129" name="Group 128">
+                    <a:extLst>
+                      <a:ext uri="{FF2B5EF4-FFF2-40B4-BE49-F238E27FC236}">
+                        <a16:creationId xmlns:a16="http://schemas.microsoft.com/office/drawing/2014/main" id="{11FFCE73-C3BF-6F45-AE3E-5F19255166A2}"/>
+                      </a:ext>
+                    </a:extLst>
+                  </p:cNvPr>
+                  <p:cNvGrpSpPr/>
                   <p:nvPr/>
                 </p:nvGrpSpPr>
                 <p:grpSpPr>
                   <a:xfrm>
-                    <a:off x="1167053" y="3418263"/>
-                    <a:ext cx="392748" cy="383678"/>
-                    <a:chOff x="1278675" y="2029522"/>
-                    <a:chExt cx="1609491" cy="1572321"/>
+                    <a:off x="1447051" y="2230255"/>
+                    <a:ext cx="813673" cy="737170"/>
+                    <a:chOff x="1447051" y="2230255"/>
+                    <a:chExt cx="813673" cy="737170"/>
                   </a:xfrm>
                 </p:grpSpPr>
                 <p:sp>
                   <p:nvSpPr>
-                    <p:cNvPr id="127" name="Oval 126">
+                    <p:cNvPr id="130" name="Rounded Rectangle 129">
                       <a:extLst>
                         <a:ext uri="{FF2B5EF4-FFF2-40B4-BE49-F238E27FC236}">
-                          <a16:creationId xmlns:a16="http://schemas.microsoft.com/office/drawing/2014/main" id="{F7581FB0-E897-1F45-9BFA-7F86A3CFD4FB}"/>
+                          <a16:creationId xmlns:a16="http://schemas.microsoft.com/office/drawing/2014/main" id="{46EEDEA9-2213-5340-8455-9B75625677D7}"/>
+                        </a:ext>
+                      </a:extLst>
+                    </p:cNvPr>
+                    <p:cNvSpPr/>
+                    <p:nvPr/>
+                  </p:nvSpPr>
+                  <p:spPr>
+                    <a:xfrm rot="18947416">
+                      <a:off x="1447051" y="2230255"/>
+                      <a:ext cx="813673" cy="737170"/>
+                    </a:xfrm>
+                    <a:prstGeom prst="roundRect">
+                      <a:avLst>
+                        <a:gd name="adj" fmla="val 38068"/>
+                      </a:avLst>
+                    </a:prstGeom>
+                    <a:solidFill>
+                      <a:schemeClr val="bg1">
+                        <a:lumMod val="75000"/>
+                        <a:alpha val="77000"/>
+                      </a:schemeClr>
+                    </a:solidFill>
+                    <a:ln w="28575">
+                      <a:noFill/>
+                    </a:ln>
+                  </p:spPr>
+                  <p:style>
+                    <a:lnRef idx="2">
+                      <a:schemeClr val="accent1">
+                        <a:shade val="50000"/>
+                      </a:schemeClr>
+                    </a:lnRef>
+                    <a:fillRef idx="1">
+                      <a:schemeClr val="accent1"/>
+                    </a:fillRef>
+                    <a:effectRef idx="0">
+                      <a:schemeClr val="accent1"/>
+                    </a:effectRef>
+                    <a:fontRef idx="minor">
+                      <a:schemeClr val="lt1"/>
+                    </a:fontRef>
+                  </p:style>
+                  <p:txBody>
+                    <a:bodyPr rtlCol="0" anchor="ctr"/>
+                    <a:lstStyle/>
+                    <a:p>
+                      <a:pPr algn="ctr"/>
+                      <a:endParaRPr lang="en-US" dirty="0"/>
+                    </a:p>
+                  </p:txBody>
+                </p:sp>
+                <p:sp>
+                  <p:nvSpPr>
+                    <p:cNvPr id="131" name="Oval 130">
+                      <a:extLst>
+                        <a:ext uri="{FF2B5EF4-FFF2-40B4-BE49-F238E27FC236}">
+                          <a16:creationId xmlns:a16="http://schemas.microsoft.com/office/drawing/2014/main" id="{B6F6B919-6F16-0142-8487-E05F39D43260}"/>
                         </a:ext>
                       </a:extLst>
                     </p:cNvPr>
@@ -5476,22 +5617,17 @@
                   </p:nvSpPr>
                   <p:spPr>
                     <a:xfrm>
-                      <a:off x="1278675" y="2029522"/>
-                      <a:ext cx="1609491" cy="1572321"/>
+                      <a:off x="1664438" y="2401167"/>
+                      <a:ext cx="378899" cy="395346"/>
                     </a:xfrm>
                     <a:prstGeom prst="ellipse">
                       <a:avLst/>
                     </a:prstGeom>
                     <a:solidFill>
-                      <a:schemeClr val="tx1">
-                        <a:lumMod val="75000"/>
-                        <a:lumOff val="25000"/>
-                      </a:schemeClr>
+                      <a:schemeClr val="bg1"/>
                     </a:solidFill>
-                    <a:ln w="12700">
-                      <a:solidFill>
-                        <a:schemeClr val="bg1"/>
-                      </a:solidFill>
+                    <a:ln w="28575">
+                      <a:noFill/>
                     </a:ln>
                   </p:spPr>
                   <p:style>
@@ -5519,207 +5655,118 @@
                     </a:p>
                   </p:txBody>
                 </p:sp>
-                <p:pic>
-                  <p:nvPicPr>
-                    <p:cNvPr id="128" name="Graphic 127" descr="Mitochondria with solid fill">
-                      <a:extLst>
-                        <a:ext uri="{FF2B5EF4-FFF2-40B4-BE49-F238E27FC236}">
-                          <a16:creationId xmlns:a16="http://schemas.microsoft.com/office/drawing/2014/main" id="{DCB45996-0493-DB42-8A7E-52FB1489D26D}"/>
-                        </a:ext>
-                      </a:extLst>
-                    </p:cNvPr>
-                    <p:cNvPicPr>
-                      <a:picLocks noChangeAspect="1"/>
-                    </p:cNvPicPr>
-                    <p:nvPr/>
-                  </p:nvPicPr>
-                  <p:blipFill>
-                    <a:blip r:embed="rId10">
-                      <a:extLst>
-                        <a:ext uri="{96DAC541-7B7A-43D3-8B79-37D633B846F1}">
-                          <asvg:svgBlip xmlns:asvg="http://schemas.microsoft.com/office/drawing/2016/SVG/main" r:embed="rId11"/>
-                        </a:ext>
-                      </a:extLst>
-                    </a:blip>
-                    <a:stretch>
-                      <a:fillRect/>
-                    </a:stretch>
-                  </p:blipFill>
-                  <p:spPr>
-                    <a:xfrm rot="21325333">
-                      <a:off x="1896233" y="2729956"/>
-                      <a:ext cx="833526" cy="833526"/>
-                    </a:xfrm>
-                    <a:prstGeom prst="rect">
-                      <a:avLst/>
-                    </a:prstGeom>
-                  </p:spPr>
-                </p:pic>
-                <p:grpSp>
-                  <p:nvGrpSpPr>
-                    <p:cNvPr id="129" name="Group 128">
-                      <a:extLst>
-                        <a:ext uri="{FF2B5EF4-FFF2-40B4-BE49-F238E27FC236}">
-                          <a16:creationId xmlns:a16="http://schemas.microsoft.com/office/drawing/2014/main" id="{11FFCE73-C3BF-6F45-AE3E-5F19255166A2}"/>
-                        </a:ext>
-                      </a:extLst>
-                    </p:cNvPr>
-                    <p:cNvGrpSpPr/>
-                    <p:nvPr/>
-                  </p:nvGrpSpPr>
-                  <p:grpSpPr>
-                    <a:xfrm>
-                      <a:off x="1447051" y="2230255"/>
-                      <a:ext cx="813673" cy="737170"/>
-                      <a:chOff x="1447051" y="2230255"/>
-                      <a:chExt cx="813673" cy="737170"/>
-                    </a:xfrm>
-                  </p:grpSpPr>
-                  <p:sp>
-                    <p:nvSpPr>
-                      <p:cNvPr id="130" name="Rounded Rectangle 129">
-                        <a:extLst>
-                          <a:ext uri="{FF2B5EF4-FFF2-40B4-BE49-F238E27FC236}">
-                            <a16:creationId xmlns:a16="http://schemas.microsoft.com/office/drawing/2014/main" id="{46EEDEA9-2213-5340-8455-9B75625677D7}"/>
-                          </a:ext>
-                        </a:extLst>
-                      </p:cNvPr>
-                      <p:cNvSpPr/>
-                      <p:nvPr/>
-                    </p:nvSpPr>
-                    <p:spPr>
-                      <a:xfrm rot="18947416">
-                        <a:off x="1447051" y="2230255"/>
-                        <a:ext cx="813673" cy="737170"/>
-                      </a:xfrm>
-                      <a:prstGeom prst="roundRect">
-                        <a:avLst>
-                          <a:gd name="adj" fmla="val 38068"/>
-                        </a:avLst>
-                      </a:prstGeom>
-                      <a:solidFill>
-                        <a:schemeClr val="bg1">
-                          <a:lumMod val="75000"/>
-                          <a:alpha val="77000"/>
-                        </a:schemeClr>
-                      </a:solidFill>
-                      <a:ln w="28575">
-                        <a:noFill/>
-                      </a:ln>
-                    </p:spPr>
-                    <p:style>
-                      <a:lnRef idx="2">
-                        <a:schemeClr val="accent1">
-                          <a:shade val="50000"/>
-                        </a:schemeClr>
-                      </a:lnRef>
-                      <a:fillRef idx="1">
-                        <a:schemeClr val="accent1"/>
-                      </a:fillRef>
-                      <a:effectRef idx="0">
-                        <a:schemeClr val="accent1"/>
-                      </a:effectRef>
-                      <a:fontRef idx="minor">
-                        <a:schemeClr val="lt1"/>
-                      </a:fontRef>
-                    </p:style>
-                    <p:txBody>
-                      <a:bodyPr rtlCol="0" anchor="ctr"/>
-                      <a:lstStyle/>
-                      <a:p>
-                        <a:pPr algn="ctr"/>
-                        <a:endParaRPr lang="en-US" dirty="0"/>
-                      </a:p>
-                    </p:txBody>
-                  </p:sp>
-                  <p:sp>
-                    <p:nvSpPr>
-                      <p:cNvPr id="131" name="Oval 130">
-                        <a:extLst>
-                          <a:ext uri="{FF2B5EF4-FFF2-40B4-BE49-F238E27FC236}">
-                            <a16:creationId xmlns:a16="http://schemas.microsoft.com/office/drawing/2014/main" id="{B6F6B919-6F16-0142-8487-E05F39D43260}"/>
-                          </a:ext>
-                        </a:extLst>
-                      </p:cNvPr>
-                      <p:cNvSpPr/>
-                      <p:nvPr/>
-                    </p:nvSpPr>
-                    <p:spPr>
-                      <a:xfrm>
-                        <a:off x="1664438" y="2401167"/>
-                        <a:ext cx="378899" cy="395346"/>
-                      </a:xfrm>
-                      <a:prstGeom prst="ellipse">
-                        <a:avLst/>
-                      </a:prstGeom>
-                      <a:solidFill>
-                        <a:schemeClr val="bg1"/>
-                      </a:solidFill>
-                      <a:ln w="28575">
-                        <a:noFill/>
-                      </a:ln>
-                    </p:spPr>
-                    <p:style>
-                      <a:lnRef idx="2">
-                        <a:schemeClr val="accent1">
-                          <a:shade val="50000"/>
-                        </a:schemeClr>
-                      </a:lnRef>
-                      <a:fillRef idx="1">
-                        <a:schemeClr val="accent1"/>
-                      </a:fillRef>
-                      <a:effectRef idx="0">
-                        <a:schemeClr val="accent1"/>
-                      </a:effectRef>
-                      <a:fontRef idx="minor">
-                        <a:schemeClr val="lt1"/>
-                      </a:fontRef>
-                    </p:style>
-                    <p:txBody>
-                      <a:bodyPr rtlCol="0" anchor="ctr"/>
-                      <a:lstStyle/>
-                      <a:p>
-                        <a:pPr algn="ctr"/>
-                        <a:endParaRPr lang="en-US"/>
-                      </a:p>
-                    </p:txBody>
-                  </p:sp>
-                </p:grpSp>
               </p:grpSp>
             </p:grpSp>
-            <p:grpSp>
-              <p:nvGrpSpPr>
-                <p:cNvPr id="117" name="Group 116">
+          </p:grpSp>
+          <p:grpSp>
+            <p:nvGrpSpPr>
+              <p:cNvPr id="117" name="Group 116">
+                <a:extLst>
+                  <a:ext uri="{FF2B5EF4-FFF2-40B4-BE49-F238E27FC236}">
+                    <a16:creationId xmlns:a16="http://schemas.microsoft.com/office/drawing/2014/main" id="{8C021692-5E19-0546-92A5-A1BF49666840}"/>
+                  </a:ext>
+                </a:extLst>
+              </p:cNvPr>
+              <p:cNvGrpSpPr/>
+              <p:nvPr/>
+            </p:nvGrpSpPr>
+            <p:grpSpPr>
+              <a:xfrm>
+                <a:off x="3091409" y="3792693"/>
+                <a:ext cx="467855" cy="444033"/>
+                <a:chOff x="1129599" y="3378021"/>
+                <a:chExt cx="467855" cy="444033"/>
+              </a:xfrm>
+              <a:effectLst>
+                <a:outerShdw blurRad="50800" dist="38100" algn="l" rotWithShape="0">
+                  <a:prstClr val="black">
+                    <a:alpha val="40000"/>
+                  </a:prstClr>
+                </a:outerShdw>
+              </a:effectLst>
+            </p:grpSpPr>
+            <p:sp>
+              <p:nvSpPr>
+                <p:cNvPr id="118" name="Rectangle 117">
                   <a:extLst>
                     <a:ext uri="{FF2B5EF4-FFF2-40B4-BE49-F238E27FC236}">
-                      <a16:creationId xmlns:a16="http://schemas.microsoft.com/office/drawing/2014/main" id="{8C021692-5E19-0546-92A5-A1BF49666840}"/>
+                      <a16:creationId xmlns:a16="http://schemas.microsoft.com/office/drawing/2014/main" id="{AA95BD21-1D09-714B-891A-1FEC17EFBB52}"/>
                     </a:ext>
                   </a:extLst>
                 </p:cNvPr>
-                <p:cNvGrpSpPr/>
+                <p:cNvSpPr/>
+                <p:nvPr/>
+              </p:nvSpPr>
+              <p:spPr>
+                <a:xfrm>
+                  <a:off x="1129599" y="3378021"/>
+                  <a:ext cx="467855" cy="444033"/>
+                </a:xfrm>
+                <a:prstGeom prst="rect">
+                  <a:avLst/>
+                </a:prstGeom>
+                <a:solidFill>
+                  <a:schemeClr val="tx1"/>
+                </a:solidFill>
+                <a:ln>
+                  <a:solidFill>
+                    <a:schemeClr val="bg1"/>
+                  </a:solidFill>
+                </a:ln>
+              </p:spPr>
+              <p:style>
+                <a:lnRef idx="2">
+                  <a:schemeClr val="accent1">
+                    <a:shade val="50000"/>
+                  </a:schemeClr>
+                </a:lnRef>
+                <a:fillRef idx="1">
+                  <a:schemeClr val="accent1"/>
+                </a:fillRef>
+                <a:effectRef idx="0">
+                  <a:schemeClr val="accent1"/>
+                </a:effectRef>
+                <a:fontRef idx="minor">
+                  <a:schemeClr val="lt1"/>
+                </a:fontRef>
+              </p:style>
+              <p:txBody>
+                <a:bodyPr rtlCol="0" anchor="ctr"/>
+                <a:lstStyle/>
+                <a:p>
+                  <a:pPr algn="ctr"/>
+                  <a:endParaRPr lang="en-US"/>
+                </a:p>
+              </p:txBody>
+            </p:sp>
+            <p:grpSp>
+              <p:nvGrpSpPr>
+                <p:cNvPr id="119" name="Group 118">
+                  <a:extLst>
+                    <a:ext uri="{FF2B5EF4-FFF2-40B4-BE49-F238E27FC236}">
+                      <a16:creationId xmlns:a16="http://schemas.microsoft.com/office/drawing/2014/main" id="{9442FF68-E4A3-774F-9873-412C45F3D161}"/>
+                    </a:ext>
+                  </a:extLst>
+                </p:cNvPr>
+                <p:cNvGrpSpPr>
+                  <a:grpSpLocks noChangeAspect="1"/>
+                </p:cNvGrpSpPr>
                 <p:nvPr/>
               </p:nvGrpSpPr>
               <p:grpSpPr>
                 <a:xfrm>
-                  <a:off x="3091409" y="3792693"/>
-                  <a:ext cx="467855" cy="444033"/>
-                  <a:chOff x="1129599" y="3378021"/>
-                  <a:chExt cx="467855" cy="444033"/>
+                  <a:off x="1167053" y="3418263"/>
+                  <a:ext cx="392748" cy="383678"/>
+                  <a:chOff x="1278675" y="2029522"/>
+                  <a:chExt cx="1609491" cy="1572321"/>
                 </a:xfrm>
-                <a:effectLst>
-                  <a:outerShdw blurRad="50800" dist="38100" algn="l" rotWithShape="0">
-                    <a:prstClr val="black">
-                      <a:alpha val="40000"/>
-                    </a:prstClr>
-                  </a:outerShdw>
-                </a:effectLst>
               </p:grpSpPr>
               <p:sp>
                 <p:nvSpPr>
-                  <p:cNvPr id="118" name="Rectangle 117">
+                  <p:cNvPr id="120" name="Oval 119">
                     <a:extLst>
                       <a:ext uri="{FF2B5EF4-FFF2-40B4-BE49-F238E27FC236}">
-                        <a16:creationId xmlns:a16="http://schemas.microsoft.com/office/drawing/2014/main" id="{AA95BD21-1D09-714B-891A-1FEC17EFBB52}"/>
+                        <a16:creationId xmlns:a16="http://schemas.microsoft.com/office/drawing/2014/main" id="{FDB66E68-B141-FC4D-ABCC-FC23EDD741BF}"/>
                       </a:ext>
                     </a:extLst>
                   </p:cNvPr>
@@ -5728,16 +5775,19 @@
                 </p:nvSpPr>
                 <p:spPr>
                   <a:xfrm>
-                    <a:off x="1129599" y="3378021"/>
-                    <a:ext cx="467855" cy="444033"/>
+                    <a:off x="1278675" y="2029522"/>
+                    <a:ext cx="1609491" cy="1572321"/>
                   </a:xfrm>
-                  <a:prstGeom prst="rect">
+                  <a:prstGeom prst="ellipse">
                     <a:avLst/>
                   </a:prstGeom>
                   <a:solidFill>
-                    <a:schemeClr val="tx1"/>
+                    <a:schemeClr val="tx1">
+                      <a:lumMod val="75000"/>
+                      <a:lumOff val="25000"/>
+                    </a:schemeClr>
                   </a:solidFill>
-                  <a:ln>
+                  <a:ln w="12700">
                     <a:solidFill>
                       <a:schemeClr val="bg1"/>
                     </a:solidFill>
@@ -5768,34 +5818,125 @@
                   </a:p>
                 </p:txBody>
               </p:sp>
-              <p:grpSp>
-                <p:nvGrpSpPr>
-                  <p:cNvPr id="119" name="Group 118">
+              <p:pic>
+                <p:nvPicPr>
+                  <p:cNvPr id="121" name="Graphic 120" descr="Mitochondria with solid fill">
                     <a:extLst>
                       <a:ext uri="{FF2B5EF4-FFF2-40B4-BE49-F238E27FC236}">
-                        <a16:creationId xmlns:a16="http://schemas.microsoft.com/office/drawing/2014/main" id="{9442FF68-E4A3-774F-9873-412C45F3D161}"/>
+                        <a16:creationId xmlns:a16="http://schemas.microsoft.com/office/drawing/2014/main" id="{5E0B2615-08FA-8048-82F0-DDD78D84C6E8}"/>
                       </a:ext>
                     </a:extLst>
                   </p:cNvPr>
-                  <p:cNvGrpSpPr>
-                    <a:grpSpLocks noChangeAspect="1"/>
-                  </p:cNvGrpSpPr>
+                  <p:cNvPicPr>
+                    <a:picLocks noChangeAspect="1"/>
+                  </p:cNvPicPr>
+                  <p:nvPr/>
+                </p:nvPicPr>
+                <p:blipFill>
+                  <a:blip r:embed="rId10">
+                    <a:extLst>
+                      <a:ext uri="{96DAC541-7B7A-43D3-8B79-37D633B846F1}">
+                        <asvg:svgBlip xmlns:asvg="http://schemas.microsoft.com/office/drawing/2016/SVG/main" r:embed="rId11"/>
+                      </a:ext>
+                    </a:extLst>
+                  </a:blip>
+                  <a:stretch>
+                    <a:fillRect/>
+                  </a:stretch>
+                </p:blipFill>
+                <p:spPr>
+                  <a:xfrm rot="21325333">
+                    <a:off x="1896233" y="2729956"/>
+                    <a:ext cx="833526" cy="833526"/>
+                  </a:xfrm>
+                  <a:prstGeom prst="rect">
+                    <a:avLst/>
+                  </a:prstGeom>
+                </p:spPr>
+              </p:pic>
+              <p:grpSp>
+                <p:nvGrpSpPr>
+                  <p:cNvPr id="122" name="Group 121">
+                    <a:extLst>
+                      <a:ext uri="{FF2B5EF4-FFF2-40B4-BE49-F238E27FC236}">
+                        <a16:creationId xmlns:a16="http://schemas.microsoft.com/office/drawing/2014/main" id="{342DE851-E118-F74F-BEAE-22AE4F1C4A91}"/>
+                      </a:ext>
+                    </a:extLst>
+                  </p:cNvPr>
+                  <p:cNvGrpSpPr/>
                   <p:nvPr/>
                 </p:nvGrpSpPr>
                 <p:grpSpPr>
                   <a:xfrm>
-                    <a:off x="1167053" y="3418263"/>
-                    <a:ext cx="392748" cy="383678"/>
-                    <a:chOff x="1278675" y="2029522"/>
-                    <a:chExt cx="1609491" cy="1572321"/>
+                    <a:off x="1447051" y="2230255"/>
+                    <a:ext cx="813673" cy="737170"/>
+                    <a:chOff x="1447051" y="2230255"/>
+                    <a:chExt cx="813673" cy="737170"/>
                   </a:xfrm>
                 </p:grpSpPr>
                 <p:sp>
                   <p:nvSpPr>
-                    <p:cNvPr id="120" name="Oval 119">
+                    <p:cNvPr id="123" name="Rounded Rectangle 122">
                       <a:extLst>
                         <a:ext uri="{FF2B5EF4-FFF2-40B4-BE49-F238E27FC236}">
-                          <a16:creationId xmlns:a16="http://schemas.microsoft.com/office/drawing/2014/main" id="{FDB66E68-B141-FC4D-ABCC-FC23EDD741BF}"/>
+                          <a16:creationId xmlns:a16="http://schemas.microsoft.com/office/drawing/2014/main" id="{EE546BDF-3382-4F4F-84CE-FD7BC2D926E4}"/>
+                        </a:ext>
+                      </a:extLst>
+                    </p:cNvPr>
+                    <p:cNvSpPr/>
+                    <p:nvPr/>
+                  </p:nvSpPr>
+                  <p:spPr>
+                    <a:xfrm rot="18947416">
+                      <a:off x="1447051" y="2230255"/>
+                      <a:ext cx="813673" cy="737170"/>
+                    </a:xfrm>
+                    <a:prstGeom prst="roundRect">
+                      <a:avLst>
+                        <a:gd name="adj" fmla="val 38068"/>
+                      </a:avLst>
+                    </a:prstGeom>
+                    <a:solidFill>
+                      <a:schemeClr val="bg1">
+                        <a:lumMod val="75000"/>
+                        <a:alpha val="77000"/>
+                      </a:schemeClr>
+                    </a:solidFill>
+                    <a:ln w="28575">
+                      <a:noFill/>
+                    </a:ln>
+                  </p:spPr>
+                  <p:style>
+                    <a:lnRef idx="2">
+                      <a:schemeClr val="accent1">
+                        <a:shade val="50000"/>
+                      </a:schemeClr>
+                    </a:lnRef>
+                    <a:fillRef idx="1">
+                      <a:schemeClr val="accent1"/>
+                    </a:fillRef>
+                    <a:effectRef idx="0">
+                      <a:schemeClr val="accent1"/>
+                    </a:effectRef>
+                    <a:fontRef idx="minor">
+                      <a:schemeClr val="lt1"/>
+                    </a:fontRef>
+                  </p:style>
+                  <p:txBody>
+                    <a:bodyPr rtlCol="0" anchor="ctr"/>
+                    <a:lstStyle/>
+                    <a:p>
+                      <a:pPr algn="ctr"/>
+                      <a:endParaRPr lang="en-US" dirty="0"/>
+                    </a:p>
+                  </p:txBody>
+                </p:sp>
+                <p:sp>
+                  <p:nvSpPr>
+                    <p:cNvPr id="124" name="Oval 123">
+                      <a:extLst>
+                        <a:ext uri="{FF2B5EF4-FFF2-40B4-BE49-F238E27FC236}">
+                          <a16:creationId xmlns:a16="http://schemas.microsoft.com/office/drawing/2014/main" id="{BF191780-C3DC-8D42-92B8-E50CFC885111}"/>
                         </a:ext>
                       </a:extLst>
                     </p:cNvPr>
@@ -5804,22 +5945,17 @@
                   </p:nvSpPr>
                   <p:spPr>
                     <a:xfrm>
-                      <a:off x="1278675" y="2029522"/>
-                      <a:ext cx="1609491" cy="1572321"/>
+                      <a:off x="1664438" y="2401167"/>
+                      <a:ext cx="378899" cy="395346"/>
                     </a:xfrm>
                     <a:prstGeom prst="ellipse">
                       <a:avLst/>
                     </a:prstGeom>
                     <a:solidFill>
-                      <a:schemeClr val="tx1">
-                        <a:lumMod val="75000"/>
-                        <a:lumOff val="25000"/>
-                      </a:schemeClr>
+                      <a:schemeClr val="bg1"/>
                     </a:solidFill>
-                    <a:ln w="12700">
-                      <a:solidFill>
-                        <a:schemeClr val="bg1"/>
-                      </a:solidFill>
+                    <a:ln w="28575">
+                      <a:noFill/>
                     </a:ln>
                   </p:spPr>
                   <p:style>
@@ -5847,390 +5983,16 @@
                     </a:p>
                   </p:txBody>
                 </p:sp>
-                <p:pic>
-                  <p:nvPicPr>
-                    <p:cNvPr id="121" name="Graphic 120" descr="Mitochondria with solid fill">
-                      <a:extLst>
-                        <a:ext uri="{FF2B5EF4-FFF2-40B4-BE49-F238E27FC236}">
-                          <a16:creationId xmlns:a16="http://schemas.microsoft.com/office/drawing/2014/main" id="{5E0B2615-08FA-8048-82F0-DDD78D84C6E8}"/>
-                        </a:ext>
-                      </a:extLst>
-                    </p:cNvPr>
-                    <p:cNvPicPr>
-                      <a:picLocks noChangeAspect="1"/>
-                    </p:cNvPicPr>
-                    <p:nvPr/>
-                  </p:nvPicPr>
-                  <p:blipFill>
-                    <a:blip r:embed="rId10">
-                      <a:extLst>
-                        <a:ext uri="{96DAC541-7B7A-43D3-8B79-37D633B846F1}">
-                          <asvg:svgBlip xmlns:asvg="http://schemas.microsoft.com/office/drawing/2016/SVG/main" r:embed="rId11"/>
-                        </a:ext>
-                      </a:extLst>
-                    </a:blip>
-                    <a:stretch>
-                      <a:fillRect/>
-                    </a:stretch>
-                  </p:blipFill>
-                  <p:spPr>
-                    <a:xfrm rot="21325333">
-                      <a:off x="1896233" y="2729956"/>
-                      <a:ext cx="833526" cy="833526"/>
-                    </a:xfrm>
-                    <a:prstGeom prst="rect">
-                      <a:avLst/>
-                    </a:prstGeom>
-                  </p:spPr>
-                </p:pic>
-                <p:grpSp>
-                  <p:nvGrpSpPr>
-                    <p:cNvPr id="122" name="Group 121">
-                      <a:extLst>
-                        <a:ext uri="{FF2B5EF4-FFF2-40B4-BE49-F238E27FC236}">
-                          <a16:creationId xmlns:a16="http://schemas.microsoft.com/office/drawing/2014/main" id="{342DE851-E118-F74F-BEAE-22AE4F1C4A91}"/>
-                        </a:ext>
-                      </a:extLst>
-                    </p:cNvPr>
-                    <p:cNvGrpSpPr/>
-                    <p:nvPr/>
-                  </p:nvGrpSpPr>
-                  <p:grpSpPr>
-                    <a:xfrm>
-                      <a:off x="1447051" y="2230255"/>
-                      <a:ext cx="813673" cy="737170"/>
-                      <a:chOff x="1447051" y="2230255"/>
-                      <a:chExt cx="813673" cy="737170"/>
-                    </a:xfrm>
-                  </p:grpSpPr>
-                  <p:sp>
-                    <p:nvSpPr>
-                      <p:cNvPr id="123" name="Rounded Rectangle 122">
-                        <a:extLst>
-                          <a:ext uri="{FF2B5EF4-FFF2-40B4-BE49-F238E27FC236}">
-                            <a16:creationId xmlns:a16="http://schemas.microsoft.com/office/drawing/2014/main" id="{EE546BDF-3382-4F4F-84CE-FD7BC2D926E4}"/>
-                          </a:ext>
-                        </a:extLst>
-                      </p:cNvPr>
-                      <p:cNvSpPr/>
-                      <p:nvPr/>
-                    </p:nvSpPr>
-                    <p:spPr>
-                      <a:xfrm rot="18947416">
-                        <a:off x="1447051" y="2230255"/>
-                        <a:ext cx="813673" cy="737170"/>
-                      </a:xfrm>
-                      <a:prstGeom prst="roundRect">
-                        <a:avLst>
-                          <a:gd name="adj" fmla="val 38068"/>
-                        </a:avLst>
-                      </a:prstGeom>
-                      <a:solidFill>
-                        <a:schemeClr val="bg1">
-                          <a:lumMod val="75000"/>
-                          <a:alpha val="77000"/>
-                        </a:schemeClr>
-                      </a:solidFill>
-                      <a:ln w="28575">
-                        <a:noFill/>
-                      </a:ln>
-                    </p:spPr>
-                    <p:style>
-                      <a:lnRef idx="2">
-                        <a:schemeClr val="accent1">
-                          <a:shade val="50000"/>
-                        </a:schemeClr>
-                      </a:lnRef>
-                      <a:fillRef idx="1">
-                        <a:schemeClr val="accent1"/>
-                      </a:fillRef>
-                      <a:effectRef idx="0">
-                        <a:schemeClr val="accent1"/>
-                      </a:effectRef>
-                      <a:fontRef idx="minor">
-                        <a:schemeClr val="lt1"/>
-                      </a:fontRef>
-                    </p:style>
-                    <p:txBody>
-                      <a:bodyPr rtlCol="0" anchor="ctr"/>
-                      <a:lstStyle/>
-                      <a:p>
-                        <a:pPr algn="ctr"/>
-                        <a:endParaRPr lang="en-US" dirty="0"/>
-                      </a:p>
-                    </p:txBody>
-                  </p:sp>
-                  <p:sp>
-                    <p:nvSpPr>
-                      <p:cNvPr id="124" name="Oval 123">
-                        <a:extLst>
-                          <a:ext uri="{FF2B5EF4-FFF2-40B4-BE49-F238E27FC236}">
-                            <a16:creationId xmlns:a16="http://schemas.microsoft.com/office/drawing/2014/main" id="{BF191780-C3DC-8D42-92B8-E50CFC885111}"/>
-                          </a:ext>
-                        </a:extLst>
-                      </p:cNvPr>
-                      <p:cNvSpPr/>
-                      <p:nvPr/>
-                    </p:nvSpPr>
-                    <p:spPr>
-                      <a:xfrm>
-                        <a:off x="1664438" y="2401167"/>
-                        <a:ext cx="378899" cy="395346"/>
-                      </a:xfrm>
-                      <a:prstGeom prst="ellipse">
-                        <a:avLst/>
-                      </a:prstGeom>
-                      <a:solidFill>
-                        <a:schemeClr val="bg1"/>
-                      </a:solidFill>
-                      <a:ln w="28575">
-                        <a:noFill/>
-                      </a:ln>
-                    </p:spPr>
-                    <p:style>
-                      <a:lnRef idx="2">
-                        <a:schemeClr val="accent1">
-                          <a:shade val="50000"/>
-                        </a:schemeClr>
-                      </a:lnRef>
-                      <a:fillRef idx="1">
-                        <a:schemeClr val="accent1"/>
-                      </a:fillRef>
-                      <a:effectRef idx="0">
-                        <a:schemeClr val="accent1"/>
-                      </a:effectRef>
-                      <a:fontRef idx="minor">
-                        <a:schemeClr val="lt1"/>
-                      </a:fontRef>
-                    </p:style>
-                    <p:txBody>
-                      <a:bodyPr rtlCol="0" anchor="ctr"/>
-                      <a:lstStyle/>
-                      <a:p>
-                        <a:pPr algn="ctr"/>
-                        <a:endParaRPr lang="en-US"/>
-                      </a:p>
-                    </p:txBody>
-                  </p:sp>
-                </p:grpSp>
               </p:grpSp>
             </p:grpSp>
           </p:grpSp>
-          <p:cxnSp>
-            <p:nvCxnSpPr>
-              <p:cNvPr id="112" name="Straight Arrow Connector 111">
-                <a:extLst>
-                  <a:ext uri="{FF2B5EF4-FFF2-40B4-BE49-F238E27FC236}">
-                    <a16:creationId xmlns:a16="http://schemas.microsoft.com/office/drawing/2014/main" id="{B7919728-1E73-4E49-ABCC-4F9EAC8D12A9}"/>
-                  </a:ext>
-                </a:extLst>
-              </p:cNvPr>
-              <p:cNvCxnSpPr>
-                <a:cxnSpLocks/>
-              </p:cNvCxnSpPr>
-              <p:nvPr/>
-            </p:nvCxnSpPr>
-            <p:spPr>
-              <a:xfrm flipH="1">
-                <a:off x="6292452" y="1828233"/>
-                <a:ext cx="119414" cy="0"/>
-              </a:xfrm>
-              <a:prstGeom prst="straightConnector1">
-                <a:avLst/>
-              </a:prstGeom>
-              <a:ln w="19050" cap="sq">
-                <a:solidFill>
-                  <a:schemeClr val="tx1">
-                    <a:lumMod val="50000"/>
-                    <a:lumOff val="50000"/>
-                  </a:schemeClr>
-                </a:solidFill>
-                <a:prstDash val="sysDot"/>
-                <a:tailEnd type="none" w="lg" len="med"/>
-              </a:ln>
-            </p:spPr>
-            <p:style>
-              <a:lnRef idx="1">
-                <a:schemeClr val="accent1"/>
-              </a:lnRef>
-              <a:fillRef idx="0">
-                <a:schemeClr val="accent1"/>
-              </a:fillRef>
-              <a:effectRef idx="0">
-                <a:schemeClr val="accent1"/>
-              </a:effectRef>
-              <a:fontRef idx="minor">
-                <a:schemeClr val="tx1"/>
-              </a:fontRef>
-            </p:style>
-          </p:cxnSp>
-          <p:cxnSp>
-            <p:nvCxnSpPr>
-              <p:cNvPr id="113" name="Straight Arrow Connector 112">
-                <a:extLst>
-                  <a:ext uri="{FF2B5EF4-FFF2-40B4-BE49-F238E27FC236}">
-                    <a16:creationId xmlns:a16="http://schemas.microsoft.com/office/drawing/2014/main" id="{54F3D5E8-EA66-9540-A460-0250D80A7121}"/>
-                  </a:ext>
-                </a:extLst>
-              </p:cNvPr>
-              <p:cNvCxnSpPr>
-                <a:cxnSpLocks/>
-              </p:cNvCxnSpPr>
-              <p:nvPr/>
-            </p:nvCxnSpPr>
-            <p:spPr>
-              <a:xfrm flipH="1">
-                <a:off x="6292452" y="1328140"/>
-                <a:ext cx="119414" cy="0"/>
-              </a:xfrm>
-              <a:prstGeom prst="straightConnector1">
-                <a:avLst/>
-              </a:prstGeom>
-              <a:ln w="19050" cap="sq">
-                <a:solidFill>
-                  <a:schemeClr val="tx1">
-                    <a:lumMod val="50000"/>
-                    <a:lumOff val="50000"/>
-                  </a:schemeClr>
-                </a:solidFill>
-                <a:prstDash val="sysDot"/>
-                <a:tailEnd type="none" w="lg" len="med"/>
-              </a:ln>
-            </p:spPr>
-            <p:style>
-              <a:lnRef idx="1">
-                <a:schemeClr val="accent1"/>
-              </a:lnRef>
-              <a:fillRef idx="0">
-                <a:schemeClr val="accent1"/>
-              </a:fillRef>
-              <a:effectRef idx="0">
-                <a:schemeClr val="accent1"/>
-              </a:effectRef>
-              <a:fontRef idx="minor">
-                <a:schemeClr val="tx1"/>
-              </a:fontRef>
-            </p:style>
-          </p:cxnSp>
-          <p:cxnSp>
-            <p:nvCxnSpPr>
-              <p:cNvPr id="114" name="Straight Arrow Connector 113">
-                <a:extLst>
-                  <a:ext uri="{FF2B5EF4-FFF2-40B4-BE49-F238E27FC236}">
-                    <a16:creationId xmlns:a16="http://schemas.microsoft.com/office/drawing/2014/main" id="{DB361C54-75DE-DB44-AEBA-92D44966DA4D}"/>
-                  </a:ext>
-                </a:extLst>
-              </p:cNvPr>
-              <p:cNvCxnSpPr>
-                <a:cxnSpLocks/>
-              </p:cNvCxnSpPr>
-              <p:nvPr/>
-            </p:nvCxnSpPr>
-            <p:spPr>
-              <a:xfrm>
-                <a:off x="6088179" y="1503458"/>
-                <a:ext cx="0" cy="82511"/>
-              </a:xfrm>
-              <a:prstGeom prst="straightConnector1">
-                <a:avLst/>
-              </a:prstGeom>
-              <a:ln w="19050" cap="sq">
-                <a:solidFill>
-                  <a:schemeClr val="tx1">
-                    <a:lumMod val="50000"/>
-                    <a:lumOff val="50000"/>
-                  </a:schemeClr>
-                </a:solidFill>
-                <a:prstDash val="sysDot"/>
-                <a:tailEnd type="none" w="lg" len="med"/>
-              </a:ln>
-            </p:spPr>
-            <p:style>
-              <a:lnRef idx="1">
-                <a:schemeClr val="accent1"/>
-              </a:lnRef>
-              <a:fillRef idx="0">
-                <a:schemeClr val="accent1"/>
-              </a:fillRef>
-              <a:effectRef idx="0">
-                <a:schemeClr val="accent1"/>
-              </a:effectRef>
-              <a:fontRef idx="minor">
-                <a:schemeClr val="tx1"/>
-              </a:fontRef>
-            </p:style>
-          </p:cxnSp>
         </p:grpSp>
-        <p:sp>
-          <p:nvSpPr>
-            <p:cNvPr id="106" name="TextBox 105">
+        <p:cxnSp>
+          <p:nvCxnSpPr>
+            <p:cNvPr id="112" name="Straight Arrow Connector 111">
               <a:extLst>
                 <a:ext uri="{FF2B5EF4-FFF2-40B4-BE49-F238E27FC236}">
-                  <a16:creationId xmlns:a16="http://schemas.microsoft.com/office/drawing/2014/main" id="{6FC5BF6E-4362-4641-9010-9ADFDB3FF474}"/>
-                </a:ext>
-              </a:extLst>
-            </p:cNvPr>
-            <p:cNvSpPr txBox="1"/>
-            <p:nvPr/>
-          </p:nvSpPr>
-          <p:spPr>
-            <a:xfrm>
-              <a:off x="2440467" y="2583016"/>
-              <a:ext cx="1186178" cy="276999"/>
-            </a:xfrm>
-            <a:prstGeom prst="rect">
-              <a:avLst/>
-            </a:prstGeom>
-            <a:noFill/>
-          </p:spPr>
-          <p:txBody>
-            <a:bodyPr wrap="square">
-              <a:spAutoFit/>
-            </a:bodyPr>
-            <a:lstStyle/>
-            <a:p>
-              <a:r>
-                <a:rPr lang="en-US" sz="1200" dirty="0">
-                  <a:solidFill>
-                    <a:schemeClr val="bg1">
-                      <a:lumMod val="75000"/>
-                      <a:lumOff val="25000"/>
-                    </a:schemeClr>
-                  </a:solidFill>
-                  <a:latin typeface=""/>
-                </a:rPr>
-                <a:t>Image storage</a:t>
-              </a:r>
-            </a:p>
-          </p:txBody>
-        </p:sp>
-      </p:grpSp>
-      <p:grpSp>
-        <p:nvGrpSpPr>
-          <p:cNvPr id="166" name="Group 165">
-            <a:extLst>
-              <a:ext uri="{FF2B5EF4-FFF2-40B4-BE49-F238E27FC236}">
-                <a16:creationId xmlns:a16="http://schemas.microsoft.com/office/drawing/2014/main" id="{5CE2762D-2407-CC4F-AD87-125C20CCD531}"/>
-              </a:ext>
-            </a:extLst>
-          </p:cNvPr>
-          <p:cNvGrpSpPr/>
-          <p:nvPr/>
-        </p:nvGrpSpPr>
-        <p:grpSpPr>
-          <a:xfrm>
-            <a:off x="4084746" y="3931310"/>
-            <a:ext cx="3265460" cy="2481765"/>
-            <a:chOff x="4084746" y="3931310"/>
-            <a:chExt cx="3265460" cy="2481765"/>
-          </a:xfrm>
-        </p:grpSpPr>
-        <p:cxnSp>
-          <p:nvCxnSpPr>
-            <p:cNvPr id="167" name="Straight Arrow Connector 166">
-              <a:extLst>
-                <a:ext uri="{FF2B5EF4-FFF2-40B4-BE49-F238E27FC236}">
-                  <a16:creationId xmlns:a16="http://schemas.microsoft.com/office/drawing/2014/main" id="{B6D4D2E1-D761-7B40-8532-5BDED8D94FDA}"/>
+                  <a16:creationId xmlns:a16="http://schemas.microsoft.com/office/drawing/2014/main" id="{B7919728-1E73-4E49-ABCC-4F9EAC8D12A9}"/>
                 </a:ext>
               </a:extLst>
             </p:cNvPr>
@@ -6241,18 +6003,21 @@
           </p:nvCxnSpPr>
           <p:spPr>
             <a:xfrm flipH="1">
-              <a:off x="6533147" y="4820102"/>
-              <a:ext cx="817059" cy="0"/>
+              <a:off x="6292452" y="1828233"/>
+              <a:ext cx="119414" cy="0"/>
             </a:xfrm>
             <a:prstGeom prst="straightConnector1">
               <a:avLst/>
             </a:prstGeom>
             <a:ln w="19050" cap="sq">
               <a:solidFill>
-                <a:srgbClr val="4730FC"/>
+                <a:schemeClr val="tx1">
+                  <a:lumMod val="50000"/>
+                  <a:lumOff val="50000"/>
+                </a:schemeClr>
               </a:solidFill>
               <a:prstDash val="sysDot"/>
-              <a:tailEnd type="stealth" w="lg" len="med"/>
+              <a:tailEnd type="none" w="lg" len="med"/>
             </a:ln>
           </p:spPr>
           <p:style>
@@ -6270,272 +6035,37 @@
             </a:fontRef>
           </p:style>
         </p:cxnSp>
-        <p:pic>
-          <p:nvPicPr>
-            <p:cNvPr id="168" name="Graphic 167" descr="Open folder with solid fill">
+        <p:cxnSp>
+          <p:nvCxnSpPr>
+            <p:cNvPr id="113" name="Straight Arrow Connector 112">
               <a:extLst>
                 <a:ext uri="{FF2B5EF4-FFF2-40B4-BE49-F238E27FC236}">
-                  <a16:creationId xmlns:a16="http://schemas.microsoft.com/office/drawing/2014/main" id="{76204BAB-2C12-1A42-9CEB-1193919D8107}"/>
-                </a:ext>
-              </a:extLst>
-            </p:cNvPr>
-            <p:cNvPicPr>
-              <a:picLocks noChangeAspect="1"/>
-            </p:cNvPicPr>
-            <p:nvPr/>
-          </p:nvPicPr>
-          <p:blipFill>
-            <a:blip r:embed="rId12">
-              <a:extLst>
-                <a:ext uri="{96DAC541-7B7A-43D3-8B79-37D633B846F1}">
-                  <asvg:svgBlip xmlns:asvg="http://schemas.microsoft.com/office/drawing/2016/SVG/main" r:embed="rId13"/>
-                </a:ext>
-              </a:extLst>
-            </a:blip>
-            <a:stretch>
-              <a:fillRect/>
-            </a:stretch>
-          </p:blipFill>
-          <p:spPr>
-            <a:xfrm>
-              <a:off x="4084746" y="4797411"/>
-              <a:ext cx="990285" cy="990285"/>
-            </a:xfrm>
-            <a:prstGeom prst="rect">
-              <a:avLst/>
-            </a:prstGeom>
-          </p:spPr>
-        </p:pic>
-        <p:pic>
-          <p:nvPicPr>
-            <p:cNvPr id="169" name="Graphic 168" descr="Document with solid fill">
-              <a:extLst>
-                <a:ext uri="{FF2B5EF4-FFF2-40B4-BE49-F238E27FC236}">
-                  <a16:creationId xmlns:a16="http://schemas.microsoft.com/office/drawing/2014/main" id="{1BFDF757-ED6D-154C-BA9A-EF9FE8AC1154}"/>
-                </a:ext>
-              </a:extLst>
-            </p:cNvPr>
-            <p:cNvPicPr>
-              <a:picLocks noChangeAspect="1"/>
-            </p:cNvPicPr>
-            <p:nvPr/>
-          </p:nvPicPr>
-          <p:blipFill>
-            <a:blip r:embed="rId14">
-              <a:extLst>
-                <a:ext uri="{96DAC541-7B7A-43D3-8B79-37D633B846F1}">
-                  <asvg:svgBlip xmlns:asvg="http://schemas.microsoft.com/office/drawing/2016/SVG/main" r:embed="rId15"/>
-                </a:ext>
-              </a:extLst>
-            </a:blip>
-            <a:stretch>
-              <a:fillRect/>
-            </a:stretch>
-          </p:blipFill>
-          <p:spPr>
-            <a:xfrm>
-              <a:off x="5124966" y="4659960"/>
-              <a:ext cx="592906" cy="592906"/>
-            </a:xfrm>
-            <a:prstGeom prst="rect">
-              <a:avLst/>
-            </a:prstGeom>
-          </p:spPr>
-        </p:pic>
-        <p:pic>
-          <p:nvPicPr>
-            <p:cNvPr id="170" name="Graphic 169" descr="Table with solid fill">
-              <a:extLst>
-                <a:ext uri="{FF2B5EF4-FFF2-40B4-BE49-F238E27FC236}">
-                  <a16:creationId xmlns:a16="http://schemas.microsoft.com/office/drawing/2014/main" id="{E620AAFD-C8F6-964A-8297-952F747748F1}"/>
-                </a:ext>
-              </a:extLst>
-            </p:cNvPr>
-            <p:cNvPicPr>
-              <a:picLocks noChangeAspect="1"/>
-            </p:cNvPicPr>
-            <p:nvPr/>
-          </p:nvPicPr>
-          <p:blipFill>
-            <a:blip r:embed="rId16">
-              <a:extLst>
-                <a:ext uri="{96DAC541-7B7A-43D3-8B79-37D633B846F1}">
-                  <asvg:svgBlip xmlns:asvg="http://schemas.microsoft.com/office/drawing/2016/SVG/main" r:embed="rId17"/>
-                </a:ext>
-              </a:extLst>
-            </a:blip>
-            <a:stretch>
-              <a:fillRect/>
-            </a:stretch>
-          </p:blipFill>
-          <p:spPr>
-            <a:xfrm>
-              <a:off x="5547760" y="5324194"/>
-              <a:ext cx="592907" cy="592907"/>
-            </a:xfrm>
-            <a:prstGeom prst="rect">
-              <a:avLst/>
-            </a:prstGeom>
-          </p:spPr>
-        </p:pic>
-        <p:sp>
-          <p:nvSpPr>
-            <p:cNvPr id="171" name="TextBox 170">
-              <a:extLst>
-                <a:ext uri="{FF2B5EF4-FFF2-40B4-BE49-F238E27FC236}">
-                  <a16:creationId xmlns:a16="http://schemas.microsoft.com/office/drawing/2014/main" id="{B4C04454-DE58-EE4E-B772-931EEB3E3981}"/>
-                </a:ext>
-              </a:extLst>
-            </p:cNvPr>
-            <p:cNvSpPr txBox="1"/>
-            <p:nvPr/>
-          </p:nvSpPr>
-          <p:spPr>
-            <a:xfrm>
-              <a:off x="5059057" y="5154053"/>
-              <a:ext cx="824265" cy="276999"/>
-            </a:xfrm>
-            <a:prstGeom prst="rect">
-              <a:avLst/>
-            </a:prstGeom>
-            <a:noFill/>
-          </p:spPr>
-          <p:txBody>
-            <a:bodyPr wrap="none" rtlCol="0">
-              <a:spAutoFit/>
-            </a:bodyPr>
-            <a:lstStyle/>
-            <a:p>
-              <a:pPr algn="ctr"/>
-              <a:r>
-                <a:rPr lang="en-US" sz="1200" dirty="0">
-                  <a:solidFill>
-                    <a:schemeClr val="bg1">
-                      <a:lumMod val="75000"/>
-                      <a:lumOff val="25000"/>
-                    </a:schemeClr>
-                  </a:solidFill>
-                  <a:latin typeface=""/>
-                </a:rPr>
-                <a:t>Metadata</a:t>
-              </a:r>
-            </a:p>
-          </p:txBody>
-        </p:sp>
-        <p:sp>
-          <p:nvSpPr>
-            <p:cNvPr id="172" name="TextBox 171">
-              <a:extLst>
-                <a:ext uri="{FF2B5EF4-FFF2-40B4-BE49-F238E27FC236}">
-                  <a16:creationId xmlns:a16="http://schemas.microsoft.com/office/drawing/2014/main" id="{52249C04-E7F8-4349-9A00-807B43079A71}"/>
-                </a:ext>
-              </a:extLst>
-            </p:cNvPr>
-            <p:cNvSpPr txBox="1"/>
-            <p:nvPr/>
-          </p:nvSpPr>
-          <p:spPr>
-            <a:xfrm>
-              <a:off x="5409764" y="5800948"/>
-              <a:ext cx="944489" cy="276999"/>
-            </a:xfrm>
-            <a:prstGeom prst="rect">
-              <a:avLst/>
-            </a:prstGeom>
-            <a:noFill/>
-          </p:spPr>
-          <p:txBody>
-            <a:bodyPr wrap="none" rtlCol="0">
-              <a:spAutoFit/>
-            </a:bodyPr>
-            <a:lstStyle/>
-            <a:p>
-              <a:pPr algn="ctr"/>
-              <a:r>
-                <a:rPr lang="en-US" sz="1200" dirty="0">
-                  <a:solidFill>
-                    <a:schemeClr val="bg1">
-                      <a:lumMod val="75000"/>
-                      <a:lumOff val="25000"/>
-                    </a:schemeClr>
-                  </a:solidFill>
-                  <a:latin typeface=""/>
-                </a:rPr>
-                <a:t>Data frame</a:t>
-              </a:r>
-            </a:p>
-          </p:txBody>
-        </p:sp>
-        <p:sp>
-          <p:nvSpPr>
-            <p:cNvPr id="173" name="TextBox 172">
-              <a:extLst>
-                <a:ext uri="{FF2B5EF4-FFF2-40B4-BE49-F238E27FC236}">
-                  <a16:creationId xmlns:a16="http://schemas.microsoft.com/office/drawing/2014/main" id="{CAEFF52D-F7CE-294A-983B-80844EB3E867}"/>
-                </a:ext>
-              </a:extLst>
-            </p:cNvPr>
-            <p:cNvSpPr txBox="1"/>
-            <p:nvPr/>
-          </p:nvSpPr>
-          <p:spPr>
-            <a:xfrm>
-              <a:off x="4102671" y="6105298"/>
-              <a:ext cx="1767192" cy="307777"/>
-            </a:xfrm>
-            <a:prstGeom prst="rect">
-              <a:avLst/>
-            </a:prstGeom>
-            <a:noFill/>
-          </p:spPr>
-          <p:txBody>
-            <a:bodyPr wrap="square" rtlCol="0">
-              <a:spAutoFit/>
-            </a:bodyPr>
-            <a:lstStyle/>
-            <a:p>
-              <a:pPr algn="ctr"/>
-              <a:r>
-                <a:rPr lang="en-US" sz="1400" dirty="0">
-                  <a:solidFill>
-                    <a:srgbClr val="0070C0"/>
-                  </a:solidFill>
-                  <a:latin typeface=""/>
-                </a:rPr>
-                <a:t>Folder with results</a:t>
-              </a:r>
-            </a:p>
-          </p:txBody>
-        </p:sp>
-        <p:cxnSp>
-          <p:nvCxnSpPr>
-            <p:cNvPr id="174" name="Straight Arrow Connector 173">
-              <a:extLst>
-                <a:ext uri="{FF2B5EF4-FFF2-40B4-BE49-F238E27FC236}">
-                  <a16:creationId xmlns:a16="http://schemas.microsoft.com/office/drawing/2014/main" id="{BC893AE3-C894-F843-AFB0-3A90ED08CDF7}"/>
+                  <a16:creationId xmlns:a16="http://schemas.microsoft.com/office/drawing/2014/main" id="{54F3D5E8-EA66-9540-A460-0250D80A7121}"/>
                 </a:ext>
               </a:extLst>
             </p:cNvPr>
             <p:cNvCxnSpPr>
               <a:cxnSpLocks/>
-              <a:endCxn id="102" idx="2"/>
             </p:cNvCxnSpPr>
             <p:nvPr/>
           </p:nvCxnSpPr>
           <p:spPr>
-            <a:xfrm flipV="1">
-              <a:off x="4904785" y="3931310"/>
-              <a:ext cx="1" cy="728651"/>
+            <a:xfrm flipH="1">
+              <a:off x="6292452" y="1328140"/>
+              <a:ext cx="119414" cy="0"/>
             </a:xfrm>
             <a:prstGeom prst="straightConnector1">
               <a:avLst/>
             </a:prstGeom>
             <a:ln w="19050" cap="sq">
               <a:solidFill>
-                <a:srgbClr val="4730FC"/>
+                <a:schemeClr val="tx1">
+                  <a:lumMod val="50000"/>
+                  <a:lumOff val="50000"/>
+                </a:schemeClr>
               </a:solidFill>
               <a:prstDash val="sysDot"/>
-              <a:tailEnd type="stealth" w="lg" len="med"/>
+              <a:tailEnd type="none" w="lg" len="med"/>
             </a:ln>
           </p:spPr>
           <p:style>
@@ -6553,57 +6083,61 @@
             </a:fontRef>
           </p:style>
         </p:cxnSp>
-        <p:sp>
-          <p:nvSpPr>
-            <p:cNvPr id="175" name="TextBox 174">
+        <p:cxnSp>
+          <p:nvCxnSpPr>
+            <p:cNvPr id="114" name="Straight Arrow Connector 113">
               <a:extLst>
                 <a:ext uri="{FF2B5EF4-FFF2-40B4-BE49-F238E27FC236}">
-                  <a16:creationId xmlns:a16="http://schemas.microsoft.com/office/drawing/2014/main" id="{9681F8D4-5703-624A-BAF4-284D778CF088}"/>
+                  <a16:creationId xmlns:a16="http://schemas.microsoft.com/office/drawing/2014/main" id="{DB361C54-75DE-DB44-AEBA-92D44966DA4D}"/>
                 </a:ext>
               </a:extLst>
             </p:cNvPr>
-            <p:cNvSpPr txBox="1"/>
+            <p:cNvCxnSpPr>
+              <a:cxnSpLocks/>
+            </p:cNvCxnSpPr>
             <p:nvPr/>
-          </p:nvSpPr>
+          </p:nvCxnSpPr>
           <p:spPr>
             <a:xfrm>
-              <a:off x="4716325" y="4149539"/>
-              <a:ext cx="1689185" cy="276999"/>
+              <a:off x="6088179" y="1503458"/>
+              <a:ext cx="0" cy="82511"/>
             </a:xfrm>
-            <a:prstGeom prst="rect">
+            <a:prstGeom prst="straightConnector1">
               <a:avLst/>
             </a:prstGeom>
-            <a:noFill/>
+            <a:ln w="19050" cap="sq">
+              <a:solidFill>
+                <a:schemeClr val="tx1">
+                  <a:lumMod val="50000"/>
+                  <a:lumOff val="50000"/>
+                </a:schemeClr>
+              </a:solidFill>
+              <a:prstDash val="sysDot"/>
+              <a:tailEnd type="none" w="lg" len="med"/>
+            </a:ln>
           </p:spPr>
-          <p:txBody>
-            <a:bodyPr wrap="square">
-              <a:spAutoFit/>
-            </a:bodyPr>
-            <a:lstStyle/>
-            <a:p>
-              <a:pPr algn="ctr"/>
-              <a:r>
-                <a:rPr lang="en-US" sz="1200" dirty="0">
-                  <a:solidFill>
-                    <a:schemeClr val="bg1">
-                      <a:lumMod val="75000"/>
-                      <a:lumOff val="25000"/>
-                    </a:schemeClr>
-                  </a:solidFill>
-                  <a:latin typeface=""/>
-                </a:rPr>
-                <a:t>Write back to NAS</a:t>
-              </a:r>
-            </a:p>
-          </p:txBody>
-        </p:sp>
+          <p:style>
+            <a:lnRef idx="1">
+              <a:schemeClr val="accent1"/>
+            </a:lnRef>
+            <a:fillRef idx="0">
+              <a:schemeClr val="accent1"/>
+            </a:fillRef>
+            <a:effectRef idx="0">
+              <a:schemeClr val="accent1"/>
+            </a:effectRef>
+            <a:fontRef idx="minor">
+              <a:schemeClr val="tx1"/>
+            </a:fontRef>
+          </p:style>
+        </p:cxnSp>
       </p:grpSp>
       <p:sp>
         <p:nvSpPr>
-          <p:cNvPr id="177" name="TextBox 176">
-            <a:extLst>
-              <a:ext uri="{FF2B5EF4-FFF2-40B4-BE49-F238E27FC236}">
-                <a16:creationId xmlns:a16="http://schemas.microsoft.com/office/drawing/2014/main" id="{1C1836F0-34EA-A945-9979-EA3E7704C1FA}"/>
+          <p:cNvPr id="106" name="TextBox 105">
+            <a:extLst>
+              <a:ext uri="{FF2B5EF4-FFF2-40B4-BE49-F238E27FC236}">
+                <a16:creationId xmlns:a16="http://schemas.microsoft.com/office/drawing/2014/main" id="{6FC5BF6E-4362-4641-9010-9ADFDB3FF474}"/>
               </a:ext>
             </a:extLst>
           </p:cNvPr>
@@ -6612,7 +6146,422 @@
         </p:nvSpPr>
         <p:spPr>
           <a:xfrm>
-            <a:off x="8451861" y="5987967"/>
+            <a:off x="2440467" y="2259452"/>
+            <a:ext cx="1186178" cy="276999"/>
+          </a:xfrm>
+          <a:prstGeom prst="rect">
+            <a:avLst/>
+          </a:prstGeom>
+          <a:noFill/>
+        </p:spPr>
+        <p:txBody>
+          <a:bodyPr wrap="square">
+            <a:spAutoFit/>
+          </a:bodyPr>
+          <a:lstStyle/>
+          <a:p>
+            <a:r>
+              <a:rPr lang="en-US" sz="1200" dirty="0">
+                <a:solidFill>
+                  <a:schemeClr val="bg1">
+                    <a:lumMod val="75000"/>
+                    <a:lumOff val="25000"/>
+                  </a:schemeClr>
+                </a:solidFill>
+                <a:latin typeface=""/>
+              </a:rPr>
+              <a:t>Image storage</a:t>
+            </a:r>
+          </a:p>
+        </p:txBody>
+      </p:sp>
+      <p:cxnSp>
+        <p:nvCxnSpPr>
+          <p:cNvPr id="167" name="Straight Arrow Connector 166">
+            <a:extLst>
+              <a:ext uri="{FF2B5EF4-FFF2-40B4-BE49-F238E27FC236}">
+                <a16:creationId xmlns:a16="http://schemas.microsoft.com/office/drawing/2014/main" id="{B6D4D2E1-D761-7B40-8532-5BDED8D94FDA}"/>
+              </a:ext>
+            </a:extLst>
+          </p:cNvPr>
+          <p:cNvCxnSpPr>
+            <a:cxnSpLocks/>
+          </p:cNvCxnSpPr>
+          <p:nvPr/>
+        </p:nvCxnSpPr>
+        <p:spPr>
+          <a:xfrm flipH="1">
+            <a:off x="6533147" y="4496538"/>
+            <a:ext cx="817059" cy="0"/>
+          </a:xfrm>
+          <a:prstGeom prst="straightConnector1">
+            <a:avLst/>
+          </a:prstGeom>
+          <a:ln w="19050" cap="sq">
+            <a:solidFill>
+              <a:srgbClr val="4730FC"/>
+            </a:solidFill>
+            <a:prstDash val="sysDot"/>
+            <a:tailEnd type="stealth" w="lg" len="med"/>
+          </a:ln>
+        </p:spPr>
+        <p:style>
+          <a:lnRef idx="1">
+            <a:schemeClr val="accent1"/>
+          </a:lnRef>
+          <a:fillRef idx="0">
+            <a:schemeClr val="accent1"/>
+          </a:fillRef>
+          <a:effectRef idx="0">
+            <a:schemeClr val="accent1"/>
+          </a:effectRef>
+          <a:fontRef idx="minor">
+            <a:schemeClr val="tx1"/>
+          </a:fontRef>
+        </p:style>
+      </p:cxnSp>
+      <p:pic>
+        <p:nvPicPr>
+          <p:cNvPr id="168" name="Graphic 167" descr="Open folder with solid fill">
+            <a:extLst>
+              <a:ext uri="{FF2B5EF4-FFF2-40B4-BE49-F238E27FC236}">
+                <a16:creationId xmlns:a16="http://schemas.microsoft.com/office/drawing/2014/main" id="{76204BAB-2C12-1A42-9CEB-1193919D8107}"/>
+              </a:ext>
+            </a:extLst>
+          </p:cNvPr>
+          <p:cNvPicPr>
+            <a:picLocks noChangeAspect="1"/>
+          </p:cNvPicPr>
+          <p:nvPr/>
+        </p:nvPicPr>
+        <p:blipFill>
+          <a:blip r:embed="rId12">
+            <a:extLst>
+              <a:ext uri="{96DAC541-7B7A-43D3-8B79-37D633B846F1}">
+                <asvg:svgBlip xmlns:asvg="http://schemas.microsoft.com/office/drawing/2016/SVG/main" r:embed="rId13"/>
+              </a:ext>
+            </a:extLst>
+          </a:blip>
+          <a:stretch>
+            <a:fillRect/>
+          </a:stretch>
+        </p:blipFill>
+        <p:spPr>
+          <a:xfrm>
+            <a:off x="4084746" y="4473847"/>
+            <a:ext cx="990285" cy="990285"/>
+          </a:xfrm>
+          <a:prstGeom prst="rect">
+            <a:avLst/>
+          </a:prstGeom>
+        </p:spPr>
+      </p:pic>
+      <p:pic>
+        <p:nvPicPr>
+          <p:cNvPr id="169" name="Graphic 168" descr="Document with solid fill">
+            <a:extLst>
+              <a:ext uri="{FF2B5EF4-FFF2-40B4-BE49-F238E27FC236}">
+                <a16:creationId xmlns:a16="http://schemas.microsoft.com/office/drawing/2014/main" id="{1BFDF757-ED6D-154C-BA9A-EF9FE8AC1154}"/>
+              </a:ext>
+            </a:extLst>
+          </p:cNvPr>
+          <p:cNvPicPr>
+            <a:picLocks noChangeAspect="1"/>
+          </p:cNvPicPr>
+          <p:nvPr/>
+        </p:nvPicPr>
+        <p:blipFill>
+          <a:blip r:embed="rId14">
+            <a:extLst>
+              <a:ext uri="{96DAC541-7B7A-43D3-8B79-37D633B846F1}">
+                <asvg:svgBlip xmlns:asvg="http://schemas.microsoft.com/office/drawing/2016/SVG/main" r:embed="rId15"/>
+              </a:ext>
+            </a:extLst>
+          </a:blip>
+          <a:stretch>
+            <a:fillRect/>
+          </a:stretch>
+        </p:blipFill>
+        <p:spPr>
+          <a:xfrm>
+            <a:off x="5124966" y="4336396"/>
+            <a:ext cx="592906" cy="592906"/>
+          </a:xfrm>
+          <a:prstGeom prst="rect">
+            <a:avLst/>
+          </a:prstGeom>
+        </p:spPr>
+      </p:pic>
+      <p:pic>
+        <p:nvPicPr>
+          <p:cNvPr id="170" name="Graphic 169" descr="Table with solid fill">
+            <a:extLst>
+              <a:ext uri="{FF2B5EF4-FFF2-40B4-BE49-F238E27FC236}">
+                <a16:creationId xmlns:a16="http://schemas.microsoft.com/office/drawing/2014/main" id="{E620AAFD-C8F6-964A-8297-952F747748F1}"/>
+              </a:ext>
+            </a:extLst>
+          </p:cNvPr>
+          <p:cNvPicPr>
+            <a:picLocks noChangeAspect="1"/>
+          </p:cNvPicPr>
+          <p:nvPr/>
+        </p:nvPicPr>
+        <p:blipFill>
+          <a:blip r:embed="rId16">
+            <a:extLst>
+              <a:ext uri="{96DAC541-7B7A-43D3-8B79-37D633B846F1}">
+                <asvg:svgBlip xmlns:asvg="http://schemas.microsoft.com/office/drawing/2016/SVG/main" r:embed="rId17"/>
+              </a:ext>
+            </a:extLst>
+          </a:blip>
+          <a:stretch>
+            <a:fillRect/>
+          </a:stretch>
+        </p:blipFill>
+        <p:spPr>
+          <a:xfrm>
+            <a:off x="5547760" y="5000630"/>
+            <a:ext cx="592907" cy="592907"/>
+          </a:xfrm>
+          <a:prstGeom prst="rect">
+            <a:avLst/>
+          </a:prstGeom>
+        </p:spPr>
+      </p:pic>
+      <p:sp>
+        <p:nvSpPr>
+          <p:cNvPr id="171" name="TextBox 170">
+            <a:extLst>
+              <a:ext uri="{FF2B5EF4-FFF2-40B4-BE49-F238E27FC236}">
+                <a16:creationId xmlns:a16="http://schemas.microsoft.com/office/drawing/2014/main" id="{B4C04454-DE58-EE4E-B772-931EEB3E3981}"/>
+              </a:ext>
+            </a:extLst>
+          </p:cNvPr>
+          <p:cNvSpPr txBox="1"/>
+          <p:nvPr/>
+        </p:nvSpPr>
+        <p:spPr>
+          <a:xfrm>
+            <a:off x="5059057" y="4830489"/>
+            <a:ext cx="824265" cy="276999"/>
+          </a:xfrm>
+          <a:prstGeom prst="rect">
+            <a:avLst/>
+          </a:prstGeom>
+          <a:noFill/>
+        </p:spPr>
+        <p:txBody>
+          <a:bodyPr wrap="none" rtlCol="0">
+            <a:spAutoFit/>
+          </a:bodyPr>
+          <a:lstStyle/>
+          <a:p>
+            <a:pPr algn="ctr"/>
+            <a:r>
+              <a:rPr lang="en-US" sz="1200" dirty="0">
+                <a:solidFill>
+                  <a:schemeClr val="tx1">
+                    <a:lumMod val="75000"/>
+                    <a:lumOff val="25000"/>
+                  </a:schemeClr>
+                </a:solidFill>
+                <a:latin typeface=""/>
+              </a:rPr>
+              <a:t>Metadata</a:t>
+            </a:r>
+          </a:p>
+        </p:txBody>
+      </p:sp>
+      <p:sp>
+        <p:nvSpPr>
+          <p:cNvPr id="172" name="TextBox 171">
+            <a:extLst>
+              <a:ext uri="{FF2B5EF4-FFF2-40B4-BE49-F238E27FC236}">
+                <a16:creationId xmlns:a16="http://schemas.microsoft.com/office/drawing/2014/main" id="{52249C04-E7F8-4349-9A00-807B43079A71}"/>
+              </a:ext>
+            </a:extLst>
+          </p:cNvPr>
+          <p:cNvSpPr txBox="1"/>
+          <p:nvPr/>
+        </p:nvSpPr>
+        <p:spPr>
+          <a:xfrm>
+            <a:off x="5409764" y="5477384"/>
+            <a:ext cx="944489" cy="276999"/>
+          </a:xfrm>
+          <a:prstGeom prst="rect">
+            <a:avLst/>
+          </a:prstGeom>
+          <a:noFill/>
+        </p:spPr>
+        <p:txBody>
+          <a:bodyPr wrap="none" rtlCol="0">
+            <a:spAutoFit/>
+          </a:bodyPr>
+          <a:lstStyle/>
+          <a:p>
+            <a:pPr algn="ctr"/>
+            <a:r>
+              <a:rPr lang="en-US" sz="1200" dirty="0">
+                <a:solidFill>
+                  <a:schemeClr val="tx1">
+                    <a:lumMod val="75000"/>
+                    <a:lumOff val="25000"/>
+                  </a:schemeClr>
+                </a:solidFill>
+                <a:latin typeface=""/>
+              </a:rPr>
+              <a:t>Data frame</a:t>
+            </a:r>
+          </a:p>
+        </p:txBody>
+      </p:sp>
+      <p:sp>
+        <p:nvSpPr>
+          <p:cNvPr id="173" name="TextBox 172">
+            <a:extLst>
+              <a:ext uri="{FF2B5EF4-FFF2-40B4-BE49-F238E27FC236}">
+                <a16:creationId xmlns:a16="http://schemas.microsoft.com/office/drawing/2014/main" id="{CAEFF52D-F7CE-294A-983B-80844EB3E867}"/>
+              </a:ext>
+            </a:extLst>
+          </p:cNvPr>
+          <p:cNvSpPr txBox="1"/>
+          <p:nvPr/>
+        </p:nvSpPr>
+        <p:spPr>
+          <a:xfrm>
+            <a:off x="4102671" y="5781734"/>
+            <a:ext cx="1767192" cy="307777"/>
+          </a:xfrm>
+          <a:prstGeom prst="rect">
+            <a:avLst/>
+          </a:prstGeom>
+          <a:noFill/>
+        </p:spPr>
+        <p:txBody>
+          <a:bodyPr wrap="square" rtlCol="0">
+            <a:spAutoFit/>
+          </a:bodyPr>
+          <a:lstStyle/>
+          <a:p>
+            <a:pPr algn="ctr"/>
+            <a:r>
+              <a:rPr lang="en-US" sz="1400" dirty="0">
+                <a:solidFill>
+                  <a:srgbClr val="0070C0"/>
+                </a:solidFill>
+                <a:latin typeface=""/>
+              </a:rPr>
+              <a:t>Folder with results</a:t>
+            </a:r>
+          </a:p>
+        </p:txBody>
+      </p:sp>
+      <p:cxnSp>
+        <p:nvCxnSpPr>
+          <p:cNvPr id="174" name="Straight Arrow Connector 173">
+            <a:extLst>
+              <a:ext uri="{FF2B5EF4-FFF2-40B4-BE49-F238E27FC236}">
+                <a16:creationId xmlns:a16="http://schemas.microsoft.com/office/drawing/2014/main" id="{BC893AE3-C894-F843-AFB0-3A90ED08CDF7}"/>
+              </a:ext>
+            </a:extLst>
+          </p:cNvPr>
+          <p:cNvCxnSpPr>
+            <a:cxnSpLocks/>
+            <a:endCxn id="102" idx="2"/>
+          </p:cNvCxnSpPr>
+          <p:nvPr/>
+        </p:nvCxnSpPr>
+        <p:spPr>
+          <a:xfrm flipV="1">
+            <a:off x="4904785" y="3607746"/>
+            <a:ext cx="1" cy="728651"/>
+          </a:xfrm>
+          <a:prstGeom prst="straightConnector1">
+            <a:avLst/>
+          </a:prstGeom>
+          <a:ln w="19050" cap="sq">
+            <a:solidFill>
+              <a:srgbClr val="4730FC"/>
+            </a:solidFill>
+            <a:prstDash val="sysDot"/>
+            <a:tailEnd type="stealth" w="lg" len="med"/>
+          </a:ln>
+        </p:spPr>
+        <p:style>
+          <a:lnRef idx="1">
+            <a:schemeClr val="accent1"/>
+          </a:lnRef>
+          <a:fillRef idx="0">
+            <a:schemeClr val="accent1"/>
+          </a:fillRef>
+          <a:effectRef idx="0">
+            <a:schemeClr val="accent1"/>
+          </a:effectRef>
+          <a:fontRef idx="minor">
+            <a:schemeClr val="tx1"/>
+          </a:fontRef>
+        </p:style>
+      </p:cxnSp>
+      <p:sp>
+        <p:nvSpPr>
+          <p:cNvPr id="175" name="TextBox 174">
+            <a:extLst>
+              <a:ext uri="{FF2B5EF4-FFF2-40B4-BE49-F238E27FC236}">
+                <a16:creationId xmlns:a16="http://schemas.microsoft.com/office/drawing/2014/main" id="{9681F8D4-5703-624A-BAF4-284D778CF088}"/>
+              </a:ext>
+            </a:extLst>
+          </p:cNvPr>
+          <p:cNvSpPr txBox="1"/>
+          <p:nvPr/>
+        </p:nvSpPr>
+        <p:spPr>
+          <a:xfrm>
+            <a:off x="4716325" y="3825975"/>
+            <a:ext cx="1689185" cy="276999"/>
+          </a:xfrm>
+          <a:prstGeom prst="rect">
+            <a:avLst/>
+          </a:prstGeom>
+          <a:noFill/>
+        </p:spPr>
+        <p:txBody>
+          <a:bodyPr wrap="square">
+            <a:spAutoFit/>
+          </a:bodyPr>
+          <a:lstStyle/>
+          <a:p>
+            <a:pPr algn="ctr"/>
+            <a:r>
+              <a:rPr lang="en-US" sz="1200" dirty="0">
+                <a:solidFill>
+                  <a:schemeClr val="bg1">
+                    <a:lumMod val="75000"/>
+                    <a:lumOff val="25000"/>
+                  </a:schemeClr>
+                </a:solidFill>
+                <a:latin typeface=""/>
+              </a:rPr>
+              <a:t>Write back to NAS</a:t>
+            </a:r>
+          </a:p>
+        </p:txBody>
+      </p:sp>
+      <p:sp>
+        <p:nvSpPr>
+          <p:cNvPr id="177" name="TextBox 176">
+            <a:extLst>
+              <a:ext uri="{FF2B5EF4-FFF2-40B4-BE49-F238E27FC236}">
+                <a16:creationId xmlns:a16="http://schemas.microsoft.com/office/drawing/2014/main" id="{1C1836F0-34EA-A945-9979-EA3E7704C1FA}"/>
+              </a:ext>
+            </a:extLst>
+          </p:cNvPr>
+          <p:cNvSpPr txBox="1"/>
+          <p:nvPr/>
+        </p:nvSpPr>
+        <p:spPr>
+          <a:xfrm>
+            <a:off x="8541454" y="5749275"/>
             <a:ext cx="1596912" cy="307777"/>
           </a:xfrm>
           <a:prstGeom prst="rect">
@@ -6655,7 +6604,7 @@
         </p:nvCxnSpPr>
         <p:spPr>
           <a:xfrm>
-            <a:off x="9502207" y="3758510"/>
+            <a:off x="9502207" y="3434946"/>
             <a:ext cx="1" cy="641033"/>
           </a:xfrm>
           <a:prstGeom prst="straightConnector1">
@@ -6684,12 +6633,48 @@
           </a:fontRef>
         </p:style>
       </p:cxnSp>
+      <p:pic>
+        <p:nvPicPr>
+          <p:cNvPr id="181" name="Graphic 180" descr="Server with solid fill">
+            <a:extLst>
+              <a:ext uri="{FF2B5EF4-FFF2-40B4-BE49-F238E27FC236}">
+                <a16:creationId xmlns:a16="http://schemas.microsoft.com/office/drawing/2014/main" id="{91BA58E2-ACA5-A649-BEAC-F8724B28E862}"/>
+              </a:ext>
+            </a:extLst>
+          </p:cNvPr>
+          <p:cNvPicPr>
+            <a:picLocks noChangeAspect="1"/>
+          </p:cNvPicPr>
+          <p:nvPr/>
+        </p:nvPicPr>
+        <p:blipFill>
+          <a:blip r:embed="rId18">
+            <a:extLst>
+              <a:ext uri="{96DAC541-7B7A-43D3-8B79-37D633B846F1}">
+                <asvg:svgBlip xmlns:asvg="http://schemas.microsoft.com/office/drawing/2016/SVG/main" r:embed="rId19"/>
+              </a:ext>
+            </a:extLst>
+          </a:blip>
+          <a:stretch>
+            <a:fillRect/>
+          </a:stretch>
+        </p:blipFill>
+        <p:spPr>
+          <a:xfrm>
+            <a:off x="9012146" y="2175282"/>
+            <a:ext cx="914400" cy="914400"/>
+          </a:xfrm>
+          <a:prstGeom prst="rect">
+            <a:avLst/>
+          </a:prstGeom>
+        </p:spPr>
+      </p:pic>
       <p:grpSp>
         <p:nvGrpSpPr>
-          <p:cNvPr id="179" name="Group 178">
-            <a:extLst>
-              <a:ext uri="{FF2B5EF4-FFF2-40B4-BE49-F238E27FC236}">
-                <a16:creationId xmlns:a16="http://schemas.microsoft.com/office/drawing/2014/main" id="{FFE428E5-A452-0E4A-A789-4E128E4BA376}"/>
+          <p:cNvPr id="182" name="Group 181">
+            <a:extLst>
+              <a:ext uri="{FF2B5EF4-FFF2-40B4-BE49-F238E27FC236}">
+                <a16:creationId xmlns:a16="http://schemas.microsoft.com/office/drawing/2014/main" id="{8B8E313B-88D5-D74C-9049-77B9FB4786C1}"/>
               </a:ext>
             </a:extLst>
           </p:cNvPr>
@@ -6698,54 +6683,18 @@
         </p:nvGrpSpPr>
         <p:grpSpPr>
           <a:xfrm>
-            <a:off x="8369040" y="1013696"/>
-            <a:ext cx="2200611" cy="2399550"/>
+            <a:off x="8369040" y="690132"/>
+            <a:ext cx="2200611" cy="1494771"/>
             <a:chOff x="8369040" y="1013696"/>
-            <a:chExt cx="2200611" cy="2399550"/>
+            <a:chExt cx="2200611" cy="1494771"/>
           </a:xfrm>
         </p:grpSpPr>
-        <p:pic>
-          <p:nvPicPr>
-            <p:cNvPr id="181" name="Graphic 180" descr="Server with solid fill">
+        <p:grpSp>
+          <p:nvGrpSpPr>
+            <p:cNvPr id="183" name="Group 182">
               <a:extLst>
                 <a:ext uri="{FF2B5EF4-FFF2-40B4-BE49-F238E27FC236}">
-                  <a16:creationId xmlns:a16="http://schemas.microsoft.com/office/drawing/2014/main" id="{91BA58E2-ACA5-A649-BEAC-F8724B28E862}"/>
-                </a:ext>
-              </a:extLst>
-            </p:cNvPr>
-            <p:cNvPicPr>
-              <a:picLocks noChangeAspect="1"/>
-            </p:cNvPicPr>
-            <p:nvPr/>
-          </p:nvPicPr>
-          <p:blipFill>
-            <a:blip r:embed="rId18">
-              <a:extLst>
-                <a:ext uri="{96DAC541-7B7A-43D3-8B79-37D633B846F1}">
-                  <asvg:svgBlip xmlns:asvg="http://schemas.microsoft.com/office/drawing/2016/SVG/main" r:embed="rId19"/>
-                </a:ext>
-              </a:extLst>
-            </a:blip>
-            <a:stretch>
-              <a:fillRect/>
-            </a:stretch>
-          </p:blipFill>
-          <p:spPr>
-            <a:xfrm>
-              <a:off x="9012146" y="2498846"/>
-              <a:ext cx="914400" cy="914400"/>
-            </a:xfrm>
-            <a:prstGeom prst="rect">
-              <a:avLst/>
-            </a:prstGeom>
-          </p:spPr>
-        </p:pic>
-        <p:grpSp>
-          <p:nvGrpSpPr>
-            <p:cNvPr id="182" name="Group 181">
-              <a:extLst>
-                <a:ext uri="{FF2B5EF4-FFF2-40B4-BE49-F238E27FC236}">
-                  <a16:creationId xmlns:a16="http://schemas.microsoft.com/office/drawing/2014/main" id="{8B8E313B-88D5-D74C-9049-77B9FB4786C1}"/>
+                  <a16:creationId xmlns:a16="http://schemas.microsoft.com/office/drawing/2014/main" id="{9467CB03-6B77-B947-8CCB-639D056404A0}"/>
                 </a:ext>
               </a:extLst>
             </p:cNvPr>
@@ -6755,167 +6704,146 @@
           <p:grpSpPr>
             <a:xfrm>
               <a:off x="8369040" y="1013696"/>
-              <a:ext cx="2200611" cy="1494771"/>
+              <a:ext cx="2200611" cy="1161188"/>
               <a:chOff x="8369040" y="1013696"/>
-              <a:chExt cx="2200611" cy="1494771"/>
+              <a:chExt cx="2200611" cy="1161188"/>
             </a:xfrm>
           </p:grpSpPr>
-          <p:grpSp>
-            <p:nvGrpSpPr>
-              <p:cNvPr id="183" name="Group 182">
+          <p:sp>
+            <p:nvSpPr>
+              <p:cNvPr id="185" name="TextBox 184">
                 <a:extLst>
                   <a:ext uri="{FF2B5EF4-FFF2-40B4-BE49-F238E27FC236}">
-                    <a16:creationId xmlns:a16="http://schemas.microsoft.com/office/drawing/2014/main" id="{9467CB03-6B77-B947-8CCB-639D056404A0}"/>
+                    <a16:creationId xmlns:a16="http://schemas.microsoft.com/office/drawing/2014/main" id="{F4CE679F-5F65-9B4F-92AB-BEE01479F813}"/>
                   </a:ext>
                 </a:extLst>
               </p:cNvPr>
-              <p:cNvGrpSpPr/>
+              <p:cNvSpPr txBox="1"/>
               <p:nvPr/>
-            </p:nvGrpSpPr>
-            <p:grpSpPr>
+            </p:nvSpPr>
+            <p:spPr>
               <a:xfrm>
-                <a:off x="8369040" y="1013696"/>
-                <a:ext cx="2200611" cy="1161188"/>
-                <a:chOff x="8369040" y="1013696"/>
-                <a:chExt cx="2200611" cy="1161188"/>
+                <a:off x="8369040" y="1897885"/>
+                <a:ext cx="2200611" cy="276999"/>
               </a:xfrm>
-            </p:grpSpPr>
-            <p:sp>
-              <p:nvSpPr>
-                <p:cNvPr id="185" name="TextBox 184">
-                  <a:extLst>
-                    <a:ext uri="{FF2B5EF4-FFF2-40B4-BE49-F238E27FC236}">
-                      <a16:creationId xmlns:a16="http://schemas.microsoft.com/office/drawing/2014/main" id="{F4CE679F-5F65-9B4F-92AB-BEE01479F813}"/>
-                    </a:ext>
-                  </a:extLst>
-                </p:cNvPr>
-                <p:cNvSpPr txBox="1"/>
-                <p:nvPr/>
-              </p:nvSpPr>
-              <p:spPr>
-                <a:xfrm>
-                  <a:off x="8369040" y="1897885"/>
-                  <a:ext cx="2200611" cy="276999"/>
-                </a:xfrm>
-                <a:prstGeom prst="rect">
-                  <a:avLst/>
-                </a:prstGeom>
-                <a:noFill/>
-              </p:spPr>
-              <p:txBody>
-                <a:bodyPr wrap="square">
-                  <a:spAutoFit/>
-                </a:bodyPr>
-                <a:lstStyle/>
-                <a:p>
-                  <a:pPr algn="ctr"/>
-                  <a:r>
-                    <a:rPr lang="en-US" sz="1200" dirty="0">
-                      <a:solidFill>
-                        <a:schemeClr val="bg1">
-                          <a:lumMod val="75000"/>
-                          <a:lumOff val="25000"/>
-                        </a:schemeClr>
-                      </a:solidFill>
-                      <a:latin typeface=""/>
-                    </a:rPr>
-                    <a:t>Secure Shell </a:t>
-                  </a:r>
-                  <a:r>
-                    <a:rPr lang="en-US" sz="1200" b="1" dirty="0">
-                      <a:solidFill>
-                        <a:srgbClr val="4730FC"/>
-                      </a:solidFill>
-                      <a:latin typeface=""/>
-                    </a:rPr>
-                    <a:t>(SSH) protocol </a:t>
-                  </a:r>
-                </a:p>
-              </p:txBody>
-            </p:sp>
-            <p:pic>
-              <p:nvPicPr>
-                <p:cNvPr id="186" name="Graphic 185" descr="Programmer male with solid fill">
-                  <a:extLst>
-                    <a:ext uri="{FF2B5EF4-FFF2-40B4-BE49-F238E27FC236}">
-                      <a16:creationId xmlns:a16="http://schemas.microsoft.com/office/drawing/2014/main" id="{5A3F9FAE-2A42-894B-904D-B20BF0FEED1A}"/>
-                    </a:ext>
-                  </a:extLst>
-                </p:cNvPr>
-                <p:cNvPicPr>
-                  <a:picLocks noChangeAspect="1"/>
-                </p:cNvPicPr>
-                <p:nvPr/>
-              </p:nvPicPr>
-              <p:blipFill>
-                <a:blip r:embed="rId20">
-                  <a:extLst>
-                    <a:ext uri="{96DAC541-7B7A-43D3-8B79-37D633B846F1}">
-                      <asvg:svgBlip xmlns:asvg="http://schemas.microsoft.com/office/drawing/2016/SVG/main" r:embed="rId21"/>
-                    </a:ext>
-                  </a:extLst>
-                </a:blip>
-                <a:stretch>
-                  <a:fillRect/>
-                </a:stretch>
-              </p:blipFill>
-              <p:spPr>
-                <a:xfrm>
-                  <a:off x="9070385" y="1013696"/>
-                  <a:ext cx="914400" cy="914400"/>
-                </a:xfrm>
-                <a:prstGeom prst="rect">
-                  <a:avLst/>
-                </a:prstGeom>
-              </p:spPr>
-            </p:pic>
-          </p:grpSp>
-          <p:cxnSp>
-            <p:nvCxnSpPr>
-              <p:cNvPr id="184" name="Straight Arrow Connector 183">
+              <a:prstGeom prst="rect">
+                <a:avLst/>
+              </a:prstGeom>
+              <a:noFill/>
+            </p:spPr>
+            <p:txBody>
+              <a:bodyPr wrap="square">
+                <a:spAutoFit/>
+              </a:bodyPr>
+              <a:lstStyle/>
+              <a:p>
+                <a:pPr algn="ctr"/>
+                <a:r>
+                  <a:rPr lang="en-US" sz="1200" dirty="0">
+                    <a:solidFill>
+                      <a:schemeClr val="tx1">
+                        <a:lumMod val="75000"/>
+                        <a:lumOff val="25000"/>
+                      </a:schemeClr>
+                    </a:solidFill>
+                    <a:latin typeface=""/>
+                  </a:rPr>
+                  <a:t>Secure Shell </a:t>
+                </a:r>
+                <a:r>
+                  <a:rPr lang="en-US" sz="1200" b="1" dirty="0">
+                    <a:solidFill>
+                      <a:srgbClr val="4730FC"/>
+                    </a:solidFill>
+                    <a:latin typeface=""/>
+                  </a:rPr>
+                  <a:t>(SSH) protocol </a:t>
+                </a:r>
+              </a:p>
+            </p:txBody>
+          </p:sp>
+          <p:pic>
+            <p:nvPicPr>
+              <p:cNvPr id="186" name="Graphic 185" descr="Programmer male with solid fill">
                 <a:extLst>
                   <a:ext uri="{FF2B5EF4-FFF2-40B4-BE49-F238E27FC236}">
-                    <a16:creationId xmlns:a16="http://schemas.microsoft.com/office/drawing/2014/main" id="{7E8D5AAA-B033-AB4A-8AA1-75FA9ECC3A38}"/>
+                    <a16:creationId xmlns:a16="http://schemas.microsoft.com/office/drawing/2014/main" id="{5A3F9FAE-2A42-894B-904D-B20BF0FEED1A}"/>
                   </a:ext>
                 </a:extLst>
               </p:cNvPr>
-              <p:cNvCxnSpPr>
-                <a:cxnSpLocks/>
-              </p:cNvCxnSpPr>
+              <p:cNvPicPr>
+                <a:picLocks noChangeAspect="1"/>
+              </p:cNvPicPr>
               <p:nvPr/>
-            </p:nvCxnSpPr>
+            </p:nvPicPr>
+            <p:blipFill>
+              <a:blip r:embed="rId20">
+                <a:extLst>
+                  <a:ext uri="{96DAC541-7B7A-43D3-8B79-37D633B846F1}">
+                    <asvg:svgBlip xmlns:asvg="http://schemas.microsoft.com/office/drawing/2016/SVG/main" r:embed="rId21"/>
+                  </a:ext>
+                </a:extLst>
+              </a:blip>
+              <a:stretch>
+                <a:fillRect/>
+              </a:stretch>
+            </p:blipFill>
             <p:spPr>
               <a:xfrm>
-                <a:off x="9508060" y="2174607"/>
-                <a:ext cx="0" cy="333860"/>
+                <a:off x="9070385" y="1013696"/>
+                <a:ext cx="914400" cy="914400"/>
               </a:xfrm>
-              <a:prstGeom prst="straightConnector1">
+              <a:prstGeom prst="rect">
                 <a:avLst/>
               </a:prstGeom>
-              <a:ln w="28575" cap="sq">
-                <a:solidFill>
-                  <a:srgbClr val="FC4330"/>
-                </a:solidFill>
-                <a:prstDash val="solid"/>
-                <a:tailEnd type="stealth" w="lg" len="med"/>
-              </a:ln>
             </p:spPr>
-            <p:style>
-              <a:lnRef idx="1">
-                <a:schemeClr val="accent1"/>
-              </a:lnRef>
-              <a:fillRef idx="0">
-                <a:schemeClr val="accent1"/>
-              </a:fillRef>
-              <a:effectRef idx="0">
-                <a:schemeClr val="accent1"/>
-              </a:effectRef>
-              <a:fontRef idx="minor">
-                <a:schemeClr val="tx1"/>
-              </a:fontRef>
-            </p:style>
-          </p:cxnSp>
+          </p:pic>
         </p:grpSp>
+        <p:cxnSp>
+          <p:nvCxnSpPr>
+            <p:cNvPr id="184" name="Straight Arrow Connector 183">
+              <a:extLst>
+                <a:ext uri="{FF2B5EF4-FFF2-40B4-BE49-F238E27FC236}">
+                  <a16:creationId xmlns:a16="http://schemas.microsoft.com/office/drawing/2014/main" id="{7E8D5AAA-B033-AB4A-8AA1-75FA9ECC3A38}"/>
+                </a:ext>
+              </a:extLst>
+            </p:cNvPr>
+            <p:cNvCxnSpPr>
+              <a:cxnSpLocks/>
+            </p:cNvCxnSpPr>
+            <p:nvPr/>
+          </p:nvCxnSpPr>
+          <p:spPr>
+            <a:xfrm>
+              <a:off x="9508060" y="2174607"/>
+              <a:ext cx="0" cy="333860"/>
+            </a:xfrm>
+            <a:prstGeom prst="straightConnector1">
+              <a:avLst/>
+            </a:prstGeom>
+            <a:ln w="28575" cap="sq">
+              <a:solidFill>
+                <a:srgbClr val="FC4330"/>
+              </a:solidFill>
+              <a:prstDash val="solid"/>
+              <a:tailEnd type="stealth" w="lg" len="med"/>
+            </a:ln>
+          </p:spPr>
+          <p:style>
+            <a:lnRef idx="1">
+              <a:schemeClr val="accent1"/>
+            </a:lnRef>
+            <a:fillRef idx="0">
+              <a:schemeClr val="accent1"/>
+            </a:fillRef>
+            <a:effectRef idx="0">
+              <a:schemeClr val="accent1"/>
+            </a:effectRef>
+            <a:fontRef idx="minor">
+              <a:schemeClr val="tx1"/>
+            </a:fontRef>
+          </p:style>
+        </p:cxnSp>
       </p:grpSp>
       <p:pic>
         <p:nvPicPr>
@@ -6945,7 +6873,7 @@
         </p:blipFill>
         <p:spPr>
           <a:xfrm>
-            <a:off x="5854472" y="4668917"/>
+            <a:off x="5854472" y="4345353"/>
             <a:ext cx="592906" cy="592906"/>
           </a:xfrm>
           <a:prstGeom prst="rect">
@@ -6967,7 +6895,7 @@
         </p:nvSpPr>
         <p:spPr>
           <a:xfrm>
-            <a:off x="5954474" y="5163010"/>
+            <a:off x="5954474" y="4839446"/>
             <a:ext cx="492443" cy="276999"/>
           </a:xfrm>
           <a:prstGeom prst="rect">
@@ -6985,7 +6913,7 @@
             <a:r>
               <a:rPr lang="en-US" sz="1200" dirty="0">
                 <a:solidFill>
-                  <a:schemeClr val="bg1">
+                  <a:schemeClr val="tx1">
                     <a:lumMod val="75000"/>
                     <a:lumOff val="25000"/>
                   </a:schemeClr>
@@ -6997,32 +6925,138 @@
           </a:p>
         </p:txBody>
       </p:sp>
+      <p:pic>
+        <p:nvPicPr>
+          <p:cNvPr id="190" name="Graphic 189" descr="Scissors with solid fill">
+            <a:extLst>
+              <a:ext uri="{FF2B5EF4-FFF2-40B4-BE49-F238E27FC236}">
+                <a16:creationId xmlns:a16="http://schemas.microsoft.com/office/drawing/2014/main" id="{40D033FE-173A-D345-B1C8-43E83CC5D4F5}"/>
+              </a:ext>
+            </a:extLst>
+          </p:cNvPr>
+          <p:cNvPicPr>
+            <a:picLocks noChangeAspect="1"/>
+          </p:cNvPicPr>
+          <p:nvPr/>
+        </p:nvPicPr>
+        <p:blipFill>
+          <a:blip r:embed="rId22">
+            <a:extLst>
+              <a:ext uri="{96DAC541-7B7A-43D3-8B79-37D633B846F1}">
+                <asvg:svgBlip xmlns:asvg="http://schemas.microsoft.com/office/drawing/2016/SVG/main" r:embed="rId23"/>
+              </a:ext>
+            </a:extLst>
+          </a:blip>
+          <a:stretch>
+            <a:fillRect/>
+          </a:stretch>
+        </p:blipFill>
+        <p:spPr>
+          <a:xfrm rot="6830865">
+            <a:off x="7535501" y="4651402"/>
+            <a:ext cx="430719" cy="430719"/>
+          </a:xfrm>
+          <a:prstGeom prst="rect">
+            <a:avLst/>
+          </a:prstGeom>
+        </p:spPr>
+      </p:pic>
       <p:grpSp>
         <p:nvGrpSpPr>
-          <p:cNvPr id="189" name="Group 188">
-            <a:extLst>
-              <a:ext uri="{FF2B5EF4-FFF2-40B4-BE49-F238E27FC236}">
-                <a16:creationId xmlns:a16="http://schemas.microsoft.com/office/drawing/2014/main" id="{B5C9087C-8058-DC43-B02C-53FFD339B9C3}"/>
-              </a:ext>
-            </a:extLst>
-          </p:cNvPr>
-          <p:cNvGrpSpPr/>
+          <p:cNvPr id="191" name="Group 190">
+            <a:extLst>
+              <a:ext uri="{FF2B5EF4-FFF2-40B4-BE49-F238E27FC236}">
+                <a16:creationId xmlns:a16="http://schemas.microsoft.com/office/drawing/2014/main" id="{DB33AE18-0ACA-424D-B2E8-DCDE3AC28EB2}"/>
+              </a:ext>
+            </a:extLst>
+          </p:cNvPr>
+          <p:cNvGrpSpPr>
+            <a:grpSpLocks noChangeAspect="1"/>
+          </p:cNvGrpSpPr>
           <p:nvPr/>
         </p:nvGrpSpPr>
         <p:grpSpPr>
           <a:xfrm>
-            <a:off x="7480309" y="4563446"/>
-            <a:ext cx="1087817" cy="868204"/>
-            <a:chOff x="5473968" y="5130947"/>
-            <a:chExt cx="1087817" cy="868204"/>
+            <a:off x="7792129" y="4315313"/>
+            <a:ext cx="620424" cy="606096"/>
+            <a:chOff x="1278675" y="2029522"/>
+            <a:chExt cx="1609491" cy="1572321"/>
           </a:xfrm>
         </p:grpSpPr>
+        <p:sp>
+          <p:nvSpPr>
+            <p:cNvPr id="193" name="Oval 192">
+              <a:extLst>
+                <a:ext uri="{FF2B5EF4-FFF2-40B4-BE49-F238E27FC236}">
+                  <a16:creationId xmlns:a16="http://schemas.microsoft.com/office/drawing/2014/main" id="{0F0E49D2-DC5B-C649-AF65-E7C7F8DAD36D}"/>
+                </a:ext>
+              </a:extLst>
+            </p:cNvPr>
+            <p:cNvSpPr/>
+            <p:nvPr/>
+          </p:nvSpPr>
+          <p:spPr>
+            <a:xfrm>
+              <a:off x="1278675" y="2029522"/>
+              <a:ext cx="1609491" cy="1572321"/>
+            </a:xfrm>
+            <a:prstGeom prst="ellipse">
+              <a:avLst/>
+            </a:prstGeom>
+            <a:noFill/>
+            <a:ln w="12700" cap="flat" cmpd="sng" algn="ctr">
+              <a:solidFill>
+                <a:srgbClr val="4730FC"/>
+              </a:solidFill>
+              <a:prstDash val="sysDot"/>
+              <a:miter lim="800000"/>
+            </a:ln>
+            <a:effectLst/>
+          </p:spPr>
+          <p:txBody>
+            <a:bodyPr rtlCol="0" anchor="ctr"/>
+            <a:lstStyle/>
+            <a:p>
+              <a:pPr marL="0" marR="0" lvl="0" indent="0" algn="ctr" defTabSz="914400" eaLnBrk="1" fontAlgn="auto" latinLnBrk="0" hangingPunct="1">
+                <a:lnSpc>
+                  <a:spcPct val="100000"/>
+                </a:lnSpc>
+                <a:spcBef>
+                  <a:spcPts val="0"/>
+                </a:spcBef>
+                <a:spcAft>
+                  <a:spcPts val="0"/>
+                </a:spcAft>
+                <a:buClrTx/>
+                <a:buSzTx/>
+                <a:buFontTx/>
+                <a:buNone/>
+                <a:tabLst/>
+                <a:defRPr/>
+              </a:pPr>
+              <a:endParaRPr kumimoji="0" lang="en-US" sz="1800" b="0" i="0" u="none" strike="noStrike" kern="0" cap="none" spc="0" normalizeH="0" baseline="0" noProof="0" dirty="0">
+                <a:ln>
+                  <a:noFill/>
+                </a:ln>
+                <a:solidFill>
+                  <a:prstClr val="white"/>
+                </a:solidFill>
+                <a:effectLst/>
+                <a:uLnTx/>
+                <a:uFillTx/>
+                <a:latin typeface="Calibri" panose="020F0502020204030204"/>
+                <a:ea typeface="+mn-ea"/>
+                <a:cs typeface="+mn-cs"/>
+              </a:endParaRPr>
+            </a:p>
+          </p:txBody>
+        </p:sp>
         <p:pic>
           <p:nvPicPr>
-            <p:cNvPr id="190" name="Graphic 189" descr="Scissors with solid fill">
+            <p:cNvPr id="194" name="Graphic 193" descr="Mitochondria with solid fill">
               <a:extLst>
                 <a:ext uri="{FF2B5EF4-FFF2-40B4-BE49-F238E27FC236}">
-                  <a16:creationId xmlns:a16="http://schemas.microsoft.com/office/drawing/2014/main" id="{40D033FE-173A-D345-B1C8-43E83CC5D4F5}"/>
+                  <a16:creationId xmlns:a16="http://schemas.microsoft.com/office/drawing/2014/main" id="{264F3158-0BFA-404A-8E5E-8C101DBEB999}"/>
                 </a:ext>
               </a:extLst>
             </p:cNvPr>
@@ -7032,10 +7066,10 @@
             <p:nvPr/>
           </p:nvPicPr>
           <p:blipFill>
-            <a:blip r:embed="rId22">
+            <a:blip r:embed="rId24">
               <a:extLst>
                 <a:ext uri="{96DAC541-7B7A-43D3-8B79-37D633B846F1}">
-                  <asvg:svgBlip xmlns:asvg="http://schemas.microsoft.com/office/drawing/2016/SVG/main" r:embed="rId23"/>
+                  <asvg:svgBlip xmlns:asvg="http://schemas.microsoft.com/office/drawing/2016/SVG/main" r:embed="rId25"/>
                 </a:ext>
               </a:extLst>
             </a:blip>
@@ -7044,9 +7078,9 @@
             </a:stretch>
           </p:blipFill>
           <p:spPr>
-            <a:xfrm rot="6830865">
-              <a:off x="5529160" y="5542467"/>
-              <a:ext cx="430719" cy="430719"/>
+            <a:xfrm rot="21325333">
+              <a:off x="1896233" y="2729956"/>
+              <a:ext cx="833526" cy="833526"/>
             </a:xfrm>
             <a:prstGeom prst="rect">
               <a:avLst/>
@@ -7055,32 +7089,30 @@
         </p:pic>
         <p:grpSp>
           <p:nvGrpSpPr>
-            <p:cNvPr id="191" name="Group 190">
+            <p:cNvPr id="195" name="Group 194">
               <a:extLst>
                 <a:ext uri="{FF2B5EF4-FFF2-40B4-BE49-F238E27FC236}">
-                  <a16:creationId xmlns:a16="http://schemas.microsoft.com/office/drawing/2014/main" id="{DB33AE18-0ACA-424D-B2E8-DCDE3AC28EB2}"/>
+                  <a16:creationId xmlns:a16="http://schemas.microsoft.com/office/drawing/2014/main" id="{4C18C86D-9F52-0143-94BC-F5AFEC5DAA43}"/>
                 </a:ext>
               </a:extLst>
             </p:cNvPr>
-            <p:cNvGrpSpPr>
-              <a:grpSpLocks noChangeAspect="1"/>
-            </p:cNvGrpSpPr>
+            <p:cNvGrpSpPr/>
             <p:nvPr/>
           </p:nvGrpSpPr>
           <p:grpSpPr>
             <a:xfrm>
-              <a:off x="5785788" y="5206378"/>
-              <a:ext cx="620424" cy="606096"/>
-              <a:chOff x="1278675" y="2029522"/>
-              <a:chExt cx="1609491" cy="1572321"/>
+              <a:off x="1447051" y="2230255"/>
+              <a:ext cx="813673" cy="737170"/>
+              <a:chOff x="1447051" y="2230255"/>
+              <a:chExt cx="813673" cy="737170"/>
             </a:xfrm>
           </p:grpSpPr>
           <p:sp>
             <p:nvSpPr>
-              <p:cNvPr id="193" name="Oval 192">
+              <p:cNvPr id="196" name="Rounded Rectangle 195">
                 <a:extLst>
                   <a:ext uri="{FF2B5EF4-FFF2-40B4-BE49-F238E27FC236}">
-                    <a16:creationId xmlns:a16="http://schemas.microsoft.com/office/drawing/2014/main" id="{0F0E49D2-DC5B-C649-AF65-E7C7F8DAD36D}"/>
+                    <a16:creationId xmlns:a16="http://schemas.microsoft.com/office/drawing/2014/main" id="{1C72F04F-CC53-4245-8053-42EA90658E81}"/>
                   </a:ext>
                 </a:extLst>
               </p:cNvPr>
@@ -7088,19 +7120,23 @@
               <p:nvPr/>
             </p:nvSpPr>
             <p:spPr>
-              <a:xfrm>
-                <a:off x="1278675" y="2029522"/>
-                <a:ext cx="1609491" cy="1572321"/>
+              <a:xfrm rot="18947416">
+                <a:off x="1447051" y="2230255"/>
+                <a:ext cx="813673" cy="737170"/>
               </a:xfrm>
-              <a:prstGeom prst="ellipse">
-                <a:avLst/>
+              <a:prstGeom prst="roundRect">
+                <a:avLst>
+                  <a:gd name="adj" fmla="val 38068"/>
+                </a:avLst>
               </a:prstGeom>
-              <a:noFill/>
-              <a:ln w="12700" cap="flat" cmpd="sng" algn="ctr">
-                <a:solidFill>
-                  <a:srgbClr val="4730FC"/>
-                </a:solidFill>
-                <a:prstDash val="sysDot"/>
+              <a:solidFill>
+                <a:srgbClr val="7E6EFC">
+                  <a:alpha val="77000"/>
+                </a:srgbClr>
+              </a:solidFill>
+              <a:ln w="28575" cap="flat" cmpd="sng" algn="ctr">
+                <a:noFill/>
+                <a:prstDash val="solid"/>
                 <a:miter lim="800000"/>
               </a:ln>
               <a:effectLst/>
@@ -7143,487 +7179,12 @@
               </a:p>
             </p:txBody>
           </p:sp>
-          <p:pic>
-            <p:nvPicPr>
-              <p:cNvPr id="194" name="Graphic 193" descr="Mitochondria with solid fill">
+          <p:sp>
+            <p:nvSpPr>
+              <p:cNvPr id="197" name="Oval 196">
                 <a:extLst>
                   <a:ext uri="{FF2B5EF4-FFF2-40B4-BE49-F238E27FC236}">
-                    <a16:creationId xmlns:a16="http://schemas.microsoft.com/office/drawing/2014/main" id="{264F3158-0BFA-404A-8E5E-8C101DBEB999}"/>
-                  </a:ext>
-                </a:extLst>
-              </p:cNvPr>
-              <p:cNvPicPr>
-                <a:picLocks noChangeAspect="1"/>
-              </p:cNvPicPr>
-              <p:nvPr/>
-            </p:nvPicPr>
-            <p:blipFill>
-              <a:blip r:embed="rId24">
-                <a:extLst>
-                  <a:ext uri="{96DAC541-7B7A-43D3-8B79-37D633B846F1}">
-                    <asvg:svgBlip xmlns:asvg="http://schemas.microsoft.com/office/drawing/2016/SVG/main" r:embed="rId25"/>
-                  </a:ext>
-                </a:extLst>
-              </a:blip>
-              <a:stretch>
-                <a:fillRect/>
-              </a:stretch>
-            </p:blipFill>
-            <p:spPr>
-              <a:xfrm rot="21325333">
-                <a:off x="1896233" y="2729956"/>
-                <a:ext cx="833526" cy="833526"/>
-              </a:xfrm>
-              <a:prstGeom prst="rect">
-                <a:avLst/>
-              </a:prstGeom>
-            </p:spPr>
-          </p:pic>
-          <p:grpSp>
-            <p:nvGrpSpPr>
-              <p:cNvPr id="195" name="Group 194">
-                <a:extLst>
-                  <a:ext uri="{FF2B5EF4-FFF2-40B4-BE49-F238E27FC236}">
-                    <a16:creationId xmlns:a16="http://schemas.microsoft.com/office/drawing/2014/main" id="{4C18C86D-9F52-0143-94BC-F5AFEC5DAA43}"/>
-                  </a:ext>
-                </a:extLst>
-              </p:cNvPr>
-              <p:cNvGrpSpPr/>
-              <p:nvPr/>
-            </p:nvGrpSpPr>
-            <p:grpSpPr>
-              <a:xfrm>
-                <a:off x="1447051" y="2230255"/>
-                <a:ext cx="813673" cy="737170"/>
-                <a:chOff x="1447051" y="2230255"/>
-                <a:chExt cx="813673" cy="737170"/>
-              </a:xfrm>
-            </p:grpSpPr>
-            <p:sp>
-              <p:nvSpPr>
-                <p:cNvPr id="196" name="Rounded Rectangle 195">
-                  <a:extLst>
-                    <a:ext uri="{FF2B5EF4-FFF2-40B4-BE49-F238E27FC236}">
-                      <a16:creationId xmlns:a16="http://schemas.microsoft.com/office/drawing/2014/main" id="{1C72F04F-CC53-4245-8053-42EA90658E81}"/>
-                    </a:ext>
-                  </a:extLst>
-                </p:cNvPr>
-                <p:cNvSpPr/>
-                <p:nvPr/>
-              </p:nvSpPr>
-              <p:spPr>
-                <a:xfrm rot="18947416">
-                  <a:off x="1447051" y="2230255"/>
-                  <a:ext cx="813673" cy="737170"/>
-                </a:xfrm>
-                <a:prstGeom prst="roundRect">
-                  <a:avLst>
-                    <a:gd name="adj" fmla="val 38068"/>
-                  </a:avLst>
-                </a:prstGeom>
-                <a:solidFill>
-                  <a:srgbClr val="7E6EFC">
-                    <a:alpha val="77000"/>
-                  </a:srgbClr>
-                </a:solidFill>
-                <a:ln w="28575" cap="flat" cmpd="sng" algn="ctr">
-                  <a:noFill/>
-                  <a:prstDash val="solid"/>
-                  <a:miter lim="800000"/>
-                </a:ln>
-                <a:effectLst/>
-              </p:spPr>
-              <p:txBody>
-                <a:bodyPr rtlCol="0" anchor="ctr"/>
-                <a:lstStyle/>
-                <a:p>
-                  <a:pPr marL="0" marR="0" lvl="0" indent="0" algn="ctr" defTabSz="914400" eaLnBrk="1" fontAlgn="auto" latinLnBrk="0" hangingPunct="1">
-                    <a:lnSpc>
-                      <a:spcPct val="100000"/>
-                    </a:lnSpc>
-                    <a:spcBef>
-                      <a:spcPts val="0"/>
-                    </a:spcBef>
-                    <a:spcAft>
-                      <a:spcPts val="0"/>
-                    </a:spcAft>
-                    <a:buClrTx/>
-                    <a:buSzTx/>
-                    <a:buFontTx/>
-                    <a:buNone/>
-                    <a:tabLst/>
-                    <a:defRPr/>
-                  </a:pPr>
-                  <a:endParaRPr kumimoji="0" lang="en-US" sz="1800" b="0" i="0" u="none" strike="noStrike" kern="0" cap="none" spc="0" normalizeH="0" baseline="0" noProof="0" dirty="0">
-                    <a:ln>
-                      <a:noFill/>
-                    </a:ln>
-                    <a:solidFill>
-                      <a:prstClr val="white"/>
-                    </a:solidFill>
-                    <a:effectLst/>
-                    <a:uLnTx/>
-                    <a:uFillTx/>
-                    <a:latin typeface="Calibri" panose="020F0502020204030204"/>
-                    <a:ea typeface="+mn-ea"/>
-                    <a:cs typeface="+mn-cs"/>
-                  </a:endParaRPr>
-                </a:p>
-              </p:txBody>
-            </p:sp>
-            <p:sp>
-              <p:nvSpPr>
-                <p:cNvPr id="197" name="Oval 196">
-                  <a:extLst>
-                    <a:ext uri="{FF2B5EF4-FFF2-40B4-BE49-F238E27FC236}">
-                      <a16:creationId xmlns:a16="http://schemas.microsoft.com/office/drawing/2014/main" id="{E12B2763-036E-734B-A503-9F01BB913522}"/>
-                    </a:ext>
-                  </a:extLst>
-                </p:cNvPr>
-                <p:cNvSpPr/>
-                <p:nvPr/>
-              </p:nvSpPr>
-              <p:spPr>
-                <a:xfrm>
-                  <a:off x="1664438" y="2401167"/>
-                  <a:ext cx="378899" cy="395346"/>
-                </a:xfrm>
-                <a:prstGeom prst="ellipse">
-                  <a:avLst/>
-                </a:prstGeom>
-                <a:solidFill>
-                  <a:srgbClr val="4730FC"/>
-                </a:solidFill>
-                <a:ln w="28575" cap="flat" cmpd="sng" algn="ctr">
-                  <a:noFill/>
-                  <a:prstDash val="solid"/>
-                  <a:miter lim="800000"/>
-                </a:ln>
-                <a:effectLst/>
-              </p:spPr>
-              <p:txBody>
-                <a:bodyPr rtlCol="0" anchor="ctr"/>
-                <a:lstStyle/>
-                <a:p>
-                  <a:pPr marL="0" marR="0" lvl="0" indent="0" algn="ctr" defTabSz="914400" eaLnBrk="1" fontAlgn="auto" latinLnBrk="0" hangingPunct="1">
-                    <a:lnSpc>
-                      <a:spcPct val="100000"/>
-                    </a:lnSpc>
-                    <a:spcBef>
-                      <a:spcPts val="0"/>
-                    </a:spcBef>
-                    <a:spcAft>
-                      <a:spcPts val="0"/>
-                    </a:spcAft>
-                    <a:buClrTx/>
-                    <a:buSzTx/>
-                    <a:buFontTx/>
-                    <a:buNone/>
-                    <a:tabLst/>
-                    <a:defRPr/>
-                  </a:pPr>
-                  <a:endParaRPr kumimoji="0" lang="en-US" sz="1800" b="0" i="0" u="none" strike="noStrike" kern="0" cap="none" spc="0" normalizeH="0" baseline="0" noProof="0">
-                    <a:ln>
-                      <a:noFill/>
-                    </a:ln>
-                    <a:solidFill>
-                      <a:prstClr val="white"/>
-                    </a:solidFill>
-                    <a:effectLst/>
-                    <a:uLnTx/>
-                    <a:uFillTx/>
-                    <a:latin typeface="Calibri" panose="020F0502020204030204"/>
-                    <a:ea typeface="+mn-ea"/>
-                    <a:cs typeface="+mn-cs"/>
-                  </a:endParaRPr>
-                </a:p>
-              </p:txBody>
-            </p:sp>
-          </p:grpSp>
-        </p:grpSp>
-        <p:sp>
-          <p:nvSpPr>
-            <p:cNvPr id="192" name="Rectangle 191">
-              <a:extLst>
-                <a:ext uri="{FF2B5EF4-FFF2-40B4-BE49-F238E27FC236}">
-                  <a16:creationId xmlns:a16="http://schemas.microsoft.com/office/drawing/2014/main" id="{A8755D79-56E9-0948-B9CA-FCA2CC83FD74}"/>
-                </a:ext>
-              </a:extLst>
-            </p:cNvPr>
-            <p:cNvSpPr/>
-            <p:nvPr/>
-          </p:nvSpPr>
-          <p:spPr>
-            <a:xfrm>
-              <a:off x="5473968" y="5130947"/>
-              <a:ext cx="1087817" cy="868204"/>
-            </a:xfrm>
-            <a:prstGeom prst="rect">
-              <a:avLst/>
-            </a:prstGeom>
-            <a:noFill/>
-            <a:ln w="12700" cap="flat" cmpd="sng" algn="ctr">
-              <a:solidFill>
-                <a:schemeClr val="tx1">
-                  <a:lumMod val="85000"/>
-                  <a:lumOff val="15000"/>
-                </a:schemeClr>
-              </a:solidFill>
-              <a:prstDash val="solid"/>
-              <a:miter lim="800000"/>
-            </a:ln>
-            <a:effectLst/>
-          </p:spPr>
-          <p:txBody>
-            <a:bodyPr rtlCol="0" anchor="ctr"/>
-            <a:lstStyle/>
-            <a:p>
-              <a:pPr marL="0" marR="0" lvl="0" indent="0" algn="ctr" defTabSz="914400" eaLnBrk="1" fontAlgn="auto" latinLnBrk="0" hangingPunct="1">
-                <a:lnSpc>
-                  <a:spcPct val="100000"/>
-                </a:lnSpc>
-                <a:spcBef>
-                  <a:spcPts val="0"/>
-                </a:spcBef>
-                <a:spcAft>
-                  <a:spcPts val="0"/>
-                </a:spcAft>
-                <a:buClrTx/>
-                <a:buSzTx/>
-                <a:buFontTx/>
-                <a:buNone/>
-                <a:tabLst/>
-                <a:defRPr/>
-              </a:pPr>
-              <a:endParaRPr kumimoji="0" lang="en-US" sz="1800" b="0" i="0" u="none" strike="noStrike" kern="0" cap="none" spc="0" normalizeH="0" baseline="0" noProof="0" dirty="0">
-                <a:ln>
-                  <a:noFill/>
-                </a:ln>
-                <a:solidFill>
-                  <a:prstClr val="white"/>
-                </a:solidFill>
-                <a:effectLst/>
-                <a:uLnTx/>
-                <a:uFillTx/>
-                <a:latin typeface="Calibri" panose="020F0502020204030204"/>
-                <a:ea typeface="+mn-ea"/>
-                <a:cs typeface="+mn-cs"/>
-              </a:endParaRPr>
-            </a:p>
-          </p:txBody>
-        </p:sp>
-      </p:grpSp>
-      <p:sp>
-        <p:nvSpPr>
-          <p:cNvPr id="198" name="TextBox 197">
-            <a:extLst>
-              <a:ext uri="{FF2B5EF4-FFF2-40B4-BE49-F238E27FC236}">
-                <a16:creationId xmlns:a16="http://schemas.microsoft.com/office/drawing/2014/main" id="{8812F707-4A83-7340-BC07-77EC68BBEC72}"/>
-              </a:ext>
-            </a:extLst>
-          </p:cNvPr>
-          <p:cNvSpPr txBox="1"/>
-          <p:nvPr/>
-        </p:nvSpPr>
-        <p:spPr>
-          <a:xfrm>
-            <a:off x="7392527" y="5524313"/>
-            <a:ext cx="1130438" cy="276999"/>
-          </a:xfrm>
-          <a:prstGeom prst="rect">
-            <a:avLst/>
-          </a:prstGeom>
-          <a:noFill/>
-        </p:spPr>
-        <p:txBody>
-          <a:bodyPr wrap="none" rtlCol="0">
-            <a:spAutoFit/>
-          </a:bodyPr>
-          <a:lstStyle/>
-          <a:p>
-            <a:pPr marL="0" marR="0" lvl="0" indent="0" defTabSz="914400" eaLnBrk="1" fontAlgn="auto" latinLnBrk="0" hangingPunct="1">
-              <a:lnSpc>
-                <a:spcPct val="100000"/>
-              </a:lnSpc>
-              <a:spcBef>
-                <a:spcPts val="0"/>
-              </a:spcBef>
-              <a:spcAft>
-                <a:spcPts val="0"/>
-              </a:spcAft>
-              <a:buClrTx/>
-              <a:buSzTx/>
-              <a:buFontTx/>
-              <a:buNone/>
-              <a:tabLst/>
-              <a:defRPr/>
-            </a:pPr>
-            <a:r>
-              <a:rPr kumimoji="0" lang="en-US" sz="1200" b="0" i="0" u="none" strike="noStrike" kern="0" cap="none" spc="0" normalizeH="0" baseline="0" noProof="0" dirty="0">
-                <a:ln>
-                  <a:noFill/>
-                </a:ln>
-                <a:solidFill>
-                  <a:prstClr val="black"/>
-                </a:solidFill>
-                <a:effectLst/>
-                <a:uLnTx/>
-                <a:uFillTx/>
-                <a:latin typeface="Arial" panose="020B0604020202020204" pitchFamily="34" charset="0"/>
-                <a:cs typeface="Arial" panose="020B0604020202020204" pitchFamily="34" charset="0"/>
-              </a:rPr>
-              <a:t>Segmentation</a:t>
-            </a:r>
-          </a:p>
-        </p:txBody>
-      </p:sp>
-      <p:sp>
-        <p:nvSpPr>
-          <p:cNvPr id="199" name="TextBox 198">
-            <a:extLst>
-              <a:ext uri="{FF2B5EF4-FFF2-40B4-BE49-F238E27FC236}">
-                <a16:creationId xmlns:a16="http://schemas.microsoft.com/office/drawing/2014/main" id="{8FEADB5F-6682-1F4F-AD86-10098304BC5F}"/>
-              </a:ext>
-            </a:extLst>
-          </p:cNvPr>
-          <p:cNvSpPr txBox="1"/>
-          <p:nvPr/>
-        </p:nvSpPr>
-        <p:spPr>
-          <a:xfrm>
-            <a:off x="8675305" y="5431980"/>
-            <a:ext cx="1329210" cy="461665"/>
-          </a:xfrm>
-          <a:prstGeom prst="rect">
-            <a:avLst/>
-          </a:prstGeom>
-          <a:noFill/>
-        </p:spPr>
-        <p:txBody>
-          <a:bodyPr wrap="square" rtlCol="0">
-            <a:spAutoFit/>
-          </a:bodyPr>
-          <a:lstStyle/>
-          <a:p>
-            <a:pPr marL="0" marR="0" lvl="0" indent="0" algn="ctr" defTabSz="914400" eaLnBrk="1" fontAlgn="auto" latinLnBrk="0" hangingPunct="1">
-              <a:lnSpc>
-                <a:spcPct val="100000"/>
-              </a:lnSpc>
-              <a:spcBef>
-                <a:spcPts val="0"/>
-              </a:spcBef>
-              <a:spcAft>
-                <a:spcPts val="0"/>
-              </a:spcAft>
-              <a:buClrTx/>
-              <a:buSzTx/>
-              <a:buFontTx/>
-              <a:buNone/>
-              <a:tabLst/>
-              <a:defRPr/>
-            </a:pPr>
-            <a:r>
-              <a:rPr kumimoji="0" lang="en-US" sz="1200" b="0" i="0" u="none" strike="noStrike" kern="0" cap="none" spc="0" normalizeH="0" baseline="0" noProof="0" dirty="0">
-                <a:ln>
-                  <a:noFill/>
-                </a:ln>
-                <a:solidFill>
-                  <a:prstClr val="black"/>
-                </a:solidFill>
-                <a:effectLst/>
-                <a:uLnTx/>
-                <a:uFillTx/>
-                <a:latin typeface="Arial" panose="020B0604020202020204" pitchFamily="34" charset="0"/>
-                <a:cs typeface="Arial" panose="020B0604020202020204" pitchFamily="34" charset="0"/>
-              </a:rPr>
-              <a:t>Spot detection</a:t>
-            </a:r>
-          </a:p>
-          <a:p>
-            <a:pPr marL="0" marR="0" lvl="0" indent="0" algn="ctr" defTabSz="914400" eaLnBrk="1" fontAlgn="auto" latinLnBrk="0" hangingPunct="1">
-              <a:lnSpc>
-                <a:spcPct val="100000"/>
-              </a:lnSpc>
-              <a:spcBef>
-                <a:spcPts val="0"/>
-              </a:spcBef>
-              <a:spcAft>
-                <a:spcPts val="0"/>
-              </a:spcAft>
-              <a:buClrTx/>
-              <a:buSzTx/>
-              <a:buFontTx/>
-              <a:buNone/>
-              <a:tabLst/>
-              <a:defRPr/>
-            </a:pPr>
-            <a:r>
-              <a:rPr kumimoji="0" lang="en-US" sz="1200" b="0" i="0" u="none" strike="noStrike" kern="0" cap="none" spc="0" normalizeH="0" baseline="0" noProof="0" dirty="0">
-                <a:ln>
-                  <a:noFill/>
-                </a:ln>
-                <a:solidFill>
-                  <a:prstClr val="black"/>
-                </a:solidFill>
-                <a:effectLst/>
-                <a:uLnTx/>
-                <a:uFillTx/>
-                <a:latin typeface="Arial" panose="020B0604020202020204" pitchFamily="34" charset="0"/>
-                <a:cs typeface="Arial" panose="020B0604020202020204" pitchFamily="34" charset="0"/>
-              </a:rPr>
-              <a:t>and tracking</a:t>
-            </a:r>
-          </a:p>
-        </p:txBody>
-      </p:sp>
-      <p:grpSp>
-        <p:nvGrpSpPr>
-          <p:cNvPr id="200" name="Group 199">
-            <a:extLst>
-              <a:ext uri="{FF2B5EF4-FFF2-40B4-BE49-F238E27FC236}">
-                <a16:creationId xmlns:a16="http://schemas.microsoft.com/office/drawing/2014/main" id="{68221572-B344-9645-8B0D-686E3E465D4B}"/>
-              </a:ext>
-            </a:extLst>
-          </p:cNvPr>
-          <p:cNvGrpSpPr/>
-          <p:nvPr/>
-        </p:nvGrpSpPr>
-        <p:grpSpPr>
-          <a:xfrm>
-            <a:off x="8801853" y="4558835"/>
-            <a:ext cx="1087817" cy="868204"/>
-            <a:chOff x="5574843" y="2393861"/>
-            <a:chExt cx="1087817" cy="868204"/>
-          </a:xfrm>
-        </p:grpSpPr>
-        <p:grpSp>
-          <p:nvGrpSpPr>
-            <p:cNvPr id="201" name="Group 200">
-              <a:extLst>
-                <a:ext uri="{FF2B5EF4-FFF2-40B4-BE49-F238E27FC236}">
-                  <a16:creationId xmlns:a16="http://schemas.microsoft.com/office/drawing/2014/main" id="{D30B2D2A-CFFF-A24D-8C35-723D45B34E96}"/>
-                </a:ext>
-              </a:extLst>
-            </p:cNvPr>
-            <p:cNvGrpSpPr>
-              <a:grpSpLocks noChangeAspect="1"/>
-            </p:cNvGrpSpPr>
-            <p:nvPr/>
-          </p:nvGrpSpPr>
-          <p:grpSpPr>
-            <a:xfrm>
-              <a:off x="5802951" y="2527243"/>
-              <a:ext cx="620424" cy="606096"/>
-              <a:chOff x="1278675" y="2029522"/>
-              <a:chExt cx="1609491" cy="1572321"/>
-            </a:xfrm>
-          </p:grpSpPr>
-          <p:sp>
-            <p:nvSpPr>
-              <p:cNvPr id="206" name="Oval 205">
-                <a:extLst>
-                  <a:ext uri="{FF2B5EF4-FFF2-40B4-BE49-F238E27FC236}">
-                    <a16:creationId xmlns:a16="http://schemas.microsoft.com/office/drawing/2014/main" id="{4A855B2E-98CA-FC45-97BD-2B7A0E509930}"/>
+                    <a16:creationId xmlns:a16="http://schemas.microsoft.com/office/drawing/2014/main" id="{E12B2763-036E-734B-A503-9F01BB913522}"/>
                   </a:ext>
                 </a:extLst>
               </p:cNvPr>
@@ -7632,19 +7193,17 @@
             </p:nvSpPr>
             <p:spPr>
               <a:xfrm>
-                <a:off x="1278675" y="2029522"/>
-                <a:ext cx="1609491" cy="1572321"/>
+                <a:off x="1664438" y="2401167"/>
+                <a:ext cx="378899" cy="395346"/>
               </a:xfrm>
               <a:prstGeom prst="ellipse">
                 <a:avLst/>
               </a:prstGeom>
-              <a:noFill/>
+              <a:solidFill>
+                <a:srgbClr val="4730FC"/>
+              </a:solidFill>
               <a:ln w="28575" cap="flat" cmpd="sng" algn="ctr">
-                <a:solidFill>
-                  <a:srgbClr val="4730FC">
-                    <a:alpha val="20000"/>
-                  </a:srgbClr>
-                </a:solidFill>
+                <a:noFill/>
                 <a:prstDash val="solid"/>
                 <a:miter lim="800000"/>
               </a:ln>
@@ -7688,212 +7247,279 @@
               </a:p>
             </p:txBody>
           </p:sp>
-          <p:pic>
-            <p:nvPicPr>
-              <p:cNvPr id="207" name="Graphic 206" descr="Mitochondria with solid fill">
-                <a:extLst>
-                  <a:ext uri="{FF2B5EF4-FFF2-40B4-BE49-F238E27FC236}">
-                    <a16:creationId xmlns:a16="http://schemas.microsoft.com/office/drawing/2014/main" id="{742C5D43-454B-2B48-9B74-6DAA64566775}"/>
-                  </a:ext>
-                </a:extLst>
-              </p:cNvPr>
-              <p:cNvPicPr>
-                <a:picLocks noChangeAspect="1"/>
-              </p:cNvPicPr>
-              <p:nvPr/>
-            </p:nvPicPr>
-            <p:blipFill>
-              <a:blip r:embed="rId26">
-                <a:extLst>
-                  <a:ext uri="{96DAC541-7B7A-43D3-8B79-37D633B846F1}">
-                    <asvg:svgBlip xmlns:asvg="http://schemas.microsoft.com/office/drawing/2016/SVG/main" r:embed="rId27"/>
-                  </a:ext>
-                </a:extLst>
-              </a:blip>
-              <a:stretch>
-                <a:fillRect/>
-              </a:stretch>
-            </p:blipFill>
-            <p:spPr>
-              <a:xfrm rot="21325333">
-                <a:off x="1896233" y="2729956"/>
-                <a:ext cx="833526" cy="833526"/>
-              </a:xfrm>
-              <a:prstGeom prst="rect">
-                <a:avLst/>
-              </a:prstGeom>
-            </p:spPr>
-          </p:pic>
-          <p:grpSp>
-            <p:nvGrpSpPr>
-              <p:cNvPr id="208" name="Group 207">
-                <a:extLst>
-                  <a:ext uri="{FF2B5EF4-FFF2-40B4-BE49-F238E27FC236}">
-                    <a16:creationId xmlns:a16="http://schemas.microsoft.com/office/drawing/2014/main" id="{F20DEC9D-89B1-C240-B021-5AACFEC2C6EB}"/>
-                  </a:ext>
-                </a:extLst>
-              </p:cNvPr>
-              <p:cNvGrpSpPr/>
-              <p:nvPr/>
-            </p:nvGrpSpPr>
-            <p:grpSpPr>
-              <a:xfrm>
-                <a:off x="1447051" y="2230255"/>
-                <a:ext cx="813673" cy="737170"/>
-                <a:chOff x="1447051" y="2230255"/>
-                <a:chExt cx="813673" cy="737170"/>
-              </a:xfrm>
-            </p:grpSpPr>
-            <p:sp>
-              <p:nvSpPr>
-                <p:cNvPr id="209" name="Rounded Rectangle 208">
-                  <a:extLst>
-                    <a:ext uri="{FF2B5EF4-FFF2-40B4-BE49-F238E27FC236}">
-                      <a16:creationId xmlns:a16="http://schemas.microsoft.com/office/drawing/2014/main" id="{85CEA80C-A25A-E043-8CB6-270DE82266AB}"/>
-                    </a:ext>
-                  </a:extLst>
-                </p:cNvPr>
-                <p:cNvSpPr/>
-                <p:nvPr/>
-              </p:nvSpPr>
-              <p:spPr>
-                <a:xfrm rot="18947416">
-                  <a:off x="1447051" y="2230255"/>
-                  <a:ext cx="813673" cy="737170"/>
-                </a:xfrm>
-                <a:prstGeom prst="roundRect">
-                  <a:avLst>
-                    <a:gd name="adj" fmla="val 38068"/>
-                  </a:avLst>
-                </a:prstGeom>
+        </p:grpSp>
+      </p:grpSp>
+      <p:sp>
+        <p:nvSpPr>
+          <p:cNvPr id="192" name="Rectangle 191">
+            <a:extLst>
+              <a:ext uri="{FF2B5EF4-FFF2-40B4-BE49-F238E27FC236}">
+                <a16:creationId xmlns:a16="http://schemas.microsoft.com/office/drawing/2014/main" id="{A8755D79-56E9-0948-B9CA-FCA2CC83FD74}"/>
+              </a:ext>
+            </a:extLst>
+          </p:cNvPr>
+          <p:cNvSpPr/>
+          <p:nvPr/>
+        </p:nvSpPr>
+        <p:spPr>
+          <a:xfrm>
+            <a:off x="7480309" y="4239882"/>
+            <a:ext cx="1087817" cy="868204"/>
+          </a:xfrm>
+          <a:prstGeom prst="rect">
+            <a:avLst/>
+          </a:prstGeom>
+          <a:noFill/>
+          <a:ln w="12700" cap="flat" cmpd="sng" algn="ctr">
+            <a:solidFill>
+              <a:schemeClr val="tx1">
+                <a:lumMod val="85000"/>
+                <a:lumOff val="15000"/>
+              </a:schemeClr>
+            </a:solidFill>
+            <a:prstDash val="solid"/>
+            <a:miter lim="800000"/>
+          </a:ln>
+          <a:effectLst/>
+        </p:spPr>
+        <p:txBody>
+          <a:bodyPr rtlCol="0" anchor="ctr"/>
+          <a:lstStyle/>
+          <a:p>
+            <a:pPr marL="0" marR="0" lvl="0" indent="0" algn="ctr" defTabSz="914400" eaLnBrk="1" fontAlgn="auto" latinLnBrk="0" hangingPunct="1">
+              <a:lnSpc>
+                <a:spcPct val="100000"/>
+              </a:lnSpc>
+              <a:spcBef>
+                <a:spcPts val="0"/>
+              </a:spcBef>
+              <a:spcAft>
+                <a:spcPts val="0"/>
+              </a:spcAft>
+              <a:buClrTx/>
+              <a:buSzTx/>
+              <a:buFontTx/>
+              <a:buNone/>
+              <a:tabLst/>
+              <a:defRPr/>
+            </a:pPr>
+            <a:endParaRPr kumimoji="0" lang="en-US" sz="1800" b="0" i="0" u="none" strike="noStrike" kern="0" cap="none" spc="0" normalizeH="0" baseline="0" noProof="0" dirty="0">
+              <a:ln>
+                <a:noFill/>
+              </a:ln>
+              <a:solidFill>
+                <a:prstClr val="white"/>
+              </a:solidFill>
+              <a:effectLst/>
+              <a:uLnTx/>
+              <a:uFillTx/>
+              <a:latin typeface="Calibri" panose="020F0502020204030204"/>
+              <a:ea typeface="+mn-ea"/>
+              <a:cs typeface="+mn-cs"/>
+            </a:endParaRPr>
+          </a:p>
+        </p:txBody>
+      </p:sp>
+      <p:sp>
+        <p:nvSpPr>
+          <p:cNvPr id="198" name="TextBox 197">
+            <a:extLst>
+              <a:ext uri="{FF2B5EF4-FFF2-40B4-BE49-F238E27FC236}">
+                <a16:creationId xmlns:a16="http://schemas.microsoft.com/office/drawing/2014/main" id="{8812F707-4A83-7340-BC07-77EC68BBEC72}"/>
+              </a:ext>
+            </a:extLst>
+          </p:cNvPr>
+          <p:cNvSpPr txBox="1"/>
+          <p:nvPr/>
+        </p:nvSpPr>
+        <p:spPr>
+          <a:xfrm>
+            <a:off x="7448799" y="5143928"/>
+            <a:ext cx="1130438" cy="276999"/>
+          </a:xfrm>
+          <a:prstGeom prst="rect">
+            <a:avLst/>
+          </a:prstGeom>
+          <a:noFill/>
+        </p:spPr>
+        <p:txBody>
+          <a:bodyPr wrap="none" rtlCol="0">
+            <a:spAutoFit/>
+          </a:bodyPr>
+          <a:lstStyle/>
+          <a:p>
+            <a:pPr marL="0" marR="0" lvl="0" indent="0" defTabSz="914400" eaLnBrk="1" fontAlgn="auto" latinLnBrk="0" hangingPunct="1">
+              <a:lnSpc>
+                <a:spcPct val="100000"/>
+              </a:lnSpc>
+              <a:spcBef>
+                <a:spcPts val="0"/>
+              </a:spcBef>
+              <a:spcAft>
+                <a:spcPts val="0"/>
+              </a:spcAft>
+              <a:buClrTx/>
+              <a:buSzTx/>
+              <a:buFontTx/>
+              <a:buNone/>
+              <a:tabLst/>
+              <a:defRPr/>
+            </a:pPr>
+            <a:r>
+              <a:rPr kumimoji="0" lang="en-US" sz="1200" b="0" i="0" u="none" strike="noStrike" kern="0" cap="none" spc="0" normalizeH="0" baseline="0" noProof="0" dirty="0">
+                <a:ln>
+                  <a:noFill/>
+                </a:ln>
                 <a:solidFill>
-                  <a:srgbClr val="7E6EFC">
-                    <a:alpha val="11872"/>
-                  </a:srgbClr>
+                  <a:schemeClr val="tx1">
+                    <a:lumMod val="75000"/>
+                    <a:lumOff val="25000"/>
+                  </a:schemeClr>
                 </a:solidFill>
-                <a:ln w="28575" cap="flat" cmpd="sng" algn="ctr">
+                <a:effectLst/>
+                <a:uLnTx/>
+                <a:uFillTx/>
+                <a:latin typeface="Arial" panose="020B0604020202020204" pitchFamily="34" charset="0"/>
+                <a:cs typeface="Arial" panose="020B0604020202020204" pitchFamily="34" charset="0"/>
+              </a:rPr>
+              <a:t>Segmentation</a:t>
+            </a:r>
+          </a:p>
+        </p:txBody>
+      </p:sp>
+      <p:sp>
+        <p:nvSpPr>
+          <p:cNvPr id="199" name="TextBox 198">
+            <a:extLst>
+              <a:ext uri="{FF2B5EF4-FFF2-40B4-BE49-F238E27FC236}">
+                <a16:creationId xmlns:a16="http://schemas.microsoft.com/office/drawing/2014/main" id="{8FEADB5F-6682-1F4F-AD86-10098304BC5F}"/>
+              </a:ext>
+            </a:extLst>
+          </p:cNvPr>
+          <p:cNvSpPr txBox="1"/>
+          <p:nvPr/>
+        </p:nvSpPr>
+        <p:spPr>
+          <a:xfrm>
+            <a:off x="8675305" y="5143928"/>
+            <a:ext cx="1329210" cy="461665"/>
+          </a:xfrm>
+          <a:prstGeom prst="rect">
+            <a:avLst/>
+          </a:prstGeom>
+          <a:noFill/>
+        </p:spPr>
+        <p:txBody>
+          <a:bodyPr wrap="square" rtlCol="0">
+            <a:spAutoFit/>
+          </a:bodyPr>
+          <a:lstStyle/>
+          <a:p>
+            <a:pPr marL="0" marR="0" lvl="0" indent="0" algn="ctr" defTabSz="914400" eaLnBrk="1" fontAlgn="auto" latinLnBrk="0" hangingPunct="1">
+              <a:lnSpc>
+                <a:spcPct val="100000"/>
+              </a:lnSpc>
+              <a:spcBef>
+                <a:spcPts val="0"/>
+              </a:spcBef>
+              <a:spcAft>
+                <a:spcPts val="0"/>
+              </a:spcAft>
+              <a:buClrTx/>
+              <a:buSzTx/>
+              <a:buFontTx/>
+              <a:buNone/>
+              <a:tabLst/>
+              <a:defRPr/>
+            </a:pPr>
+            <a:r>
+              <a:rPr kumimoji="0" lang="en-US" sz="1200" b="0" i="0" u="none" strike="noStrike" kern="0" cap="none" spc="0" normalizeH="0" baseline="0" noProof="0" dirty="0">
+                <a:ln>
                   <a:noFill/>
-                  <a:prstDash val="solid"/>
-                  <a:miter lim="800000"/>
                 </a:ln>
+                <a:solidFill>
+                  <a:schemeClr val="tx1">
+                    <a:lumMod val="75000"/>
+                    <a:lumOff val="25000"/>
+                  </a:schemeClr>
+                </a:solidFill>
                 <a:effectLst/>
-              </p:spPr>
-              <p:txBody>
-                <a:bodyPr rtlCol="0" anchor="ctr"/>
-                <a:lstStyle/>
-                <a:p>
-                  <a:pPr marL="0" marR="0" lvl="0" indent="0" algn="ctr" defTabSz="914400" eaLnBrk="1" fontAlgn="auto" latinLnBrk="0" hangingPunct="1">
-                    <a:lnSpc>
-                      <a:spcPct val="100000"/>
-                    </a:lnSpc>
-                    <a:spcBef>
-                      <a:spcPts val="0"/>
-                    </a:spcBef>
-                    <a:spcAft>
-                      <a:spcPts val="0"/>
-                    </a:spcAft>
-                    <a:buClrTx/>
-                    <a:buSzTx/>
-                    <a:buFontTx/>
-                    <a:buNone/>
-                    <a:tabLst/>
-                    <a:defRPr/>
-                  </a:pPr>
-                  <a:endParaRPr kumimoji="0" lang="en-US" sz="1800" b="0" i="0" u="none" strike="noStrike" kern="0" cap="none" spc="0" normalizeH="0" baseline="0" noProof="0" dirty="0">
-                    <a:ln>
-                      <a:noFill/>
-                    </a:ln>
-                    <a:solidFill>
-                      <a:prstClr val="white"/>
-                    </a:solidFill>
-                    <a:effectLst/>
-                    <a:uLnTx/>
-                    <a:uFillTx/>
-                    <a:latin typeface="Calibri" panose="020F0502020204030204"/>
-                    <a:ea typeface="+mn-ea"/>
-                    <a:cs typeface="+mn-cs"/>
-                  </a:endParaRPr>
-                </a:p>
-              </p:txBody>
-            </p:sp>
-            <p:sp>
-              <p:nvSpPr>
-                <p:cNvPr id="210" name="Oval 209">
-                  <a:extLst>
-                    <a:ext uri="{FF2B5EF4-FFF2-40B4-BE49-F238E27FC236}">
-                      <a16:creationId xmlns:a16="http://schemas.microsoft.com/office/drawing/2014/main" id="{4660C5DA-759C-DE47-9B43-0AE4E2B71CEE}"/>
-                    </a:ext>
-                  </a:extLst>
-                </p:cNvPr>
-                <p:cNvSpPr/>
-                <p:nvPr/>
-              </p:nvSpPr>
-              <p:spPr>
-                <a:xfrm>
-                  <a:off x="1664438" y="2401167"/>
-                  <a:ext cx="378899" cy="395346"/>
-                </a:xfrm>
-                <a:prstGeom prst="ellipse">
-                  <a:avLst/>
-                </a:prstGeom>
+                <a:uLnTx/>
+                <a:uFillTx/>
+                <a:latin typeface="Arial" panose="020B0604020202020204" pitchFamily="34" charset="0"/>
+                <a:cs typeface="Arial" panose="020B0604020202020204" pitchFamily="34" charset="0"/>
+              </a:rPr>
+              <a:t>Spot detection</a:t>
+            </a:r>
+          </a:p>
+          <a:p>
+            <a:pPr marL="0" marR="0" lvl="0" indent="0" algn="ctr" defTabSz="914400" eaLnBrk="1" fontAlgn="auto" latinLnBrk="0" hangingPunct="1">
+              <a:lnSpc>
+                <a:spcPct val="100000"/>
+              </a:lnSpc>
+              <a:spcBef>
+                <a:spcPts val="0"/>
+              </a:spcBef>
+              <a:spcAft>
+                <a:spcPts val="0"/>
+              </a:spcAft>
+              <a:buClrTx/>
+              <a:buSzTx/>
+              <a:buFontTx/>
+              <a:buNone/>
+              <a:tabLst/>
+              <a:defRPr/>
+            </a:pPr>
+            <a:r>
+              <a:rPr kumimoji="0" lang="en-US" sz="1200" b="0" i="0" u="none" strike="noStrike" kern="0" cap="none" spc="0" normalizeH="0" baseline="0" noProof="0" dirty="0">
+                <a:ln>
+                  <a:noFill/>
+                </a:ln>
                 <a:solidFill>
-                  <a:srgbClr val="4730FC">
-                    <a:alpha val="17617"/>
-                  </a:srgbClr>
+                  <a:schemeClr val="tx1">
+                    <a:lumMod val="75000"/>
+                    <a:lumOff val="25000"/>
+                  </a:schemeClr>
                 </a:solidFill>
-                <a:ln w="28575" cap="flat" cmpd="sng" algn="ctr">
-                  <a:noFill/>
-                  <a:prstDash val="solid"/>
-                  <a:miter lim="800000"/>
-                </a:ln>
                 <a:effectLst/>
-              </p:spPr>
-              <p:txBody>
-                <a:bodyPr rtlCol="0" anchor="ctr"/>
-                <a:lstStyle/>
-                <a:p>
-                  <a:pPr marL="0" marR="0" lvl="0" indent="0" algn="ctr" defTabSz="914400" eaLnBrk="1" fontAlgn="auto" latinLnBrk="0" hangingPunct="1">
-                    <a:lnSpc>
-                      <a:spcPct val="100000"/>
-                    </a:lnSpc>
-                    <a:spcBef>
-                      <a:spcPts val="0"/>
-                    </a:spcBef>
-                    <a:spcAft>
-                      <a:spcPts val="0"/>
-                    </a:spcAft>
-                    <a:buClrTx/>
-                    <a:buSzTx/>
-                    <a:buFontTx/>
-                    <a:buNone/>
-                    <a:tabLst/>
-                    <a:defRPr/>
-                  </a:pPr>
-                  <a:endParaRPr kumimoji="0" lang="en-US" sz="1800" b="0" i="0" u="none" strike="noStrike" kern="0" cap="none" spc="0" normalizeH="0" baseline="0" noProof="0">
-                    <a:ln>
-                      <a:noFill/>
-                    </a:ln>
-                    <a:solidFill>
-                      <a:prstClr val="white"/>
-                    </a:solidFill>
-                    <a:effectLst/>
-                    <a:uLnTx/>
-                    <a:uFillTx/>
-                    <a:latin typeface="Calibri" panose="020F0502020204030204"/>
-                    <a:ea typeface="+mn-ea"/>
-                    <a:cs typeface="+mn-cs"/>
-                  </a:endParaRPr>
-                </a:p>
-              </p:txBody>
-            </p:sp>
-          </p:grpSp>
-        </p:grpSp>
+                <a:uLnTx/>
+                <a:uFillTx/>
+                <a:latin typeface="Arial" panose="020B0604020202020204" pitchFamily="34" charset="0"/>
+                <a:cs typeface="Arial" panose="020B0604020202020204" pitchFamily="34" charset="0"/>
+              </a:rPr>
+              <a:t>and tracking</a:t>
+            </a:r>
+          </a:p>
+        </p:txBody>
+      </p:sp>
+      <p:grpSp>
+        <p:nvGrpSpPr>
+          <p:cNvPr id="201" name="Group 200">
+            <a:extLst>
+              <a:ext uri="{FF2B5EF4-FFF2-40B4-BE49-F238E27FC236}">
+                <a16:creationId xmlns:a16="http://schemas.microsoft.com/office/drawing/2014/main" id="{D30B2D2A-CFFF-A24D-8C35-723D45B34E96}"/>
+              </a:ext>
+            </a:extLst>
+          </p:cNvPr>
+          <p:cNvGrpSpPr>
+            <a:grpSpLocks noChangeAspect="1"/>
+          </p:cNvGrpSpPr>
+          <p:nvPr/>
+        </p:nvGrpSpPr>
+        <p:grpSpPr>
+          <a:xfrm>
+            <a:off x="9029961" y="4368653"/>
+            <a:ext cx="620424" cy="606096"/>
+            <a:chOff x="1278675" y="2029522"/>
+            <a:chExt cx="1609491" cy="1572321"/>
+          </a:xfrm>
+        </p:grpSpPr>
         <p:sp>
           <p:nvSpPr>
-            <p:cNvPr id="202" name="Rectangle 201">
+            <p:cNvPr id="206" name="Oval 205">
               <a:extLst>
                 <a:ext uri="{FF2B5EF4-FFF2-40B4-BE49-F238E27FC236}">
-                  <a16:creationId xmlns:a16="http://schemas.microsoft.com/office/drawing/2014/main" id="{05B8CAB8-331E-604D-86E0-98AD71CFD61B}"/>
+                  <a16:creationId xmlns:a16="http://schemas.microsoft.com/office/drawing/2014/main" id="{4A855B2E-98CA-FC45-97BD-2B7A0E509930}"/>
                 </a:ext>
               </a:extLst>
             </p:cNvPr>
@@ -7902,19 +7528,18 @@
           </p:nvSpPr>
           <p:spPr>
             <a:xfrm>
-              <a:off x="5574843" y="2393861"/>
-              <a:ext cx="1087817" cy="868204"/>
+              <a:off x="1278675" y="2029522"/>
+              <a:ext cx="1609491" cy="1572321"/>
             </a:xfrm>
-            <a:prstGeom prst="rect">
+            <a:prstGeom prst="ellipse">
               <a:avLst/>
             </a:prstGeom>
             <a:noFill/>
-            <a:ln w="12700" cap="flat" cmpd="sng" algn="ctr">
+            <a:ln w="28575" cap="flat" cmpd="sng" algn="ctr">
               <a:solidFill>
-                <a:schemeClr val="tx1">
-                  <a:lumMod val="85000"/>
-                  <a:lumOff val="15000"/>
-                </a:schemeClr>
+                <a:srgbClr val="4730FC">
+                  <a:alpha val="20000"/>
+                </a:srgbClr>
               </a:solidFill>
               <a:prstDash val="solid"/>
               <a:miter lim="800000"/>
@@ -7961,10 +7586,10 @@
         </p:sp>
         <p:pic>
           <p:nvPicPr>
-            <p:cNvPr id="203" name="Graphic 202" descr="Target outline">
+            <p:cNvPr id="207" name="Graphic 206" descr="Mitochondria with solid fill">
               <a:extLst>
                 <a:ext uri="{FF2B5EF4-FFF2-40B4-BE49-F238E27FC236}">
-                  <a16:creationId xmlns:a16="http://schemas.microsoft.com/office/drawing/2014/main" id="{FA530D36-CB88-DA4E-993A-F05E9288CEC1}"/>
+                  <a16:creationId xmlns:a16="http://schemas.microsoft.com/office/drawing/2014/main" id="{742C5D43-454B-2B48-9B74-6DAA64566775}"/>
                 </a:ext>
               </a:extLst>
             </p:cNvPr>
@@ -7974,10 +7599,10 @@
             <p:nvPr/>
           </p:nvPicPr>
           <p:blipFill>
-            <a:blip r:embed="rId28">
+            <a:blip r:embed="rId26">
               <a:extLst>
                 <a:ext uri="{96DAC541-7B7A-43D3-8B79-37D633B846F1}">
-                  <asvg:svgBlip xmlns:asvg="http://schemas.microsoft.com/office/drawing/2016/SVG/main" r:embed="rId29"/>
+                  <asvg:svgBlip xmlns:asvg="http://schemas.microsoft.com/office/drawing/2016/SVG/main" r:embed="rId27"/>
                 </a:ext>
               </a:extLst>
             </a:blip>
@@ -7986,136 +7611,113 @@
             </a:stretch>
           </p:blipFill>
           <p:spPr>
-            <a:xfrm>
-              <a:off x="6065846" y="2558004"/>
-              <a:ext cx="245226" cy="245226"/>
+            <a:xfrm rot="21325333">
+              <a:off x="1896233" y="2729956"/>
+              <a:ext cx="833526" cy="833526"/>
             </a:xfrm>
             <a:prstGeom prst="rect">
               <a:avLst/>
             </a:prstGeom>
           </p:spPr>
         </p:pic>
-        <p:pic>
-          <p:nvPicPr>
-            <p:cNvPr id="204" name="Graphic 203" descr="Target outline">
+        <p:grpSp>
+          <p:nvGrpSpPr>
+            <p:cNvPr id="208" name="Group 207">
               <a:extLst>
                 <a:ext uri="{FF2B5EF4-FFF2-40B4-BE49-F238E27FC236}">
-                  <a16:creationId xmlns:a16="http://schemas.microsoft.com/office/drawing/2014/main" id="{DD623C1D-31D5-6F49-BE07-0EED419D0A55}"/>
+                  <a16:creationId xmlns:a16="http://schemas.microsoft.com/office/drawing/2014/main" id="{F20DEC9D-89B1-C240-B021-5AACFEC2C6EB}"/>
                 </a:ext>
               </a:extLst>
             </p:cNvPr>
-            <p:cNvPicPr>
-              <a:picLocks noChangeAspect="1"/>
-            </p:cNvPicPr>
-            <p:nvPr/>
-          </p:nvPicPr>
-          <p:blipFill>
-            <a:blip r:embed="rId28">
-              <a:extLst>
-                <a:ext uri="{96DAC541-7B7A-43D3-8B79-37D633B846F1}">
-                  <asvg:svgBlip xmlns:asvg="http://schemas.microsoft.com/office/drawing/2016/SVG/main" r:embed="rId29"/>
-                </a:ext>
-              </a:extLst>
-            </a:blip>
-            <a:stretch>
-              <a:fillRect/>
-            </a:stretch>
-          </p:blipFill>
-          <p:spPr>
-            <a:xfrm>
-              <a:off x="6015318" y="2836178"/>
-              <a:ext cx="245226" cy="245226"/>
-            </a:xfrm>
-            <a:prstGeom prst="rect">
-              <a:avLst/>
-            </a:prstGeom>
-          </p:spPr>
-        </p:pic>
-        <p:pic>
-          <p:nvPicPr>
-            <p:cNvPr id="205" name="Graphic 204" descr="Target outline">
-              <a:extLst>
-                <a:ext uri="{FF2B5EF4-FFF2-40B4-BE49-F238E27FC236}">
-                  <a16:creationId xmlns:a16="http://schemas.microsoft.com/office/drawing/2014/main" id="{F82E890E-D4F9-1940-84E8-56813DF033C4}"/>
-                </a:ext>
-              </a:extLst>
-            </p:cNvPr>
-            <p:cNvPicPr>
-              <a:picLocks noChangeAspect="1"/>
-            </p:cNvPicPr>
-            <p:nvPr/>
-          </p:nvPicPr>
-          <p:blipFill>
-            <a:blip r:embed="rId28">
-              <a:extLst>
-                <a:ext uri="{96DAC541-7B7A-43D3-8B79-37D633B846F1}">
-                  <asvg:svgBlip xmlns:asvg="http://schemas.microsoft.com/office/drawing/2016/SVG/main" r:embed="rId29"/>
-                </a:ext>
-              </a:extLst>
-            </a:blip>
-            <a:stretch>
-              <a:fillRect/>
-            </a:stretch>
-          </p:blipFill>
-          <p:spPr>
-            <a:xfrm>
-              <a:off x="5802045" y="2665442"/>
-              <a:ext cx="245226" cy="245226"/>
-            </a:xfrm>
-            <a:prstGeom prst="rect">
-              <a:avLst/>
-            </a:prstGeom>
-          </p:spPr>
-        </p:pic>
-      </p:grpSp>
-      <p:grpSp>
-        <p:nvGrpSpPr>
-          <p:cNvPr id="211" name="Group 210">
-            <a:extLst>
-              <a:ext uri="{FF2B5EF4-FFF2-40B4-BE49-F238E27FC236}">
-                <a16:creationId xmlns:a16="http://schemas.microsoft.com/office/drawing/2014/main" id="{43AF32D0-B55A-3A40-8E75-0B57F9B4D13A}"/>
-              </a:ext>
-            </a:extLst>
-          </p:cNvPr>
-          <p:cNvGrpSpPr/>
-          <p:nvPr/>
-        </p:nvGrpSpPr>
-        <p:grpSpPr>
-          <a:xfrm>
-            <a:off x="10115415" y="4553773"/>
-            <a:ext cx="1087817" cy="868204"/>
-            <a:chOff x="5574843" y="2393861"/>
-            <a:chExt cx="1087817" cy="868204"/>
-          </a:xfrm>
-        </p:grpSpPr>
-        <p:grpSp>
-          <p:nvGrpSpPr>
-            <p:cNvPr id="212" name="Group 211">
-              <a:extLst>
-                <a:ext uri="{FF2B5EF4-FFF2-40B4-BE49-F238E27FC236}">
-                  <a16:creationId xmlns:a16="http://schemas.microsoft.com/office/drawing/2014/main" id="{39C28789-F696-A942-96AC-52EC53A92F7F}"/>
-                </a:ext>
-              </a:extLst>
-            </p:cNvPr>
-            <p:cNvGrpSpPr>
-              <a:grpSpLocks noChangeAspect="1"/>
-            </p:cNvGrpSpPr>
+            <p:cNvGrpSpPr/>
             <p:nvPr/>
           </p:nvGrpSpPr>
           <p:grpSpPr>
             <a:xfrm>
-              <a:off x="5802951" y="2527243"/>
-              <a:ext cx="620424" cy="606096"/>
-              <a:chOff x="1278675" y="2029522"/>
-              <a:chExt cx="1609491" cy="1572321"/>
+              <a:off x="1447051" y="2230255"/>
+              <a:ext cx="813673" cy="737170"/>
+              <a:chOff x="1447051" y="2230255"/>
+              <a:chExt cx="813673" cy="737170"/>
             </a:xfrm>
           </p:grpSpPr>
           <p:sp>
             <p:nvSpPr>
-              <p:cNvPr id="214" name="Oval 213">
+              <p:cNvPr id="209" name="Rounded Rectangle 208">
                 <a:extLst>
                   <a:ext uri="{FF2B5EF4-FFF2-40B4-BE49-F238E27FC236}">
-                    <a16:creationId xmlns:a16="http://schemas.microsoft.com/office/drawing/2014/main" id="{E139E346-47E1-0C4C-A55F-7B9B7F5140E0}"/>
+                    <a16:creationId xmlns:a16="http://schemas.microsoft.com/office/drawing/2014/main" id="{85CEA80C-A25A-E043-8CB6-270DE82266AB}"/>
+                  </a:ext>
+                </a:extLst>
+              </p:cNvPr>
+              <p:cNvSpPr/>
+              <p:nvPr/>
+            </p:nvSpPr>
+            <p:spPr>
+              <a:xfrm rot="18947416">
+                <a:off x="1447051" y="2230255"/>
+                <a:ext cx="813673" cy="737170"/>
+              </a:xfrm>
+              <a:prstGeom prst="roundRect">
+                <a:avLst>
+                  <a:gd name="adj" fmla="val 38068"/>
+                </a:avLst>
+              </a:prstGeom>
+              <a:solidFill>
+                <a:srgbClr val="7E6EFC">
+                  <a:alpha val="11872"/>
+                </a:srgbClr>
+              </a:solidFill>
+              <a:ln w="28575" cap="flat" cmpd="sng" algn="ctr">
+                <a:noFill/>
+                <a:prstDash val="solid"/>
+                <a:miter lim="800000"/>
+              </a:ln>
+              <a:effectLst/>
+            </p:spPr>
+            <p:txBody>
+              <a:bodyPr rtlCol="0" anchor="ctr"/>
+              <a:lstStyle/>
+              <a:p>
+                <a:pPr marL="0" marR="0" lvl="0" indent="0" algn="ctr" defTabSz="914400" eaLnBrk="1" fontAlgn="auto" latinLnBrk="0" hangingPunct="1">
+                  <a:lnSpc>
+                    <a:spcPct val="100000"/>
+                  </a:lnSpc>
+                  <a:spcBef>
+                    <a:spcPts val="0"/>
+                  </a:spcBef>
+                  <a:spcAft>
+                    <a:spcPts val="0"/>
+                  </a:spcAft>
+                  <a:buClrTx/>
+                  <a:buSzTx/>
+                  <a:buFontTx/>
+                  <a:buNone/>
+                  <a:tabLst/>
+                  <a:defRPr/>
+                </a:pPr>
+                <a:endParaRPr kumimoji="0" lang="en-US" sz="1800" b="0" i="0" u="none" strike="noStrike" kern="0" cap="none" spc="0" normalizeH="0" baseline="0" noProof="0" dirty="0">
+                  <a:ln>
+                    <a:noFill/>
+                  </a:ln>
+                  <a:solidFill>
+                    <a:prstClr val="white"/>
+                  </a:solidFill>
+                  <a:effectLst/>
+                  <a:uLnTx/>
+                  <a:uFillTx/>
+                  <a:latin typeface="Calibri" panose="020F0502020204030204"/>
+                  <a:ea typeface="+mn-ea"/>
+                  <a:cs typeface="+mn-cs"/>
+                </a:endParaRPr>
+              </a:p>
+            </p:txBody>
+          </p:sp>
+          <p:sp>
+            <p:nvSpPr>
+              <p:cNvPr id="210" name="Oval 209">
+                <a:extLst>
+                  <a:ext uri="{FF2B5EF4-FFF2-40B4-BE49-F238E27FC236}">
+                    <a16:creationId xmlns:a16="http://schemas.microsoft.com/office/drawing/2014/main" id="{4660C5DA-759C-DE47-9B43-0AE4E2B71CEE}"/>
                   </a:ext>
                 </a:extLst>
               </p:cNvPr>
@@ -8124,19 +7726,19 @@
             </p:nvSpPr>
             <p:spPr>
               <a:xfrm>
-                <a:off x="1278675" y="2029522"/>
-                <a:ext cx="1609491" cy="1572321"/>
+                <a:off x="1664438" y="2401167"/>
+                <a:ext cx="378899" cy="395346"/>
               </a:xfrm>
               <a:prstGeom prst="ellipse">
                 <a:avLst/>
               </a:prstGeom>
-              <a:noFill/>
+              <a:solidFill>
+                <a:srgbClr val="4730FC">
+                  <a:alpha val="17617"/>
+                </a:srgbClr>
+              </a:solidFill>
               <a:ln w="28575" cap="flat" cmpd="sng" algn="ctr">
-                <a:solidFill>
-                  <a:srgbClr val="4730FC">
-                    <a:alpha val="20000"/>
-                  </a:srgbClr>
-                </a:solidFill>
+                <a:noFill/>
                 <a:prstDash val="solid"/>
                 <a:miter lim="800000"/>
               </a:ln>
@@ -8180,212 +7782,215 @@
               </a:p>
             </p:txBody>
           </p:sp>
-          <p:pic>
-            <p:nvPicPr>
-              <p:cNvPr id="215" name="Graphic 214" descr="Mitochondria with solid fill">
-                <a:extLst>
-                  <a:ext uri="{FF2B5EF4-FFF2-40B4-BE49-F238E27FC236}">
-                    <a16:creationId xmlns:a16="http://schemas.microsoft.com/office/drawing/2014/main" id="{4AEBA900-3A6B-E143-B010-6D9F573AA29D}"/>
-                  </a:ext>
-                </a:extLst>
-              </p:cNvPr>
-              <p:cNvPicPr>
-                <a:picLocks noChangeAspect="1"/>
-              </p:cNvPicPr>
-              <p:nvPr/>
-            </p:nvPicPr>
-            <p:blipFill>
-              <a:blip r:embed="rId26">
-                <a:extLst>
-                  <a:ext uri="{96DAC541-7B7A-43D3-8B79-37D633B846F1}">
-                    <asvg:svgBlip xmlns:asvg="http://schemas.microsoft.com/office/drawing/2016/SVG/main" r:embed="rId27"/>
-                  </a:ext>
-                </a:extLst>
-              </a:blip>
-              <a:stretch>
-                <a:fillRect/>
-              </a:stretch>
-            </p:blipFill>
-            <p:spPr>
-              <a:xfrm rot="21325333">
-                <a:off x="1896233" y="2729956"/>
-                <a:ext cx="833526" cy="833526"/>
-              </a:xfrm>
-              <a:prstGeom prst="rect">
-                <a:avLst/>
-              </a:prstGeom>
-            </p:spPr>
-          </p:pic>
-          <p:grpSp>
-            <p:nvGrpSpPr>
-              <p:cNvPr id="216" name="Group 215">
-                <a:extLst>
-                  <a:ext uri="{FF2B5EF4-FFF2-40B4-BE49-F238E27FC236}">
-                    <a16:creationId xmlns:a16="http://schemas.microsoft.com/office/drawing/2014/main" id="{28F89E2B-830A-2646-8925-0639EFE018F1}"/>
-                  </a:ext>
-                </a:extLst>
-              </p:cNvPr>
-              <p:cNvGrpSpPr/>
-              <p:nvPr/>
-            </p:nvGrpSpPr>
-            <p:grpSpPr>
-              <a:xfrm>
-                <a:off x="1447051" y="2230255"/>
-                <a:ext cx="813673" cy="737170"/>
-                <a:chOff x="1447051" y="2230255"/>
-                <a:chExt cx="813673" cy="737170"/>
-              </a:xfrm>
-            </p:grpSpPr>
-            <p:sp>
-              <p:nvSpPr>
-                <p:cNvPr id="217" name="Rounded Rectangle 216">
-                  <a:extLst>
-                    <a:ext uri="{FF2B5EF4-FFF2-40B4-BE49-F238E27FC236}">
-                      <a16:creationId xmlns:a16="http://schemas.microsoft.com/office/drawing/2014/main" id="{033CC286-2A68-5741-840B-1E3520AA1C95}"/>
-                    </a:ext>
-                  </a:extLst>
-                </p:cNvPr>
-                <p:cNvSpPr/>
-                <p:nvPr/>
-              </p:nvSpPr>
-              <p:spPr>
-                <a:xfrm rot="18947416">
-                  <a:off x="1447051" y="2230255"/>
-                  <a:ext cx="813673" cy="737170"/>
-                </a:xfrm>
-                <a:prstGeom prst="roundRect">
-                  <a:avLst>
-                    <a:gd name="adj" fmla="val 38068"/>
-                  </a:avLst>
-                </a:prstGeom>
-                <a:solidFill>
-                  <a:srgbClr val="7E6EFC">
-                    <a:alpha val="11872"/>
-                  </a:srgbClr>
-                </a:solidFill>
-                <a:ln w="28575" cap="flat" cmpd="sng" algn="ctr">
-                  <a:noFill/>
-                  <a:prstDash val="solid"/>
-                  <a:miter lim="800000"/>
-                </a:ln>
-                <a:effectLst/>
-              </p:spPr>
-              <p:txBody>
-                <a:bodyPr rtlCol="0" anchor="ctr"/>
-                <a:lstStyle/>
-                <a:p>
-                  <a:pPr marL="0" marR="0" lvl="0" indent="0" algn="ctr" defTabSz="914400" eaLnBrk="1" fontAlgn="auto" latinLnBrk="0" hangingPunct="1">
-                    <a:lnSpc>
-                      <a:spcPct val="100000"/>
-                    </a:lnSpc>
-                    <a:spcBef>
-                      <a:spcPts val="0"/>
-                    </a:spcBef>
-                    <a:spcAft>
-                      <a:spcPts val="0"/>
-                    </a:spcAft>
-                    <a:buClrTx/>
-                    <a:buSzTx/>
-                    <a:buFontTx/>
-                    <a:buNone/>
-                    <a:tabLst/>
-                    <a:defRPr/>
-                  </a:pPr>
-                  <a:endParaRPr kumimoji="0" lang="en-US" sz="1800" b="0" i="0" u="none" strike="noStrike" kern="0" cap="none" spc="0" normalizeH="0" baseline="0" noProof="0" dirty="0">
-                    <a:ln>
-                      <a:noFill/>
-                    </a:ln>
-                    <a:solidFill>
-                      <a:prstClr val="white"/>
-                    </a:solidFill>
-                    <a:effectLst/>
-                    <a:uLnTx/>
-                    <a:uFillTx/>
-                    <a:latin typeface="Calibri" panose="020F0502020204030204"/>
-                    <a:ea typeface="+mn-ea"/>
-                    <a:cs typeface="+mn-cs"/>
-                  </a:endParaRPr>
-                </a:p>
-              </p:txBody>
-            </p:sp>
-            <p:sp>
-              <p:nvSpPr>
-                <p:cNvPr id="218" name="Oval 217">
-                  <a:extLst>
-                    <a:ext uri="{FF2B5EF4-FFF2-40B4-BE49-F238E27FC236}">
-                      <a16:creationId xmlns:a16="http://schemas.microsoft.com/office/drawing/2014/main" id="{4A1BD5B3-9945-6949-9D34-7FD97F1811F0}"/>
-                    </a:ext>
-                  </a:extLst>
-                </p:cNvPr>
-                <p:cNvSpPr/>
-                <p:nvPr/>
-              </p:nvSpPr>
-              <p:spPr>
-                <a:xfrm>
-                  <a:off x="1664438" y="2401167"/>
-                  <a:ext cx="378899" cy="395346"/>
-                </a:xfrm>
-                <a:prstGeom prst="ellipse">
-                  <a:avLst/>
-                </a:prstGeom>
-                <a:solidFill>
-                  <a:srgbClr val="4730FC">
-                    <a:alpha val="17617"/>
-                  </a:srgbClr>
-                </a:solidFill>
-                <a:ln w="28575" cap="flat" cmpd="sng" algn="ctr">
-                  <a:noFill/>
-                  <a:prstDash val="solid"/>
-                  <a:miter lim="800000"/>
-                </a:ln>
-                <a:effectLst/>
-              </p:spPr>
-              <p:txBody>
-                <a:bodyPr rtlCol="0" anchor="ctr"/>
-                <a:lstStyle/>
-                <a:p>
-                  <a:pPr marL="0" marR="0" lvl="0" indent="0" algn="ctr" defTabSz="914400" eaLnBrk="1" fontAlgn="auto" latinLnBrk="0" hangingPunct="1">
-                    <a:lnSpc>
-                      <a:spcPct val="100000"/>
-                    </a:lnSpc>
-                    <a:spcBef>
-                      <a:spcPts val="0"/>
-                    </a:spcBef>
-                    <a:spcAft>
-                      <a:spcPts val="0"/>
-                    </a:spcAft>
-                    <a:buClrTx/>
-                    <a:buSzTx/>
-                    <a:buFontTx/>
-                    <a:buNone/>
-                    <a:tabLst/>
-                    <a:defRPr/>
-                  </a:pPr>
-                  <a:endParaRPr kumimoji="0" lang="en-US" sz="1800" b="0" i="0" u="none" strike="noStrike" kern="0" cap="none" spc="0" normalizeH="0" baseline="0" noProof="0">
-                    <a:ln>
-                      <a:noFill/>
-                    </a:ln>
-                    <a:solidFill>
-                      <a:prstClr val="white"/>
-                    </a:solidFill>
-                    <a:effectLst/>
-                    <a:uLnTx/>
-                    <a:uFillTx/>
-                    <a:latin typeface="Calibri" panose="020F0502020204030204"/>
-                    <a:ea typeface="+mn-ea"/>
-                    <a:cs typeface="+mn-cs"/>
-                  </a:endParaRPr>
-                </a:p>
-              </p:txBody>
-            </p:sp>
-          </p:grpSp>
         </p:grpSp>
+      </p:grpSp>
+      <p:sp>
+        <p:nvSpPr>
+          <p:cNvPr id="202" name="Rectangle 201">
+            <a:extLst>
+              <a:ext uri="{FF2B5EF4-FFF2-40B4-BE49-F238E27FC236}">
+                <a16:creationId xmlns:a16="http://schemas.microsoft.com/office/drawing/2014/main" id="{05B8CAB8-331E-604D-86E0-98AD71CFD61B}"/>
+              </a:ext>
+            </a:extLst>
+          </p:cNvPr>
+          <p:cNvSpPr/>
+          <p:nvPr/>
+        </p:nvSpPr>
+        <p:spPr>
+          <a:xfrm>
+            <a:off x="8801853" y="4235271"/>
+            <a:ext cx="1087817" cy="868204"/>
+          </a:xfrm>
+          <a:prstGeom prst="rect">
+            <a:avLst/>
+          </a:prstGeom>
+          <a:noFill/>
+          <a:ln w="12700" cap="flat" cmpd="sng" algn="ctr">
+            <a:solidFill>
+              <a:schemeClr val="tx1">
+                <a:lumMod val="85000"/>
+                <a:lumOff val="15000"/>
+              </a:schemeClr>
+            </a:solidFill>
+            <a:prstDash val="solid"/>
+            <a:miter lim="800000"/>
+          </a:ln>
+          <a:effectLst/>
+        </p:spPr>
+        <p:txBody>
+          <a:bodyPr rtlCol="0" anchor="ctr"/>
+          <a:lstStyle/>
+          <a:p>
+            <a:pPr marL="0" marR="0" lvl="0" indent="0" algn="ctr" defTabSz="914400" eaLnBrk="1" fontAlgn="auto" latinLnBrk="0" hangingPunct="1">
+              <a:lnSpc>
+                <a:spcPct val="100000"/>
+              </a:lnSpc>
+              <a:spcBef>
+                <a:spcPts val="0"/>
+              </a:spcBef>
+              <a:spcAft>
+                <a:spcPts val="0"/>
+              </a:spcAft>
+              <a:buClrTx/>
+              <a:buSzTx/>
+              <a:buFontTx/>
+              <a:buNone/>
+              <a:tabLst/>
+              <a:defRPr/>
+            </a:pPr>
+            <a:endParaRPr kumimoji="0" lang="en-US" sz="1800" b="0" i="0" u="none" strike="noStrike" kern="0" cap="none" spc="0" normalizeH="0" baseline="0" noProof="0">
+              <a:ln>
+                <a:noFill/>
+              </a:ln>
+              <a:solidFill>
+                <a:prstClr val="white"/>
+              </a:solidFill>
+              <a:effectLst/>
+              <a:uLnTx/>
+              <a:uFillTx/>
+              <a:latin typeface="Calibri" panose="020F0502020204030204"/>
+              <a:ea typeface="+mn-ea"/>
+              <a:cs typeface="+mn-cs"/>
+            </a:endParaRPr>
+          </a:p>
+        </p:txBody>
+      </p:sp>
+      <p:pic>
+        <p:nvPicPr>
+          <p:cNvPr id="203" name="Graphic 202" descr="Target outline">
+            <a:extLst>
+              <a:ext uri="{FF2B5EF4-FFF2-40B4-BE49-F238E27FC236}">
+                <a16:creationId xmlns:a16="http://schemas.microsoft.com/office/drawing/2014/main" id="{FA530D36-CB88-DA4E-993A-F05E9288CEC1}"/>
+              </a:ext>
+            </a:extLst>
+          </p:cNvPr>
+          <p:cNvPicPr>
+            <a:picLocks noChangeAspect="1"/>
+          </p:cNvPicPr>
+          <p:nvPr/>
+        </p:nvPicPr>
+        <p:blipFill>
+          <a:blip r:embed="rId28">
+            <a:extLst>
+              <a:ext uri="{96DAC541-7B7A-43D3-8B79-37D633B846F1}">
+                <asvg:svgBlip xmlns:asvg="http://schemas.microsoft.com/office/drawing/2016/SVG/main" r:embed="rId29"/>
+              </a:ext>
+            </a:extLst>
+          </a:blip>
+          <a:stretch>
+            <a:fillRect/>
+          </a:stretch>
+        </p:blipFill>
+        <p:spPr>
+          <a:xfrm>
+            <a:off x="9292856" y="4399414"/>
+            <a:ext cx="245226" cy="245226"/>
+          </a:xfrm>
+          <a:prstGeom prst="rect">
+            <a:avLst/>
+          </a:prstGeom>
+        </p:spPr>
+      </p:pic>
+      <p:pic>
+        <p:nvPicPr>
+          <p:cNvPr id="204" name="Graphic 203" descr="Target outline">
+            <a:extLst>
+              <a:ext uri="{FF2B5EF4-FFF2-40B4-BE49-F238E27FC236}">
+                <a16:creationId xmlns:a16="http://schemas.microsoft.com/office/drawing/2014/main" id="{DD623C1D-31D5-6F49-BE07-0EED419D0A55}"/>
+              </a:ext>
+            </a:extLst>
+          </p:cNvPr>
+          <p:cNvPicPr>
+            <a:picLocks noChangeAspect="1"/>
+          </p:cNvPicPr>
+          <p:nvPr/>
+        </p:nvPicPr>
+        <p:blipFill>
+          <a:blip r:embed="rId28">
+            <a:extLst>
+              <a:ext uri="{96DAC541-7B7A-43D3-8B79-37D633B846F1}">
+                <asvg:svgBlip xmlns:asvg="http://schemas.microsoft.com/office/drawing/2016/SVG/main" r:embed="rId29"/>
+              </a:ext>
+            </a:extLst>
+          </a:blip>
+          <a:stretch>
+            <a:fillRect/>
+          </a:stretch>
+        </p:blipFill>
+        <p:spPr>
+          <a:xfrm>
+            <a:off x="9242328" y="4677588"/>
+            <a:ext cx="245226" cy="245226"/>
+          </a:xfrm>
+          <a:prstGeom prst="rect">
+            <a:avLst/>
+          </a:prstGeom>
+        </p:spPr>
+      </p:pic>
+      <p:pic>
+        <p:nvPicPr>
+          <p:cNvPr id="205" name="Graphic 204" descr="Target outline">
+            <a:extLst>
+              <a:ext uri="{FF2B5EF4-FFF2-40B4-BE49-F238E27FC236}">
+                <a16:creationId xmlns:a16="http://schemas.microsoft.com/office/drawing/2014/main" id="{F82E890E-D4F9-1940-84E8-56813DF033C4}"/>
+              </a:ext>
+            </a:extLst>
+          </p:cNvPr>
+          <p:cNvPicPr>
+            <a:picLocks noChangeAspect="1"/>
+          </p:cNvPicPr>
+          <p:nvPr/>
+        </p:nvPicPr>
+        <p:blipFill>
+          <a:blip r:embed="rId28">
+            <a:extLst>
+              <a:ext uri="{96DAC541-7B7A-43D3-8B79-37D633B846F1}">
+                <asvg:svgBlip xmlns:asvg="http://schemas.microsoft.com/office/drawing/2016/SVG/main" r:embed="rId29"/>
+              </a:ext>
+            </a:extLst>
+          </a:blip>
+          <a:stretch>
+            <a:fillRect/>
+          </a:stretch>
+        </p:blipFill>
+        <p:spPr>
+          <a:xfrm>
+            <a:off x="9029055" y="4506852"/>
+            <a:ext cx="245226" cy="245226"/>
+          </a:xfrm>
+          <a:prstGeom prst="rect">
+            <a:avLst/>
+          </a:prstGeom>
+        </p:spPr>
+      </p:pic>
+      <p:grpSp>
+        <p:nvGrpSpPr>
+          <p:cNvPr id="212" name="Group 211">
+            <a:extLst>
+              <a:ext uri="{FF2B5EF4-FFF2-40B4-BE49-F238E27FC236}">
+                <a16:creationId xmlns:a16="http://schemas.microsoft.com/office/drawing/2014/main" id="{39C28789-F696-A942-96AC-52EC53A92F7F}"/>
+              </a:ext>
+            </a:extLst>
+          </p:cNvPr>
+          <p:cNvGrpSpPr>
+            <a:grpSpLocks noChangeAspect="1"/>
+          </p:cNvGrpSpPr>
+          <p:nvPr/>
+        </p:nvGrpSpPr>
+        <p:grpSpPr>
+          <a:xfrm>
+            <a:off x="10343523" y="4363591"/>
+            <a:ext cx="620424" cy="606096"/>
+            <a:chOff x="1278675" y="2029522"/>
+            <a:chExt cx="1609491" cy="1572321"/>
+          </a:xfrm>
+        </p:grpSpPr>
         <p:sp>
           <p:nvSpPr>
-            <p:cNvPr id="213" name="Rectangle 212">
+            <p:cNvPr id="214" name="Oval 213">
               <a:extLst>
                 <a:ext uri="{FF2B5EF4-FFF2-40B4-BE49-F238E27FC236}">
-                  <a16:creationId xmlns:a16="http://schemas.microsoft.com/office/drawing/2014/main" id="{EB394EF4-A3F7-924B-A2E7-3568CE0EE0F3}"/>
+                  <a16:creationId xmlns:a16="http://schemas.microsoft.com/office/drawing/2014/main" id="{E139E346-47E1-0C4C-A55F-7B9B7F5140E0}"/>
                 </a:ext>
               </a:extLst>
             </p:cNvPr>
@@ -8394,19 +7999,18 @@
           </p:nvSpPr>
           <p:spPr>
             <a:xfrm>
-              <a:off x="5574843" y="2393861"/>
-              <a:ext cx="1087817" cy="868204"/>
+              <a:off x="1278675" y="2029522"/>
+              <a:ext cx="1609491" cy="1572321"/>
             </a:xfrm>
-            <a:prstGeom prst="rect">
+            <a:prstGeom prst="ellipse">
               <a:avLst/>
             </a:prstGeom>
             <a:noFill/>
-            <a:ln w="12700" cap="flat" cmpd="sng" algn="ctr">
+            <a:ln w="28575" cap="flat" cmpd="sng" algn="ctr">
               <a:solidFill>
-                <a:schemeClr val="tx1">
-                  <a:lumMod val="85000"/>
-                  <a:lumOff val="15000"/>
-                </a:schemeClr>
+                <a:srgbClr val="4730FC">
+                  <a:alpha val="20000"/>
+                </a:srgbClr>
               </a:solidFill>
               <a:prstDash val="solid"/>
               <a:miter lim="800000"/>
@@ -8434,7 +8038,7 @@
                 <a:tabLst/>
                 <a:defRPr/>
               </a:pPr>
-              <a:endParaRPr kumimoji="0" lang="en-US" sz="1800" b="0" i="0" u="none" strike="noStrike" kern="0" cap="none" spc="0" normalizeH="0" baseline="0" noProof="0" dirty="0">
+              <a:endParaRPr kumimoji="0" lang="en-US" sz="1800" b="0" i="0" u="none" strike="noStrike" kern="0" cap="none" spc="0" normalizeH="0" baseline="0" noProof="0">
                 <a:ln>
                   <a:noFill/>
                 </a:ln>
@@ -8451,7 +8055,277 @@
             </a:p>
           </p:txBody>
         </p:sp>
+        <p:pic>
+          <p:nvPicPr>
+            <p:cNvPr id="215" name="Graphic 214" descr="Mitochondria with solid fill">
+              <a:extLst>
+                <a:ext uri="{FF2B5EF4-FFF2-40B4-BE49-F238E27FC236}">
+                  <a16:creationId xmlns:a16="http://schemas.microsoft.com/office/drawing/2014/main" id="{4AEBA900-3A6B-E143-B010-6D9F573AA29D}"/>
+                </a:ext>
+              </a:extLst>
+            </p:cNvPr>
+            <p:cNvPicPr>
+              <a:picLocks noChangeAspect="1"/>
+            </p:cNvPicPr>
+            <p:nvPr/>
+          </p:nvPicPr>
+          <p:blipFill>
+            <a:blip r:embed="rId26">
+              <a:extLst>
+                <a:ext uri="{96DAC541-7B7A-43D3-8B79-37D633B846F1}">
+                  <asvg:svgBlip xmlns:asvg="http://schemas.microsoft.com/office/drawing/2016/SVG/main" r:embed="rId27"/>
+                </a:ext>
+              </a:extLst>
+            </a:blip>
+            <a:stretch>
+              <a:fillRect/>
+            </a:stretch>
+          </p:blipFill>
+          <p:spPr>
+            <a:xfrm rot="21325333">
+              <a:off x="1896233" y="2729956"/>
+              <a:ext cx="833526" cy="833526"/>
+            </a:xfrm>
+            <a:prstGeom prst="rect">
+              <a:avLst/>
+            </a:prstGeom>
+          </p:spPr>
+        </p:pic>
+        <p:grpSp>
+          <p:nvGrpSpPr>
+            <p:cNvPr id="216" name="Group 215">
+              <a:extLst>
+                <a:ext uri="{FF2B5EF4-FFF2-40B4-BE49-F238E27FC236}">
+                  <a16:creationId xmlns:a16="http://schemas.microsoft.com/office/drawing/2014/main" id="{28F89E2B-830A-2646-8925-0639EFE018F1}"/>
+                </a:ext>
+              </a:extLst>
+            </p:cNvPr>
+            <p:cNvGrpSpPr/>
+            <p:nvPr/>
+          </p:nvGrpSpPr>
+          <p:grpSpPr>
+            <a:xfrm>
+              <a:off x="1447051" y="2230255"/>
+              <a:ext cx="813673" cy="737170"/>
+              <a:chOff x="1447051" y="2230255"/>
+              <a:chExt cx="813673" cy="737170"/>
+            </a:xfrm>
+          </p:grpSpPr>
+          <p:sp>
+            <p:nvSpPr>
+              <p:cNvPr id="217" name="Rounded Rectangle 216">
+                <a:extLst>
+                  <a:ext uri="{FF2B5EF4-FFF2-40B4-BE49-F238E27FC236}">
+                    <a16:creationId xmlns:a16="http://schemas.microsoft.com/office/drawing/2014/main" id="{033CC286-2A68-5741-840B-1E3520AA1C95}"/>
+                  </a:ext>
+                </a:extLst>
+              </p:cNvPr>
+              <p:cNvSpPr/>
+              <p:nvPr/>
+            </p:nvSpPr>
+            <p:spPr>
+              <a:xfrm rot="18947416">
+                <a:off x="1447051" y="2230255"/>
+                <a:ext cx="813673" cy="737170"/>
+              </a:xfrm>
+              <a:prstGeom prst="roundRect">
+                <a:avLst>
+                  <a:gd name="adj" fmla="val 38068"/>
+                </a:avLst>
+              </a:prstGeom>
+              <a:solidFill>
+                <a:srgbClr val="7E6EFC">
+                  <a:alpha val="11872"/>
+                </a:srgbClr>
+              </a:solidFill>
+              <a:ln w="28575" cap="flat" cmpd="sng" algn="ctr">
+                <a:noFill/>
+                <a:prstDash val="solid"/>
+                <a:miter lim="800000"/>
+              </a:ln>
+              <a:effectLst/>
+            </p:spPr>
+            <p:txBody>
+              <a:bodyPr rtlCol="0" anchor="ctr"/>
+              <a:lstStyle/>
+              <a:p>
+                <a:pPr marL="0" marR="0" lvl="0" indent="0" algn="ctr" defTabSz="914400" eaLnBrk="1" fontAlgn="auto" latinLnBrk="0" hangingPunct="1">
+                  <a:lnSpc>
+                    <a:spcPct val="100000"/>
+                  </a:lnSpc>
+                  <a:spcBef>
+                    <a:spcPts val="0"/>
+                  </a:spcBef>
+                  <a:spcAft>
+                    <a:spcPts val="0"/>
+                  </a:spcAft>
+                  <a:buClrTx/>
+                  <a:buSzTx/>
+                  <a:buFontTx/>
+                  <a:buNone/>
+                  <a:tabLst/>
+                  <a:defRPr/>
+                </a:pPr>
+                <a:endParaRPr kumimoji="0" lang="en-US" sz="1800" b="0" i="0" u="none" strike="noStrike" kern="0" cap="none" spc="0" normalizeH="0" baseline="0" noProof="0" dirty="0">
+                  <a:ln>
+                    <a:noFill/>
+                  </a:ln>
+                  <a:solidFill>
+                    <a:prstClr val="white"/>
+                  </a:solidFill>
+                  <a:effectLst/>
+                  <a:uLnTx/>
+                  <a:uFillTx/>
+                  <a:latin typeface="Calibri" panose="020F0502020204030204"/>
+                  <a:ea typeface="+mn-ea"/>
+                  <a:cs typeface="+mn-cs"/>
+                </a:endParaRPr>
+              </a:p>
+            </p:txBody>
+          </p:sp>
+          <p:sp>
+            <p:nvSpPr>
+              <p:cNvPr id="218" name="Oval 217">
+                <a:extLst>
+                  <a:ext uri="{FF2B5EF4-FFF2-40B4-BE49-F238E27FC236}">
+                    <a16:creationId xmlns:a16="http://schemas.microsoft.com/office/drawing/2014/main" id="{4A1BD5B3-9945-6949-9D34-7FD97F1811F0}"/>
+                  </a:ext>
+                </a:extLst>
+              </p:cNvPr>
+              <p:cNvSpPr/>
+              <p:nvPr/>
+            </p:nvSpPr>
+            <p:spPr>
+              <a:xfrm>
+                <a:off x="1664438" y="2401167"/>
+                <a:ext cx="378899" cy="395346"/>
+              </a:xfrm>
+              <a:prstGeom prst="ellipse">
+                <a:avLst/>
+              </a:prstGeom>
+              <a:solidFill>
+                <a:srgbClr val="4730FC">
+                  <a:alpha val="17617"/>
+                </a:srgbClr>
+              </a:solidFill>
+              <a:ln w="28575" cap="flat" cmpd="sng" algn="ctr">
+                <a:noFill/>
+                <a:prstDash val="solid"/>
+                <a:miter lim="800000"/>
+              </a:ln>
+              <a:effectLst/>
+            </p:spPr>
+            <p:txBody>
+              <a:bodyPr rtlCol="0" anchor="ctr"/>
+              <a:lstStyle/>
+              <a:p>
+                <a:pPr marL="0" marR="0" lvl="0" indent="0" algn="ctr" defTabSz="914400" eaLnBrk="1" fontAlgn="auto" latinLnBrk="0" hangingPunct="1">
+                  <a:lnSpc>
+                    <a:spcPct val="100000"/>
+                  </a:lnSpc>
+                  <a:spcBef>
+                    <a:spcPts val="0"/>
+                  </a:spcBef>
+                  <a:spcAft>
+                    <a:spcPts val="0"/>
+                  </a:spcAft>
+                  <a:buClrTx/>
+                  <a:buSzTx/>
+                  <a:buFontTx/>
+                  <a:buNone/>
+                  <a:tabLst/>
+                  <a:defRPr/>
+                </a:pPr>
+                <a:endParaRPr kumimoji="0" lang="en-US" sz="1800" b="0" i="0" u="none" strike="noStrike" kern="0" cap="none" spc="0" normalizeH="0" baseline="0" noProof="0">
+                  <a:ln>
+                    <a:noFill/>
+                  </a:ln>
+                  <a:solidFill>
+                    <a:prstClr val="white"/>
+                  </a:solidFill>
+                  <a:effectLst/>
+                  <a:uLnTx/>
+                  <a:uFillTx/>
+                  <a:latin typeface="Calibri" panose="020F0502020204030204"/>
+                  <a:ea typeface="+mn-ea"/>
+                  <a:cs typeface="+mn-cs"/>
+                </a:endParaRPr>
+              </a:p>
+            </p:txBody>
+          </p:sp>
+        </p:grpSp>
       </p:grpSp>
+      <p:sp>
+        <p:nvSpPr>
+          <p:cNvPr id="213" name="Rectangle 212">
+            <a:extLst>
+              <a:ext uri="{FF2B5EF4-FFF2-40B4-BE49-F238E27FC236}">
+                <a16:creationId xmlns:a16="http://schemas.microsoft.com/office/drawing/2014/main" id="{EB394EF4-A3F7-924B-A2E7-3568CE0EE0F3}"/>
+              </a:ext>
+            </a:extLst>
+          </p:cNvPr>
+          <p:cNvSpPr/>
+          <p:nvPr/>
+        </p:nvSpPr>
+        <p:spPr>
+          <a:xfrm>
+            <a:off x="10115415" y="4230209"/>
+            <a:ext cx="1087817" cy="868204"/>
+          </a:xfrm>
+          <a:prstGeom prst="rect">
+            <a:avLst/>
+          </a:prstGeom>
+          <a:noFill/>
+          <a:ln w="12700" cap="flat" cmpd="sng" algn="ctr">
+            <a:solidFill>
+              <a:schemeClr val="tx1">
+                <a:lumMod val="85000"/>
+                <a:lumOff val="15000"/>
+              </a:schemeClr>
+            </a:solidFill>
+            <a:prstDash val="solid"/>
+            <a:miter lim="800000"/>
+          </a:ln>
+          <a:effectLst/>
+        </p:spPr>
+        <p:txBody>
+          <a:bodyPr rtlCol="0" anchor="ctr"/>
+          <a:lstStyle/>
+          <a:p>
+            <a:pPr marL="0" marR="0" lvl="0" indent="0" algn="ctr" defTabSz="914400" eaLnBrk="1" fontAlgn="auto" latinLnBrk="0" hangingPunct="1">
+              <a:lnSpc>
+                <a:spcPct val="100000"/>
+              </a:lnSpc>
+              <a:spcBef>
+                <a:spcPts val="0"/>
+              </a:spcBef>
+              <a:spcAft>
+                <a:spcPts val="0"/>
+              </a:spcAft>
+              <a:buClrTx/>
+              <a:buSzTx/>
+              <a:buFontTx/>
+              <a:buNone/>
+              <a:tabLst/>
+              <a:defRPr/>
+            </a:pPr>
+            <a:endParaRPr kumimoji="0" lang="en-US" sz="1800" b="0" i="0" u="none" strike="noStrike" kern="0" cap="none" spc="0" normalizeH="0" baseline="0" noProof="0" dirty="0">
+              <a:ln>
+                <a:noFill/>
+              </a:ln>
+              <a:solidFill>
+                <a:prstClr val="white"/>
+              </a:solidFill>
+              <a:effectLst/>
+              <a:uLnTx/>
+              <a:uFillTx/>
+              <a:latin typeface="Calibri" panose="020F0502020204030204"/>
+              <a:ea typeface="+mn-ea"/>
+              <a:cs typeface="+mn-cs"/>
+            </a:endParaRPr>
+          </a:p>
+        </p:txBody>
+      </p:sp>
       <p:pic>
         <p:nvPicPr>
           <p:cNvPr id="219" name="Graphic 218" descr="Database with solid fill">
@@ -8480,7 +8354,7 @@
         </p:blipFill>
         <p:spPr>
           <a:xfrm>
-            <a:off x="10406967" y="4747061"/>
+            <a:off x="10406967" y="4423497"/>
             <a:ext cx="509856" cy="509856"/>
           </a:xfrm>
           <a:prstGeom prst="rect">
@@ -8502,7 +8376,7 @@
         </p:nvSpPr>
         <p:spPr>
           <a:xfrm>
-            <a:off x="9988340" y="5431980"/>
+            <a:off x="9988340" y="5143928"/>
             <a:ext cx="1313001" cy="461665"/>
           </a:xfrm>
           <a:prstGeom prst="rect">
@@ -8536,7 +8410,10 @@
             <a:r>
               <a:rPr lang="en-US" sz="1200" kern="0" dirty="0">
                 <a:solidFill>
-                  <a:prstClr val="black"/>
+                  <a:schemeClr val="tx1">
+                    <a:lumMod val="75000"/>
+                    <a:lumOff val="25000"/>
+                  </a:schemeClr>
                 </a:solidFill>
                 <a:latin typeface="Arial" panose="020B0604020202020204" pitchFamily="34" charset="0"/>
                 <a:cs typeface="Arial" panose="020B0604020202020204" pitchFamily="34" charset="0"/>
@@ -8549,7 +8426,10 @@
                   <a:noFill/>
                 </a:ln>
                 <a:solidFill>
-                  <a:prstClr val="black"/>
+                  <a:schemeClr val="tx1">
+                    <a:lumMod val="75000"/>
+                    <a:lumOff val="25000"/>
+                  </a:schemeClr>
                 </a:solidFill>
                 <a:effectLst/>
                 <a:uLnTx/>
@@ -8565,7 +8445,10 @@
                   <a:noFill/>
                 </a:ln>
                 <a:solidFill>
-                  <a:prstClr val="black"/>
+                  <a:schemeClr val="tx1">
+                    <a:lumMod val="75000"/>
+                    <a:lumOff val="25000"/>
+                  </a:schemeClr>
                 </a:solidFill>
                 <a:effectLst/>
                 <a:uLnTx/>
@@ -8592,7 +8475,7 @@
         </p:nvSpPr>
         <p:spPr>
           <a:xfrm>
-            <a:off x="8878247" y="3468967"/>
+            <a:off x="8878247" y="3145403"/>
             <a:ext cx="1287533" cy="307777"/>
           </a:xfrm>
           <a:prstGeom prst="rect">
@@ -8647,7 +8530,7 @@
         </p:blipFill>
         <p:spPr>
           <a:xfrm>
-            <a:off x="9017060" y="2582422"/>
+            <a:off x="9017060" y="2258858"/>
             <a:ext cx="914400" cy="914400"/>
           </a:xfrm>
           <a:prstGeom prst="rect">

--- a/docs/code_architecture.pptx
+++ b/docs/code_architecture.pptx
@@ -3466,7 +3466,7 @@
             <a:r>
               <a:rPr lang="en-US" sz="1200" b="1" dirty="0">
                 <a:solidFill>
-                  <a:srgbClr val="4730FC"/>
+                  <a:srgbClr val="0070C0"/>
                 </a:solidFill>
                 <a:latin typeface=""/>
               </a:rPr>
@@ -6753,7 +6753,7 @@
                 <a:r>
                   <a:rPr lang="en-US" sz="1200" b="1" dirty="0">
                     <a:solidFill>
-                      <a:srgbClr val="4730FC"/>
+                      <a:srgbClr val="0070C0"/>
                     </a:solidFill>
                     <a:latin typeface=""/>
                   </a:rPr>
@@ -7006,7 +7006,10 @@
             <a:noFill/>
             <a:ln w="12700" cap="flat" cmpd="sng" algn="ctr">
               <a:solidFill>
-                <a:srgbClr val="4730FC"/>
+                <a:schemeClr val="tx1">
+                  <a:lumMod val="85000"/>
+                  <a:lumOff val="15000"/>
+                </a:schemeClr>
               </a:solidFill>
               <a:prstDash val="sysDot"/>
               <a:miter lim="800000"/>
@@ -7200,7 +7203,9 @@
                 <a:avLst/>
               </a:prstGeom>
               <a:solidFill>
-                <a:srgbClr val="4730FC"/>
+                <a:schemeClr val="tx2">
+                  <a:lumMod val="10000"/>
+                </a:schemeClr>
               </a:solidFill>
               <a:ln w="28575" cap="flat" cmpd="sng" algn="ctr">
                 <a:noFill/>
@@ -7909,7 +7914,7 @@
           <a:blip r:embed="rId28">
             <a:extLst>
               <a:ext uri="{96DAC541-7B7A-43D3-8B79-37D633B846F1}">
-                <asvg:svgBlip xmlns:asvg="http://schemas.microsoft.com/office/drawing/2016/SVG/main" r:embed="rId29"/>
+                <asvg:svgBlip xmlns:asvg="http://schemas.microsoft.com/office/drawing/2016/SVG/main" r:embed="rId30"/>
               </a:ext>
             </a:extLst>
           </a:blip>
@@ -8341,10 +8346,10 @@
           <p:nvPr/>
         </p:nvPicPr>
         <p:blipFill>
-          <a:blip r:embed="rId30">
+          <a:blip r:embed="rId31">
             <a:extLst>
               <a:ext uri="{96DAC541-7B7A-43D3-8B79-37D633B846F1}">
-                <asvg:svgBlip xmlns:asvg="http://schemas.microsoft.com/office/drawing/2016/SVG/main" r:embed="rId31"/>
+                <asvg:svgBlip xmlns:asvg="http://schemas.microsoft.com/office/drawing/2016/SVG/main" r:embed="rId32"/>
               </a:ext>
             </a:extLst>
           </a:blip>
@@ -8517,10 +8522,10 @@
           <p:nvPr/>
         </p:nvPicPr>
         <p:blipFill>
-          <a:blip r:embed="rId32">
+          <a:blip r:embed="rId33">
             <a:extLst>
               <a:ext uri="{96DAC541-7B7A-43D3-8B79-37D633B846F1}">
-                <asvg:svgBlip xmlns:asvg="http://schemas.microsoft.com/office/drawing/2016/SVG/main" r:embed="rId33"/>
+                <asvg:svgBlip xmlns:asvg="http://schemas.microsoft.com/office/drawing/2016/SVG/main" r:embed="rId34"/>
               </a:ext>
             </a:extLst>
           </a:blip>

--- a/docs/code_architecture.pptx
+++ b/docs/code_architecture.pptx
@@ -259,7 +259,7 @@
           <a:p>
             <a:fld id="{7E403C90-7864-4C40-A504-B46ABA4FB44B}" type="datetimeFigureOut">
               <a:rPr lang="en-US" smtClean="0"/>
-              <a:t>1/25/22</a:t>
+              <a:t>2/15/22</a:t>
             </a:fld>
             <a:endParaRPr lang="en-US"/>
           </a:p>
@@ -457,7 +457,7 @@
           <a:p>
             <a:fld id="{7E403C90-7864-4C40-A504-B46ABA4FB44B}" type="datetimeFigureOut">
               <a:rPr lang="en-US" smtClean="0"/>
-              <a:t>1/25/22</a:t>
+              <a:t>2/15/22</a:t>
             </a:fld>
             <a:endParaRPr lang="en-US"/>
           </a:p>
@@ -665,7 +665,7 @@
           <a:p>
             <a:fld id="{7E403C90-7864-4C40-A504-B46ABA4FB44B}" type="datetimeFigureOut">
               <a:rPr lang="en-US" smtClean="0"/>
-              <a:t>1/25/22</a:t>
+              <a:t>2/15/22</a:t>
             </a:fld>
             <a:endParaRPr lang="en-US"/>
           </a:p>
@@ -863,7 +863,7 @@
           <a:p>
             <a:fld id="{7E403C90-7864-4C40-A504-B46ABA4FB44B}" type="datetimeFigureOut">
               <a:rPr lang="en-US" smtClean="0"/>
-              <a:t>1/25/22</a:t>
+              <a:t>2/15/22</a:t>
             </a:fld>
             <a:endParaRPr lang="en-US"/>
           </a:p>
@@ -1138,7 +1138,7 @@
           <a:p>
             <a:fld id="{7E403C90-7864-4C40-A504-B46ABA4FB44B}" type="datetimeFigureOut">
               <a:rPr lang="en-US" smtClean="0"/>
-              <a:t>1/25/22</a:t>
+              <a:t>2/15/22</a:t>
             </a:fld>
             <a:endParaRPr lang="en-US"/>
           </a:p>
@@ -1403,7 +1403,7 @@
           <a:p>
             <a:fld id="{7E403C90-7864-4C40-A504-B46ABA4FB44B}" type="datetimeFigureOut">
               <a:rPr lang="en-US" smtClean="0"/>
-              <a:t>1/25/22</a:t>
+              <a:t>2/15/22</a:t>
             </a:fld>
             <a:endParaRPr lang="en-US"/>
           </a:p>
@@ -1815,7 +1815,7 @@
           <a:p>
             <a:fld id="{7E403C90-7864-4C40-A504-B46ABA4FB44B}" type="datetimeFigureOut">
               <a:rPr lang="en-US" smtClean="0"/>
-              <a:t>1/25/22</a:t>
+              <a:t>2/15/22</a:t>
             </a:fld>
             <a:endParaRPr lang="en-US"/>
           </a:p>
@@ -1956,7 +1956,7 @@
           <a:p>
             <a:fld id="{7E403C90-7864-4C40-A504-B46ABA4FB44B}" type="datetimeFigureOut">
               <a:rPr lang="en-US" smtClean="0"/>
-              <a:t>1/25/22</a:t>
+              <a:t>2/15/22</a:t>
             </a:fld>
             <a:endParaRPr lang="en-US"/>
           </a:p>
@@ -2069,7 +2069,7 @@
           <a:p>
             <a:fld id="{7E403C90-7864-4C40-A504-B46ABA4FB44B}" type="datetimeFigureOut">
               <a:rPr lang="en-US" smtClean="0"/>
-              <a:t>1/25/22</a:t>
+              <a:t>2/15/22</a:t>
             </a:fld>
             <a:endParaRPr lang="en-US"/>
           </a:p>
@@ -2380,7 +2380,7 @@
           <a:p>
             <a:fld id="{7E403C90-7864-4C40-A504-B46ABA4FB44B}" type="datetimeFigureOut">
               <a:rPr lang="en-US" smtClean="0"/>
-              <a:t>1/25/22</a:t>
+              <a:t>2/15/22</a:t>
             </a:fld>
             <a:endParaRPr lang="en-US"/>
           </a:p>
@@ -2668,7 +2668,7 @@
           <a:p>
             <a:fld id="{7E403C90-7864-4C40-A504-B46ABA4FB44B}" type="datetimeFigureOut">
               <a:rPr lang="en-US" smtClean="0"/>
-              <a:t>1/25/22</a:t>
+              <a:t>2/15/22</a:t>
             </a:fld>
             <a:endParaRPr lang="en-US"/>
           </a:p>
@@ -2909,7 +2909,7 @@
           <a:p>
             <a:fld id="{7E403C90-7864-4C40-A504-B46ABA4FB44B}" type="datetimeFigureOut">
               <a:rPr lang="en-US" smtClean="0"/>
-              <a:t>1/25/22</a:t>
+              <a:t>2/15/22</a:t>
             </a:fld>
             <a:endParaRPr lang="en-US"/>
           </a:p>
